--- a/Azure Synapse Analytics - Feature Summary vs Status/Synapse Summary.pptx
+++ b/Azure Synapse Analytics - Feature Summary vs Status/Synapse Summary.pptx
@@ -7,6 +7,7 @@
   <p:sldIdLst>
     <p:sldId id="256" r:id="rId2"/>
     <p:sldId id="258" r:id="rId3"/>
+    <p:sldId id="259" r:id="rId4"/>
   </p:sldIdLst>
   <p:sldSz cx="12192000" cy="6858000"/>
   <p:notesSz cx="6858000" cy="9144000"/>
@@ -10458,6 +10459,3403 @@
 </p:sld>
 </file>
 
+<file path=ppt/slides/slide3.xml><?xml version="1.0" encoding="utf-8"?>
+<p:sld xmlns:a="http://schemas.openxmlformats.org/drawingml/2006/main" xmlns:r="http://schemas.openxmlformats.org/officeDocument/2006/relationships" xmlns:p="http://schemas.openxmlformats.org/presentationml/2006/main">
+  <p:cSld>
+    <p:bg>
+      <p:bgPr>
+        <a:blipFill dpi="0" rotWithShape="1">
+          <a:blip r:embed="rId2">
+            <a:alphaModFix amt="15000"/>
+            <a:lum/>
+          </a:blip>
+          <a:srcRect/>
+          <a:stretch>
+            <a:fillRect/>
+          </a:stretch>
+        </a:blipFill>
+        <a:effectLst/>
+      </p:bgPr>
+    </p:bg>
+    <p:spTree>
+      <p:nvGrpSpPr>
+        <p:cNvPr id="1" name=""/>
+        <p:cNvGrpSpPr/>
+        <p:nvPr/>
+      </p:nvGrpSpPr>
+      <p:grpSpPr>
+        <a:xfrm>
+          <a:off x="0" y="0"/>
+          <a:ext cx="0" cy="0"/>
+          <a:chOff x="0" y="0"/>
+          <a:chExt cx="0" cy="0"/>
+        </a:xfrm>
+      </p:grpSpPr>
+      <p:pic>
+        <p:nvPicPr>
+          <p:cNvPr id="4" name="Picture 3">
+            <a:extLst>
+              <a:ext uri="{FF2B5EF4-FFF2-40B4-BE49-F238E27FC236}">
+                <a16:creationId xmlns:a16="http://schemas.microsoft.com/office/drawing/2014/main" id="{E017A688-2CF4-4E4A-8728-D0E68CEF1694}"/>
+              </a:ext>
+            </a:extLst>
+          </p:cNvPr>
+          <p:cNvPicPr>
+            <a:picLocks noChangeAspect="1"/>
+          </p:cNvPicPr>
+          <p:nvPr/>
+        </p:nvPicPr>
+        <p:blipFill>
+          <a:blip r:embed="rId3"/>
+          <a:stretch>
+            <a:fillRect/>
+          </a:stretch>
+        </p:blipFill>
+        <p:spPr>
+          <a:xfrm>
+            <a:off x="3371497" y="4126511"/>
+            <a:ext cx="367299" cy="338352"/>
+          </a:xfrm>
+          <a:prstGeom prst="rect">
+            <a:avLst/>
+          </a:prstGeom>
+        </p:spPr>
+      </p:pic>
+      <p:pic>
+        <p:nvPicPr>
+          <p:cNvPr id="6" name="Picture 5">
+            <a:extLst>
+              <a:ext uri="{FF2B5EF4-FFF2-40B4-BE49-F238E27FC236}">
+                <a16:creationId xmlns:a16="http://schemas.microsoft.com/office/drawing/2014/main" id="{4EFA57BF-36FD-4FC7-9994-16D07C8AF434}"/>
+              </a:ext>
+            </a:extLst>
+          </p:cNvPr>
+          <p:cNvPicPr>
+            <a:picLocks noChangeAspect="1"/>
+          </p:cNvPicPr>
+          <p:nvPr/>
+        </p:nvPicPr>
+        <p:blipFill>
+          <a:blip r:embed="rId4"/>
+          <a:stretch>
+            <a:fillRect/>
+          </a:stretch>
+        </p:blipFill>
+        <p:spPr>
+          <a:xfrm>
+            <a:off x="3408480" y="1923207"/>
+            <a:ext cx="366872" cy="192763"/>
+          </a:xfrm>
+          <a:prstGeom prst="rect">
+            <a:avLst/>
+          </a:prstGeom>
+        </p:spPr>
+      </p:pic>
+      <p:pic>
+        <p:nvPicPr>
+          <p:cNvPr id="7" name="Picture 6">
+            <a:extLst>
+              <a:ext uri="{FF2B5EF4-FFF2-40B4-BE49-F238E27FC236}">
+                <a16:creationId xmlns:a16="http://schemas.microsoft.com/office/drawing/2014/main" id="{4211E1EA-2660-40D9-8F19-FD6EDD100448}"/>
+              </a:ext>
+            </a:extLst>
+          </p:cNvPr>
+          <p:cNvPicPr>
+            <a:picLocks noChangeAspect="1"/>
+          </p:cNvPicPr>
+          <p:nvPr/>
+        </p:nvPicPr>
+        <p:blipFill>
+          <a:blip r:embed="rId5"/>
+          <a:stretch>
+            <a:fillRect/>
+          </a:stretch>
+        </p:blipFill>
+        <p:spPr>
+          <a:xfrm>
+            <a:off x="3410434" y="948666"/>
+            <a:ext cx="362964" cy="296843"/>
+          </a:xfrm>
+          <a:prstGeom prst="rect">
+            <a:avLst/>
+          </a:prstGeom>
+        </p:spPr>
+      </p:pic>
+      <p:pic>
+        <p:nvPicPr>
+          <p:cNvPr id="8" name="Picture 7">
+            <a:extLst>
+              <a:ext uri="{FF2B5EF4-FFF2-40B4-BE49-F238E27FC236}">
+                <a16:creationId xmlns:a16="http://schemas.microsoft.com/office/drawing/2014/main" id="{8549D875-FA59-426F-B161-E4FA5FCCC3F5}"/>
+              </a:ext>
+            </a:extLst>
+          </p:cNvPr>
+          <p:cNvPicPr>
+            <a:picLocks noChangeAspect="1"/>
+          </p:cNvPicPr>
+          <p:nvPr/>
+        </p:nvPicPr>
+        <p:blipFill>
+          <a:blip r:embed="rId6"/>
+          <a:stretch>
+            <a:fillRect/>
+          </a:stretch>
+        </p:blipFill>
+        <p:spPr>
+          <a:xfrm>
+            <a:off x="3408479" y="2241307"/>
+            <a:ext cx="329229" cy="435596"/>
+          </a:xfrm>
+          <a:prstGeom prst="rect">
+            <a:avLst/>
+          </a:prstGeom>
+        </p:spPr>
+      </p:pic>
+      <p:pic>
+        <p:nvPicPr>
+          <p:cNvPr id="9" name="Picture 8">
+            <a:extLst>
+              <a:ext uri="{FF2B5EF4-FFF2-40B4-BE49-F238E27FC236}">
+                <a16:creationId xmlns:a16="http://schemas.microsoft.com/office/drawing/2014/main" id="{5FF30033-D3C6-47D6-B2CD-1D5180428C3C}"/>
+              </a:ext>
+            </a:extLst>
+          </p:cNvPr>
+          <p:cNvPicPr>
+            <a:picLocks noChangeAspect="1"/>
+          </p:cNvPicPr>
+          <p:nvPr/>
+        </p:nvPicPr>
+        <p:blipFill>
+          <a:blip r:embed="rId7"/>
+          <a:stretch>
+            <a:fillRect/>
+          </a:stretch>
+        </p:blipFill>
+        <p:spPr>
+          <a:xfrm>
+            <a:off x="3408712" y="2804675"/>
+            <a:ext cx="329229" cy="335294"/>
+          </a:xfrm>
+          <a:prstGeom prst="rect">
+            <a:avLst/>
+          </a:prstGeom>
+        </p:spPr>
+      </p:pic>
+      <p:pic>
+        <p:nvPicPr>
+          <p:cNvPr id="10" name="Picture 9">
+            <a:extLst>
+              <a:ext uri="{FF2B5EF4-FFF2-40B4-BE49-F238E27FC236}">
+                <a16:creationId xmlns:a16="http://schemas.microsoft.com/office/drawing/2014/main" id="{B20CBA6C-0B61-4C6A-A3B3-8D11A3EECA06}"/>
+              </a:ext>
+            </a:extLst>
+          </p:cNvPr>
+          <p:cNvPicPr>
+            <a:picLocks noChangeAspect="1"/>
+          </p:cNvPicPr>
+          <p:nvPr/>
+        </p:nvPicPr>
+        <p:blipFill>
+          <a:blip r:embed="rId8"/>
+          <a:stretch>
+            <a:fillRect/>
+          </a:stretch>
+        </p:blipFill>
+        <p:spPr>
+          <a:xfrm>
+            <a:off x="3371497" y="3745548"/>
+            <a:ext cx="366872" cy="244878"/>
+          </a:xfrm>
+          <a:prstGeom prst="rect">
+            <a:avLst/>
+          </a:prstGeom>
+        </p:spPr>
+      </p:pic>
+      <p:pic>
+        <p:nvPicPr>
+          <p:cNvPr id="11" name="Picture 2" descr="Data Visualization | Microsoft Power BI">
+            <a:extLst>
+              <a:ext uri="{FF2B5EF4-FFF2-40B4-BE49-F238E27FC236}">
+                <a16:creationId xmlns:a16="http://schemas.microsoft.com/office/drawing/2014/main" id="{49BF6EC8-D0A7-4470-BFF6-7D55F51DBE9F}"/>
+              </a:ext>
+            </a:extLst>
+          </p:cNvPr>
+          <p:cNvPicPr>
+            <a:picLocks noChangeAspect="1" noChangeArrowheads="1"/>
+          </p:cNvPicPr>
+          <p:nvPr/>
+        </p:nvPicPr>
+        <p:blipFill rotWithShape="1">
+          <a:blip r:embed="rId9">
+            <a:extLst>
+              <a:ext uri="{28A0092B-C50C-407E-A947-70E740481C1C}">
+                <a14:useLocalDpi xmlns:a14="http://schemas.microsoft.com/office/drawing/2010/main" val="0"/>
+              </a:ext>
+            </a:extLst>
+          </a:blip>
+          <a:srcRect l="28476" r="27778"/>
+          <a:stretch/>
+        </p:blipFill>
+        <p:spPr bwMode="auto">
+          <a:xfrm>
+            <a:off x="3412388" y="1366560"/>
+            <a:ext cx="362964" cy="435596"/>
+          </a:xfrm>
+          <a:prstGeom prst="rect">
+            <a:avLst/>
+          </a:prstGeom>
+          <a:noFill/>
+          <a:extLst>
+            <a:ext uri="{909E8E84-426E-40DD-AFC4-6F175D3DCCD1}">
+              <a14:hiddenFill xmlns:a14="http://schemas.microsoft.com/office/drawing/2010/main">
+                <a:solidFill>
+                  <a:srgbClr val="FFFFFF"/>
+                </a:solidFill>
+              </a14:hiddenFill>
+            </a:ext>
+          </a:extLst>
+        </p:spPr>
+      </p:pic>
+      <p:pic>
+        <p:nvPicPr>
+          <p:cNvPr id="12" name="Picture 11">
+            <a:extLst>
+              <a:ext uri="{FF2B5EF4-FFF2-40B4-BE49-F238E27FC236}">
+                <a16:creationId xmlns:a16="http://schemas.microsoft.com/office/drawing/2014/main" id="{4ED8C91E-B4F2-432A-9FE7-2188CE23D400}"/>
+              </a:ext>
+            </a:extLst>
+          </p:cNvPr>
+          <p:cNvPicPr>
+            <a:picLocks noChangeAspect="1"/>
+          </p:cNvPicPr>
+          <p:nvPr/>
+        </p:nvPicPr>
+        <p:blipFill>
+          <a:blip r:embed="rId10"/>
+          <a:stretch>
+            <a:fillRect/>
+          </a:stretch>
+        </p:blipFill>
+        <p:spPr>
+          <a:xfrm>
+            <a:off x="3408479" y="3267741"/>
+            <a:ext cx="329462" cy="338352"/>
+          </a:xfrm>
+          <a:prstGeom prst="rect">
+            <a:avLst/>
+          </a:prstGeom>
+        </p:spPr>
+      </p:pic>
+      <p:pic>
+        <p:nvPicPr>
+          <p:cNvPr id="13" name="Picture 12">
+            <a:extLst>
+              <a:ext uri="{FF2B5EF4-FFF2-40B4-BE49-F238E27FC236}">
+                <a16:creationId xmlns:a16="http://schemas.microsoft.com/office/drawing/2014/main" id="{ECD5FD7E-4909-460A-B5D8-E96974BE10ED}"/>
+              </a:ext>
+            </a:extLst>
+          </p:cNvPr>
+          <p:cNvPicPr>
+            <a:picLocks noChangeAspect="1"/>
+          </p:cNvPicPr>
+          <p:nvPr/>
+        </p:nvPicPr>
+        <p:blipFill>
+          <a:blip r:embed="rId11"/>
+          <a:stretch>
+            <a:fillRect/>
+          </a:stretch>
+        </p:blipFill>
+        <p:spPr>
+          <a:xfrm>
+            <a:off x="3371069" y="6444280"/>
+            <a:ext cx="367300" cy="367300"/>
+          </a:xfrm>
+          <a:prstGeom prst="rect">
+            <a:avLst/>
+          </a:prstGeom>
+        </p:spPr>
+      </p:pic>
+      <p:pic>
+        <p:nvPicPr>
+          <p:cNvPr id="14" name="Picture 13">
+            <a:extLst>
+              <a:ext uri="{FF2B5EF4-FFF2-40B4-BE49-F238E27FC236}">
+                <a16:creationId xmlns:a16="http://schemas.microsoft.com/office/drawing/2014/main" id="{74E5835B-2C15-4A58-9A0D-EDB533CF61E6}"/>
+              </a:ext>
+            </a:extLst>
+          </p:cNvPr>
+          <p:cNvPicPr>
+            <a:picLocks noChangeAspect="1"/>
+          </p:cNvPicPr>
+          <p:nvPr/>
+        </p:nvPicPr>
+        <p:blipFill>
+          <a:blip r:embed="rId12"/>
+          <a:stretch>
+            <a:fillRect/>
+          </a:stretch>
+        </p:blipFill>
+        <p:spPr>
+          <a:xfrm>
+            <a:off x="3368501" y="5955957"/>
+            <a:ext cx="369207" cy="367299"/>
+          </a:xfrm>
+          <a:prstGeom prst="rect">
+            <a:avLst/>
+          </a:prstGeom>
+        </p:spPr>
+      </p:pic>
+      <p:pic>
+        <p:nvPicPr>
+          <p:cNvPr id="15" name="Picture 14">
+            <a:extLst>
+              <a:ext uri="{FF2B5EF4-FFF2-40B4-BE49-F238E27FC236}">
+                <a16:creationId xmlns:a16="http://schemas.microsoft.com/office/drawing/2014/main" id="{A763B03B-2EDC-4AED-88C3-548D1DB1DCF5}"/>
+              </a:ext>
+            </a:extLst>
+          </p:cNvPr>
+          <p:cNvPicPr>
+            <a:picLocks noChangeAspect="1"/>
+          </p:cNvPicPr>
+          <p:nvPr/>
+        </p:nvPicPr>
+        <p:blipFill>
+          <a:blip r:embed="rId13"/>
+          <a:stretch>
+            <a:fillRect/>
+          </a:stretch>
+        </p:blipFill>
+        <p:spPr>
+          <a:xfrm>
+            <a:off x="3371069" y="5107787"/>
+            <a:ext cx="368728" cy="367299"/>
+          </a:xfrm>
+          <a:prstGeom prst="rect">
+            <a:avLst/>
+          </a:prstGeom>
+        </p:spPr>
+      </p:pic>
+      <p:pic>
+        <p:nvPicPr>
+          <p:cNvPr id="16" name="Picture 15">
+            <a:extLst>
+              <a:ext uri="{FF2B5EF4-FFF2-40B4-BE49-F238E27FC236}">
+                <a16:creationId xmlns:a16="http://schemas.microsoft.com/office/drawing/2014/main" id="{CBB97E4F-5214-4CD0-ADA8-3C2A1A8155C0}"/>
+              </a:ext>
+            </a:extLst>
+          </p:cNvPr>
+          <p:cNvPicPr>
+            <a:picLocks noChangeAspect="1"/>
+          </p:cNvPicPr>
+          <p:nvPr/>
+        </p:nvPicPr>
+        <p:blipFill>
+          <a:blip r:embed="rId14"/>
+          <a:stretch>
+            <a:fillRect/>
+          </a:stretch>
+        </p:blipFill>
+        <p:spPr>
+          <a:xfrm>
+            <a:off x="3371497" y="4604318"/>
+            <a:ext cx="367299" cy="367299"/>
+          </a:xfrm>
+          <a:prstGeom prst="rect">
+            <a:avLst/>
+          </a:prstGeom>
+        </p:spPr>
+      </p:pic>
+      <p:pic>
+        <p:nvPicPr>
+          <p:cNvPr id="17" name="Picture 16">
+            <a:extLst>
+              <a:ext uri="{FF2B5EF4-FFF2-40B4-BE49-F238E27FC236}">
+                <a16:creationId xmlns:a16="http://schemas.microsoft.com/office/drawing/2014/main" id="{E979E239-A6A6-4F9B-9772-073CA0AA74D6}"/>
+              </a:ext>
+            </a:extLst>
+          </p:cNvPr>
+          <p:cNvPicPr>
+            <a:picLocks noChangeAspect="1"/>
+          </p:cNvPicPr>
+          <p:nvPr/>
+        </p:nvPicPr>
+        <p:blipFill>
+          <a:blip r:embed="rId15"/>
+          <a:stretch>
+            <a:fillRect/>
+          </a:stretch>
+        </p:blipFill>
+        <p:spPr>
+          <a:xfrm>
+            <a:off x="3370836" y="5614541"/>
+            <a:ext cx="366872" cy="220392"/>
+          </a:xfrm>
+          <a:prstGeom prst="rect">
+            <a:avLst/>
+          </a:prstGeom>
+        </p:spPr>
+      </p:pic>
+      <p:pic>
+        <p:nvPicPr>
+          <p:cNvPr id="20" name="Picture 19">
+            <a:extLst>
+              <a:ext uri="{FF2B5EF4-FFF2-40B4-BE49-F238E27FC236}">
+                <a16:creationId xmlns:a16="http://schemas.microsoft.com/office/drawing/2014/main" id="{FFB732B9-C5B7-46B9-AC57-4B92FF59A8EE}"/>
+              </a:ext>
+            </a:extLst>
+          </p:cNvPr>
+          <p:cNvPicPr>
+            <a:picLocks noChangeAspect="1"/>
+          </p:cNvPicPr>
+          <p:nvPr/>
+        </p:nvPicPr>
+        <p:blipFill>
+          <a:blip r:embed="rId16"/>
+          <a:stretch>
+            <a:fillRect/>
+          </a:stretch>
+        </p:blipFill>
+        <p:spPr>
+          <a:xfrm>
+            <a:off x="3409885" y="530037"/>
+            <a:ext cx="364061" cy="285165"/>
+          </a:xfrm>
+          <a:prstGeom prst="rect">
+            <a:avLst/>
+          </a:prstGeom>
+        </p:spPr>
+      </p:pic>
+      <p:sp>
+        <p:nvSpPr>
+          <p:cNvPr id="25" name="Title 14">
+            <a:extLst>
+              <a:ext uri="{FF2B5EF4-FFF2-40B4-BE49-F238E27FC236}">
+                <a16:creationId xmlns:a16="http://schemas.microsoft.com/office/drawing/2014/main" id="{87992B45-E4F2-4EA3-90B4-DFFC2CF253BE}"/>
+              </a:ext>
+            </a:extLst>
+          </p:cNvPr>
+          <p:cNvSpPr txBox="1">
+            <a:spLocks/>
+          </p:cNvSpPr>
+          <p:nvPr/>
+        </p:nvSpPr>
+        <p:spPr>
+          <a:xfrm>
+            <a:off x="3822526" y="3761706"/>
+            <a:ext cx="1410203" cy="215963"/>
+          </a:xfrm>
+          <a:prstGeom prst="rect">
+            <a:avLst/>
+          </a:prstGeom>
+        </p:spPr>
+        <p:txBody>
+          <a:bodyPr vert="horz" lIns="91440" tIns="45720" rIns="91440" bIns="45720" rtlCol="0" anchor="b">
+            <a:normAutofit fontScale="52500" lnSpcReduction="20000"/>
+          </a:bodyPr>
+          <a:lstStyle>
+            <a:lvl1pPr algn="ctr" defTabSz="914400" rtl="0" eaLnBrk="1" latinLnBrk="0" hangingPunct="1">
+              <a:lnSpc>
+                <a:spcPct val="90000"/>
+              </a:lnSpc>
+              <a:spcBef>
+                <a:spcPct val="0"/>
+              </a:spcBef>
+              <a:buNone/>
+              <a:defRPr sz="6000" kern="1200">
+                <a:solidFill>
+                  <a:schemeClr val="tx1"/>
+                </a:solidFill>
+                <a:latin typeface="+mj-lt"/>
+                <a:ea typeface="+mj-ea"/>
+                <a:cs typeface="+mj-cs"/>
+              </a:defRPr>
+            </a:lvl1pPr>
+          </a:lstStyle>
+          <a:p>
+            <a:pPr algn="l"/>
+            <a:r>
+              <a:rPr lang="en-GB" sz="1800" dirty="0"/>
+              <a:t>Integration Pipelines</a:t>
+            </a:r>
+          </a:p>
+        </p:txBody>
+      </p:sp>
+      <p:sp>
+        <p:nvSpPr>
+          <p:cNvPr id="26" name="Title 14">
+            <a:extLst>
+              <a:ext uri="{FF2B5EF4-FFF2-40B4-BE49-F238E27FC236}">
+                <a16:creationId xmlns:a16="http://schemas.microsoft.com/office/drawing/2014/main" id="{98EC400E-A372-45FF-9D9D-61D1A259C7F5}"/>
+              </a:ext>
+            </a:extLst>
+          </p:cNvPr>
+          <p:cNvSpPr txBox="1">
+            <a:spLocks/>
+          </p:cNvSpPr>
+          <p:nvPr/>
+        </p:nvSpPr>
+        <p:spPr>
+          <a:xfrm>
+            <a:off x="3822527" y="3328935"/>
+            <a:ext cx="898602" cy="215963"/>
+          </a:xfrm>
+          <a:prstGeom prst="rect">
+            <a:avLst/>
+          </a:prstGeom>
+        </p:spPr>
+        <p:txBody>
+          <a:bodyPr vert="horz" lIns="91440" tIns="45720" rIns="91440" bIns="45720" rtlCol="0" anchor="b">
+            <a:normAutofit fontScale="52500" lnSpcReduction="20000"/>
+          </a:bodyPr>
+          <a:lstStyle>
+            <a:lvl1pPr algn="ctr" defTabSz="914400" rtl="0" eaLnBrk="1" latinLnBrk="0" hangingPunct="1">
+              <a:lnSpc>
+                <a:spcPct val="90000"/>
+              </a:lnSpc>
+              <a:spcBef>
+                <a:spcPct val="0"/>
+              </a:spcBef>
+              <a:buNone/>
+              <a:defRPr sz="6000" kern="1200">
+                <a:solidFill>
+                  <a:schemeClr val="tx1"/>
+                </a:solidFill>
+                <a:latin typeface="+mj-lt"/>
+                <a:ea typeface="+mj-ea"/>
+                <a:cs typeface="+mj-cs"/>
+              </a:defRPr>
+            </a:lvl1pPr>
+          </a:lstStyle>
+          <a:p>
+            <a:pPr algn="l"/>
+            <a:r>
+              <a:rPr lang="en-GB" sz="1800" dirty="0"/>
+              <a:t>Data Flows</a:t>
+            </a:r>
+          </a:p>
+        </p:txBody>
+      </p:sp>
+      <p:sp>
+        <p:nvSpPr>
+          <p:cNvPr id="27" name="Title 14">
+            <a:extLst>
+              <a:ext uri="{FF2B5EF4-FFF2-40B4-BE49-F238E27FC236}">
+                <a16:creationId xmlns:a16="http://schemas.microsoft.com/office/drawing/2014/main" id="{DD82D60F-B487-47A4-AE31-1519D9A20EE1}"/>
+              </a:ext>
+            </a:extLst>
+          </p:cNvPr>
+          <p:cNvSpPr txBox="1">
+            <a:spLocks/>
+          </p:cNvSpPr>
+          <p:nvPr/>
+        </p:nvSpPr>
+        <p:spPr>
+          <a:xfrm>
+            <a:off x="3820591" y="2859090"/>
+            <a:ext cx="1187650" cy="215963"/>
+          </a:xfrm>
+          <a:prstGeom prst="rect">
+            <a:avLst/>
+          </a:prstGeom>
+        </p:spPr>
+        <p:txBody>
+          <a:bodyPr vert="horz" lIns="91440" tIns="45720" rIns="91440" bIns="45720" rtlCol="0" anchor="b">
+            <a:normAutofit fontScale="97500"/>
+          </a:bodyPr>
+          <a:lstStyle>
+            <a:lvl1pPr algn="ctr" defTabSz="914400" rtl="0" eaLnBrk="1" latinLnBrk="0" hangingPunct="1">
+              <a:lnSpc>
+                <a:spcPct val="90000"/>
+              </a:lnSpc>
+              <a:spcBef>
+                <a:spcPct val="0"/>
+              </a:spcBef>
+              <a:buNone/>
+              <a:defRPr sz="6000" kern="1200">
+                <a:solidFill>
+                  <a:schemeClr val="tx1"/>
+                </a:solidFill>
+                <a:latin typeface="+mj-lt"/>
+                <a:ea typeface="+mj-ea"/>
+                <a:cs typeface="+mj-cs"/>
+              </a:defRPr>
+            </a:lvl1pPr>
+          </a:lstStyle>
+          <a:p>
+            <a:pPr algn="l"/>
+            <a:r>
+              <a:rPr lang="en-GB" sz="900" dirty="0"/>
+              <a:t>SQL Pools (SQLDW)</a:t>
+            </a:r>
+          </a:p>
+        </p:txBody>
+      </p:sp>
+      <p:sp>
+        <p:nvSpPr>
+          <p:cNvPr id="28" name="Title 14">
+            <a:extLst>
+              <a:ext uri="{FF2B5EF4-FFF2-40B4-BE49-F238E27FC236}">
+                <a16:creationId xmlns:a16="http://schemas.microsoft.com/office/drawing/2014/main" id="{BB151144-895A-4DFC-A3E6-D1BAAC051B08}"/>
+              </a:ext>
+            </a:extLst>
+          </p:cNvPr>
+          <p:cNvSpPr txBox="1">
+            <a:spLocks/>
+          </p:cNvSpPr>
+          <p:nvPr/>
+        </p:nvSpPr>
+        <p:spPr>
+          <a:xfrm>
+            <a:off x="3820591" y="2351123"/>
+            <a:ext cx="1187650" cy="215963"/>
+          </a:xfrm>
+          <a:prstGeom prst="rect">
+            <a:avLst/>
+          </a:prstGeom>
+        </p:spPr>
+        <p:txBody>
+          <a:bodyPr vert="horz" lIns="91440" tIns="45720" rIns="91440" bIns="45720" rtlCol="0" anchor="b">
+            <a:normAutofit fontScale="97500"/>
+          </a:bodyPr>
+          <a:lstStyle>
+            <a:lvl1pPr algn="ctr" defTabSz="914400" rtl="0" eaLnBrk="1" latinLnBrk="0" hangingPunct="1">
+              <a:lnSpc>
+                <a:spcPct val="90000"/>
+              </a:lnSpc>
+              <a:spcBef>
+                <a:spcPct val="0"/>
+              </a:spcBef>
+              <a:buNone/>
+              <a:defRPr sz="6000" kern="1200">
+                <a:solidFill>
+                  <a:schemeClr val="tx1"/>
+                </a:solidFill>
+                <a:latin typeface="+mj-lt"/>
+                <a:ea typeface="+mj-ea"/>
+                <a:cs typeface="+mj-cs"/>
+              </a:defRPr>
+            </a:lvl1pPr>
+          </a:lstStyle>
+          <a:p>
+            <a:pPr algn="l"/>
+            <a:r>
+              <a:rPr lang="en-GB" sz="900" dirty="0"/>
+              <a:t>SQL On-Demand</a:t>
+            </a:r>
+          </a:p>
+        </p:txBody>
+      </p:sp>
+      <p:sp>
+        <p:nvSpPr>
+          <p:cNvPr id="29" name="Title 14">
+            <a:extLst>
+              <a:ext uri="{FF2B5EF4-FFF2-40B4-BE49-F238E27FC236}">
+                <a16:creationId xmlns:a16="http://schemas.microsoft.com/office/drawing/2014/main" id="{FCC261C4-388A-413F-B131-5CB9F2FB78F7}"/>
+              </a:ext>
+            </a:extLst>
+          </p:cNvPr>
+          <p:cNvSpPr txBox="1">
+            <a:spLocks/>
+          </p:cNvSpPr>
+          <p:nvPr/>
+        </p:nvSpPr>
+        <p:spPr>
+          <a:xfrm>
+            <a:off x="3820591" y="1918352"/>
+            <a:ext cx="1187650" cy="215963"/>
+          </a:xfrm>
+          <a:prstGeom prst="rect">
+            <a:avLst/>
+          </a:prstGeom>
+        </p:spPr>
+        <p:txBody>
+          <a:bodyPr vert="horz" lIns="91440" tIns="45720" rIns="91440" bIns="45720" rtlCol="0" anchor="b">
+            <a:normAutofit fontScale="97500"/>
+          </a:bodyPr>
+          <a:lstStyle>
+            <a:lvl1pPr algn="ctr" defTabSz="914400" rtl="0" eaLnBrk="1" latinLnBrk="0" hangingPunct="1">
+              <a:lnSpc>
+                <a:spcPct val="90000"/>
+              </a:lnSpc>
+              <a:spcBef>
+                <a:spcPct val="0"/>
+              </a:spcBef>
+              <a:buNone/>
+              <a:defRPr sz="6000" kern="1200">
+                <a:solidFill>
+                  <a:schemeClr val="tx1"/>
+                </a:solidFill>
+                <a:latin typeface="+mj-lt"/>
+                <a:ea typeface="+mj-ea"/>
+                <a:cs typeface="+mj-cs"/>
+              </a:defRPr>
+            </a:lvl1pPr>
+          </a:lstStyle>
+          <a:p>
+            <a:pPr algn="l"/>
+            <a:r>
+              <a:rPr lang="en-GB" sz="900" dirty="0"/>
+              <a:t>Spark Compute Pools</a:t>
+            </a:r>
+          </a:p>
+        </p:txBody>
+      </p:sp>
+      <p:sp>
+        <p:nvSpPr>
+          <p:cNvPr id="30" name="Title 14">
+            <a:extLst>
+              <a:ext uri="{FF2B5EF4-FFF2-40B4-BE49-F238E27FC236}">
+                <a16:creationId xmlns:a16="http://schemas.microsoft.com/office/drawing/2014/main" id="{714418EB-2F7D-4B65-8D74-42951C461A0E}"/>
+              </a:ext>
+            </a:extLst>
+          </p:cNvPr>
+          <p:cNvSpPr txBox="1">
+            <a:spLocks/>
+          </p:cNvSpPr>
+          <p:nvPr/>
+        </p:nvSpPr>
+        <p:spPr>
+          <a:xfrm>
+            <a:off x="3820591" y="1476376"/>
+            <a:ext cx="1187650" cy="215963"/>
+          </a:xfrm>
+          <a:prstGeom prst="rect">
+            <a:avLst/>
+          </a:prstGeom>
+        </p:spPr>
+        <p:txBody>
+          <a:bodyPr vert="horz" lIns="91440" tIns="45720" rIns="91440" bIns="45720" rtlCol="0" anchor="b">
+            <a:normAutofit fontScale="97500"/>
+          </a:bodyPr>
+          <a:lstStyle>
+            <a:lvl1pPr algn="ctr" defTabSz="914400" rtl="0" eaLnBrk="1" latinLnBrk="0" hangingPunct="1">
+              <a:lnSpc>
+                <a:spcPct val="90000"/>
+              </a:lnSpc>
+              <a:spcBef>
+                <a:spcPct val="0"/>
+              </a:spcBef>
+              <a:buNone/>
+              <a:defRPr sz="6000" kern="1200">
+                <a:solidFill>
+                  <a:schemeClr val="tx1"/>
+                </a:solidFill>
+                <a:latin typeface="+mj-lt"/>
+                <a:ea typeface="+mj-ea"/>
+                <a:cs typeface="+mj-cs"/>
+              </a:defRPr>
+            </a:lvl1pPr>
+          </a:lstStyle>
+          <a:p>
+            <a:pPr algn="l"/>
+            <a:r>
+              <a:rPr lang="en-GB" sz="900" dirty="0"/>
+              <a:t>Power BI Integration</a:t>
+            </a:r>
+          </a:p>
+        </p:txBody>
+      </p:sp>
+      <p:sp>
+        <p:nvSpPr>
+          <p:cNvPr id="31" name="Title 14">
+            <a:extLst>
+              <a:ext uri="{FF2B5EF4-FFF2-40B4-BE49-F238E27FC236}">
+                <a16:creationId xmlns:a16="http://schemas.microsoft.com/office/drawing/2014/main" id="{3D3AFDE9-29E6-4240-A596-BEB7FB394BA3}"/>
+              </a:ext>
+            </a:extLst>
+          </p:cNvPr>
+          <p:cNvSpPr txBox="1">
+            <a:spLocks/>
+          </p:cNvSpPr>
+          <p:nvPr/>
+        </p:nvSpPr>
+        <p:spPr>
+          <a:xfrm>
+            <a:off x="3820591" y="984233"/>
+            <a:ext cx="1187650" cy="215963"/>
+          </a:xfrm>
+          <a:prstGeom prst="rect">
+            <a:avLst/>
+          </a:prstGeom>
+        </p:spPr>
+        <p:txBody>
+          <a:bodyPr vert="horz" lIns="91440" tIns="45720" rIns="91440" bIns="45720" rtlCol="0" anchor="b">
+            <a:normAutofit fontScale="97500"/>
+          </a:bodyPr>
+          <a:lstStyle>
+            <a:lvl1pPr algn="ctr" defTabSz="914400" rtl="0" eaLnBrk="1" latinLnBrk="0" hangingPunct="1">
+              <a:lnSpc>
+                <a:spcPct val="90000"/>
+              </a:lnSpc>
+              <a:spcBef>
+                <a:spcPct val="0"/>
+              </a:spcBef>
+              <a:buNone/>
+              <a:defRPr sz="6000" kern="1200">
+                <a:solidFill>
+                  <a:schemeClr val="tx1"/>
+                </a:solidFill>
+                <a:latin typeface="+mj-lt"/>
+                <a:ea typeface="+mj-ea"/>
+                <a:cs typeface="+mj-cs"/>
+              </a:defRPr>
+            </a:lvl1pPr>
+          </a:lstStyle>
+          <a:p>
+            <a:pPr algn="l"/>
+            <a:r>
+              <a:rPr lang="en-GB" sz="900" dirty="0"/>
+              <a:t>Data Lake Storage</a:t>
+            </a:r>
+          </a:p>
+        </p:txBody>
+      </p:sp>
+      <p:sp>
+        <p:nvSpPr>
+          <p:cNvPr id="32" name="Title 14">
+            <a:extLst>
+              <a:ext uri="{FF2B5EF4-FFF2-40B4-BE49-F238E27FC236}">
+                <a16:creationId xmlns:a16="http://schemas.microsoft.com/office/drawing/2014/main" id="{CCA4E82B-70D6-4243-8AF6-898CF3C6C2F1}"/>
+              </a:ext>
+            </a:extLst>
+          </p:cNvPr>
+          <p:cNvSpPr txBox="1">
+            <a:spLocks/>
+          </p:cNvSpPr>
+          <p:nvPr/>
+        </p:nvSpPr>
+        <p:spPr>
+          <a:xfrm>
+            <a:off x="3820591" y="564196"/>
+            <a:ext cx="1187650" cy="215963"/>
+          </a:xfrm>
+          <a:prstGeom prst="rect">
+            <a:avLst/>
+          </a:prstGeom>
+        </p:spPr>
+        <p:txBody>
+          <a:bodyPr vert="horz" lIns="91440" tIns="45720" rIns="91440" bIns="45720" rtlCol="0" anchor="b">
+            <a:normAutofit fontScale="97500"/>
+          </a:bodyPr>
+          <a:lstStyle>
+            <a:lvl1pPr algn="ctr" defTabSz="914400" rtl="0" eaLnBrk="1" latinLnBrk="0" hangingPunct="1">
+              <a:lnSpc>
+                <a:spcPct val="90000"/>
+              </a:lnSpc>
+              <a:spcBef>
+                <a:spcPct val="0"/>
+              </a:spcBef>
+              <a:buNone/>
+              <a:defRPr sz="6000" kern="1200">
+                <a:solidFill>
+                  <a:schemeClr val="tx1"/>
+                </a:solidFill>
+                <a:latin typeface="+mj-lt"/>
+                <a:ea typeface="+mj-ea"/>
+                <a:cs typeface="+mj-cs"/>
+              </a:defRPr>
+            </a:lvl1pPr>
+          </a:lstStyle>
+          <a:p>
+            <a:pPr algn="l"/>
+            <a:r>
+              <a:rPr lang="en-GB" sz="900" dirty="0"/>
+              <a:t>Workspace</a:t>
+            </a:r>
+          </a:p>
+        </p:txBody>
+      </p:sp>
+      <p:sp>
+        <p:nvSpPr>
+          <p:cNvPr id="33" name="Title 14">
+            <a:extLst>
+              <a:ext uri="{FF2B5EF4-FFF2-40B4-BE49-F238E27FC236}">
+                <a16:creationId xmlns:a16="http://schemas.microsoft.com/office/drawing/2014/main" id="{BDB0686F-A785-4814-84B1-BFCE9F43E3C2}"/>
+              </a:ext>
+            </a:extLst>
+          </p:cNvPr>
+          <p:cNvSpPr txBox="1">
+            <a:spLocks/>
+          </p:cNvSpPr>
+          <p:nvPr/>
+        </p:nvSpPr>
+        <p:spPr>
+          <a:xfrm>
+            <a:off x="3824169" y="4185542"/>
+            <a:ext cx="1638635" cy="215963"/>
+          </a:xfrm>
+          <a:prstGeom prst="rect">
+            <a:avLst/>
+          </a:prstGeom>
+        </p:spPr>
+        <p:txBody>
+          <a:bodyPr vert="horz" lIns="91440" tIns="45720" rIns="91440" bIns="45720" rtlCol="0" anchor="b">
+            <a:normAutofit fontScale="52500" lnSpcReduction="20000"/>
+          </a:bodyPr>
+          <a:lstStyle>
+            <a:lvl1pPr algn="ctr" defTabSz="914400" rtl="0" eaLnBrk="1" latinLnBrk="0" hangingPunct="1">
+              <a:lnSpc>
+                <a:spcPct val="90000"/>
+              </a:lnSpc>
+              <a:spcBef>
+                <a:spcPct val="0"/>
+              </a:spcBef>
+              <a:buNone/>
+              <a:defRPr sz="6000" kern="1200">
+                <a:solidFill>
+                  <a:schemeClr val="tx1"/>
+                </a:solidFill>
+                <a:latin typeface="+mj-lt"/>
+                <a:ea typeface="+mj-ea"/>
+                <a:cs typeface="+mj-cs"/>
+              </a:defRPr>
+            </a:lvl1pPr>
+          </a:lstStyle>
+          <a:p>
+            <a:pPr algn="l"/>
+            <a:r>
+              <a:rPr lang="en-GB" sz="1800" dirty="0"/>
+              <a:t>Management API</a:t>
+            </a:r>
+          </a:p>
+        </p:txBody>
+      </p:sp>
+      <p:sp>
+        <p:nvSpPr>
+          <p:cNvPr id="34" name="Title 14">
+            <a:extLst>
+              <a:ext uri="{FF2B5EF4-FFF2-40B4-BE49-F238E27FC236}">
+                <a16:creationId xmlns:a16="http://schemas.microsoft.com/office/drawing/2014/main" id="{1251CA21-8122-4910-A0EF-9793EE8BA134}"/>
+              </a:ext>
+            </a:extLst>
+          </p:cNvPr>
+          <p:cNvSpPr txBox="1">
+            <a:spLocks/>
+          </p:cNvSpPr>
+          <p:nvPr/>
+        </p:nvSpPr>
+        <p:spPr>
+          <a:xfrm>
+            <a:off x="3822527" y="4679985"/>
+            <a:ext cx="898602" cy="215963"/>
+          </a:xfrm>
+          <a:prstGeom prst="rect">
+            <a:avLst/>
+          </a:prstGeom>
+        </p:spPr>
+        <p:txBody>
+          <a:bodyPr vert="horz" lIns="91440" tIns="45720" rIns="91440" bIns="45720" rtlCol="0" anchor="b">
+            <a:normAutofit fontScale="52500" lnSpcReduction="20000"/>
+          </a:bodyPr>
+          <a:lstStyle>
+            <a:lvl1pPr algn="ctr" defTabSz="914400" rtl="0" eaLnBrk="1" latinLnBrk="0" hangingPunct="1">
+              <a:lnSpc>
+                <a:spcPct val="90000"/>
+              </a:lnSpc>
+              <a:spcBef>
+                <a:spcPct val="0"/>
+              </a:spcBef>
+              <a:buNone/>
+              <a:defRPr sz="6000" kern="1200">
+                <a:solidFill>
+                  <a:schemeClr val="tx1"/>
+                </a:solidFill>
+                <a:latin typeface="+mj-lt"/>
+                <a:ea typeface="+mj-ea"/>
+                <a:cs typeface="+mj-cs"/>
+              </a:defRPr>
+            </a:lvl1pPr>
+          </a:lstStyle>
+          <a:p>
+            <a:pPr algn="l"/>
+            <a:r>
+              <a:rPr lang="en-GB" sz="1800" dirty="0"/>
+              <a:t>SDK</a:t>
+            </a:r>
+          </a:p>
+        </p:txBody>
+      </p:sp>
+      <p:sp>
+        <p:nvSpPr>
+          <p:cNvPr id="35" name="Title 14">
+            <a:extLst>
+              <a:ext uri="{FF2B5EF4-FFF2-40B4-BE49-F238E27FC236}">
+                <a16:creationId xmlns:a16="http://schemas.microsoft.com/office/drawing/2014/main" id="{93843017-80BB-4E65-A2C0-E5F12CA14C95}"/>
+              </a:ext>
+            </a:extLst>
+          </p:cNvPr>
+          <p:cNvSpPr txBox="1">
+            <a:spLocks/>
+          </p:cNvSpPr>
+          <p:nvPr/>
+        </p:nvSpPr>
+        <p:spPr>
+          <a:xfrm>
+            <a:off x="3820591" y="6031624"/>
+            <a:ext cx="898602" cy="215963"/>
+          </a:xfrm>
+          <a:prstGeom prst="rect">
+            <a:avLst/>
+          </a:prstGeom>
+        </p:spPr>
+        <p:txBody>
+          <a:bodyPr vert="horz" lIns="91440" tIns="45720" rIns="91440" bIns="45720" rtlCol="0" anchor="b">
+            <a:normAutofit fontScale="52500" lnSpcReduction="20000"/>
+          </a:bodyPr>
+          <a:lstStyle>
+            <a:lvl1pPr algn="ctr" defTabSz="914400" rtl="0" eaLnBrk="1" latinLnBrk="0" hangingPunct="1">
+              <a:lnSpc>
+                <a:spcPct val="90000"/>
+              </a:lnSpc>
+              <a:spcBef>
+                <a:spcPct val="0"/>
+              </a:spcBef>
+              <a:buNone/>
+              <a:defRPr sz="6000" kern="1200">
+                <a:solidFill>
+                  <a:schemeClr val="tx1"/>
+                </a:solidFill>
+                <a:latin typeface="+mj-lt"/>
+                <a:ea typeface="+mj-ea"/>
+                <a:cs typeface="+mj-cs"/>
+              </a:defRPr>
+            </a:lvl1pPr>
+          </a:lstStyle>
+          <a:p>
+            <a:pPr algn="l"/>
+            <a:r>
+              <a:rPr lang="en-GB" sz="1800" dirty="0"/>
+              <a:t>Synapse Link</a:t>
+            </a:r>
+          </a:p>
+        </p:txBody>
+      </p:sp>
+      <p:sp>
+        <p:nvSpPr>
+          <p:cNvPr id="36" name="Title 14">
+            <a:extLst>
+              <a:ext uri="{FF2B5EF4-FFF2-40B4-BE49-F238E27FC236}">
+                <a16:creationId xmlns:a16="http://schemas.microsoft.com/office/drawing/2014/main" id="{E3C1E7CF-74BF-4005-AEC7-485B39532DEE}"/>
+              </a:ext>
+            </a:extLst>
+          </p:cNvPr>
+          <p:cNvSpPr txBox="1">
+            <a:spLocks/>
+          </p:cNvSpPr>
+          <p:nvPr/>
+        </p:nvSpPr>
+        <p:spPr>
+          <a:xfrm>
+            <a:off x="3820591" y="5183931"/>
+            <a:ext cx="1825094" cy="215963"/>
+          </a:xfrm>
+          <a:prstGeom prst="rect">
+            <a:avLst/>
+          </a:prstGeom>
+        </p:spPr>
+        <p:txBody>
+          <a:bodyPr vert="horz" lIns="91440" tIns="45720" rIns="91440" bIns="45720" rtlCol="0" anchor="b">
+            <a:normAutofit fontScale="52500" lnSpcReduction="20000"/>
+          </a:bodyPr>
+          <a:lstStyle>
+            <a:lvl1pPr algn="ctr" defTabSz="914400" rtl="0" eaLnBrk="1" latinLnBrk="0" hangingPunct="1">
+              <a:lnSpc>
+                <a:spcPct val="90000"/>
+              </a:lnSpc>
+              <a:spcBef>
+                <a:spcPct val="0"/>
+              </a:spcBef>
+              <a:buNone/>
+              <a:defRPr sz="6000" kern="1200">
+                <a:solidFill>
+                  <a:schemeClr val="tx1"/>
+                </a:solidFill>
+                <a:latin typeface="+mj-lt"/>
+                <a:ea typeface="+mj-ea"/>
+                <a:cs typeface="+mj-cs"/>
+              </a:defRPr>
+            </a:lvl1pPr>
+          </a:lstStyle>
+          <a:p>
+            <a:pPr algn="l"/>
+            <a:r>
+              <a:rPr lang="en-GB" sz="1800" dirty="0"/>
+              <a:t>Monitor &amp; Diagnostic Settings</a:t>
+            </a:r>
+          </a:p>
+        </p:txBody>
+      </p:sp>
+      <p:sp>
+        <p:nvSpPr>
+          <p:cNvPr id="37" name="Title 14">
+            <a:extLst>
+              <a:ext uri="{FF2B5EF4-FFF2-40B4-BE49-F238E27FC236}">
+                <a16:creationId xmlns:a16="http://schemas.microsoft.com/office/drawing/2014/main" id="{6950B888-9D77-40C1-9271-BFD22351D057}"/>
+              </a:ext>
+            </a:extLst>
+          </p:cNvPr>
+          <p:cNvSpPr txBox="1">
+            <a:spLocks/>
+          </p:cNvSpPr>
+          <p:nvPr/>
+        </p:nvSpPr>
+        <p:spPr>
+          <a:xfrm>
+            <a:off x="3820591" y="5614265"/>
+            <a:ext cx="1477032" cy="215963"/>
+          </a:xfrm>
+          <a:prstGeom prst="rect">
+            <a:avLst/>
+          </a:prstGeom>
+        </p:spPr>
+        <p:txBody>
+          <a:bodyPr vert="horz" lIns="91440" tIns="45720" rIns="91440" bIns="45720" rtlCol="0" anchor="b">
+            <a:normAutofit fontScale="52500" lnSpcReduction="20000"/>
+          </a:bodyPr>
+          <a:lstStyle>
+            <a:lvl1pPr algn="ctr" defTabSz="914400" rtl="0" eaLnBrk="1" latinLnBrk="0" hangingPunct="1">
+              <a:lnSpc>
+                <a:spcPct val="90000"/>
+              </a:lnSpc>
+              <a:spcBef>
+                <a:spcPct val="0"/>
+              </a:spcBef>
+              <a:buNone/>
+              <a:defRPr sz="6000" kern="1200">
+                <a:solidFill>
+                  <a:schemeClr val="tx1"/>
+                </a:solidFill>
+                <a:latin typeface="+mj-lt"/>
+                <a:ea typeface="+mj-ea"/>
+                <a:cs typeface="+mj-cs"/>
+              </a:defRPr>
+            </a:lvl1pPr>
+          </a:lstStyle>
+          <a:p>
+            <a:pPr algn="l"/>
+            <a:r>
+              <a:rPr lang="en-GB" sz="1800" dirty="0" err="1"/>
+              <a:t>VNet</a:t>
+            </a:r>
+            <a:r>
+              <a:rPr lang="en-GB" sz="1800" dirty="0"/>
+              <a:t> Integration</a:t>
+            </a:r>
+          </a:p>
+        </p:txBody>
+      </p:sp>
+      <p:sp>
+        <p:nvSpPr>
+          <p:cNvPr id="38" name="Title 14">
+            <a:extLst>
+              <a:ext uri="{FF2B5EF4-FFF2-40B4-BE49-F238E27FC236}">
+                <a16:creationId xmlns:a16="http://schemas.microsoft.com/office/drawing/2014/main" id="{1AF8ED3D-BD7F-49A9-983B-3B572BE8B7C6}"/>
+              </a:ext>
+            </a:extLst>
+          </p:cNvPr>
+          <p:cNvSpPr txBox="1">
+            <a:spLocks/>
+          </p:cNvSpPr>
+          <p:nvPr/>
+        </p:nvSpPr>
+        <p:spPr>
+          <a:xfrm>
+            <a:off x="3820591" y="6519948"/>
+            <a:ext cx="898602" cy="215963"/>
+          </a:xfrm>
+          <a:prstGeom prst="rect">
+            <a:avLst/>
+          </a:prstGeom>
+        </p:spPr>
+        <p:txBody>
+          <a:bodyPr vert="horz" lIns="91440" tIns="45720" rIns="91440" bIns="45720" rtlCol="0" anchor="b">
+            <a:normAutofit fontScale="52500" lnSpcReduction="20000"/>
+          </a:bodyPr>
+          <a:lstStyle>
+            <a:lvl1pPr algn="ctr" defTabSz="914400" rtl="0" eaLnBrk="1" latinLnBrk="0" hangingPunct="1">
+              <a:lnSpc>
+                <a:spcPct val="90000"/>
+              </a:lnSpc>
+              <a:spcBef>
+                <a:spcPct val="0"/>
+              </a:spcBef>
+              <a:buNone/>
+              <a:defRPr sz="6000" kern="1200">
+                <a:solidFill>
+                  <a:schemeClr val="tx1"/>
+                </a:solidFill>
+                <a:latin typeface="+mj-lt"/>
+                <a:ea typeface="+mj-ea"/>
+                <a:cs typeface="+mj-cs"/>
+              </a:defRPr>
+            </a:lvl1pPr>
+          </a:lstStyle>
+          <a:p>
+            <a:pPr algn="l"/>
+            <a:r>
+              <a:rPr lang="en-GB" sz="1800" dirty="0"/>
+              <a:t>Purview</a:t>
+            </a:r>
+          </a:p>
+        </p:txBody>
+      </p:sp>
+      <p:pic>
+        <p:nvPicPr>
+          <p:cNvPr id="39" name="Picture 38">
+            <a:extLst>
+              <a:ext uri="{FF2B5EF4-FFF2-40B4-BE49-F238E27FC236}">
+                <a16:creationId xmlns:a16="http://schemas.microsoft.com/office/drawing/2014/main" id="{23A80021-0CB6-487A-8B16-991C0BC27449}"/>
+              </a:ext>
+            </a:extLst>
+          </p:cNvPr>
+          <p:cNvPicPr>
+            <a:picLocks noChangeAspect="1"/>
+          </p:cNvPicPr>
+          <p:nvPr/>
+        </p:nvPicPr>
+        <p:blipFill rotWithShape="1">
+          <a:blip r:embed="rId17"/>
+          <a:srcRect l="37217" r="35553" b="29227"/>
+          <a:stretch/>
+        </p:blipFill>
+        <p:spPr>
+          <a:xfrm rot="16200000">
+            <a:off x="5641604" y="858349"/>
+            <a:ext cx="177651" cy="488130"/>
+          </a:xfrm>
+          <a:prstGeom prst="rect">
+            <a:avLst/>
+          </a:prstGeom>
+        </p:spPr>
+      </p:pic>
+      <p:pic>
+        <p:nvPicPr>
+          <p:cNvPr id="41" name="Picture 40">
+            <a:extLst>
+              <a:ext uri="{FF2B5EF4-FFF2-40B4-BE49-F238E27FC236}">
+                <a16:creationId xmlns:a16="http://schemas.microsoft.com/office/drawing/2014/main" id="{CB678D7F-0505-4AE7-B826-0BDFF6C8A015}"/>
+              </a:ext>
+            </a:extLst>
+          </p:cNvPr>
+          <p:cNvPicPr>
+            <a:picLocks noChangeAspect="1"/>
+          </p:cNvPicPr>
+          <p:nvPr/>
+        </p:nvPicPr>
+        <p:blipFill rotWithShape="1">
+          <a:blip r:embed="rId17"/>
+          <a:srcRect l="873" r="71897" b="29227"/>
+          <a:stretch/>
+        </p:blipFill>
+        <p:spPr>
+          <a:xfrm rot="16200000">
+            <a:off x="5641603" y="1340291"/>
+            <a:ext cx="177651" cy="488131"/>
+          </a:xfrm>
+          <a:prstGeom prst="rect">
+            <a:avLst/>
+          </a:prstGeom>
+        </p:spPr>
+      </p:pic>
+      <p:pic>
+        <p:nvPicPr>
+          <p:cNvPr id="43" name="Picture 42">
+            <a:extLst>
+              <a:ext uri="{FF2B5EF4-FFF2-40B4-BE49-F238E27FC236}">
+                <a16:creationId xmlns:a16="http://schemas.microsoft.com/office/drawing/2014/main" id="{5C10A4C2-10A8-4E66-9CA8-8FACE2115441}"/>
+              </a:ext>
+            </a:extLst>
+          </p:cNvPr>
+          <p:cNvPicPr>
+            <a:picLocks noChangeAspect="1"/>
+          </p:cNvPicPr>
+          <p:nvPr/>
+        </p:nvPicPr>
+        <p:blipFill rotWithShape="1">
+          <a:blip r:embed="rId17"/>
+          <a:srcRect l="73639" b="29227"/>
+          <a:stretch/>
+        </p:blipFill>
+        <p:spPr>
+          <a:xfrm rot="16200000">
+            <a:off x="5644438" y="406124"/>
+            <a:ext cx="171984" cy="488129"/>
+          </a:xfrm>
+          <a:prstGeom prst="rect">
+            <a:avLst/>
+          </a:prstGeom>
+        </p:spPr>
+      </p:pic>
+      <p:pic>
+        <p:nvPicPr>
+          <p:cNvPr id="47" name="Picture 46">
+            <a:extLst>
+              <a:ext uri="{FF2B5EF4-FFF2-40B4-BE49-F238E27FC236}">
+                <a16:creationId xmlns:a16="http://schemas.microsoft.com/office/drawing/2014/main" id="{C3C78F6A-2992-483B-8A3E-2D1783304E54}"/>
+              </a:ext>
+            </a:extLst>
+          </p:cNvPr>
+          <p:cNvPicPr>
+            <a:picLocks noChangeAspect="1"/>
+          </p:cNvPicPr>
+          <p:nvPr/>
+        </p:nvPicPr>
+        <p:blipFill rotWithShape="1">
+          <a:blip r:embed="rId17"/>
+          <a:srcRect l="73639" b="29227"/>
+          <a:stretch/>
+        </p:blipFill>
+        <p:spPr>
+          <a:xfrm rot="16200000">
+            <a:off x="5644437" y="1785913"/>
+            <a:ext cx="171984" cy="488129"/>
+          </a:xfrm>
+          <a:prstGeom prst="rect">
+            <a:avLst/>
+          </a:prstGeom>
+        </p:spPr>
+      </p:pic>
+      <p:pic>
+        <p:nvPicPr>
+          <p:cNvPr id="48" name="Picture 47">
+            <a:extLst>
+              <a:ext uri="{FF2B5EF4-FFF2-40B4-BE49-F238E27FC236}">
+                <a16:creationId xmlns:a16="http://schemas.microsoft.com/office/drawing/2014/main" id="{37CACAC3-80C6-435B-A53C-AC431C485EC7}"/>
+              </a:ext>
+            </a:extLst>
+          </p:cNvPr>
+          <p:cNvPicPr>
+            <a:picLocks noChangeAspect="1"/>
+          </p:cNvPicPr>
+          <p:nvPr/>
+        </p:nvPicPr>
+        <p:blipFill rotWithShape="1">
+          <a:blip r:embed="rId17"/>
+          <a:srcRect l="73639" b="29227"/>
+          <a:stretch/>
+        </p:blipFill>
+        <p:spPr>
+          <a:xfrm rot="16200000">
+            <a:off x="5644438" y="2213279"/>
+            <a:ext cx="171984" cy="488129"/>
+          </a:xfrm>
+          <a:prstGeom prst="rect">
+            <a:avLst/>
+          </a:prstGeom>
+        </p:spPr>
+      </p:pic>
+      <p:pic>
+        <p:nvPicPr>
+          <p:cNvPr id="49" name="Picture 48">
+            <a:extLst>
+              <a:ext uri="{FF2B5EF4-FFF2-40B4-BE49-F238E27FC236}">
+                <a16:creationId xmlns:a16="http://schemas.microsoft.com/office/drawing/2014/main" id="{6AB92D71-758B-43B4-8DFB-7664A42C1FCD}"/>
+              </a:ext>
+            </a:extLst>
+          </p:cNvPr>
+          <p:cNvPicPr>
+            <a:picLocks noChangeAspect="1"/>
+          </p:cNvPicPr>
+          <p:nvPr/>
+        </p:nvPicPr>
+        <p:blipFill rotWithShape="1">
+          <a:blip r:embed="rId17"/>
+          <a:srcRect l="37217" r="35553" b="29227"/>
+          <a:stretch/>
+        </p:blipFill>
+        <p:spPr>
+          <a:xfrm rot="16200000">
+            <a:off x="5641604" y="2729244"/>
+            <a:ext cx="177651" cy="488130"/>
+          </a:xfrm>
+          <a:prstGeom prst="rect">
+            <a:avLst/>
+          </a:prstGeom>
+        </p:spPr>
+      </p:pic>
+      <p:pic>
+        <p:nvPicPr>
+          <p:cNvPr id="50" name="Picture 49">
+            <a:extLst>
+              <a:ext uri="{FF2B5EF4-FFF2-40B4-BE49-F238E27FC236}">
+                <a16:creationId xmlns:a16="http://schemas.microsoft.com/office/drawing/2014/main" id="{E5B8BBD8-9404-46AB-A5F8-0D4FACBE4985}"/>
+              </a:ext>
+            </a:extLst>
+          </p:cNvPr>
+          <p:cNvPicPr>
+            <a:picLocks noChangeAspect="1"/>
+          </p:cNvPicPr>
+          <p:nvPr/>
+        </p:nvPicPr>
+        <p:blipFill rotWithShape="1">
+          <a:blip r:embed="rId17"/>
+          <a:srcRect l="37217" r="35553" b="29227"/>
+          <a:stretch/>
+        </p:blipFill>
+        <p:spPr>
+          <a:xfrm rot="16200000">
+            <a:off x="5641603" y="3192850"/>
+            <a:ext cx="177651" cy="488130"/>
+          </a:xfrm>
+          <a:prstGeom prst="rect">
+            <a:avLst/>
+          </a:prstGeom>
+        </p:spPr>
+      </p:pic>
+      <p:pic>
+        <p:nvPicPr>
+          <p:cNvPr id="51" name="Picture 50">
+            <a:extLst>
+              <a:ext uri="{FF2B5EF4-FFF2-40B4-BE49-F238E27FC236}">
+                <a16:creationId xmlns:a16="http://schemas.microsoft.com/office/drawing/2014/main" id="{C47B3BB4-DDF2-443C-8CE7-F91CA844EA56}"/>
+              </a:ext>
+            </a:extLst>
+          </p:cNvPr>
+          <p:cNvPicPr>
+            <a:picLocks noChangeAspect="1"/>
+          </p:cNvPicPr>
+          <p:nvPr/>
+        </p:nvPicPr>
+        <p:blipFill rotWithShape="1">
+          <a:blip r:embed="rId17"/>
+          <a:srcRect l="73639" b="29227"/>
+          <a:stretch/>
+        </p:blipFill>
+        <p:spPr>
+          <a:xfrm rot="16200000">
+            <a:off x="5644438" y="3622823"/>
+            <a:ext cx="171984" cy="488129"/>
+          </a:xfrm>
+          <a:prstGeom prst="rect">
+            <a:avLst/>
+          </a:prstGeom>
+        </p:spPr>
+      </p:pic>
+      <p:pic>
+        <p:nvPicPr>
+          <p:cNvPr id="52" name="Picture 51">
+            <a:extLst>
+              <a:ext uri="{FF2B5EF4-FFF2-40B4-BE49-F238E27FC236}">
+                <a16:creationId xmlns:a16="http://schemas.microsoft.com/office/drawing/2014/main" id="{193F58ED-9134-41DC-86B0-50FB87F89FB8}"/>
+              </a:ext>
+            </a:extLst>
+          </p:cNvPr>
+          <p:cNvPicPr>
+            <a:picLocks noChangeAspect="1"/>
+          </p:cNvPicPr>
+          <p:nvPr/>
+        </p:nvPicPr>
+        <p:blipFill rotWithShape="1">
+          <a:blip r:embed="rId17"/>
+          <a:srcRect l="873" r="71897" b="29227"/>
+          <a:stretch/>
+        </p:blipFill>
+        <p:spPr>
+          <a:xfrm rot="16200000">
+            <a:off x="5641603" y="4047091"/>
+            <a:ext cx="177651" cy="488131"/>
+          </a:xfrm>
+          <a:prstGeom prst="rect">
+            <a:avLst/>
+          </a:prstGeom>
+        </p:spPr>
+      </p:pic>
+      <p:pic>
+        <p:nvPicPr>
+          <p:cNvPr id="53" name="Picture 52">
+            <a:extLst>
+              <a:ext uri="{FF2B5EF4-FFF2-40B4-BE49-F238E27FC236}">
+                <a16:creationId xmlns:a16="http://schemas.microsoft.com/office/drawing/2014/main" id="{C94251C0-0E04-4E6E-BD81-0386FEA704C8}"/>
+              </a:ext>
+            </a:extLst>
+          </p:cNvPr>
+          <p:cNvPicPr>
+            <a:picLocks noChangeAspect="1"/>
+          </p:cNvPicPr>
+          <p:nvPr/>
+        </p:nvPicPr>
+        <p:blipFill rotWithShape="1">
+          <a:blip r:embed="rId17"/>
+          <a:srcRect l="873" r="71897" b="29227"/>
+          <a:stretch/>
+        </p:blipFill>
+        <p:spPr>
+          <a:xfrm rot="16200000">
+            <a:off x="5641603" y="4545928"/>
+            <a:ext cx="177651" cy="488131"/>
+          </a:xfrm>
+          <a:prstGeom prst="rect">
+            <a:avLst/>
+          </a:prstGeom>
+        </p:spPr>
+      </p:pic>
+      <p:pic>
+        <p:nvPicPr>
+          <p:cNvPr id="55" name="Picture 54">
+            <a:extLst>
+              <a:ext uri="{FF2B5EF4-FFF2-40B4-BE49-F238E27FC236}">
+                <a16:creationId xmlns:a16="http://schemas.microsoft.com/office/drawing/2014/main" id="{7193BA23-5835-4F11-BCB5-0141A5E57062}"/>
+              </a:ext>
+            </a:extLst>
+          </p:cNvPr>
+          <p:cNvPicPr>
+            <a:picLocks noChangeAspect="1"/>
+          </p:cNvPicPr>
+          <p:nvPr/>
+        </p:nvPicPr>
+        <p:blipFill rotWithShape="1">
+          <a:blip r:embed="rId17"/>
+          <a:srcRect l="73639" b="29227"/>
+          <a:stretch/>
+        </p:blipFill>
+        <p:spPr>
+          <a:xfrm rot="16200000">
+            <a:off x="5650115" y="5025858"/>
+            <a:ext cx="171984" cy="488129"/>
+          </a:xfrm>
+          <a:prstGeom prst="rect">
+            <a:avLst/>
+          </a:prstGeom>
+        </p:spPr>
+      </p:pic>
+      <p:pic>
+        <p:nvPicPr>
+          <p:cNvPr id="57" name="Picture 56">
+            <a:extLst>
+              <a:ext uri="{FF2B5EF4-FFF2-40B4-BE49-F238E27FC236}">
+                <a16:creationId xmlns:a16="http://schemas.microsoft.com/office/drawing/2014/main" id="{1FF1793A-437C-4B28-ACE3-FE0A3F4FAE48}"/>
+              </a:ext>
+            </a:extLst>
+          </p:cNvPr>
+          <p:cNvPicPr>
+            <a:picLocks noChangeAspect="1"/>
+          </p:cNvPicPr>
+          <p:nvPr/>
+        </p:nvPicPr>
+        <p:blipFill rotWithShape="1">
+          <a:blip r:embed="rId17"/>
+          <a:srcRect l="73639" b="29227"/>
+          <a:stretch/>
+        </p:blipFill>
+        <p:spPr>
+          <a:xfrm rot="16200000">
+            <a:off x="5640488" y="5895540"/>
+            <a:ext cx="171984" cy="488129"/>
+          </a:xfrm>
+          <a:prstGeom prst="rect">
+            <a:avLst/>
+          </a:prstGeom>
+        </p:spPr>
+      </p:pic>
+      <p:pic>
+        <p:nvPicPr>
+          <p:cNvPr id="58" name="Picture 57">
+            <a:extLst>
+              <a:ext uri="{FF2B5EF4-FFF2-40B4-BE49-F238E27FC236}">
+                <a16:creationId xmlns:a16="http://schemas.microsoft.com/office/drawing/2014/main" id="{901C1CB4-559E-4E1F-A073-07D676920801}"/>
+              </a:ext>
+            </a:extLst>
+          </p:cNvPr>
+          <p:cNvPicPr>
+            <a:picLocks noChangeAspect="1"/>
+          </p:cNvPicPr>
+          <p:nvPr/>
+        </p:nvPicPr>
+        <p:blipFill rotWithShape="1">
+          <a:blip r:embed="rId17"/>
+          <a:srcRect l="73639" b="29227"/>
+          <a:stretch/>
+        </p:blipFill>
+        <p:spPr>
+          <a:xfrm rot="16200000">
+            <a:off x="5640883" y="6383864"/>
+            <a:ext cx="171984" cy="488129"/>
+          </a:xfrm>
+          <a:prstGeom prst="rect">
+            <a:avLst/>
+          </a:prstGeom>
+        </p:spPr>
+      </p:pic>
+      <p:pic>
+        <p:nvPicPr>
+          <p:cNvPr id="59" name="Picture 58">
+            <a:extLst>
+              <a:ext uri="{FF2B5EF4-FFF2-40B4-BE49-F238E27FC236}">
+                <a16:creationId xmlns:a16="http://schemas.microsoft.com/office/drawing/2014/main" id="{1CEE0284-5925-453A-8166-A166CEA2CC64}"/>
+              </a:ext>
+            </a:extLst>
+          </p:cNvPr>
+          <p:cNvPicPr>
+            <a:picLocks noChangeAspect="1"/>
+          </p:cNvPicPr>
+          <p:nvPr/>
+        </p:nvPicPr>
+        <p:blipFill>
+          <a:blip r:embed="rId18"/>
+          <a:stretch>
+            <a:fillRect/>
+          </a:stretch>
+        </p:blipFill>
+        <p:spPr>
+          <a:xfrm>
+            <a:off x="190403" y="1404575"/>
+            <a:ext cx="1440342" cy="1646105"/>
+          </a:xfrm>
+          <a:prstGeom prst="rect">
+            <a:avLst/>
+          </a:prstGeom>
+        </p:spPr>
+      </p:pic>
+      <p:sp>
+        <p:nvSpPr>
+          <p:cNvPr id="24" name="TextBox 23">
+            <a:extLst>
+              <a:ext uri="{FF2B5EF4-FFF2-40B4-BE49-F238E27FC236}">
+                <a16:creationId xmlns:a16="http://schemas.microsoft.com/office/drawing/2014/main" id="{B2BED8F4-7B54-4A0C-B30D-BE4D56AC04B5}"/>
+              </a:ext>
+            </a:extLst>
+          </p:cNvPr>
+          <p:cNvSpPr txBox="1"/>
+          <p:nvPr/>
+        </p:nvSpPr>
+        <p:spPr>
+          <a:xfrm>
+            <a:off x="1827817" y="2042581"/>
+            <a:ext cx="1405028" cy="369332"/>
+          </a:xfrm>
+          <a:prstGeom prst="rect">
+            <a:avLst/>
+          </a:prstGeom>
+          <a:noFill/>
+        </p:spPr>
+        <p:txBody>
+          <a:bodyPr wrap="square" rtlCol="0">
+            <a:spAutoFit/>
+          </a:bodyPr>
+          <a:lstStyle/>
+          <a:p>
+            <a:r>
+              <a:rPr lang="en-GB" dirty="0">
+                <a:latin typeface="+mj-lt"/>
+              </a:rPr>
+              <a:t>Primary</a:t>
+            </a:r>
+            <a:endParaRPr lang="en-US" dirty="0">
+              <a:latin typeface="+mj-lt"/>
+            </a:endParaRPr>
+          </a:p>
+        </p:txBody>
+      </p:sp>
+      <p:sp>
+        <p:nvSpPr>
+          <p:cNvPr id="61" name="TextBox 60">
+            <a:extLst>
+              <a:ext uri="{FF2B5EF4-FFF2-40B4-BE49-F238E27FC236}">
+                <a16:creationId xmlns:a16="http://schemas.microsoft.com/office/drawing/2014/main" id="{F5D38C9A-8F8B-42E4-9255-4DA4CAC20E0D}"/>
+              </a:ext>
+            </a:extLst>
+          </p:cNvPr>
+          <p:cNvSpPr txBox="1"/>
+          <p:nvPr/>
+        </p:nvSpPr>
+        <p:spPr>
+          <a:xfrm>
+            <a:off x="1816018" y="4815234"/>
+            <a:ext cx="1425541" cy="369332"/>
+          </a:xfrm>
+          <a:prstGeom prst="rect">
+            <a:avLst/>
+          </a:prstGeom>
+          <a:noFill/>
+        </p:spPr>
+        <p:txBody>
+          <a:bodyPr wrap="square" rtlCol="0">
+            <a:spAutoFit/>
+          </a:bodyPr>
+          <a:lstStyle/>
+          <a:p>
+            <a:r>
+              <a:rPr lang="en-GB" dirty="0">
+                <a:latin typeface="+mj-lt"/>
+              </a:rPr>
+              <a:t>Secondary</a:t>
+            </a:r>
+            <a:endParaRPr lang="en-US" dirty="0">
+              <a:latin typeface="+mj-lt"/>
+            </a:endParaRPr>
+          </a:p>
+        </p:txBody>
+      </p:sp>
+      <p:sp>
+        <p:nvSpPr>
+          <p:cNvPr id="62" name="TextBox 61">
+            <a:extLst>
+              <a:ext uri="{FF2B5EF4-FFF2-40B4-BE49-F238E27FC236}">
+                <a16:creationId xmlns:a16="http://schemas.microsoft.com/office/drawing/2014/main" id="{8099A198-5889-4125-AA48-25AD3EC454CC}"/>
+              </a:ext>
+            </a:extLst>
+          </p:cNvPr>
+          <p:cNvSpPr txBox="1"/>
+          <p:nvPr/>
+        </p:nvSpPr>
+        <p:spPr>
+          <a:xfrm>
+            <a:off x="1816018" y="6176793"/>
+            <a:ext cx="1423294" cy="369332"/>
+          </a:xfrm>
+          <a:prstGeom prst="rect">
+            <a:avLst/>
+          </a:prstGeom>
+          <a:noFill/>
+        </p:spPr>
+        <p:txBody>
+          <a:bodyPr wrap="square" rtlCol="0">
+            <a:spAutoFit/>
+          </a:bodyPr>
+          <a:lstStyle/>
+          <a:p>
+            <a:r>
+              <a:rPr lang="en-GB" dirty="0">
+                <a:latin typeface="+mj-lt"/>
+              </a:rPr>
+              <a:t>External</a:t>
+            </a:r>
+            <a:endParaRPr lang="en-US" dirty="0">
+              <a:latin typeface="+mj-lt"/>
+            </a:endParaRPr>
+          </a:p>
+        </p:txBody>
+      </p:sp>
+      <p:sp>
+        <p:nvSpPr>
+          <p:cNvPr id="63" name="TextBox 62">
+            <a:extLst>
+              <a:ext uri="{FF2B5EF4-FFF2-40B4-BE49-F238E27FC236}">
+                <a16:creationId xmlns:a16="http://schemas.microsoft.com/office/drawing/2014/main" id="{1C31D745-C8D6-4344-B845-801DDBC2D07A}"/>
+              </a:ext>
+            </a:extLst>
+          </p:cNvPr>
+          <p:cNvSpPr txBox="1"/>
+          <p:nvPr/>
+        </p:nvSpPr>
+        <p:spPr>
+          <a:xfrm>
+            <a:off x="1822484" y="24188"/>
+            <a:ext cx="1419072" cy="369332"/>
+          </a:xfrm>
+          <a:prstGeom prst="rect">
+            <a:avLst/>
+          </a:prstGeom>
+          <a:noFill/>
+        </p:spPr>
+        <p:txBody>
+          <a:bodyPr wrap="square" rtlCol="0">
+            <a:spAutoFit/>
+          </a:bodyPr>
+          <a:lstStyle/>
+          <a:p>
+            <a:r>
+              <a:rPr lang="en-GB" b="1" dirty="0">
+                <a:latin typeface="+mj-lt"/>
+              </a:rPr>
+              <a:t>Capability</a:t>
+            </a:r>
+            <a:endParaRPr lang="en-US" b="1" dirty="0">
+              <a:latin typeface="+mj-lt"/>
+            </a:endParaRPr>
+          </a:p>
+        </p:txBody>
+      </p:sp>
+      <p:sp>
+        <p:nvSpPr>
+          <p:cNvPr id="64" name="TextBox 63">
+            <a:extLst>
+              <a:ext uri="{FF2B5EF4-FFF2-40B4-BE49-F238E27FC236}">
+                <a16:creationId xmlns:a16="http://schemas.microsoft.com/office/drawing/2014/main" id="{0A80A422-9507-4ABD-A82F-105CF2C0FAB6}"/>
+              </a:ext>
+            </a:extLst>
+          </p:cNvPr>
+          <p:cNvSpPr txBox="1"/>
+          <p:nvPr/>
+        </p:nvSpPr>
+        <p:spPr>
+          <a:xfrm>
+            <a:off x="3239312" y="27241"/>
+            <a:ext cx="2134081" cy="369332"/>
+          </a:xfrm>
+          <a:prstGeom prst="rect">
+            <a:avLst/>
+          </a:prstGeom>
+          <a:noFill/>
+        </p:spPr>
+        <p:txBody>
+          <a:bodyPr wrap="square" rtlCol="0">
+            <a:spAutoFit/>
+          </a:bodyPr>
+          <a:lstStyle/>
+          <a:p>
+            <a:r>
+              <a:rPr lang="en-GB" b="1" dirty="0">
+                <a:latin typeface="+mj-lt"/>
+              </a:rPr>
+              <a:t>Feature</a:t>
+            </a:r>
+            <a:endParaRPr lang="en-US" b="1" dirty="0">
+              <a:latin typeface="+mj-lt"/>
+            </a:endParaRPr>
+          </a:p>
+        </p:txBody>
+      </p:sp>
+      <p:sp>
+        <p:nvSpPr>
+          <p:cNvPr id="65" name="TextBox 64">
+            <a:extLst>
+              <a:ext uri="{FF2B5EF4-FFF2-40B4-BE49-F238E27FC236}">
+                <a16:creationId xmlns:a16="http://schemas.microsoft.com/office/drawing/2014/main" id="{06422CD9-F090-40C5-A1E6-81FE4FDBE5CF}"/>
+              </a:ext>
+            </a:extLst>
+          </p:cNvPr>
+          <p:cNvSpPr txBox="1"/>
+          <p:nvPr/>
+        </p:nvSpPr>
+        <p:spPr>
+          <a:xfrm>
+            <a:off x="5353298" y="24771"/>
+            <a:ext cx="739884" cy="369332"/>
+          </a:xfrm>
+          <a:prstGeom prst="rect">
+            <a:avLst/>
+          </a:prstGeom>
+          <a:noFill/>
+        </p:spPr>
+        <p:txBody>
+          <a:bodyPr wrap="square" rtlCol="0">
+            <a:spAutoFit/>
+          </a:bodyPr>
+          <a:lstStyle/>
+          <a:p>
+            <a:r>
+              <a:rPr lang="en-GB" b="1" dirty="0">
+                <a:latin typeface="+mj-lt"/>
+              </a:rPr>
+              <a:t>Status</a:t>
+            </a:r>
+            <a:endParaRPr lang="en-US" b="1" dirty="0">
+              <a:latin typeface="+mj-lt"/>
+            </a:endParaRPr>
+          </a:p>
+        </p:txBody>
+      </p:sp>
+      <p:sp>
+        <p:nvSpPr>
+          <p:cNvPr id="66" name="TextBox 65">
+            <a:extLst>
+              <a:ext uri="{FF2B5EF4-FFF2-40B4-BE49-F238E27FC236}">
+                <a16:creationId xmlns:a16="http://schemas.microsoft.com/office/drawing/2014/main" id="{0B437DE8-9028-4BB5-A54F-90CAE1D2CC6B}"/>
+              </a:ext>
+            </a:extLst>
+          </p:cNvPr>
+          <p:cNvSpPr txBox="1"/>
+          <p:nvPr/>
+        </p:nvSpPr>
+        <p:spPr>
+          <a:xfrm>
+            <a:off x="6114916" y="21491"/>
+            <a:ext cx="1927937" cy="369332"/>
+          </a:xfrm>
+          <a:prstGeom prst="rect">
+            <a:avLst/>
+          </a:prstGeom>
+          <a:noFill/>
+        </p:spPr>
+        <p:txBody>
+          <a:bodyPr wrap="square" rtlCol="0">
+            <a:spAutoFit/>
+          </a:bodyPr>
+          <a:lstStyle/>
+          <a:p>
+            <a:r>
+              <a:rPr lang="en-GB" b="1" dirty="0">
+                <a:latin typeface="+mj-lt"/>
+              </a:rPr>
+              <a:t>Narrative</a:t>
+            </a:r>
+            <a:endParaRPr lang="en-US" b="1" dirty="0">
+              <a:latin typeface="+mj-lt"/>
+            </a:endParaRPr>
+          </a:p>
+        </p:txBody>
+      </p:sp>
+      <p:cxnSp>
+        <p:nvCxnSpPr>
+          <p:cNvPr id="67" name="Straight Connector 66">
+            <a:extLst>
+              <a:ext uri="{FF2B5EF4-FFF2-40B4-BE49-F238E27FC236}">
+                <a16:creationId xmlns:a16="http://schemas.microsoft.com/office/drawing/2014/main" id="{F02564F4-E423-4738-9D97-D363D83C4FAB}"/>
+              </a:ext>
+            </a:extLst>
+          </p:cNvPr>
+          <p:cNvCxnSpPr>
+            <a:cxnSpLocks/>
+          </p:cNvCxnSpPr>
+          <p:nvPr/>
+        </p:nvCxnSpPr>
+        <p:spPr>
+          <a:xfrm>
+            <a:off x="1816018" y="4058755"/>
+            <a:ext cx="10375982" cy="0"/>
+          </a:xfrm>
+          <a:prstGeom prst="line">
+            <a:avLst/>
+          </a:prstGeom>
+        </p:spPr>
+        <p:style>
+          <a:lnRef idx="1">
+            <a:schemeClr val="accent3"/>
+          </a:lnRef>
+          <a:fillRef idx="0">
+            <a:schemeClr val="accent3"/>
+          </a:fillRef>
+          <a:effectRef idx="0">
+            <a:schemeClr val="accent3"/>
+          </a:effectRef>
+          <a:fontRef idx="minor">
+            <a:schemeClr val="tx1"/>
+          </a:fontRef>
+        </p:style>
+      </p:cxnSp>
+      <p:cxnSp>
+        <p:nvCxnSpPr>
+          <p:cNvPr id="71" name="Straight Connector 70">
+            <a:extLst>
+              <a:ext uri="{FF2B5EF4-FFF2-40B4-BE49-F238E27FC236}">
+                <a16:creationId xmlns:a16="http://schemas.microsoft.com/office/drawing/2014/main" id="{6CD65D8A-2296-46E7-A371-764A98BA5F0D}"/>
+              </a:ext>
+            </a:extLst>
+          </p:cNvPr>
+          <p:cNvCxnSpPr>
+            <a:cxnSpLocks/>
+          </p:cNvCxnSpPr>
+          <p:nvPr/>
+        </p:nvCxnSpPr>
+        <p:spPr>
+          <a:xfrm>
+            <a:off x="1816018" y="5904269"/>
+            <a:ext cx="10375982" cy="0"/>
+          </a:xfrm>
+          <a:prstGeom prst="line">
+            <a:avLst/>
+          </a:prstGeom>
+        </p:spPr>
+        <p:style>
+          <a:lnRef idx="1">
+            <a:schemeClr val="accent3"/>
+          </a:lnRef>
+          <a:fillRef idx="0">
+            <a:schemeClr val="accent3"/>
+          </a:fillRef>
+          <a:effectRef idx="0">
+            <a:schemeClr val="accent3"/>
+          </a:effectRef>
+          <a:fontRef idx="minor">
+            <a:schemeClr val="tx1"/>
+          </a:fontRef>
+        </p:style>
+      </p:cxnSp>
+      <p:cxnSp>
+        <p:nvCxnSpPr>
+          <p:cNvPr id="72" name="Straight Connector 71">
+            <a:extLst>
+              <a:ext uri="{FF2B5EF4-FFF2-40B4-BE49-F238E27FC236}">
+                <a16:creationId xmlns:a16="http://schemas.microsoft.com/office/drawing/2014/main" id="{F50193C0-F58C-4D68-8545-1AFAD38F1BD1}"/>
+              </a:ext>
+            </a:extLst>
+          </p:cNvPr>
+          <p:cNvCxnSpPr>
+            <a:cxnSpLocks/>
+          </p:cNvCxnSpPr>
+          <p:nvPr/>
+        </p:nvCxnSpPr>
+        <p:spPr>
+          <a:xfrm>
+            <a:off x="3232846" y="0"/>
+            <a:ext cx="0" cy="6858000"/>
+          </a:xfrm>
+          <a:prstGeom prst="line">
+            <a:avLst/>
+          </a:prstGeom>
+        </p:spPr>
+        <p:style>
+          <a:lnRef idx="1">
+            <a:schemeClr val="accent3"/>
+          </a:lnRef>
+          <a:fillRef idx="0">
+            <a:schemeClr val="accent3"/>
+          </a:fillRef>
+          <a:effectRef idx="0">
+            <a:schemeClr val="accent3"/>
+          </a:effectRef>
+          <a:fontRef idx="minor">
+            <a:schemeClr val="tx1"/>
+          </a:fontRef>
+        </p:style>
+      </p:cxnSp>
+      <p:cxnSp>
+        <p:nvCxnSpPr>
+          <p:cNvPr id="75" name="Straight Connector 74">
+            <a:extLst>
+              <a:ext uri="{FF2B5EF4-FFF2-40B4-BE49-F238E27FC236}">
+                <a16:creationId xmlns:a16="http://schemas.microsoft.com/office/drawing/2014/main" id="{C1F228C8-A866-4062-A7F3-DA8DBDD7BEA9}"/>
+              </a:ext>
+            </a:extLst>
+          </p:cNvPr>
+          <p:cNvCxnSpPr>
+            <a:cxnSpLocks/>
+          </p:cNvCxnSpPr>
+          <p:nvPr/>
+        </p:nvCxnSpPr>
+        <p:spPr>
+          <a:xfrm>
+            <a:off x="5353300" y="0"/>
+            <a:ext cx="0" cy="6858000"/>
+          </a:xfrm>
+          <a:prstGeom prst="line">
+            <a:avLst/>
+          </a:prstGeom>
+        </p:spPr>
+        <p:style>
+          <a:lnRef idx="1">
+            <a:schemeClr val="accent3"/>
+          </a:lnRef>
+          <a:fillRef idx="0">
+            <a:schemeClr val="accent3"/>
+          </a:fillRef>
+          <a:effectRef idx="0">
+            <a:schemeClr val="accent3"/>
+          </a:effectRef>
+          <a:fontRef idx="minor">
+            <a:schemeClr val="tx1"/>
+          </a:fontRef>
+        </p:style>
+      </p:cxnSp>
+      <p:cxnSp>
+        <p:nvCxnSpPr>
+          <p:cNvPr id="78" name="Straight Connector 77">
+            <a:extLst>
+              <a:ext uri="{FF2B5EF4-FFF2-40B4-BE49-F238E27FC236}">
+                <a16:creationId xmlns:a16="http://schemas.microsoft.com/office/drawing/2014/main" id="{1FF7F994-3AE2-41EA-9287-E1422A998B69}"/>
+              </a:ext>
+            </a:extLst>
+          </p:cNvPr>
+          <p:cNvCxnSpPr>
+            <a:cxnSpLocks/>
+          </p:cNvCxnSpPr>
+          <p:nvPr/>
+        </p:nvCxnSpPr>
+        <p:spPr>
+          <a:xfrm>
+            <a:off x="1822484" y="395739"/>
+            <a:ext cx="10369516" cy="0"/>
+          </a:xfrm>
+          <a:prstGeom prst="line">
+            <a:avLst/>
+          </a:prstGeom>
+        </p:spPr>
+        <p:style>
+          <a:lnRef idx="1">
+            <a:schemeClr val="accent3"/>
+          </a:lnRef>
+          <a:fillRef idx="0">
+            <a:schemeClr val="accent3"/>
+          </a:fillRef>
+          <a:effectRef idx="0">
+            <a:schemeClr val="accent3"/>
+          </a:effectRef>
+          <a:fontRef idx="minor">
+            <a:schemeClr val="tx1"/>
+          </a:fontRef>
+        </p:style>
+      </p:cxnSp>
+      <p:cxnSp>
+        <p:nvCxnSpPr>
+          <p:cNvPr id="81" name="Straight Connector 80">
+            <a:extLst>
+              <a:ext uri="{FF2B5EF4-FFF2-40B4-BE49-F238E27FC236}">
+                <a16:creationId xmlns:a16="http://schemas.microsoft.com/office/drawing/2014/main" id="{F40B2660-897D-4A68-A22C-2A2F285B3304}"/>
+              </a:ext>
+            </a:extLst>
+          </p:cNvPr>
+          <p:cNvCxnSpPr>
+            <a:cxnSpLocks/>
+          </p:cNvCxnSpPr>
+          <p:nvPr/>
+        </p:nvCxnSpPr>
+        <p:spPr>
+          <a:xfrm>
+            <a:off x="1816018" y="0"/>
+            <a:ext cx="0" cy="6858000"/>
+          </a:xfrm>
+          <a:prstGeom prst="line">
+            <a:avLst/>
+          </a:prstGeom>
+        </p:spPr>
+        <p:style>
+          <a:lnRef idx="1">
+            <a:schemeClr val="accent3"/>
+          </a:lnRef>
+          <a:fillRef idx="0">
+            <a:schemeClr val="accent3"/>
+          </a:fillRef>
+          <a:effectRef idx="0">
+            <a:schemeClr val="accent3"/>
+          </a:effectRef>
+          <a:fontRef idx="minor">
+            <a:schemeClr val="tx1"/>
+          </a:fontRef>
+        </p:style>
+      </p:cxnSp>
+      <p:cxnSp>
+        <p:nvCxnSpPr>
+          <p:cNvPr id="82" name="Straight Connector 81">
+            <a:extLst>
+              <a:ext uri="{FF2B5EF4-FFF2-40B4-BE49-F238E27FC236}">
+                <a16:creationId xmlns:a16="http://schemas.microsoft.com/office/drawing/2014/main" id="{D5C92EA0-1D03-49A7-B797-B0323DE539AD}"/>
+              </a:ext>
+            </a:extLst>
+          </p:cNvPr>
+          <p:cNvCxnSpPr>
+            <a:cxnSpLocks/>
+          </p:cNvCxnSpPr>
+          <p:nvPr/>
+        </p:nvCxnSpPr>
+        <p:spPr>
+          <a:xfrm>
+            <a:off x="6098820" y="0"/>
+            <a:ext cx="0" cy="6858000"/>
+          </a:xfrm>
+          <a:prstGeom prst="line">
+            <a:avLst/>
+          </a:prstGeom>
+        </p:spPr>
+        <p:style>
+          <a:lnRef idx="1">
+            <a:schemeClr val="accent3"/>
+          </a:lnRef>
+          <a:fillRef idx="0">
+            <a:schemeClr val="accent3"/>
+          </a:fillRef>
+          <a:effectRef idx="0">
+            <a:schemeClr val="accent3"/>
+          </a:effectRef>
+          <a:fontRef idx="minor">
+            <a:schemeClr val="tx1"/>
+          </a:fontRef>
+        </p:style>
+      </p:cxnSp>
+      <p:sp>
+        <p:nvSpPr>
+          <p:cNvPr id="85" name="TextBox 84">
+            <a:extLst>
+              <a:ext uri="{FF2B5EF4-FFF2-40B4-BE49-F238E27FC236}">
+                <a16:creationId xmlns:a16="http://schemas.microsoft.com/office/drawing/2014/main" id="{84262AC9-EDE7-45C6-9A72-02709FA04128}"/>
+              </a:ext>
+            </a:extLst>
+          </p:cNvPr>
+          <p:cNvSpPr txBox="1"/>
+          <p:nvPr/>
+        </p:nvSpPr>
+        <p:spPr>
+          <a:xfrm>
+            <a:off x="411344" y="397370"/>
+            <a:ext cx="995337" cy="923330"/>
+          </a:xfrm>
+          <a:prstGeom prst="rect">
+            <a:avLst/>
+          </a:prstGeom>
+          <a:noFill/>
+        </p:spPr>
+        <p:txBody>
+          <a:bodyPr wrap="none" rtlCol="0">
+            <a:spAutoFit/>
+          </a:bodyPr>
+          <a:lstStyle/>
+          <a:p>
+            <a:pPr algn="ctr"/>
+            <a:r>
+              <a:rPr lang="en-GB" b="1" dirty="0">
+                <a:latin typeface="+mj-lt"/>
+              </a:rPr>
+              <a:t>Azure </a:t>
+            </a:r>
+          </a:p>
+          <a:p>
+            <a:pPr algn="ctr"/>
+            <a:r>
+              <a:rPr lang="en-GB" b="1" dirty="0">
+                <a:latin typeface="+mj-lt"/>
+              </a:rPr>
+              <a:t>Synapse </a:t>
+            </a:r>
+          </a:p>
+          <a:p>
+            <a:pPr algn="ctr"/>
+            <a:r>
+              <a:rPr lang="en-GB" b="1" dirty="0">
+                <a:latin typeface="+mj-lt"/>
+              </a:rPr>
+              <a:t>Analytics</a:t>
+            </a:r>
+            <a:endParaRPr lang="en-US" b="1" dirty="0">
+              <a:latin typeface="+mj-lt"/>
+            </a:endParaRPr>
+          </a:p>
+        </p:txBody>
+      </p:sp>
+      <p:sp>
+        <p:nvSpPr>
+          <p:cNvPr id="88" name="TextBox 87">
+            <a:extLst>
+              <a:ext uri="{FF2B5EF4-FFF2-40B4-BE49-F238E27FC236}">
+                <a16:creationId xmlns:a16="http://schemas.microsoft.com/office/drawing/2014/main" id="{3592BD73-FF80-4A03-9461-8A8ABFB7917F}"/>
+              </a:ext>
+            </a:extLst>
+          </p:cNvPr>
+          <p:cNvSpPr txBox="1"/>
+          <p:nvPr/>
+        </p:nvSpPr>
+        <p:spPr>
+          <a:xfrm>
+            <a:off x="6188030" y="3726315"/>
+            <a:ext cx="4311535" cy="276999"/>
+          </a:xfrm>
+          <a:prstGeom prst="rect">
+            <a:avLst/>
+          </a:prstGeom>
+          <a:noFill/>
+          <a:ln>
+            <a:noFill/>
+          </a:ln>
+        </p:spPr>
+        <p:style>
+          <a:lnRef idx="2">
+            <a:schemeClr val="accent3"/>
+          </a:lnRef>
+          <a:fillRef idx="1">
+            <a:schemeClr val="lt1"/>
+          </a:fillRef>
+          <a:effectRef idx="0">
+            <a:schemeClr val="accent3"/>
+          </a:effectRef>
+          <a:fontRef idx="minor">
+            <a:schemeClr val="dk1"/>
+          </a:fontRef>
+        </p:style>
+        <p:txBody>
+          <a:bodyPr wrap="square" rtlCol="0">
+            <a:spAutoFit/>
+          </a:bodyPr>
+          <a:lstStyle/>
+          <a:p>
+            <a:r>
+              <a:rPr lang="en-GB" sz="1200" dirty="0">
+                <a:latin typeface="+mj-lt"/>
+              </a:rPr>
+              <a:t>Linked Hosted IR’s missing. No SSIS Support.</a:t>
+            </a:r>
+          </a:p>
+        </p:txBody>
+      </p:sp>
+      <p:sp>
+        <p:nvSpPr>
+          <p:cNvPr id="89" name="TextBox 88">
+            <a:extLst>
+              <a:ext uri="{FF2B5EF4-FFF2-40B4-BE49-F238E27FC236}">
+                <a16:creationId xmlns:a16="http://schemas.microsoft.com/office/drawing/2014/main" id="{2B1D2D66-29D0-4B9E-B0E7-047CE9D6C109}"/>
+              </a:ext>
+            </a:extLst>
+          </p:cNvPr>
+          <p:cNvSpPr txBox="1"/>
+          <p:nvPr/>
+        </p:nvSpPr>
+        <p:spPr>
+          <a:xfrm>
+            <a:off x="6191411" y="2337920"/>
+            <a:ext cx="5486131" cy="276999"/>
+          </a:xfrm>
+          <a:prstGeom prst="rect">
+            <a:avLst/>
+          </a:prstGeom>
+          <a:noFill/>
+          <a:ln>
+            <a:noFill/>
+          </a:ln>
+        </p:spPr>
+        <p:style>
+          <a:lnRef idx="2">
+            <a:schemeClr val="accent3"/>
+          </a:lnRef>
+          <a:fillRef idx="1">
+            <a:schemeClr val="lt1"/>
+          </a:fillRef>
+          <a:effectRef idx="0">
+            <a:schemeClr val="accent3"/>
+          </a:effectRef>
+          <a:fontRef idx="minor">
+            <a:schemeClr val="dk1"/>
+          </a:fontRef>
+        </p:style>
+        <p:txBody>
+          <a:bodyPr wrap="square" rtlCol="0">
+            <a:spAutoFit/>
+          </a:bodyPr>
+          <a:lstStyle/>
+          <a:p>
+            <a:r>
+              <a:rPr lang="en-GB" sz="1200" dirty="0">
+                <a:latin typeface="+mj-lt"/>
+              </a:rPr>
+              <a:t>Common HIVE Metadata Delta Tables not yet supported.</a:t>
+            </a:r>
+            <a:endParaRPr lang="en-US" sz="1200" dirty="0">
+              <a:latin typeface="+mj-lt"/>
+            </a:endParaRPr>
+          </a:p>
+        </p:txBody>
+      </p:sp>
+      <p:sp>
+        <p:nvSpPr>
+          <p:cNvPr id="90" name="TextBox 89">
+            <a:extLst>
+              <a:ext uri="{FF2B5EF4-FFF2-40B4-BE49-F238E27FC236}">
+                <a16:creationId xmlns:a16="http://schemas.microsoft.com/office/drawing/2014/main" id="{24AD1316-E65E-444C-8558-6109E7141FF2}"/>
+              </a:ext>
+            </a:extLst>
+          </p:cNvPr>
+          <p:cNvSpPr txBox="1"/>
+          <p:nvPr/>
+        </p:nvSpPr>
+        <p:spPr>
+          <a:xfrm>
+            <a:off x="6188028" y="1907675"/>
+            <a:ext cx="6099635" cy="276999"/>
+          </a:xfrm>
+          <a:prstGeom prst="rect">
+            <a:avLst/>
+          </a:prstGeom>
+          <a:noFill/>
+          <a:ln>
+            <a:noFill/>
+          </a:ln>
+        </p:spPr>
+        <p:style>
+          <a:lnRef idx="2">
+            <a:schemeClr val="accent3"/>
+          </a:lnRef>
+          <a:fillRef idx="1">
+            <a:schemeClr val="lt1"/>
+          </a:fillRef>
+          <a:effectRef idx="0">
+            <a:schemeClr val="accent3"/>
+          </a:effectRef>
+          <a:fontRef idx="minor">
+            <a:schemeClr val="dk1"/>
+          </a:fontRef>
+        </p:style>
+        <p:txBody>
+          <a:bodyPr wrap="square" rtlCol="0">
+            <a:spAutoFit/>
+          </a:bodyPr>
+          <a:lstStyle/>
+          <a:p>
+            <a:r>
+              <a:rPr lang="en-GB" sz="1200" dirty="0">
+                <a:latin typeface="+mj-lt"/>
+              </a:rPr>
+              <a:t>Using Spark 2.4. Performance concerns. Cluster currency/stability/cost. Delta Optimize missing.</a:t>
+            </a:r>
+            <a:endParaRPr lang="en-US" sz="1200" dirty="0">
+              <a:latin typeface="+mj-lt"/>
+            </a:endParaRPr>
+          </a:p>
+        </p:txBody>
+      </p:sp>
+      <p:sp>
+        <p:nvSpPr>
+          <p:cNvPr id="91" name="TextBox 90">
+            <a:extLst>
+              <a:ext uri="{FF2B5EF4-FFF2-40B4-BE49-F238E27FC236}">
+                <a16:creationId xmlns:a16="http://schemas.microsoft.com/office/drawing/2014/main" id="{0B49A8B5-2EEB-4663-8FE9-268BF455BCE8}"/>
+              </a:ext>
+            </a:extLst>
+          </p:cNvPr>
+          <p:cNvSpPr txBox="1"/>
+          <p:nvPr/>
+        </p:nvSpPr>
+        <p:spPr>
+          <a:xfrm>
+            <a:off x="6188030" y="1441426"/>
+            <a:ext cx="6003970" cy="276999"/>
+          </a:xfrm>
+          <a:prstGeom prst="rect">
+            <a:avLst/>
+          </a:prstGeom>
+          <a:noFill/>
+          <a:ln>
+            <a:noFill/>
+          </a:ln>
+        </p:spPr>
+        <p:style>
+          <a:lnRef idx="2">
+            <a:schemeClr val="accent3"/>
+          </a:lnRef>
+          <a:fillRef idx="1">
+            <a:schemeClr val="lt1"/>
+          </a:fillRef>
+          <a:effectRef idx="0">
+            <a:schemeClr val="accent3"/>
+          </a:effectRef>
+          <a:fontRef idx="minor">
+            <a:schemeClr val="dk1"/>
+          </a:fontRef>
+        </p:style>
+        <p:txBody>
+          <a:bodyPr wrap="square" rtlCol="0">
+            <a:spAutoFit/>
+          </a:bodyPr>
+          <a:lstStyle/>
+          <a:p>
+            <a:r>
+              <a:rPr lang="en-GB" sz="1200" dirty="0">
+                <a:latin typeface="+mj-lt"/>
+              </a:rPr>
+              <a:t>Workspace integration unstable. Disconnected DevOps. No cross tenant support.</a:t>
+            </a:r>
+            <a:endParaRPr lang="en-US" sz="1200" dirty="0">
+              <a:latin typeface="+mj-lt"/>
+            </a:endParaRPr>
+          </a:p>
+        </p:txBody>
+      </p:sp>
+      <p:sp>
+        <p:nvSpPr>
+          <p:cNvPr id="92" name="TextBox 91">
+            <a:extLst>
+              <a:ext uri="{FF2B5EF4-FFF2-40B4-BE49-F238E27FC236}">
+                <a16:creationId xmlns:a16="http://schemas.microsoft.com/office/drawing/2014/main" id="{D9B532E1-62F0-47A1-B77D-3E8EA7FF53BF}"/>
+              </a:ext>
+            </a:extLst>
+          </p:cNvPr>
+          <p:cNvSpPr txBox="1"/>
+          <p:nvPr/>
+        </p:nvSpPr>
+        <p:spPr>
+          <a:xfrm>
+            <a:off x="6188030" y="514217"/>
+            <a:ext cx="5955116" cy="276999"/>
+          </a:xfrm>
+          <a:prstGeom prst="rect">
+            <a:avLst/>
+          </a:prstGeom>
+          <a:noFill/>
+          <a:ln>
+            <a:noFill/>
+          </a:ln>
+        </p:spPr>
+        <p:style>
+          <a:lnRef idx="2">
+            <a:schemeClr val="accent3"/>
+          </a:lnRef>
+          <a:fillRef idx="1">
+            <a:schemeClr val="lt1"/>
+          </a:fillRef>
+          <a:effectRef idx="0">
+            <a:schemeClr val="accent3"/>
+          </a:effectRef>
+          <a:fontRef idx="minor">
+            <a:schemeClr val="dk1"/>
+          </a:fontRef>
+        </p:style>
+        <p:txBody>
+          <a:bodyPr wrap="square" rtlCol="0">
+            <a:spAutoFit/>
+          </a:bodyPr>
+          <a:lstStyle/>
+          <a:p>
+            <a:r>
+              <a:rPr lang="en-GB" sz="1200" dirty="0">
+                <a:latin typeface="+mj-lt"/>
+              </a:rPr>
+              <a:t>Deployment approach needs custom build, like what has been done for ADF.</a:t>
+            </a:r>
+          </a:p>
+        </p:txBody>
+      </p:sp>
+      <p:sp>
+        <p:nvSpPr>
+          <p:cNvPr id="93" name="TextBox 92">
+            <a:extLst>
+              <a:ext uri="{FF2B5EF4-FFF2-40B4-BE49-F238E27FC236}">
+                <a16:creationId xmlns:a16="http://schemas.microsoft.com/office/drawing/2014/main" id="{D2BDADF3-EEA8-4785-87ED-BC620FE900CA}"/>
+              </a:ext>
+            </a:extLst>
+          </p:cNvPr>
+          <p:cNvSpPr txBox="1"/>
+          <p:nvPr/>
+        </p:nvSpPr>
+        <p:spPr>
+          <a:xfrm>
+            <a:off x="6188231" y="4152656"/>
+            <a:ext cx="4782331" cy="276999"/>
+          </a:xfrm>
+          <a:prstGeom prst="rect">
+            <a:avLst/>
+          </a:prstGeom>
+          <a:noFill/>
+          <a:ln>
+            <a:noFill/>
+          </a:ln>
+        </p:spPr>
+        <p:style>
+          <a:lnRef idx="2">
+            <a:schemeClr val="accent3"/>
+          </a:lnRef>
+          <a:fillRef idx="1">
+            <a:schemeClr val="lt1"/>
+          </a:fillRef>
+          <a:effectRef idx="0">
+            <a:schemeClr val="accent3"/>
+          </a:effectRef>
+          <a:fontRef idx="minor">
+            <a:schemeClr val="dk1"/>
+          </a:fontRef>
+        </p:style>
+        <p:txBody>
+          <a:bodyPr wrap="square" rtlCol="0">
+            <a:spAutoFit/>
+          </a:bodyPr>
+          <a:lstStyle/>
+          <a:p>
+            <a:r>
+              <a:rPr lang="en-GB" sz="1200" dirty="0">
+                <a:latin typeface="+mj-lt"/>
+              </a:rPr>
+              <a:t>Lots of methods missing. Incomplete permissions model.</a:t>
+            </a:r>
+            <a:endParaRPr lang="en-US" sz="1200" dirty="0">
+              <a:latin typeface="+mj-lt"/>
+            </a:endParaRPr>
+          </a:p>
+        </p:txBody>
+      </p:sp>
+      <p:sp>
+        <p:nvSpPr>
+          <p:cNvPr id="94" name="TextBox 93">
+            <a:extLst>
+              <a:ext uri="{FF2B5EF4-FFF2-40B4-BE49-F238E27FC236}">
+                <a16:creationId xmlns:a16="http://schemas.microsoft.com/office/drawing/2014/main" id="{DAF2A325-BBB5-4203-82B3-073B971BD292}"/>
+              </a:ext>
+            </a:extLst>
+          </p:cNvPr>
+          <p:cNvSpPr txBox="1"/>
+          <p:nvPr/>
+        </p:nvSpPr>
+        <p:spPr>
+          <a:xfrm>
+            <a:off x="6188030" y="6001541"/>
+            <a:ext cx="5919998" cy="276999"/>
+          </a:xfrm>
+          <a:prstGeom prst="rect">
+            <a:avLst/>
+          </a:prstGeom>
+          <a:noFill/>
+          <a:ln>
+            <a:noFill/>
+          </a:ln>
+        </p:spPr>
+        <p:style>
+          <a:lnRef idx="2">
+            <a:schemeClr val="accent3"/>
+          </a:lnRef>
+          <a:fillRef idx="1">
+            <a:schemeClr val="lt1"/>
+          </a:fillRef>
+          <a:effectRef idx="0">
+            <a:schemeClr val="accent3"/>
+          </a:effectRef>
+          <a:fontRef idx="minor">
+            <a:schemeClr val="dk1"/>
+          </a:fontRef>
+        </p:style>
+        <p:txBody>
+          <a:bodyPr wrap="square" rtlCol="0">
+            <a:spAutoFit/>
+          </a:bodyPr>
+          <a:lstStyle/>
+          <a:p>
+            <a:r>
+              <a:rPr lang="en-GB" sz="1200" dirty="0">
+                <a:latin typeface="+mj-lt"/>
+              </a:rPr>
+              <a:t>New ComosDB instances only. Not all ComosDB API’s types supported.</a:t>
+            </a:r>
+            <a:endParaRPr lang="en-US" sz="1200" dirty="0">
+              <a:latin typeface="+mj-lt"/>
+            </a:endParaRPr>
+          </a:p>
+        </p:txBody>
+      </p:sp>
+      <p:sp>
+        <p:nvSpPr>
+          <p:cNvPr id="95" name="TextBox 94">
+            <a:extLst>
+              <a:ext uri="{FF2B5EF4-FFF2-40B4-BE49-F238E27FC236}">
+                <a16:creationId xmlns:a16="http://schemas.microsoft.com/office/drawing/2014/main" id="{DC407930-549E-412B-95DA-1F38F2DF0702}"/>
+              </a:ext>
+            </a:extLst>
+          </p:cNvPr>
+          <p:cNvSpPr txBox="1"/>
+          <p:nvPr/>
+        </p:nvSpPr>
+        <p:spPr>
+          <a:xfrm>
+            <a:off x="6188231" y="4670664"/>
+            <a:ext cx="5849693" cy="276999"/>
+          </a:xfrm>
+          <a:prstGeom prst="rect">
+            <a:avLst/>
+          </a:prstGeom>
+          <a:noFill/>
+          <a:ln>
+            <a:noFill/>
+          </a:ln>
+        </p:spPr>
+        <p:style>
+          <a:lnRef idx="2">
+            <a:schemeClr val="accent3"/>
+          </a:lnRef>
+          <a:fillRef idx="1">
+            <a:schemeClr val="lt1"/>
+          </a:fillRef>
+          <a:effectRef idx="0">
+            <a:schemeClr val="accent3"/>
+          </a:effectRef>
+          <a:fontRef idx="minor">
+            <a:schemeClr val="dk1"/>
+          </a:fontRef>
+        </p:style>
+        <p:txBody>
+          <a:bodyPr wrap="square" rtlCol="0">
+            <a:spAutoFit/>
+          </a:bodyPr>
+          <a:lstStyle/>
+          <a:p>
+            <a:r>
+              <a:rPr lang="en-GB" sz="1200" dirty="0">
+                <a:latin typeface="+mj-lt"/>
+              </a:rPr>
+              <a:t>NuGet still in Beta. Classes missing from Namespace.</a:t>
+            </a:r>
+            <a:endParaRPr lang="en-US" sz="1200" dirty="0">
+              <a:latin typeface="+mj-lt"/>
+            </a:endParaRPr>
+          </a:p>
+        </p:txBody>
+      </p:sp>
+      <p:sp>
+        <p:nvSpPr>
+          <p:cNvPr id="96" name="TextBox 95">
+            <a:extLst>
+              <a:ext uri="{FF2B5EF4-FFF2-40B4-BE49-F238E27FC236}">
+                <a16:creationId xmlns:a16="http://schemas.microsoft.com/office/drawing/2014/main" id="{FABBADC2-0119-4C6E-86A5-BBFC889F374F}"/>
+              </a:ext>
+            </a:extLst>
+          </p:cNvPr>
+          <p:cNvSpPr txBox="1"/>
+          <p:nvPr/>
+        </p:nvSpPr>
+        <p:spPr>
+          <a:xfrm>
+            <a:off x="6188030" y="5157156"/>
+            <a:ext cx="3513984" cy="276999"/>
+          </a:xfrm>
+          <a:prstGeom prst="rect">
+            <a:avLst/>
+          </a:prstGeom>
+          <a:noFill/>
+          <a:ln>
+            <a:noFill/>
+          </a:ln>
+        </p:spPr>
+        <p:style>
+          <a:lnRef idx="2">
+            <a:schemeClr val="accent3"/>
+          </a:lnRef>
+          <a:fillRef idx="1">
+            <a:schemeClr val="lt1"/>
+          </a:fillRef>
+          <a:effectRef idx="0">
+            <a:schemeClr val="accent3"/>
+          </a:effectRef>
+          <a:fontRef idx="minor">
+            <a:schemeClr val="dk1"/>
+          </a:fontRef>
+        </p:style>
+        <p:txBody>
+          <a:bodyPr wrap="square" rtlCol="0">
+            <a:spAutoFit/>
+          </a:bodyPr>
+          <a:lstStyle/>
+          <a:p>
+            <a:r>
+              <a:rPr lang="en-GB" sz="1200" dirty="0">
+                <a:latin typeface="+mj-lt"/>
+              </a:rPr>
+              <a:t>Some service metric outputs. Little auditing logs.</a:t>
+            </a:r>
+            <a:endParaRPr lang="en-US" sz="1200" dirty="0">
+              <a:latin typeface="+mj-lt"/>
+            </a:endParaRPr>
+          </a:p>
+        </p:txBody>
+      </p:sp>
+      <p:sp>
+        <p:nvSpPr>
+          <p:cNvPr id="97" name="TextBox 96">
+            <a:extLst>
+              <a:ext uri="{FF2B5EF4-FFF2-40B4-BE49-F238E27FC236}">
+                <a16:creationId xmlns:a16="http://schemas.microsoft.com/office/drawing/2014/main" id="{97A8584B-3A23-4779-99F0-29064679DB8A}"/>
+              </a:ext>
+            </a:extLst>
+          </p:cNvPr>
+          <p:cNvSpPr txBox="1"/>
+          <p:nvPr/>
+        </p:nvSpPr>
+        <p:spPr>
+          <a:xfrm>
+            <a:off x="6188030" y="5570136"/>
+            <a:ext cx="5955116" cy="276999"/>
+          </a:xfrm>
+          <a:prstGeom prst="rect">
+            <a:avLst/>
+          </a:prstGeom>
+          <a:noFill/>
+          <a:ln>
+            <a:noFill/>
+          </a:ln>
+        </p:spPr>
+        <p:style>
+          <a:lnRef idx="2">
+            <a:schemeClr val="accent3"/>
+          </a:lnRef>
+          <a:fillRef idx="1">
+            <a:schemeClr val="lt1"/>
+          </a:fillRef>
+          <a:effectRef idx="0">
+            <a:schemeClr val="accent3"/>
+          </a:effectRef>
+          <a:fontRef idx="minor">
+            <a:schemeClr val="dk1"/>
+          </a:fontRef>
+        </p:style>
+        <p:txBody>
+          <a:bodyPr wrap="square" rtlCol="0">
+            <a:spAutoFit/>
+          </a:bodyPr>
+          <a:lstStyle/>
+          <a:p>
+            <a:r>
+              <a:rPr lang="en-GB" sz="1200" dirty="0">
+                <a:latin typeface="+mj-lt"/>
+              </a:rPr>
+              <a:t>Need to test full connectivity for all underlying parts of Synapse and check Firewall context.</a:t>
+            </a:r>
+            <a:endParaRPr lang="en-US" sz="1200" dirty="0">
+              <a:latin typeface="+mj-lt"/>
+            </a:endParaRPr>
+          </a:p>
+        </p:txBody>
+      </p:sp>
+      <p:sp>
+        <p:nvSpPr>
+          <p:cNvPr id="98" name="TextBox 97">
+            <a:extLst>
+              <a:ext uri="{FF2B5EF4-FFF2-40B4-BE49-F238E27FC236}">
+                <a16:creationId xmlns:a16="http://schemas.microsoft.com/office/drawing/2014/main" id="{AF3B3741-A6E8-4B0E-BBA2-DEF9D97DF480}"/>
+              </a:ext>
+            </a:extLst>
+          </p:cNvPr>
+          <p:cNvSpPr txBox="1"/>
+          <p:nvPr/>
+        </p:nvSpPr>
+        <p:spPr>
+          <a:xfrm>
+            <a:off x="6188030" y="6488462"/>
+            <a:ext cx="4695979" cy="276999"/>
+          </a:xfrm>
+          <a:prstGeom prst="rect">
+            <a:avLst/>
+          </a:prstGeom>
+          <a:noFill/>
+          <a:ln>
+            <a:noFill/>
+          </a:ln>
+        </p:spPr>
+        <p:style>
+          <a:lnRef idx="2">
+            <a:schemeClr val="accent3"/>
+          </a:lnRef>
+          <a:fillRef idx="1">
+            <a:schemeClr val="lt1"/>
+          </a:fillRef>
+          <a:effectRef idx="0">
+            <a:schemeClr val="accent3"/>
+          </a:effectRef>
+          <a:fontRef idx="minor">
+            <a:schemeClr val="dk1"/>
+          </a:fontRef>
+        </p:style>
+        <p:txBody>
+          <a:bodyPr wrap="square" rtlCol="0">
+            <a:spAutoFit/>
+          </a:bodyPr>
+          <a:lstStyle/>
+          <a:p>
+            <a:r>
+              <a:rPr lang="en-GB" sz="1200" dirty="0">
+                <a:latin typeface="+mj-lt"/>
+              </a:rPr>
+              <a:t>Still in preview. Roadmap unclear.</a:t>
+            </a:r>
+            <a:endParaRPr lang="en-US" sz="1200" dirty="0">
+              <a:latin typeface="+mj-lt"/>
+            </a:endParaRPr>
+          </a:p>
+        </p:txBody>
+      </p:sp>
+      <p:sp>
+        <p:nvSpPr>
+          <p:cNvPr id="99" name="TextBox 98">
+            <a:extLst>
+              <a:ext uri="{FF2B5EF4-FFF2-40B4-BE49-F238E27FC236}">
+                <a16:creationId xmlns:a16="http://schemas.microsoft.com/office/drawing/2014/main" id="{B4F9FB35-4303-4C28-B294-9B068EC1C570}"/>
+              </a:ext>
+            </a:extLst>
+          </p:cNvPr>
+          <p:cNvSpPr txBox="1"/>
+          <p:nvPr/>
+        </p:nvSpPr>
+        <p:spPr>
+          <a:xfrm>
+            <a:off x="6188030" y="2840327"/>
+            <a:ext cx="6003970" cy="276999"/>
+          </a:xfrm>
+          <a:prstGeom prst="rect">
+            <a:avLst/>
+          </a:prstGeom>
+          <a:noFill/>
+          <a:ln>
+            <a:noFill/>
+          </a:ln>
+        </p:spPr>
+        <p:style>
+          <a:lnRef idx="2">
+            <a:schemeClr val="accent3"/>
+          </a:lnRef>
+          <a:fillRef idx="1">
+            <a:schemeClr val="lt1"/>
+          </a:fillRef>
+          <a:effectRef idx="0">
+            <a:schemeClr val="accent3"/>
+          </a:effectRef>
+          <a:fontRef idx="minor">
+            <a:schemeClr val="dk1"/>
+          </a:fontRef>
+        </p:style>
+        <p:txBody>
+          <a:bodyPr wrap="square" rtlCol="0">
+            <a:spAutoFit/>
+          </a:bodyPr>
+          <a:lstStyle/>
+          <a:p>
+            <a:r>
+              <a:rPr lang="en-GB" sz="1200" dirty="0">
+                <a:latin typeface="+mj-lt"/>
+              </a:rPr>
+              <a:t>Concurrency limits for resource classes still apply. </a:t>
+            </a:r>
+            <a:r>
+              <a:rPr lang="en-GB" sz="1200" dirty="0">
+                <a:latin typeface="+mj-lt"/>
+                <a:hlinkClick r:id="rId19"/>
+              </a:rPr>
+              <a:t>docs.microsoft</a:t>
+            </a:r>
+            <a:endParaRPr lang="en-US" sz="1200" dirty="0">
+              <a:latin typeface="+mj-lt"/>
+            </a:endParaRPr>
+          </a:p>
+        </p:txBody>
+      </p:sp>
+      <p:sp>
+        <p:nvSpPr>
+          <p:cNvPr id="100" name="TextBox 99">
+            <a:extLst>
+              <a:ext uri="{FF2B5EF4-FFF2-40B4-BE49-F238E27FC236}">
+                <a16:creationId xmlns:a16="http://schemas.microsoft.com/office/drawing/2014/main" id="{A714520D-15C4-498C-8BCD-DC3D16C1E560}"/>
+              </a:ext>
+            </a:extLst>
+          </p:cNvPr>
+          <p:cNvSpPr txBox="1"/>
+          <p:nvPr/>
+        </p:nvSpPr>
+        <p:spPr>
+          <a:xfrm>
+            <a:off x="6188030" y="3293981"/>
+            <a:ext cx="6003970" cy="276999"/>
+          </a:xfrm>
+          <a:prstGeom prst="rect">
+            <a:avLst/>
+          </a:prstGeom>
+          <a:noFill/>
+          <a:ln>
+            <a:noFill/>
+          </a:ln>
+        </p:spPr>
+        <p:style>
+          <a:lnRef idx="2">
+            <a:schemeClr val="accent3"/>
+          </a:lnRef>
+          <a:fillRef idx="1">
+            <a:schemeClr val="lt1"/>
+          </a:fillRef>
+          <a:effectRef idx="0">
+            <a:schemeClr val="accent3"/>
+          </a:effectRef>
+          <a:fontRef idx="minor">
+            <a:schemeClr val="dk1"/>
+          </a:fontRef>
+        </p:style>
+        <p:txBody>
+          <a:bodyPr wrap="square" rtlCol="0">
+            <a:spAutoFit/>
+          </a:bodyPr>
+          <a:lstStyle/>
+          <a:p>
+            <a:r>
+              <a:rPr lang="en-GB" sz="1200" dirty="0">
+                <a:latin typeface="+mj-lt"/>
+              </a:rPr>
+              <a:t>Uses Spark compute pools, not Databricks.</a:t>
+            </a:r>
+            <a:endParaRPr lang="en-US" sz="1200" dirty="0">
+              <a:latin typeface="+mj-lt"/>
+            </a:endParaRPr>
+          </a:p>
+        </p:txBody>
+      </p:sp>
+      <p:sp>
+        <p:nvSpPr>
+          <p:cNvPr id="101" name="TextBox 100">
+            <a:extLst>
+              <a:ext uri="{FF2B5EF4-FFF2-40B4-BE49-F238E27FC236}">
+                <a16:creationId xmlns:a16="http://schemas.microsoft.com/office/drawing/2014/main" id="{1570D67D-5797-493D-9238-9DF55E4E9B1C}"/>
+              </a:ext>
+            </a:extLst>
+          </p:cNvPr>
+          <p:cNvSpPr txBox="1"/>
+          <p:nvPr/>
+        </p:nvSpPr>
+        <p:spPr>
+          <a:xfrm>
+            <a:off x="6188030" y="945158"/>
+            <a:ext cx="6003970" cy="276999"/>
+          </a:xfrm>
+          <a:prstGeom prst="rect">
+            <a:avLst/>
+          </a:prstGeom>
+          <a:noFill/>
+          <a:ln>
+            <a:noFill/>
+          </a:ln>
+        </p:spPr>
+        <p:style>
+          <a:lnRef idx="2">
+            <a:schemeClr val="accent3"/>
+          </a:lnRef>
+          <a:fillRef idx="1">
+            <a:schemeClr val="lt1"/>
+          </a:fillRef>
+          <a:effectRef idx="0">
+            <a:schemeClr val="accent3"/>
+          </a:effectRef>
+          <a:fontRef idx="minor">
+            <a:schemeClr val="dk1"/>
+          </a:fontRef>
+        </p:style>
+        <p:txBody>
+          <a:bodyPr wrap="square" rtlCol="0">
+            <a:spAutoFit/>
+          </a:bodyPr>
+          <a:lstStyle/>
+          <a:p>
+            <a:r>
+              <a:rPr lang="en-GB" sz="1200" dirty="0">
+                <a:latin typeface="+mj-lt"/>
+              </a:rPr>
+              <a:t>Consider permissions and integration if used as the metadata store and main data store.</a:t>
+            </a:r>
+            <a:endParaRPr lang="en-US" sz="1200" dirty="0">
+              <a:latin typeface="+mj-lt"/>
+            </a:endParaRPr>
+          </a:p>
+        </p:txBody>
+      </p:sp>
+      <p:pic>
+        <p:nvPicPr>
+          <p:cNvPr id="113" name="Picture 112">
+            <a:extLst>
+              <a:ext uri="{FF2B5EF4-FFF2-40B4-BE49-F238E27FC236}">
+                <a16:creationId xmlns:a16="http://schemas.microsoft.com/office/drawing/2014/main" id="{764B5D22-6B03-4C14-AA7A-B2557BC06B2D}"/>
+              </a:ext>
+            </a:extLst>
+          </p:cNvPr>
+          <p:cNvPicPr>
+            <a:picLocks noChangeAspect="1"/>
+          </p:cNvPicPr>
+          <p:nvPr/>
+        </p:nvPicPr>
+        <p:blipFill rotWithShape="1">
+          <a:blip r:embed="rId17"/>
+          <a:srcRect l="37217" r="35553" b="29227"/>
+          <a:stretch/>
+        </p:blipFill>
+        <p:spPr>
+          <a:xfrm rot="16200000">
+            <a:off x="256536" y="5973532"/>
+            <a:ext cx="177651" cy="488130"/>
+          </a:xfrm>
+          <a:prstGeom prst="rect">
+            <a:avLst/>
+          </a:prstGeom>
+        </p:spPr>
+      </p:pic>
+      <p:pic>
+        <p:nvPicPr>
+          <p:cNvPr id="114" name="Picture 113">
+            <a:extLst>
+              <a:ext uri="{FF2B5EF4-FFF2-40B4-BE49-F238E27FC236}">
+                <a16:creationId xmlns:a16="http://schemas.microsoft.com/office/drawing/2014/main" id="{0E7F25B9-DB9D-4E28-B254-95C59F23F26E}"/>
+              </a:ext>
+            </a:extLst>
+          </p:cNvPr>
+          <p:cNvPicPr>
+            <a:picLocks noChangeAspect="1"/>
+          </p:cNvPicPr>
+          <p:nvPr/>
+        </p:nvPicPr>
+        <p:blipFill rotWithShape="1">
+          <a:blip r:embed="rId17"/>
+          <a:srcRect l="73639" b="29227"/>
+          <a:stretch/>
+        </p:blipFill>
+        <p:spPr>
+          <a:xfrm rot="16200000">
+            <a:off x="259370" y="6199456"/>
+            <a:ext cx="171984" cy="488129"/>
+          </a:xfrm>
+          <a:prstGeom prst="rect">
+            <a:avLst/>
+          </a:prstGeom>
+        </p:spPr>
+      </p:pic>
+      <p:pic>
+        <p:nvPicPr>
+          <p:cNvPr id="115" name="Picture 114">
+            <a:extLst>
+              <a:ext uri="{FF2B5EF4-FFF2-40B4-BE49-F238E27FC236}">
+                <a16:creationId xmlns:a16="http://schemas.microsoft.com/office/drawing/2014/main" id="{DA9905DE-73E5-4A2F-9B8C-C4DA9DC19490}"/>
+              </a:ext>
+            </a:extLst>
+          </p:cNvPr>
+          <p:cNvPicPr>
+            <a:picLocks noChangeAspect="1"/>
+          </p:cNvPicPr>
+          <p:nvPr/>
+        </p:nvPicPr>
+        <p:blipFill rotWithShape="1">
+          <a:blip r:embed="rId17"/>
+          <a:srcRect l="873" r="71897" b="29227"/>
+          <a:stretch/>
+        </p:blipFill>
+        <p:spPr>
+          <a:xfrm rot="16200000">
+            <a:off x="250743" y="6423856"/>
+            <a:ext cx="177651" cy="488131"/>
+          </a:xfrm>
+          <a:prstGeom prst="rect">
+            <a:avLst/>
+          </a:prstGeom>
+        </p:spPr>
+      </p:pic>
+      <p:sp>
+        <p:nvSpPr>
+          <p:cNvPr id="116" name="TextBox 115">
+            <a:extLst>
+              <a:ext uri="{FF2B5EF4-FFF2-40B4-BE49-F238E27FC236}">
+                <a16:creationId xmlns:a16="http://schemas.microsoft.com/office/drawing/2014/main" id="{25BAD712-ADE7-44E9-807E-E9A60B092A6B}"/>
+              </a:ext>
+            </a:extLst>
+          </p:cNvPr>
+          <p:cNvSpPr txBox="1"/>
+          <p:nvPr/>
+        </p:nvSpPr>
+        <p:spPr>
+          <a:xfrm>
+            <a:off x="587744" y="6063131"/>
+            <a:ext cx="683238" cy="307777"/>
+          </a:xfrm>
+          <a:prstGeom prst="rect">
+            <a:avLst/>
+          </a:prstGeom>
+          <a:noFill/>
+        </p:spPr>
+        <p:txBody>
+          <a:bodyPr wrap="square" rtlCol="0">
+            <a:spAutoFit/>
+          </a:bodyPr>
+          <a:lstStyle/>
+          <a:p>
+            <a:r>
+              <a:rPr lang="en-GB" sz="1400" dirty="0">
+                <a:latin typeface="+mj-lt"/>
+              </a:rPr>
+              <a:t>= 3</a:t>
+            </a:r>
+            <a:endParaRPr lang="en-US" sz="1400" dirty="0">
+              <a:latin typeface="+mj-lt"/>
+            </a:endParaRPr>
+          </a:p>
+        </p:txBody>
+      </p:sp>
+      <p:sp>
+        <p:nvSpPr>
+          <p:cNvPr id="117" name="TextBox 116">
+            <a:extLst>
+              <a:ext uri="{FF2B5EF4-FFF2-40B4-BE49-F238E27FC236}">
+                <a16:creationId xmlns:a16="http://schemas.microsoft.com/office/drawing/2014/main" id="{785E018D-1AE5-4958-92CE-BA6EAE8FB2A3}"/>
+              </a:ext>
+            </a:extLst>
+          </p:cNvPr>
+          <p:cNvSpPr txBox="1"/>
+          <p:nvPr/>
+        </p:nvSpPr>
+        <p:spPr>
+          <a:xfrm>
+            <a:off x="587745" y="6297100"/>
+            <a:ext cx="683236" cy="307777"/>
+          </a:xfrm>
+          <a:prstGeom prst="rect">
+            <a:avLst/>
+          </a:prstGeom>
+          <a:noFill/>
+        </p:spPr>
+        <p:txBody>
+          <a:bodyPr wrap="square" rtlCol="0">
+            <a:spAutoFit/>
+          </a:bodyPr>
+          <a:lstStyle/>
+          <a:p>
+            <a:r>
+              <a:rPr lang="en-GB" sz="1400" dirty="0">
+                <a:latin typeface="+mj-lt"/>
+              </a:rPr>
+              <a:t>= 8</a:t>
+            </a:r>
+            <a:endParaRPr lang="en-US" sz="1400" dirty="0">
+              <a:latin typeface="+mj-lt"/>
+            </a:endParaRPr>
+          </a:p>
+        </p:txBody>
+      </p:sp>
+      <p:sp>
+        <p:nvSpPr>
+          <p:cNvPr id="118" name="TextBox 117">
+            <a:extLst>
+              <a:ext uri="{FF2B5EF4-FFF2-40B4-BE49-F238E27FC236}">
+                <a16:creationId xmlns:a16="http://schemas.microsoft.com/office/drawing/2014/main" id="{B3E23DA4-C68F-407F-B125-CBDC136EFCC9}"/>
+              </a:ext>
+            </a:extLst>
+          </p:cNvPr>
+          <p:cNvSpPr txBox="1"/>
+          <p:nvPr/>
+        </p:nvSpPr>
+        <p:spPr>
+          <a:xfrm>
+            <a:off x="587745" y="6518262"/>
+            <a:ext cx="674922" cy="307777"/>
+          </a:xfrm>
+          <a:prstGeom prst="rect">
+            <a:avLst/>
+          </a:prstGeom>
+          <a:noFill/>
+        </p:spPr>
+        <p:txBody>
+          <a:bodyPr wrap="square" rtlCol="0">
+            <a:spAutoFit/>
+          </a:bodyPr>
+          <a:lstStyle/>
+          <a:p>
+            <a:r>
+              <a:rPr lang="en-GB" sz="1400" dirty="0">
+                <a:latin typeface="+mj-lt"/>
+              </a:rPr>
+              <a:t>= 3</a:t>
+            </a:r>
+            <a:endParaRPr lang="en-US" sz="1400" dirty="0">
+              <a:latin typeface="+mj-lt"/>
+            </a:endParaRPr>
+          </a:p>
+        </p:txBody>
+      </p:sp>
+      <p:sp>
+        <p:nvSpPr>
+          <p:cNvPr id="119" name="TextBox 118">
+            <a:extLst>
+              <a:ext uri="{FF2B5EF4-FFF2-40B4-BE49-F238E27FC236}">
+                <a16:creationId xmlns:a16="http://schemas.microsoft.com/office/drawing/2014/main" id="{9346B3DC-DD36-43AB-B323-775CAB5B4E24}"/>
+              </a:ext>
+            </a:extLst>
+          </p:cNvPr>
+          <p:cNvSpPr txBox="1"/>
+          <p:nvPr/>
+        </p:nvSpPr>
+        <p:spPr>
+          <a:xfrm>
+            <a:off x="0" y="5790349"/>
+            <a:ext cx="970283" cy="307777"/>
+          </a:xfrm>
+          <a:prstGeom prst="rect">
+            <a:avLst/>
+          </a:prstGeom>
+          <a:noFill/>
+        </p:spPr>
+        <p:txBody>
+          <a:bodyPr wrap="square" rtlCol="0">
+            <a:spAutoFit/>
+          </a:bodyPr>
+          <a:lstStyle/>
+          <a:p>
+            <a:r>
+              <a:rPr lang="en-GB" sz="1400" b="1" dirty="0">
+                <a:latin typeface="+mj-lt"/>
+              </a:rPr>
+              <a:t>Summary</a:t>
+            </a:r>
+            <a:endParaRPr lang="en-US" sz="1400" b="1" dirty="0">
+              <a:latin typeface="+mj-lt"/>
+            </a:endParaRPr>
+          </a:p>
+        </p:txBody>
+      </p:sp>
+      <p:sp>
+        <p:nvSpPr>
+          <p:cNvPr id="120" name="TextBox 119">
+            <a:extLst>
+              <a:ext uri="{FF2B5EF4-FFF2-40B4-BE49-F238E27FC236}">
+                <a16:creationId xmlns:a16="http://schemas.microsoft.com/office/drawing/2014/main" id="{E19D50EF-EF67-48FD-932E-5165A57E5A32}"/>
+              </a:ext>
+            </a:extLst>
+          </p:cNvPr>
+          <p:cNvSpPr txBox="1"/>
+          <p:nvPr/>
+        </p:nvSpPr>
+        <p:spPr>
+          <a:xfrm>
+            <a:off x="13964" y="3156608"/>
+            <a:ext cx="1822484" cy="584775"/>
+          </a:xfrm>
+          <a:prstGeom prst="rect">
+            <a:avLst/>
+          </a:prstGeom>
+          <a:noFill/>
+        </p:spPr>
+        <p:txBody>
+          <a:bodyPr wrap="square" rtlCol="0">
+            <a:spAutoFit/>
+          </a:bodyPr>
+          <a:lstStyle/>
+          <a:p>
+            <a:pPr algn="ctr"/>
+            <a:endParaRPr lang="en-GB" sz="1600" i="1" dirty="0">
+              <a:latin typeface="+mj-lt"/>
+            </a:endParaRPr>
+          </a:p>
+          <a:p>
+            <a:pPr algn="ctr"/>
+            <a:r>
+              <a:rPr lang="en-GB" sz="1600" i="1" u="sng" dirty="0">
+                <a:latin typeface="+mj-lt"/>
+              </a:rPr>
+              <a:t>As of 10</a:t>
+            </a:r>
+            <a:r>
+              <a:rPr lang="en-GB" sz="1600" i="1" u="sng" baseline="30000" dirty="0">
+                <a:latin typeface="+mj-lt"/>
+              </a:rPr>
+              <a:t>th</a:t>
+            </a:r>
+            <a:r>
+              <a:rPr lang="en-GB" sz="1600" i="1" u="sng" dirty="0">
+                <a:latin typeface="+mj-lt"/>
+              </a:rPr>
+              <a:t> Feb 2021</a:t>
+            </a:r>
+          </a:p>
+        </p:txBody>
+      </p:sp>
+      <p:pic>
+        <p:nvPicPr>
+          <p:cNvPr id="84" name="Picture 83">
+            <a:extLst>
+              <a:ext uri="{FF2B5EF4-FFF2-40B4-BE49-F238E27FC236}">
+                <a16:creationId xmlns:a16="http://schemas.microsoft.com/office/drawing/2014/main" id="{FFF8BC20-D519-4077-850D-D15FEE154B04}"/>
+              </a:ext>
+            </a:extLst>
+          </p:cNvPr>
+          <p:cNvPicPr>
+            <a:picLocks noChangeAspect="1"/>
+          </p:cNvPicPr>
+          <p:nvPr/>
+        </p:nvPicPr>
+        <p:blipFill rotWithShape="1">
+          <a:blip r:embed="rId17"/>
+          <a:srcRect l="73639" b="29227"/>
+          <a:stretch/>
+        </p:blipFill>
+        <p:spPr>
+          <a:xfrm rot="16200000">
+            <a:off x="5639731" y="5462741"/>
+            <a:ext cx="171984" cy="488129"/>
+          </a:xfrm>
+          <a:prstGeom prst="rect">
+            <a:avLst/>
+          </a:prstGeom>
+        </p:spPr>
+      </p:pic>
+    </p:spTree>
+    <p:extLst>
+      <p:ext uri="{BB962C8B-B14F-4D97-AF65-F5344CB8AC3E}">
+        <p14:creationId xmlns:p14="http://schemas.microsoft.com/office/powerpoint/2010/main" val="4217725943"/>
+      </p:ext>
+    </p:extLst>
+  </p:cSld>
+  <p:clrMapOvr>
+    <a:masterClrMapping/>
+  </p:clrMapOvr>
+</p:sld>
+</file>
+
 <file path=ppt/theme/theme1.xml><?xml version="1.0" encoding="utf-8"?>
 <a:theme xmlns:a="http://schemas.openxmlformats.org/drawingml/2006/main" name="Office Theme">
   <a:themeElements>

--- a/Azure Synapse Analytics - Feature Summary vs Status/Synapse Summary.pptx
+++ b/Azure Synapse Analytics - Feature Summary vs Status/Synapse Summary.pptx
@@ -7,7 +7,9 @@
   <p:sldIdLst>
     <p:sldId id="256" r:id="rId2"/>
     <p:sldId id="258" r:id="rId3"/>
-    <p:sldId id="259" r:id="rId4"/>
+    <p:sldId id="260" r:id="rId4"/>
+    <p:sldId id="259" r:id="rId5"/>
+    <p:sldId id="261" r:id="rId6"/>
   </p:sldIdLst>
   <p:sldSz cx="12192000" cy="6858000"/>
   <p:notesSz cx="6858000" cy="9144000"/>
@@ -1600,9 +1602,9 @@
           <a:p>
             <a:fld id="{B7FB0921-A8A6-44BE-AD76-0A52E18B4A89}" type="datetimeFigureOut">
               <a:rPr lang="en-US" smtClean="0"/>
-              <a:t>2/10/2021</a:t>
+              <a:t>5/28/2021</a:t>
             </a:fld>
-            <a:endParaRPr lang="en-US"/>
+            <a:endParaRPr lang="en-US" dirty="0"/>
           </a:p>
         </p:txBody>
       </p:sp>
@@ -1627,7 +1629,7 @@
           <a:bodyPr/>
           <a:lstStyle/>
           <a:p>
-            <a:endParaRPr lang="en-US"/>
+            <a:endParaRPr lang="en-US" dirty="0"/>
           </a:p>
         </p:txBody>
       </p:sp>
@@ -1656,7 +1658,7 @@
               <a:rPr lang="en-US" smtClean="0"/>
               <a:t>‹#›</a:t>
             </a:fld>
-            <a:endParaRPr lang="en-US"/>
+            <a:endParaRPr lang="en-US" dirty="0"/>
           </a:p>
         </p:txBody>
       </p:sp>
@@ -1798,9 +1800,9 @@
           <a:p>
             <a:fld id="{B7FB0921-A8A6-44BE-AD76-0A52E18B4A89}" type="datetimeFigureOut">
               <a:rPr lang="en-US" smtClean="0"/>
-              <a:t>2/10/2021</a:t>
+              <a:t>5/28/2021</a:t>
             </a:fld>
-            <a:endParaRPr lang="en-US"/>
+            <a:endParaRPr lang="en-US" dirty="0"/>
           </a:p>
         </p:txBody>
       </p:sp>
@@ -1825,7 +1827,7 @@
           <a:bodyPr/>
           <a:lstStyle/>
           <a:p>
-            <a:endParaRPr lang="en-US"/>
+            <a:endParaRPr lang="en-US" dirty="0"/>
           </a:p>
         </p:txBody>
       </p:sp>
@@ -1854,7 +1856,7 @@
               <a:rPr lang="en-US" smtClean="0"/>
               <a:t>‹#›</a:t>
             </a:fld>
-            <a:endParaRPr lang="en-US"/>
+            <a:endParaRPr lang="en-US" dirty="0"/>
           </a:p>
         </p:txBody>
       </p:sp>
@@ -2006,9 +2008,9 @@
           <a:p>
             <a:fld id="{B7FB0921-A8A6-44BE-AD76-0A52E18B4A89}" type="datetimeFigureOut">
               <a:rPr lang="en-US" smtClean="0"/>
-              <a:t>2/10/2021</a:t>
+              <a:t>5/28/2021</a:t>
             </a:fld>
-            <a:endParaRPr lang="en-US"/>
+            <a:endParaRPr lang="en-US" dirty="0"/>
           </a:p>
         </p:txBody>
       </p:sp>
@@ -2033,7 +2035,7 @@
           <a:bodyPr/>
           <a:lstStyle/>
           <a:p>
-            <a:endParaRPr lang="en-US"/>
+            <a:endParaRPr lang="en-US" dirty="0"/>
           </a:p>
         </p:txBody>
       </p:sp>
@@ -2062,7 +2064,7 @@
               <a:rPr lang="en-US" smtClean="0"/>
               <a:t>‹#›</a:t>
             </a:fld>
-            <a:endParaRPr lang="en-US"/>
+            <a:endParaRPr lang="en-US" dirty="0"/>
           </a:p>
         </p:txBody>
       </p:sp>
@@ -2204,9 +2206,9 @@
           <a:p>
             <a:fld id="{B7FB0921-A8A6-44BE-AD76-0A52E18B4A89}" type="datetimeFigureOut">
               <a:rPr lang="en-US" smtClean="0"/>
-              <a:t>2/10/2021</a:t>
+              <a:t>5/28/2021</a:t>
             </a:fld>
-            <a:endParaRPr lang="en-US"/>
+            <a:endParaRPr lang="en-US" dirty="0"/>
           </a:p>
         </p:txBody>
       </p:sp>
@@ -2231,7 +2233,7 @@
           <a:bodyPr/>
           <a:lstStyle/>
           <a:p>
-            <a:endParaRPr lang="en-US"/>
+            <a:endParaRPr lang="en-US" dirty="0"/>
           </a:p>
         </p:txBody>
       </p:sp>
@@ -2260,7 +2262,7 @@
               <a:rPr lang="en-US" smtClean="0"/>
               <a:t>‹#›</a:t>
             </a:fld>
-            <a:endParaRPr lang="en-US"/>
+            <a:endParaRPr lang="en-US" dirty="0"/>
           </a:p>
         </p:txBody>
       </p:sp>
@@ -2479,9 +2481,9 @@
           <a:p>
             <a:fld id="{B7FB0921-A8A6-44BE-AD76-0A52E18B4A89}" type="datetimeFigureOut">
               <a:rPr lang="en-US" smtClean="0"/>
-              <a:t>2/10/2021</a:t>
+              <a:t>5/28/2021</a:t>
             </a:fld>
-            <a:endParaRPr lang="en-US"/>
+            <a:endParaRPr lang="en-US" dirty="0"/>
           </a:p>
         </p:txBody>
       </p:sp>
@@ -2506,7 +2508,7 @@
           <a:bodyPr/>
           <a:lstStyle/>
           <a:p>
-            <a:endParaRPr lang="en-US"/>
+            <a:endParaRPr lang="en-US" dirty="0"/>
           </a:p>
         </p:txBody>
       </p:sp>
@@ -2535,7 +2537,7 @@
               <a:rPr lang="en-US" smtClean="0"/>
               <a:t>‹#›</a:t>
             </a:fld>
-            <a:endParaRPr lang="en-US"/>
+            <a:endParaRPr lang="en-US" dirty="0"/>
           </a:p>
         </p:txBody>
       </p:sp>
@@ -2744,9 +2746,9 @@
           <a:p>
             <a:fld id="{B7FB0921-A8A6-44BE-AD76-0A52E18B4A89}" type="datetimeFigureOut">
               <a:rPr lang="en-US" smtClean="0"/>
-              <a:t>2/10/2021</a:t>
+              <a:t>5/28/2021</a:t>
             </a:fld>
-            <a:endParaRPr lang="en-US"/>
+            <a:endParaRPr lang="en-US" dirty="0"/>
           </a:p>
         </p:txBody>
       </p:sp>
@@ -2771,7 +2773,7 @@
           <a:bodyPr/>
           <a:lstStyle/>
           <a:p>
-            <a:endParaRPr lang="en-US"/>
+            <a:endParaRPr lang="en-US" dirty="0"/>
           </a:p>
         </p:txBody>
       </p:sp>
@@ -2800,7 +2802,7 @@
               <a:rPr lang="en-US" smtClean="0"/>
               <a:t>‹#›</a:t>
             </a:fld>
-            <a:endParaRPr lang="en-US"/>
+            <a:endParaRPr lang="en-US" dirty="0"/>
           </a:p>
         </p:txBody>
       </p:sp>
@@ -3156,9 +3158,9 @@
           <a:p>
             <a:fld id="{B7FB0921-A8A6-44BE-AD76-0A52E18B4A89}" type="datetimeFigureOut">
               <a:rPr lang="en-US" smtClean="0"/>
-              <a:t>2/10/2021</a:t>
+              <a:t>5/28/2021</a:t>
             </a:fld>
-            <a:endParaRPr lang="en-US"/>
+            <a:endParaRPr lang="en-US" dirty="0"/>
           </a:p>
         </p:txBody>
       </p:sp>
@@ -3183,7 +3185,7 @@
           <a:bodyPr/>
           <a:lstStyle/>
           <a:p>
-            <a:endParaRPr lang="en-US"/>
+            <a:endParaRPr lang="en-US" dirty="0"/>
           </a:p>
         </p:txBody>
       </p:sp>
@@ -3212,7 +3214,7 @@
               <a:rPr lang="en-US" smtClean="0"/>
               <a:t>‹#›</a:t>
             </a:fld>
-            <a:endParaRPr lang="en-US"/>
+            <a:endParaRPr lang="en-US" dirty="0"/>
           </a:p>
         </p:txBody>
       </p:sp>
@@ -3297,9 +3299,9 @@
           <a:p>
             <a:fld id="{B7FB0921-A8A6-44BE-AD76-0A52E18B4A89}" type="datetimeFigureOut">
               <a:rPr lang="en-US" smtClean="0"/>
-              <a:t>2/10/2021</a:t>
+              <a:t>5/28/2021</a:t>
             </a:fld>
-            <a:endParaRPr lang="en-US"/>
+            <a:endParaRPr lang="en-US" dirty="0"/>
           </a:p>
         </p:txBody>
       </p:sp>
@@ -3324,7 +3326,7 @@
           <a:bodyPr/>
           <a:lstStyle/>
           <a:p>
-            <a:endParaRPr lang="en-US"/>
+            <a:endParaRPr lang="en-US" dirty="0"/>
           </a:p>
         </p:txBody>
       </p:sp>
@@ -3353,7 +3355,7 @@
               <a:rPr lang="en-US" smtClean="0"/>
               <a:t>‹#›</a:t>
             </a:fld>
-            <a:endParaRPr lang="en-US"/>
+            <a:endParaRPr lang="en-US" dirty="0"/>
           </a:p>
         </p:txBody>
       </p:sp>
@@ -3410,9 +3412,9 @@
           <a:p>
             <a:fld id="{B7FB0921-A8A6-44BE-AD76-0A52E18B4A89}" type="datetimeFigureOut">
               <a:rPr lang="en-US" smtClean="0"/>
-              <a:t>2/10/2021</a:t>
+              <a:t>5/28/2021</a:t>
             </a:fld>
-            <a:endParaRPr lang="en-US"/>
+            <a:endParaRPr lang="en-US" dirty="0"/>
           </a:p>
         </p:txBody>
       </p:sp>
@@ -3437,7 +3439,7 @@
           <a:bodyPr/>
           <a:lstStyle/>
           <a:p>
-            <a:endParaRPr lang="en-US"/>
+            <a:endParaRPr lang="en-US" dirty="0"/>
           </a:p>
         </p:txBody>
       </p:sp>
@@ -3466,7 +3468,7 @@
               <a:rPr lang="en-US" smtClean="0"/>
               <a:t>‹#›</a:t>
             </a:fld>
-            <a:endParaRPr lang="en-US"/>
+            <a:endParaRPr lang="en-US" dirty="0"/>
           </a:p>
         </p:txBody>
       </p:sp>
@@ -3721,9 +3723,9 @@
           <a:p>
             <a:fld id="{B7FB0921-A8A6-44BE-AD76-0A52E18B4A89}" type="datetimeFigureOut">
               <a:rPr lang="en-US" smtClean="0"/>
-              <a:t>2/10/2021</a:t>
+              <a:t>5/28/2021</a:t>
             </a:fld>
-            <a:endParaRPr lang="en-US"/>
+            <a:endParaRPr lang="en-US" dirty="0"/>
           </a:p>
         </p:txBody>
       </p:sp>
@@ -3748,7 +3750,7 @@
           <a:bodyPr/>
           <a:lstStyle/>
           <a:p>
-            <a:endParaRPr lang="en-US"/>
+            <a:endParaRPr lang="en-US" dirty="0"/>
           </a:p>
         </p:txBody>
       </p:sp>
@@ -3777,7 +3779,7 @@
               <a:rPr lang="en-US" smtClean="0"/>
               <a:t>‹#›</a:t>
             </a:fld>
-            <a:endParaRPr lang="en-US"/>
+            <a:endParaRPr lang="en-US" dirty="0"/>
           </a:p>
         </p:txBody>
       </p:sp>
@@ -3911,7 +3913,7 @@
             </a:lvl9pPr>
           </a:lstStyle>
           <a:p>
-            <a:endParaRPr lang="en-US"/>
+            <a:endParaRPr lang="en-US" dirty="0"/>
           </a:p>
         </p:txBody>
       </p:sp>
@@ -4009,9 +4011,9 @@
           <a:p>
             <a:fld id="{B7FB0921-A8A6-44BE-AD76-0A52E18B4A89}" type="datetimeFigureOut">
               <a:rPr lang="en-US" smtClean="0"/>
-              <a:t>2/10/2021</a:t>
+              <a:t>5/28/2021</a:t>
             </a:fld>
-            <a:endParaRPr lang="en-US"/>
+            <a:endParaRPr lang="en-US" dirty="0"/>
           </a:p>
         </p:txBody>
       </p:sp>
@@ -4036,7 +4038,7 @@
           <a:bodyPr/>
           <a:lstStyle/>
           <a:p>
-            <a:endParaRPr lang="en-US"/>
+            <a:endParaRPr lang="en-US" dirty="0"/>
           </a:p>
         </p:txBody>
       </p:sp>
@@ -4065,7 +4067,7 @@
               <a:rPr lang="en-US" smtClean="0"/>
               <a:t>‹#›</a:t>
             </a:fld>
-            <a:endParaRPr lang="en-US"/>
+            <a:endParaRPr lang="en-US" dirty="0"/>
           </a:p>
         </p:txBody>
       </p:sp>
@@ -4250,9 +4252,9 @@
           <a:p>
             <a:fld id="{B7FB0921-A8A6-44BE-AD76-0A52E18B4A89}" type="datetimeFigureOut">
               <a:rPr lang="en-US" smtClean="0"/>
-              <a:t>2/10/2021</a:t>
+              <a:t>5/28/2021</a:t>
             </a:fld>
-            <a:endParaRPr lang="en-US"/>
+            <a:endParaRPr lang="en-US" dirty="0"/>
           </a:p>
         </p:txBody>
       </p:sp>
@@ -4295,7 +4297,7 @@
             </a:lvl1pPr>
           </a:lstStyle>
           <a:p>
-            <a:endParaRPr lang="en-US"/>
+            <a:endParaRPr lang="en-US" dirty="0"/>
           </a:p>
         </p:txBody>
       </p:sp>
@@ -4342,7 +4344,7 @@
               <a:rPr lang="en-US" smtClean="0"/>
               <a:t>‹#›</a:t>
             </a:fld>
-            <a:endParaRPr lang="en-US"/>
+            <a:endParaRPr lang="en-US" dirty="0"/>
           </a:p>
         </p:txBody>
       </p:sp>
@@ -6380,12 +6382,8 @@
           </a:lstStyle>
           <a:p>
             <a:r>
-              <a:rPr lang="en-GB" sz="900" b="1" dirty="0" err="1"/>
-              <a:t>VNet</a:t>
-            </a:r>
-            <a:r>
               <a:rPr lang="en-GB" sz="900" b="1" dirty="0"/>
-              <a:t> Integration</a:t>
+              <a:t>VNet Integration</a:t>
             </a:r>
           </a:p>
         </p:txBody>
@@ -8229,12 +8227,8 @@
           <a:p>
             <a:pPr algn="l"/>
             <a:r>
-              <a:rPr lang="en-GB" sz="1800" dirty="0" err="1"/>
-              <a:t>VNet</a:t>
-            </a:r>
-            <a:r>
               <a:rPr lang="en-GB" sz="1800" dirty="0"/>
-              <a:t> Integration</a:t>
+              <a:t>VNet Integration</a:t>
             </a:r>
           </a:p>
         </p:txBody>
@@ -10460,6 +10454,3778 @@
 </file>
 
 <file path=ppt/slides/slide3.xml><?xml version="1.0" encoding="utf-8"?>
+<p:sld xmlns:a="http://schemas.openxmlformats.org/drawingml/2006/main" xmlns:r="http://schemas.openxmlformats.org/officeDocument/2006/relationships" xmlns:p="http://schemas.openxmlformats.org/presentationml/2006/main">
+  <p:cSld>
+    <p:bg>
+      <p:bgPr>
+        <a:blipFill dpi="0" rotWithShape="1">
+          <a:blip r:embed="rId2">
+            <a:alphaModFix amt="6000"/>
+            <a:lum/>
+          </a:blip>
+          <a:srcRect/>
+          <a:stretch>
+            <a:fillRect t="-39000" b="-39000"/>
+          </a:stretch>
+        </a:blipFill>
+        <a:effectLst/>
+      </p:bgPr>
+    </p:bg>
+    <p:spTree>
+      <p:nvGrpSpPr>
+        <p:cNvPr id="1" name=""/>
+        <p:cNvGrpSpPr/>
+        <p:nvPr/>
+      </p:nvGrpSpPr>
+      <p:grpSpPr>
+        <a:xfrm>
+          <a:off x="0" y="0"/>
+          <a:ext cx="0" cy="0"/>
+          <a:chOff x="0" y="0"/>
+          <a:chExt cx="0" cy="0"/>
+        </a:xfrm>
+      </p:grpSpPr>
+      <p:pic>
+        <p:nvPicPr>
+          <p:cNvPr id="4" name="Picture 3">
+            <a:extLst>
+              <a:ext uri="{FF2B5EF4-FFF2-40B4-BE49-F238E27FC236}">
+                <a16:creationId xmlns:a16="http://schemas.microsoft.com/office/drawing/2014/main" id="{E017A688-2CF4-4E4A-8728-D0E68CEF1694}"/>
+              </a:ext>
+            </a:extLst>
+          </p:cNvPr>
+          <p:cNvPicPr>
+            <a:picLocks noChangeAspect="1"/>
+          </p:cNvPicPr>
+          <p:nvPr/>
+        </p:nvPicPr>
+        <p:blipFill>
+          <a:blip r:embed="rId3"/>
+          <a:stretch>
+            <a:fillRect/>
+          </a:stretch>
+        </p:blipFill>
+        <p:spPr>
+          <a:xfrm>
+            <a:off x="3371497" y="4126511"/>
+            <a:ext cx="367299" cy="338352"/>
+          </a:xfrm>
+          <a:prstGeom prst="rect">
+            <a:avLst/>
+          </a:prstGeom>
+        </p:spPr>
+      </p:pic>
+      <p:pic>
+        <p:nvPicPr>
+          <p:cNvPr id="6" name="Picture 5">
+            <a:extLst>
+              <a:ext uri="{FF2B5EF4-FFF2-40B4-BE49-F238E27FC236}">
+                <a16:creationId xmlns:a16="http://schemas.microsoft.com/office/drawing/2014/main" id="{4EFA57BF-36FD-4FC7-9994-16D07C8AF434}"/>
+              </a:ext>
+            </a:extLst>
+          </p:cNvPr>
+          <p:cNvPicPr>
+            <a:picLocks noChangeAspect="1"/>
+          </p:cNvPicPr>
+          <p:nvPr/>
+        </p:nvPicPr>
+        <p:blipFill>
+          <a:blip r:embed="rId4"/>
+          <a:stretch>
+            <a:fillRect/>
+          </a:stretch>
+        </p:blipFill>
+        <p:spPr>
+          <a:xfrm>
+            <a:off x="3408480" y="1923207"/>
+            <a:ext cx="366872" cy="192763"/>
+          </a:xfrm>
+          <a:prstGeom prst="rect">
+            <a:avLst/>
+          </a:prstGeom>
+        </p:spPr>
+      </p:pic>
+      <p:pic>
+        <p:nvPicPr>
+          <p:cNvPr id="7" name="Picture 6">
+            <a:extLst>
+              <a:ext uri="{FF2B5EF4-FFF2-40B4-BE49-F238E27FC236}">
+                <a16:creationId xmlns:a16="http://schemas.microsoft.com/office/drawing/2014/main" id="{4211E1EA-2660-40D9-8F19-FD6EDD100448}"/>
+              </a:ext>
+            </a:extLst>
+          </p:cNvPr>
+          <p:cNvPicPr>
+            <a:picLocks noChangeAspect="1"/>
+          </p:cNvPicPr>
+          <p:nvPr/>
+        </p:nvPicPr>
+        <p:blipFill>
+          <a:blip r:embed="rId5"/>
+          <a:stretch>
+            <a:fillRect/>
+          </a:stretch>
+        </p:blipFill>
+        <p:spPr>
+          <a:xfrm>
+            <a:off x="3410434" y="948666"/>
+            <a:ext cx="362964" cy="296843"/>
+          </a:xfrm>
+          <a:prstGeom prst="rect">
+            <a:avLst/>
+          </a:prstGeom>
+        </p:spPr>
+      </p:pic>
+      <p:pic>
+        <p:nvPicPr>
+          <p:cNvPr id="8" name="Picture 7">
+            <a:extLst>
+              <a:ext uri="{FF2B5EF4-FFF2-40B4-BE49-F238E27FC236}">
+                <a16:creationId xmlns:a16="http://schemas.microsoft.com/office/drawing/2014/main" id="{8549D875-FA59-426F-B161-E4FA5FCCC3F5}"/>
+              </a:ext>
+            </a:extLst>
+          </p:cNvPr>
+          <p:cNvPicPr>
+            <a:picLocks noChangeAspect="1"/>
+          </p:cNvPicPr>
+          <p:nvPr/>
+        </p:nvPicPr>
+        <p:blipFill>
+          <a:blip r:embed="rId6"/>
+          <a:stretch>
+            <a:fillRect/>
+          </a:stretch>
+        </p:blipFill>
+        <p:spPr>
+          <a:xfrm>
+            <a:off x="3408479" y="2241307"/>
+            <a:ext cx="329229" cy="435596"/>
+          </a:xfrm>
+          <a:prstGeom prst="rect">
+            <a:avLst/>
+          </a:prstGeom>
+        </p:spPr>
+      </p:pic>
+      <p:pic>
+        <p:nvPicPr>
+          <p:cNvPr id="9" name="Picture 8">
+            <a:extLst>
+              <a:ext uri="{FF2B5EF4-FFF2-40B4-BE49-F238E27FC236}">
+                <a16:creationId xmlns:a16="http://schemas.microsoft.com/office/drawing/2014/main" id="{5FF30033-D3C6-47D6-B2CD-1D5180428C3C}"/>
+              </a:ext>
+            </a:extLst>
+          </p:cNvPr>
+          <p:cNvPicPr>
+            <a:picLocks noChangeAspect="1"/>
+          </p:cNvPicPr>
+          <p:nvPr/>
+        </p:nvPicPr>
+        <p:blipFill>
+          <a:blip r:embed="rId7"/>
+          <a:stretch>
+            <a:fillRect/>
+          </a:stretch>
+        </p:blipFill>
+        <p:spPr>
+          <a:xfrm>
+            <a:off x="3408712" y="2804675"/>
+            <a:ext cx="329229" cy="335294"/>
+          </a:xfrm>
+          <a:prstGeom prst="rect">
+            <a:avLst/>
+          </a:prstGeom>
+        </p:spPr>
+      </p:pic>
+      <p:pic>
+        <p:nvPicPr>
+          <p:cNvPr id="10" name="Picture 9">
+            <a:extLst>
+              <a:ext uri="{FF2B5EF4-FFF2-40B4-BE49-F238E27FC236}">
+                <a16:creationId xmlns:a16="http://schemas.microsoft.com/office/drawing/2014/main" id="{B20CBA6C-0B61-4C6A-A3B3-8D11A3EECA06}"/>
+              </a:ext>
+            </a:extLst>
+          </p:cNvPr>
+          <p:cNvPicPr>
+            <a:picLocks noChangeAspect="1"/>
+          </p:cNvPicPr>
+          <p:nvPr/>
+        </p:nvPicPr>
+        <p:blipFill>
+          <a:blip r:embed="rId8"/>
+          <a:stretch>
+            <a:fillRect/>
+          </a:stretch>
+        </p:blipFill>
+        <p:spPr>
+          <a:xfrm>
+            <a:off x="3371497" y="3745548"/>
+            <a:ext cx="366872" cy="244878"/>
+          </a:xfrm>
+          <a:prstGeom prst="rect">
+            <a:avLst/>
+          </a:prstGeom>
+        </p:spPr>
+      </p:pic>
+      <p:pic>
+        <p:nvPicPr>
+          <p:cNvPr id="11" name="Picture 2" descr="Data Visualization | Microsoft Power BI">
+            <a:extLst>
+              <a:ext uri="{FF2B5EF4-FFF2-40B4-BE49-F238E27FC236}">
+                <a16:creationId xmlns:a16="http://schemas.microsoft.com/office/drawing/2014/main" id="{49BF6EC8-D0A7-4470-BFF6-7D55F51DBE9F}"/>
+              </a:ext>
+            </a:extLst>
+          </p:cNvPr>
+          <p:cNvPicPr>
+            <a:picLocks noChangeAspect="1" noChangeArrowheads="1"/>
+          </p:cNvPicPr>
+          <p:nvPr/>
+        </p:nvPicPr>
+        <p:blipFill rotWithShape="1">
+          <a:blip r:embed="rId9">
+            <a:extLst>
+              <a:ext uri="{28A0092B-C50C-407E-A947-70E740481C1C}">
+                <a14:useLocalDpi xmlns:a14="http://schemas.microsoft.com/office/drawing/2010/main" val="0"/>
+              </a:ext>
+            </a:extLst>
+          </a:blip>
+          <a:srcRect l="28476" r="27778"/>
+          <a:stretch/>
+        </p:blipFill>
+        <p:spPr bwMode="auto">
+          <a:xfrm>
+            <a:off x="3412388" y="1366560"/>
+            <a:ext cx="362964" cy="435596"/>
+          </a:xfrm>
+          <a:prstGeom prst="rect">
+            <a:avLst/>
+          </a:prstGeom>
+          <a:noFill/>
+          <a:extLst>
+            <a:ext uri="{909E8E84-426E-40DD-AFC4-6F175D3DCCD1}">
+              <a14:hiddenFill xmlns:a14="http://schemas.microsoft.com/office/drawing/2010/main">
+                <a:solidFill>
+                  <a:srgbClr val="FFFFFF"/>
+                </a:solidFill>
+              </a14:hiddenFill>
+            </a:ext>
+          </a:extLst>
+        </p:spPr>
+      </p:pic>
+      <p:pic>
+        <p:nvPicPr>
+          <p:cNvPr id="12" name="Picture 11">
+            <a:extLst>
+              <a:ext uri="{FF2B5EF4-FFF2-40B4-BE49-F238E27FC236}">
+                <a16:creationId xmlns:a16="http://schemas.microsoft.com/office/drawing/2014/main" id="{4ED8C91E-B4F2-432A-9FE7-2188CE23D400}"/>
+              </a:ext>
+            </a:extLst>
+          </p:cNvPr>
+          <p:cNvPicPr>
+            <a:picLocks noChangeAspect="1"/>
+          </p:cNvPicPr>
+          <p:nvPr/>
+        </p:nvPicPr>
+        <p:blipFill>
+          <a:blip r:embed="rId10"/>
+          <a:stretch>
+            <a:fillRect/>
+          </a:stretch>
+        </p:blipFill>
+        <p:spPr>
+          <a:xfrm>
+            <a:off x="3408479" y="3267741"/>
+            <a:ext cx="329462" cy="338352"/>
+          </a:xfrm>
+          <a:prstGeom prst="rect">
+            <a:avLst/>
+          </a:prstGeom>
+        </p:spPr>
+      </p:pic>
+      <p:pic>
+        <p:nvPicPr>
+          <p:cNvPr id="13" name="Picture 12">
+            <a:extLst>
+              <a:ext uri="{FF2B5EF4-FFF2-40B4-BE49-F238E27FC236}">
+                <a16:creationId xmlns:a16="http://schemas.microsoft.com/office/drawing/2014/main" id="{ECD5FD7E-4909-460A-B5D8-E96974BE10ED}"/>
+              </a:ext>
+            </a:extLst>
+          </p:cNvPr>
+          <p:cNvPicPr>
+            <a:picLocks noChangeAspect="1"/>
+          </p:cNvPicPr>
+          <p:nvPr/>
+        </p:nvPicPr>
+        <p:blipFill>
+          <a:blip r:embed="rId11"/>
+          <a:stretch>
+            <a:fillRect/>
+          </a:stretch>
+        </p:blipFill>
+        <p:spPr>
+          <a:xfrm>
+            <a:off x="3371069" y="6444280"/>
+            <a:ext cx="367300" cy="367300"/>
+          </a:xfrm>
+          <a:prstGeom prst="rect">
+            <a:avLst/>
+          </a:prstGeom>
+        </p:spPr>
+      </p:pic>
+      <p:pic>
+        <p:nvPicPr>
+          <p:cNvPr id="14" name="Picture 13">
+            <a:extLst>
+              <a:ext uri="{FF2B5EF4-FFF2-40B4-BE49-F238E27FC236}">
+                <a16:creationId xmlns:a16="http://schemas.microsoft.com/office/drawing/2014/main" id="{74E5835B-2C15-4A58-9A0D-EDB533CF61E6}"/>
+              </a:ext>
+            </a:extLst>
+          </p:cNvPr>
+          <p:cNvPicPr>
+            <a:picLocks noChangeAspect="1"/>
+          </p:cNvPicPr>
+          <p:nvPr/>
+        </p:nvPicPr>
+        <p:blipFill>
+          <a:blip r:embed="rId12"/>
+          <a:stretch>
+            <a:fillRect/>
+          </a:stretch>
+        </p:blipFill>
+        <p:spPr>
+          <a:xfrm>
+            <a:off x="3368501" y="5955957"/>
+            <a:ext cx="369207" cy="367299"/>
+          </a:xfrm>
+          <a:prstGeom prst="rect">
+            <a:avLst/>
+          </a:prstGeom>
+        </p:spPr>
+      </p:pic>
+      <p:pic>
+        <p:nvPicPr>
+          <p:cNvPr id="15" name="Picture 14">
+            <a:extLst>
+              <a:ext uri="{FF2B5EF4-FFF2-40B4-BE49-F238E27FC236}">
+                <a16:creationId xmlns:a16="http://schemas.microsoft.com/office/drawing/2014/main" id="{A763B03B-2EDC-4AED-88C3-548D1DB1DCF5}"/>
+              </a:ext>
+            </a:extLst>
+          </p:cNvPr>
+          <p:cNvPicPr>
+            <a:picLocks noChangeAspect="1"/>
+          </p:cNvPicPr>
+          <p:nvPr/>
+        </p:nvPicPr>
+        <p:blipFill>
+          <a:blip r:embed="rId13"/>
+          <a:stretch>
+            <a:fillRect/>
+          </a:stretch>
+        </p:blipFill>
+        <p:spPr>
+          <a:xfrm>
+            <a:off x="3371069" y="5107787"/>
+            <a:ext cx="368728" cy="367299"/>
+          </a:xfrm>
+          <a:prstGeom prst="rect">
+            <a:avLst/>
+          </a:prstGeom>
+        </p:spPr>
+      </p:pic>
+      <p:pic>
+        <p:nvPicPr>
+          <p:cNvPr id="16" name="Picture 15">
+            <a:extLst>
+              <a:ext uri="{FF2B5EF4-FFF2-40B4-BE49-F238E27FC236}">
+                <a16:creationId xmlns:a16="http://schemas.microsoft.com/office/drawing/2014/main" id="{CBB97E4F-5214-4CD0-ADA8-3C2A1A8155C0}"/>
+              </a:ext>
+            </a:extLst>
+          </p:cNvPr>
+          <p:cNvPicPr>
+            <a:picLocks noChangeAspect="1"/>
+          </p:cNvPicPr>
+          <p:nvPr/>
+        </p:nvPicPr>
+        <p:blipFill>
+          <a:blip r:embed="rId14"/>
+          <a:stretch>
+            <a:fillRect/>
+          </a:stretch>
+        </p:blipFill>
+        <p:spPr>
+          <a:xfrm>
+            <a:off x="3371497" y="4604318"/>
+            <a:ext cx="367299" cy="367299"/>
+          </a:xfrm>
+          <a:prstGeom prst="rect">
+            <a:avLst/>
+          </a:prstGeom>
+        </p:spPr>
+      </p:pic>
+      <p:pic>
+        <p:nvPicPr>
+          <p:cNvPr id="17" name="Picture 16">
+            <a:extLst>
+              <a:ext uri="{FF2B5EF4-FFF2-40B4-BE49-F238E27FC236}">
+                <a16:creationId xmlns:a16="http://schemas.microsoft.com/office/drawing/2014/main" id="{E979E239-A6A6-4F9B-9772-073CA0AA74D6}"/>
+              </a:ext>
+            </a:extLst>
+          </p:cNvPr>
+          <p:cNvPicPr>
+            <a:picLocks noChangeAspect="1"/>
+          </p:cNvPicPr>
+          <p:nvPr/>
+        </p:nvPicPr>
+        <p:blipFill>
+          <a:blip r:embed="rId15"/>
+          <a:stretch>
+            <a:fillRect/>
+          </a:stretch>
+        </p:blipFill>
+        <p:spPr>
+          <a:xfrm>
+            <a:off x="3370836" y="5614541"/>
+            <a:ext cx="366872" cy="220392"/>
+          </a:xfrm>
+          <a:prstGeom prst="rect">
+            <a:avLst/>
+          </a:prstGeom>
+        </p:spPr>
+      </p:pic>
+      <p:pic>
+        <p:nvPicPr>
+          <p:cNvPr id="20" name="Picture 19">
+            <a:extLst>
+              <a:ext uri="{FF2B5EF4-FFF2-40B4-BE49-F238E27FC236}">
+                <a16:creationId xmlns:a16="http://schemas.microsoft.com/office/drawing/2014/main" id="{FFB732B9-C5B7-46B9-AC57-4B92FF59A8EE}"/>
+              </a:ext>
+            </a:extLst>
+          </p:cNvPr>
+          <p:cNvPicPr>
+            <a:picLocks noChangeAspect="1"/>
+          </p:cNvPicPr>
+          <p:nvPr/>
+        </p:nvPicPr>
+        <p:blipFill>
+          <a:blip r:embed="rId16"/>
+          <a:stretch>
+            <a:fillRect/>
+          </a:stretch>
+        </p:blipFill>
+        <p:spPr>
+          <a:xfrm>
+            <a:off x="3409885" y="530037"/>
+            <a:ext cx="364061" cy="285165"/>
+          </a:xfrm>
+          <a:prstGeom prst="rect">
+            <a:avLst/>
+          </a:prstGeom>
+        </p:spPr>
+      </p:pic>
+      <p:sp>
+        <p:nvSpPr>
+          <p:cNvPr id="25" name="Title 14">
+            <a:extLst>
+              <a:ext uri="{FF2B5EF4-FFF2-40B4-BE49-F238E27FC236}">
+                <a16:creationId xmlns:a16="http://schemas.microsoft.com/office/drawing/2014/main" id="{87992B45-E4F2-4EA3-90B4-DFFC2CF253BE}"/>
+              </a:ext>
+            </a:extLst>
+          </p:cNvPr>
+          <p:cNvSpPr txBox="1">
+            <a:spLocks/>
+          </p:cNvSpPr>
+          <p:nvPr/>
+        </p:nvSpPr>
+        <p:spPr>
+          <a:xfrm>
+            <a:off x="3822526" y="3761706"/>
+            <a:ext cx="1410203" cy="215963"/>
+          </a:xfrm>
+          <a:prstGeom prst="rect">
+            <a:avLst/>
+          </a:prstGeom>
+        </p:spPr>
+        <p:txBody>
+          <a:bodyPr vert="horz" lIns="91440" tIns="45720" rIns="91440" bIns="45720" rtlCol="0" anchor="b">
+            <a:normAutofit fontScale="52500" lnSpcReduction="20000"/>
+          </a:bodyPr>
+          <a:lstStyle>
+            <a:lvl1pPr algn="ctr" defTabSz="914400" rtl="0" eaLnBrk="1" latinLnBrk="0" hangingPunct="1">
+              <a:lnSpc>
+                <a:spcPct val="90000"/>
+              </a:lnSpc>
+              <a:spcBef>
+                <a:spcPct val="0"/>
+              </a:spcBef>
+              <a:buNone/>
+              <a:defRPr sz="6000" kern="1200">
+                <a:solidFill>
+                  <a:schemeClr val="tx1"/>
+                </a:solidFill>
+                <a:latin typeface="+mj-lt"/>
+                <a:ea typeface="+mj-ea"/>
+                <a:cs typeface="+mj-cs"/>
+              </a:defRPr>
+            </a:lvl1pPr>
+          </a:lstStyle>
+          <a:p>
+            <a:pPr algn="l"/>
+            <a:r>
+              <a:rPr lang="en-GB" sz="1800" dirty="0"/>
+              <a:t>Integration Pipelines</a:t>
+            </a:r>
+          </a:p>
+        </p:txBody>
+      </p:sp>
+      <p:sp>
+        <p:nvSpPr>
+          <p:cNvPr id="26" name="Title 14">
+            <a:extLst>
+              <a:ext uri="{FF2B5EF4-FFF2-40B4-BE49-F238E27FC236}">
+                <a16:creationId xmlns:a16="http://schemas.microsoft.com/office/drawing/2014/main" id="{98EC400E-A372-45FF-9D9D-61D1A259C7F5}"/>
+              </a:ext>
+            </a:extLst>
+          </p:cNvPr>
+          <p:cNvSpPr txBox="1">
+            <a:spLocks/>
+          </p:cNvSpPr>
+          <p:nvPr/>
+        </p:nvSpPr>
+        <p:spPr>
+          <a:xfrm>
+            <a:off x="3822527" y="3328935"/>
+            <a:ext cx="898602" cy="215963"/>
+          </a:xfrm>
+          <a:prstGeom prst="rect">
+            <a:avLst/>
+          </a:prstGeom>
+        </p:spPr>
+        <p:txBody>
+          <a:bodyPr vert="horz" lIns="91440" tIns="45720" rIns="91440" bIns="45720" rtlCol="0" anchor="b">
+            <a:normAutofit fontScale="52500" lnSpcReduction="20000"/>
+          </a:bodyPr>
+          <a:lstStyle>
+            <a:lvl1pPr algn="ctr" defTabSz="914400" rtl="0" eaLnBrk="1" latinLnBrk="0" hangingPunct="1">
+              <a:lnSpc>
+                <a:spcPct val="90000"/>
+              </a:lnSpc>
+              <a:spcBef>
+                <a:spcPct val="0"/>
+              </a:spcBef>
+              <a:buNone/>
+              <a:defRPr sz="6000" kern="1200">
+                <a:solidFill>
+                  <a:schemeClr val="tx1"/>
+                </a:solidFill>
+                <a:latin typeface="+mj-lt"/>
+                <a:ea typeface="+mj-ea"/>
+                <a:cs typeface="+mj-cs"/>
+              </a:defRPr>
+            </a:lvl1pPr>
+          </a:lstStyle>
+          <a:p>
+            <a:pPr algn="l"/>
+            <a:r>
+              <a:rPr lang="en-GB" sz="1800" dirty="0"/>
+              <a:t>Data Flows</a:t>
+            </a:r>
+          </a:p>
+        </p:txBody>
+      </p:sp>
+      <p:sp>
+        <p:nvSpPr>
+          <p:cNvPr id="27" name="Title 14">
+            <a:extLst>
+              <a:ext uri="{FF2B5EF4-FFF2-40B4-BE49-F238E27FC236}">
+                <a16:creationId xmlns:a16="http://schemas.microsoft.com/office/drawing/2014/main" id="{DD82D60F-B487-47A4-AE31-1519D9A20EE1}"/>
+              </a:ext>
+            </a:extLst>
+          </p:cNvPr>
+          <p:cNvSpPr txBox="1">
+            <a:spLocks/>
+          </p:cNvSpPr>
+          <p:nvPr/>
+        </p:nvSpPr>
+        <p:spPr>
+          <a:xfrm>
+            <a:off x="3820591" y="2859090"/>
+            <a:ext cx="1187650" cy="215963"/>
+          </a:xfrm>
+          <a:prstGeom prst="rect">
+            <a:avLst/>
+          </a:prstGeom>
+        </p:spPr>
+        <p:txBody>
+          <a:bodyPr vert="horz" lIns="91440" tIns="45720" rIns="91440" bIns="45720" rtlCol="0" anchor="b">
+            <a:normAutofit fontScale="97500"/>
+          </a:bodyPr>
+          <a:lstStyle>
+            <a:lvl1pPr algn="ctr" defTabSz="914400" rtl="0" eaLnBrk="1" latinLnBrk="0" hangingPunct="1">
+              <a:lnSpc>
+                <a:spcPct val="90000"/>
+              </a:lnSpc>
+              <a:spcBef>
+                <a:spcPct val="0"/>
+              </a:spcBef>
+              <a:buNone/>
+              <a:defRPr sz="6000" kern="1200">
+                <a:solidFill>
+                  <a:schemeClr val="tx1"/>
+                </a:solidFill>
+                <a:latin typeface="+mj-lt"/>
+                <a:ea typeface="+mj-ea"/>
+                <a:cs typeface="+mj-cs"/>
+              </a:defRPr>
+            </a:lvl1pPr>
+          </a:lstStyle>
+          <a:p>
+            <a:pPr algn="l"/>
+            <a:r>
+              <a:rPr lang="en-GB" sz="900" dirty="0"/>
+              <a:t>SQL Pools (SQLDW)</a:t>
+            </a:r>
+          </a:p>
+        </p:txBody>
+      </p:sp>
+      <p:sp>
+        <p:nvSpPr>
+          <p:cNvPr id="28" name="Title 14">
+            <a:extLst>
+              <a:ext uri="{FF2B5EF4-FFF2-40B4-BE49-F238E27FC236}">
+                <a16:creationId xmlns:a16="http://schemas.microsoft.com/office/drawing/2014/main" id="{BB151144-895A-4DFC-A3E6-D1BAAC051B08}"/>
+              </a:ext>
+            </a:extLst>
+          </p:cNvPr>
+          <p:cNvSpPr txBox="1">
+            <a:spLocks/>
+          </p:cNvSpPr>
+          <p:nvPr/>
+        </p:nvSpPr>
+        <p:spPr>
+          <a:xfrm>
+            <a:off x="3820591" y="2351123"/>
+            <a:ext cx="1187650" cy="215963"/>
+          </a:xfrm>
+          <a:prstGeom prst="rect">
+            <a:avLst/>
+          </a:prstGeom>
+        </p:spPr>
+        <p:txBody>
+          <a:bodyPr vert="horz" lIns="91440" tIns="45720" rIns="91440" bIns="45720" rtlCol="0" anchor="b">
+            <a:normAutofit fontScale="97500"/>
+          </a:bodyPr>
+          <a:lstStyle>
+            <a:lvl1pPr algn="ctr" defTabSz="914400" rtl="0" eaLnBrk="1" latinLnBrk="0" hangingPunct="1">
+              <a:lnSpc>
+                <a:spcPct val="90000"/>
+              </a:lnSpc>
+              <a:spcBef>
+                <a:spcPct val="0"/>
+              </a:spcBef>
+              <a:buNone/>
+              <a:defRPr sz="6000" kern="1200">
+                <a:solidFill>
+                  <a:schemeClr val="tx1"/>
+                </a:solidFill>
+                <a:latin typeface="+mj-lt"/>
+                <a:ea typeface="+mj-ea"/>
+                <a:cs typeface="+mj-cs"/>
+              </a:defRPr>
+            </a:lvl1pPr>
+          </a:lstStyle>
+          <a:p>
+            <a:pPr algn="l"/>
+            <a:r>
+              <a:rPr lang="en-GB" sz="900" dirty="0"/>
+              <a:t>SQL On-Demand</a:t>
+            </a:r>
+          </a:p>
+        </p:txBody>
+      </p:sp>
+      <p:sp>
+        <p:nvSpPr>
+          <p:cNvPr id="29" name="Title 14">
+            <a:extLst>
+              <a:ext uri="{FF2B5EF4-FFF2-40B4-BE49-F238E27FC236}">
+                <a16:creationId xmlns:a16="http://schemas.microsoft.com/office/drawing/2014/main" id="{FCC261C4-388A-413F-B131-5CB9F2FB78F7}"/>
+              </a:ext>
+            </a:extLst>
+          </p:cNvPr>
+          <p:cNvSpPr txBox="1">
+            <a:spLocks/>
+          </p:cNvSpPr>
+          <p:nvPr/>
+        </p:nvSpPr>
+        <p:spPr>
+          <a:xfrm>
+            <a:off x="3820591" y="1918352"/>
+            <a:ext cx="1187650" cy="215963"/>
+          </a:xfrm>
+          <a:prstGeom prst="rect">
+            <a:avLst/>
+          </a:prstGeom>
+        </p:spPr>
+        <p:txBody>
+          <a:bodyPr vert="horz" lIns="91440" tIns="45720" rIns="91440" bIns="45720" rtlCol="0" anchor="b">
+            <a:normAutofit fontScale="97500"/>
+          </a:bodyPr>
+          <a:lstStyle>
+            <a:lvl1pPr algn="ctr" defTabSz="914400" rtl="0" eaLnBrk="1" latinLnBrk="0" hangingPunct="1">
+              <a:lnSpc>
+                <a:spcPct val="90000"/>
+              </a:lnSpc>
+              <a:spcBef>
+                <a:spcPct val="0"/>
+              </a:spcBef>
+              <a:buNone/>
+              <a:defRPr sz="6000" kern="1200">
+                <a:solidFill>
+                  <a:schemeClr val="tx1"/>
+                </a:solidFill>
+                <a:latin typeface="+mj-lt"/>
+                <a:ea typeface="+mj-ea"/>
+                <a:cs typeface="+mj-cs"/>
+              </a:defRPr>
+            </a:lvl1pPr>
+          </a:lstStyle>
+          <a:p>
+            <a:pPr algn="l"/>
+            <a:r>
+              <a:rPr lang="en-GB" sz="900" dirty="0"/>
+              <a:t>Spark Compute Pools</a:t>
+            </a:r>
+          </a:p>
+        </p:txBody>
+      </p:sp>
+      <p:sp>
+        <p:nvSpPr>
+          <p:cNvPr id="30" name="Title 14">
+            <a:extLst>
+              <a:ext uri="{FF2B5EF4-FFF2-40B4-BE49-F238E27FC236}">
+                <a16:creationId xmlns:a16="http://schemas.microsoft.com/office/drawing/2014/main" id="{714418EB-2F7D-4B65-8D74-42951C461A0E}"/>
+              </a:ext>
+            </a:extLst>
+          </p:cNvPr>
+          <p:cNvSpPr txBox="1">
+            <a:spLocks/>
+          </p:cNvSpPr>
+          <p:nvPr/>
+        </p:nvSpPr>
+        <p:spPr>
+          <a:xfrm>
+            <a:off x="3820591" y="1476376"/>
+            <a:ext cx="1187650" cy="215963"/>
+          </a:xfrm>
+          <a:prstGeom prst="rect">
+            <a:avLst/>
+          </a:prstGeom>
+        </p:spPr>
+        <p:txBody>
+          <a:bodyPr vert="horz" lIns="91440" tIns="45720" rIns="91440" bIns="45720" rtlCol="0" anchor="b">
+            <a:normAutofit fontScale="97500"/>
+          </a:bodyPr>
+          <a:lstStyle>
+            <a:lvl1pPr algn="ctr" defTabSz="914400" rtl="0" eaLnBrk="1" latinLnBrk="0" hangingPunct="1">
+              <a:lnSpc>
+                <a:spcPct val="90000"/>
+              </a:lnSpc>
+              <a:spcBef>
+                <a:spcPct val="0"/>
+              </a:spcBef>
+              <a:buNone/>
+              <a:defRPr sz="6000" kern="1200">
+                <a:solidFill>
+                  <a:schemeClr val="tx1"/>
+                </a:solidFill>
+                <a:latin typeface="+mj-lt"/>
+                <a:ea typeface="+mj-ea"/>
+                <a:cs typeface="+mj-cs"/>
+              </a:defRPr>
+            </a:lvl1pPr>
+          </a:lstStyle>
+          <a:p>
+            <a:pPr algn="l"/>
+            <a:r>
+              <a:rPr lang="en-GB" sz="900" dirty="0"/>
+              <a:t>Power BI Integration</a:t>
+            </a:r>
+          </a:p>
+        </p:txBody>
+      </p:sp>
+      <p:sp>
+        <p:nvSpPr>
+          <p:cNvPr id="31" name="Title 14">
+            <a:extLst>
+              <a:ext uri="{FF2B5EF4-FFF2-40B4-BE49-F238E27FC236}">
+                <a16:creationId xmlns:a16="http://schemas.microsoft.com/office/drawing/2014/main" id="{3D3AFDE9-29E6-4240-A596-BEB7FB394BA3}"/>
+              </a:ext>
+            </a:extLst>
+          </p:cNvPr>
+          <p:cNvSpPr txBox="1">
+            <a:spLocks/>
+          </p:cNvSpPr>
+          <p:nvPr/>
+        </p:nvSpPr>
+        <p:spPr>
+          <a:xfrm>
+            <a:off x="3820591" y="984233"/>
+            <a:ext cx="1187650" cy="215963"/>
+          </a:xfrm>
+          <a:prstGeom prst="rect">
+            <a:avLst/>
+          </a:prstGeom>
+        </p:spPr>
+        <p:txBody>
+          <a:bodyPr vert="horz" lIns="91440" tIns="45720" rIns="91440" bIns="45720" rtlCol="0" anchor="b">
+            <a:normAutofit fontScale="97500"/>
+          </a:bodyPr>
+          <a:lstStyle>
+            <a:lvl1pPr algn="ctr" defTabSz="914400" rtl="0" eaLnBrk="1" latinLnBrk="0" hangingPunct="1">
+              <a:lnSpc>
+                <a:spcPct val="90000"/>
+              </a:lnSpc>
+              <a:spcBef>
+                <a:spcPct val="0"/>
+              </a:spcBef>
+              <a:buNone/>
+              <a:defRPr sz="6000" kern="1200">
+                <a:solidFill>
+                  <a:schemeClr val="tx1"/>
+                </a:solidFill>
+                <a:latin typeface="+mj-lt"/>
+                <a:ea typeface="+mj-ea"/>
+                <a:cs typeface="+mj-cs"/>
+              </a:defRPr>
+            </a:lvl1pPr>
+          </a:lstStyle>
+          <a:p>
+            <a:pPr algn="l"/>
+            <a:r>
+              <a:rPr lang="en-GB" sz="900" dirty="0"/>
+              <a:t>Data Lake Storage</a:t>
+            </a:r>
+          </a:p>
+        </p:txBody>
+      </p:sp>
+      <p:sp>
+        <p:nvSpPr>
+          <p:cNvPr id="32" name="Title 14">
+            <a:extLst>
+              <a:ext uri="{FF2B5EF4-FFF2-40B4-BE49-F238E27FC236}">
+                <a16:creationId xmlns:a16="http://schemas.microsoft.com/office/drawing/2014/main" id="{CCA4E82B-70D6-4243-8AF6-898CF3C6C2F1}"/>
+              </a:ext>
+            </a:extLst>
+          </p:cNvPr>
+          <p:cNvSpPr txBox="1">
+            <a:spLocks/>
+          </p:cNvSpPr>
+          <p:nvPr/>
+        </p:nvSpPr>
+        <p:spPr>
+          <a:xfrm>
+            <a:off x="3820591" y="564196"/>
+            <a:ext cx="1187650" cy="215963"/>
+          </a:xfrm>
+          <a:prstGeom prst="rect">
+            <a:avLst/>
+          </a:prstGeom>
+        </p:spPr>
+        <p:txBody>
+          <a:bodyPr vert="horz" lIns="91440" tIns="45720" rIns="91440" bIns="45720" rtlCol="0" anchor="b">
+            <a:normAutofit fontScale="97500"/>
+          </a:bodyPr>
+          <a:lstStyle>
+            <a:lvl1pPr algn="ctr" defTabSz="914400" rtl="0" eaLnBrk="1" latinLnBrk="0" hangingPunct="1">
+              <a:lnSpc>
+                <a:spcPct val="90000"/>
+              </a:lnSpc>
+              <a:spcBef>
+                <a:spcPct val="0"/>
+              </a:spcBef>
+              <a:buNone/>
+              <a:defRPr sz="6000" kern="1200">
+                <a:solidFill>
+                  <a:schemeClr val="tx1"/>
+                </a:solidFill>
+                <a:latin typeface="+mj-lt"/>
+                <a:ea typeface="+mj-ea"/>
+                <a:cs typeface="+mj-cs"/>
+              </a:defRPr>
+            </a:lvl1pPr>
+          </a:lstStyle>
+          <a:p>
+            <a:pPr algn="l"/>
+            <a:r>
+              <a:rPr lang="en-GB" sz="900" dirty="0"/>
+              <a:t>Workspace</a:t>
+            </a:r>
+          </a:p>
+        </p:txBody>
+      </p:sp>
+      <p:sp>
+        <p:nvSpPr>
+          <p:cNvPr id="33" name="Title 14">
+            <a:extLst>
+              <a:ext uri="{FF2B5EF4-FFF2-40B4-BE49-F238E27FC236}">
+                <a16:creationId xmlns:a16="http://schemas.microsoft.com/office/drawing/2014/main" id="{BDB0686F-A785-4814-84B1-BFCE9F43E3C2}"/>
+              </a:ext>
+            </a:extLst>
+          </p:cNvPr>
+          <p:cNvSpPr txBox="1">
+            <a:spLocks/>
+          </p:cNvSpPr>
+          <p:nvPr/>
+        </p:nvSpPr>
+        <p:spPr>
+          <a:xfrm>
+            <a:off x="3824169" y="4185542"/>
+            <a:ext cx="1638635" cy="215963"/>
+          </a:xfrm>
+          <a:prstGeom prst="rect">
+            <a:avLst/>
+          </a:prstGeom>
+        </p:spPr>
+        <p:txBody>
+          <a:bodyPr vert="horz" lIns="91440" tIns="45720" rIns="91440" bIns="45720" rtlCol="0" anchor="b">
+            <a:normAutofit fontScale="52500" lnSpcReduction="20000"/>
+          </a:bodyPr>
+          <a:lstStyle>
+            <a:lvl1pPr algn="ctr" defTabSz="914400" rtl="0" eaLnBrk="1" latinLnBrk="0" hangingPunct="1">
+              <a:lnSpc>
+                <a:spcPct val="90000"/>
+              </a:lnSpc>
+              <a:spcBef>
+                <a:spcPct val="0"/>
+              </a:spcBef>
+              <a:buNone/>
+              <a:defRPr sz="6000" kern="1200">
+                <a:solidFill>
+                  <a:schemeClr val="tx1"/>
+                </a:solidFill>
+                <a:latin typeface="+mj-lt"/>
+                <a:ea typeface="+mj-ea"/>
+                <a:cs typeface="+mj-cs"/>
+              </a:defRPr>
+            </a:lvl1pPr>
+          </a:lstStyle>
+          <a:p>
+            <a:pPr algn="l"/>
+            <a:r>
+              <a:rPr lang="en-GB" sz="1800" dirty="0"/>
+              <a:t>Management API</a:t>
+            </a:r>
+          </a:p>
+        </p:txBody>
+      </p:sp>
+      <p:sp>
+        <p:nvSpPr>
+          <p:cNvPr id="34" name="Title 14">
+            <a:extLst>
+              <a:ext uri="{FF2B5EF4-FFF2-40B4-BE49-F238E27FC236}">
+                <a16:creationId xmlns:a16="http://schemas.microsoft.com/office/drawing/2014/main" id="{1251CA21-8122-4910-A0EF-9793EE8BA134}"/>
+              </a:ext>
+            </a:extLst>
+          </p:cNvPr>
+          <p:cNvSpPr txBox="1">
+            <a:spLocks/>
+          </p:cNvSpPr>
+          <p:nvPr/>
+        </p:nvSpPr>
+        <p:spPr>
+          <a:xfrm>
+            <a:off x="3822527" y="4679985"/>
+            <a:ext cx="898602" cy="215963"/>
+          </a:xfrm>
+          <a:prstGeom prst="rect">
+            <a:avLst/>
+          </a:prstGeom>
+        </p:spPr>
+        <p:txBody>
+          <a:bodyPr vert="horz" lIns="91440" tIns="45720" rIns="91440" bIns="45720" rtlCol="0" anchor="b">
+            <a:normAutofit fontScale="52500" lnSpcReduction="20000"/>
+          </a:bodyPr>
+          <a:lstStyle>
+            <a:lvl1pPr algn="ctr" defTabSz="914400" rtl="0" eaLnBrk="1" latinLnBrk="0" hangingPunct="1">
+              <a:lnSpc>
+                <a:spcPct val="90000"/>
+              </a:lnSpc>
+              <a:spcBef>
+                <a:spcPct val="0"/>
+              </a:spcBef>
+              <a:buNone/>
+              <a:defRPr sz="6000" kern="1200">
+                <a:solidFill>
+                  <a:schemeClr val="tx1"/>
+                </a:solidFill>
+                <a:latin typeface="+mj-lt"/>
+                <a:ea typeface="+mj-ea"/>
+                <a:cs typeface="+mj-cs"/>
+              </a:defRPr>
+            </a:lvl1pPr>
+          </a:lstStyle>
+          <a:p>
+            <a:pPr algn="l"/>
+            <a:r>
+              <a:rPr lang="en-GB" sz="1800" dirty="0"/>
+              <a:t>SDK</a:t>
+            </a:r>
+          </a:p>
+        </p:txBody>
+      </p:sp>
+      <p:sp>
+        <p:nvSpPr>
+          <p:cNvPr id="35" name="Title 14">
+            <a:extLst>
+              <a:ext uri="{FF2B5EF4-FFF2-40B4-BE49-F238E27FC236}">
+                <a16:creationId xmlns:a16="http://schemas.microsoft.com/office/drawing/2014/main" id="{93843017-80BB-4E65-A2C0-E5F12CA14C95}"/>
+              </a:ext>
+            </a:extLst>
+          </p:cNvPr>
+          <p:cNvSpPr txBox="1">
+            <a:spLocks/>
+          </p:cNvSpPr>
+          <p:nvPr/>
+        </p:nvSpPr>
+        <p:spPr>
+          <a:xfrm>
+            <a:off x="3820591" y="6031624"/>
+            <a:ext cx="898602" cy="215963"/>
+          </a:xfrm>
+          <a:prstGeom prst="rect">
+            <a:avLst/>
+          </a:prstGeom>
+        </p:spPr>
+        <p:txBody>
+          <a:bodyPr vert="horz" lIns="91440" tIns="45720" rIns="91440" bIns="45720" rtlCol="0" anchor="b">
+            <a:normAutofit fontScale="52500" lnSpcReduction="20000"/>
+          </a:bodyPr>
+          <a:lstStyle>
+            <a:lvl1pPr algn="ctr" defTabSz="914400" rtl="0" eaLnBrk="1" latinLnBrk="0" hangingPunct="1">
+              <a:lnSpc>
+                <a:spcPct val="90000"/>
+              </a:lnSpc>
+              <a:spcBef>
+                <a:spcPct val="0"/>
+              </a:spcBef>
+              <a:buNone/>
+              <a:defRPr sz="6000" kern="1200">
+                <a:solidFill>
+                  <a:schemeClr val="tx1"/>
+                </a:solidFill>
+                <a:latin typeface="+mj-lt"/>
+                <a:ea typeface="+mj-ea"/>
+                <a:cs typeface="+mj-cs"/>
+              </a:defRPr>
+            </a:lvl1pPr>
+          </a:lstStyle>
+          <a:p>
+            <a:pPr algn="l"/>
+            <a:r>
+              <a:rPr lang="en-GB" sz="1800" dirty="0"/>
+              <a:t>Synapse Link</a:t>
+            </a:r>
+          </a:p>
+        </p:txBody>
+      </p:sp>
+      <p:sp>
+        <p:nvSpPr>
+          <p:cNvPr id="36" name="Title 14">
+            <a:extLst>
+              <a:ext uri="{FF2B5EF4-FFF2-40B4-BE49-F238E27FC236}">
+                <a16:creationId xmlns:a16="http://schemas.microsoft.com/office/drawing/2014/main" id="{E3C1E7CF-74BF-4005-AEC7-485B39532DEE}"/>
+              </a:ext>
+            </a:extLst>
+          </p:cNvPr>
+          <p:cNvSpPr txBox="1">
+            <a:spLocks/>
+          </p:cNvSpPr>
+          <p:nvPr/>
+        </p:nvSpPr>
+        <p:spPr>
+          <a:xfrm>
+            <a:off x="3820591" y="5183931"/>
+            <a:ext cx="1825094" cy="215963"/>
+          </a:xfrm>
+          <a:prstGeom prst="rect">
+            <a:avLst/>
+          </a:prstGeom>
+        </p:spPr>
+        <p:txBody>
+          <a:bodyPr vert="horz" lIns="91440" tIns="45720" rIns="91440" bIns="45720" rtlCol="0" anchor="b">
+            <a:normAutofit fontScale="52500" lnSpcReduction="20000"/>
+          </a:bodyPr>
+          <a:lstStyle>
+            <a:lvl1pPr algn="ctr" defTabSz="914400" rtl="0" eaLnBrk="1" latinLnBrk="0" hangingPunct="1">
+              <a:lnSpc>
+                <a:spcPct val="90000"/>
+              </a:lnSpc>
+              <a:spcBef>
+                <a:spcPct val="0"/>
+              </a:spcBef>
+              <a:buNone/>
+              <a:defRPr sz="6000" kern="1200">
+                <a:solidFill>
+                  <a:schemeClr val="tx1"/>
+                </a:solidFill>
+                <a:latin typeface="+mj-lt"/>
+                <a:ea typeface="+mj-ea"/>
+                <a:cs typeface="+mj-cs"/>
+              </a:defRPr>
+            </a:lvl1pPr>
+          </a:lstStyle>
+          <a:p>
+            <a:pPr algn="l"/>
+            <a:r>
+              <a:rPr lang="en-GB" sz="1800" dirty="0"/>
+              <a:t>Monitor &amp; Diagnostic Settings</a:t>
+            </a:r>
+          </a:p>
+        </p:txBody>
+      </p:sp>
+      <p:sp>
+        <p:nvSpPr>
+          <p:cNvPr id="37" name="Title 14">
+            <a:extLst>
+              <a:ext uri="{FF2B5EF4-FFF2-40B4-BE49-F238E27FC236}">
+                <a16:creationId xmlns:a16="http://schemas.microsoft.com/office/drawing/2014/main" id="{6950B888-9D77-40C1-9271-BFD22351D057}"/>
+              </a:ext>
+            </a:extLst>
+          </p:cNvPr>
+          <p:cNvSpPr txBox="1">
+            <a:spLocks/>
+          </p:cNvSpPr>
+          <p:nvPr/>
+        </p:nvSpPr>
+        <p:spPr>
+          <a:xfrm>
+            <a:off x="3820591" y="5614265"/>
+            <a:ext cx="1477032" cy="215963"/>
+          </a:xfrm>
+          <a:prstGeom prst="rect">
+            <a:avLst/>
+          </a:prstGeom>
+        </p:spPr>
+        <p:txBody>
+          <a:bodyPr vert="horz" lIns="91440" tIns="45720" rIns="91440" bIns="45720" rtlCol="0" anchor="b">
+            <a:normAutofit fontScale="52500" lnSpcReduction="20000"/>
+          </a:bodyPr>
+          <a:lstStyle>
+            <a:lvl1pPr algn="ctr" defTabSz="914400" rtl="0" eaLnBrk="1" latinLnBrk="0" hangingPunct="1">
+              <a:lnSpc>
+                <a:spcPct val="90000"/>
+              </a:lnSpc>
+              <a:spcBef>
+                <a:spcPct val="0"/>
+              </a:spcBef>
+              <a:buNone/>
+              <a:defRPr sz="6000" kern="1200">
+                <a:solidFill>
+                  <a:schemeClr val="tx1"/>
+                </a:solidFill>
+                <a:latin typeface="+mj-lt"/>
+                <a:ea typeface="+mj-ea"/>
+                <a:cs typeface="+mj-cs"/>
+              </a:defRPr>
+            </a:lvl1pPr>
+          </a:lstStyle>
+          <a:p>
+            <a:pPr algn="l"/>
+            <a:r>
+              <a:rPr lang="en-GB" sz="1800" dirty="0"/>
+              <a:t>VNet Integration</a:t>
+            </a:r>
+          </a:p>
+        </p:txBody>
+      </p:sp>
+      <p:sp>
+        <p:nvSpPr>
+          <p:cNvPr id="38" name="Title 14">
+            <a:extLst>
+              <a:ext uri="{FF2B5EF4-FFF2-40B4-BE49-F238E27FC236}">
+                <a16:creationId xmlns:a16="http://schemas.microsoft.com/office/drawing/2014/main" id="{1AF8ED3D-BD7F-49A9-983B-3B572BE8B7C6}"/>
+              </a:ext>
+            </a:extLst>
+          </p:cNvPr>
+          <p:cNvSpPr txBox="1">
+            <a:spLocks/>
+          </p:cNvSpPr>
+          <p:nvPr/>
+        </p:nvSpPr>
+        <p:spPr>
+          <a:xfrm>
+            <a:off x="3820591" y="6519948"/>
+            <a:ext cx="898602" cy="215963"/>
+          </a:xfrm>
+          <a:prstGeom prst="rect">
+            <a:avLst/>
+          </a:prstGeom>
+        </p:spPr>
+        <p:txBody>
+          <a:bodyPr vert="horz" lIns="91440" tIns="45720" rIns="91440" bIns="45720" rtlCol="0" anchor="b">
+            <a:normAutofit fontScale="52500" lnSpcReduction="20000"/>
+          </a:bodyPr>
+          <a:lstStyle>
+            <a:lvl1pPr algn="ctr" defTabSz="914400" rtl="0" eaLnBrk="1" latinLnBrk="0" hangingPunct="1">
+              <a:lnSpc>
+                <a:spcPct val="90000"/>
+              </a:lnSpc>
+              <a:spcBef>
+                <a:spcPct val="0"/>
+              </a:spcBef>
+              <a:buNone/>
+              <a:defRPr sz="6000" kern="1200">
+                <a:solidFill>
+                  <a:schemeClr val="tx1"/>
+                </a:solidFill>
+                <a:latin typeface="+mj-lt"/>
+                <a:ea typeface="+mj-ea"/>
+                <a:cs typeface="+mj-cs"/>
+              </a:defRPr>
+            </a:lvl1pPr>
+          </a:lstStyle>
+          <a:p>
+            <a:pPr algn="l"/>
+            <a:r>
+              <a:rPr lang="en-GB" sz="1800" dirty="0"/>
+              <a:t>Purview</a:t>
+            </a:r>
+          </a:p>
+        </p:txBody>
+      </p:sp>
+      <p:pic>
+        <p:nvPicPr>
+          <p:cNvPr id="39" name="Picture 38">
+            <a:extLst>
+              <a:ext uri="{FF2B5EF4-FFF2-40B4-BE49-F238E27FC236}">
+                <a16:creationId xmlns:a16="http://schemas.microsoft.com/office/drawing/2014/main" id="{23A80021-0CB6-487A-8B16-991C0BC27449}"/>
+              </a:ext>
+            </a:extLst>
+          </p:cNvPr>
+          <p:cNvPicPr>
+            <a:picLocks noChangeAspect="1"/>
+          </p:cNvPicPr>
+          <p:nvPr/>
+        </p:nvPicPr>
+        <p:blipFill rotWithShape="1">
+          <a:blip r:embed="rId17"/>
+          <a:srcRect l="37217" r="35553" b="29227"/>
+          <a:stretch/>
+        </p:blipFill>
+        <p:spPr>
+          <a:xfrm rot="16200000">
+            <a:off x="5641604" y="858349"/>
+            <a:ext cx="177651" cy="488130"/>
+          </a:xfrm>
+          <a:prstGeom prst="rect">
+            <a:avLst/>
+          </a:prstGeom>
+        </p:spPr>
+      </p:pic>
+      <p:pic>
+        <p:nvPicPr>
+          <p:cNvPr id="41" name="Picture 40">
+            <a:extLst>
+              <a:ext uri="{FF2B5EF4-FFF2-40B4-BE49-F238E27FC236}">
+                <a16:creationId xmlns:a16="http://schemas.microsoft.com/office/drawing/2014/main" id="{CB678D7F-0505-4AE7-B826-0BDFF6C8A015}"/>
+              </a:ext>
+            </a:extLst>
+          </p:cNvPr>
+          <p:cNvPicPr>
+            <a:picLocks noChangeAspect="1"/>
+          </p:cNvPicPr>
+          <p:nvPr/>
+        </p:nvPicPr>
+        <p:blipFill rotWithShape="1">
+          <a:blip r:embed="rId17"/>
+          <a:srcRect l="873" r="71897" b="29227"/>
+          <a:stretch/>
+        </p:blipFill>
+        <p:spPr>
+          <a:xfrm rot="16200000">
+            <a:off x="5641603" y="1340291"/>
+            <a:ext cx="177651" cy="488131"/>
+          </a:xfrm>
+          <a:prstGeom prst="rect">
+            <a:avLst/>
+          </a:prstGeom>
+        </p:spPr>
+      </p:pic>
+      <p:pic>
+        <p:nvPicPr>
+          <p:cNvPr id="43" name="Picture 42">
+            <a:extLst>
+              <a:ext uri="{FF2B5EF4-FFF2-40B4-BE49-F238E27FC236}">
+                <a16:creationId xmlns:a16="http://schemas.microsoft.com/office/drawing/2014/main" id="{5C10A4C2-10A8-4E66-9CA8-8FACE2115441}"/>
+              </a:ext>
+            </a:extLst>
+          </p:cNvPr>
+          <p:cNvPicPr>
+            <a:picLocks noChangeAspect="1"/>
+          </p:cNvPicPr>
+          <p:nvPr/>
+        </p:nvPicPr>
+        <p:blipFill rotWithShape="1">
+          <a:blip r:embed="rId17"/>
+          <a:srcRect l="73639" b="29227"/>
+          <a:stretch/>
+        </p:blipFill>
+        <p:spPr>
+          <a:xfrm rot="16200000">
+            <a:off x="5644438" y="406124"/>
+            <a:ext cx="171984" cy="488129"/>
+          </a:xfrm>
+          <a:prstGeom prst="rect">
+            <a:avLst/>
+          </a:prstGeom>
+        </p:spPr>
+      </p:pic>
+      <p:pic>
+        <p:nvPicPr>
+          <p:cNvPr id="47" name="Picture 46">
+            <a:extLst>
+              <a:ext uri="{FF2B5EF4-FFF2-40B4-BE49-F238E27FC236}">
+                <a16:creationId xmlns:a16="http://schemas.microsoft.com/office/drawing/2014/main" id="{C3C78F6A-2992-483B-8A3E-2D1783304E54}"/>
+              </a:ext>
+            </a:extLst>
+          </p:cNvPr>
+          <p:cNvPicPr>
+            <a:picLocks noChangeAspect="1"/>
+          </p:cNvPicPr>
+          <p:nvPr/>
+        </p:nvPicPr>
+        <p:blipFill rotWithShape="1">
+          <a:blip r:embed="rId17"/>
+          <a:srcRect l="73639" b="29227"/>
+          <a:stretch/>
+        </p:blipFill>
+        <p:spPr>
+          <a:xfrm rot="16200000">
+            <a:off x="5644437" y="1785913"/>
+            <a:ext cx="171984" cy="488129"/>
+          </a:xfrm>
+          <a:prstGeom prst="rect">
+            <a:avLst/>
+          </a:prstGeom>
+        </p:spPr>
+      </p:pic>
+      <p:pic>
+        <p:nvPicPr>
+          <p:cNvPr id="49" name="Picture 48">
+            <a:extLst>
+              <a:ext uri="{FF2B5EF4-FFF2-40B4-BE49-F238E27FC236}">
+                <a16:creationId xmlns:a16="http://schemas.microsoft.com/office/drawing/2014/main" id="{6AB92D71-758B-43B4-8DFB-7664A42C1FCD}"/>
+              </a:ext>
+            </a:extLst>
+          </p:cNvPr>
+          <p:cNvPicPr>
+            <a:picLocks noChangeAspect="1"/>
+          </p:cNvPicPr>
+          <p:nvPr/>
+        </p:nvPicPr>
+        <p:blipFill rotWithShape="1">
+          <a:blip r:embed="rId17"/>
+          <a:srcRect l="37217" r="35553" b="29227"/>
+          <a:stretch/>
+        </p:blipFill>
+        <p:spPr>
+          <a:xfrm rot="16200000">
+            <a:off x="5641604" y="2729244"/>
+            <a:ext cx="177651" cy="488130"/>
+          </a:xfrm>
+          <a:prstGeom prst="rect">
+            <a:avLst/>
+          </a:prstGeom>
+        </p:spPr>
+      </p:pic>
+      <p:pic>
+        <p:nvPicPr>
+          <p:cNvPr id="50" name="Picture 49">
+            <a:extLst>
+              <a:ext uri="{FF2B5EF4-FFF2-40B4-BE49-F238E27FC236}">
+                <a16:creationId xmlns:a16="http://schemas.microsoft.com/office/drawing/2014/main" id="{E5B8BBD8-9404-46AB-A5F8-0D4FACBE4985}"/>
+              </a:ext>
+            </a:extLst>
+          </p:cNvPr>
+          <p:cNvPicPr>
+            <a:picLocks noChangeAspect="1"/>
+          </p:cNvPicPr>
+          <p:nvPr/>
+        </p:nvPicPr>
+        <p:blipFill rotWithShape="1">
+          <a:blip r:embed="rId17"/>
+          <a:srcRect l="37217" r="35553" b="29227"/>
+          <a:stretch/>
+        </p:blipFill>
+        <p:spPr>
+          <a:xfrm rot="16200000">
+            <a:off x="5641603" y="3192850"/>
+            <a:ext cx="177651" cy="488130"/>
+          </a:xfrm>
+          <a:prstGeom prst="rect">
+            <a:avLst/>
+          </a:prstGeom>
+        </p:spPr>
+      </p:pic>
+      <p:pic>
+        <p:nvPicPr>
+          <p:cNvPr id="51" name="Picture 50">
+            <a:extLst>
+              <a:ext uri="{FF2B5EF4-FFF2-40B4-BE49-F238E27FC236}">
+                <a16:creationId xmlns:a16="http://schemas.microsoft.com/office/drawing/2014/main" id="{C47B3BB4-DDF2-443C-8CE7-F91CA844EA56}"/>
+              </a:ext>
+            </a:extLst>
+          </p:cNvPr>
+          <p:cNvPicPr>
+            <a:picLocks noChangeAspect="1"/>
+          </p:cNvPicPr>
+          <p:nvPr/>
+        </p:nvPicPr>
+        <p:blipFill rotWithShape="1">
+          <a:blip r:embed="rId17"/>
+          <a:srcRect l="73639" b="29227"/>
+          <a:stretch/>
+        </p:blipFill>
+        <p:spPr>
+          <a:xfrm rot="16200000">
+            <a:off x="5644438" y="3622823"/>
+            <a:ext cx="171984" cy="488129"/>
+          </a:xfrm>
+          <a:prstGeom prst="rect">
+            <a:avLst/>
+          </a:prstGeom>
+        </p:spPr>
+      </p:pic>
+      <p:pic>
+        <p:nvPicPr>
+          <p:cNvPr id="52" name="Picture 51">
+            <a:extLst>
+              <a:ext uri="{FF2B5EF4-FFF2-40B4-BE49-F238E27FC236}">
+                <a16:creationId xmlns:a16="http://schemas.microsoft.com/office/drawing/2014/main" id="{193F58ED-9134-41DC-86B0-50FB87F89FB8}"/>
+              </a:ext>
+            </a:extLst>
+          </p:cNvPr>
+          <p:cNvPicPr>
+            <a:picLocks noChangeAspect="1"/>
+          </p:cNvPicPr>
+          <p:nvPr/>
+        </p:nvPicPr>
+        <p:blipFill rotWithShape="1">
+          <a:blip r:embed="rId17"/>
+          <a:srcRect l="873" r="71897" b="29227"/>
+          <a:stretch/>
+        </p:blipFill>
+        <p:spPr>
+          <a:xfrm rot="16200000">
+            <a:off x="5641603" y="4047091"/>
+            <a:ext cx="177651" cy="488131"/>
+          </a:xfrm>
+          <a:prstGeom prst="rect">
+            <a:avLst/>
+          </a:prstGeom>
+        </p:spPr>
+      </p:pic>
+      <p:pic>
+        <p:nvPicPr>
+          <p:cNvPr id="53" name="Picture 52">
+            <a:extLst>
+              <a:ext uri="{FF2B5EF4-FFF2-40B4-BE49-F238E27FC236}">
+                <a16:creationId xmlns:a16="http://schemas.microsoft.com/office/drawing/2014/main" id="{C94251C0-0E04-4E6E-BD81-0386FEA704C8}"/>
+              </a:ext>
+            </a:extLst>
+          </p:cNvPr>
+          <p:cNvPicPr>
+            <a:picLocks noChangeAspect="1"/>
+          </p:cNvPicPr>
+          <p:nvPr/>
+        </p:nvPicPr>
+        <p:blipFill rotWithShape="1">
+          <a:blip r:embed="rId17"/>
+          <a:srcRect l="873" r="71897" b="29227"/>
+          <a:stretch/>
+        </p:blipFill>
+        <p:spPr>
+          <a:xfrm rot="16200000">
+            <a:off x="5641603" y="4545928"/>
+            <a:ext cx="177651" cy="488131"/>
+          </a:xfrm>
+          <a:prstGeom prst="rect">
+            <a:avLst/>
+          </a:prstGeom>
+        </p:spPr>
+      </p:pic>
+      <p:pic>
+        <p:nvPicPr>
+          <p:cNvPr id="55" name="Picture 54">
+            <a:extLst>
+              <a:ext uri="{FF2B5EF4-FFF2-40B4-BE49-F238E27FC236}">
+                <a16:creationId xmlns:a16="http://schemas.microsoft.com/office/drawing/2014/main" id="{7193BA23-5835-4F11-BCB5-0141A5E57062}"/>
+              </a:ext>
+            </a:extLst>
+          </p:cNvPr>
+          <p:cNvPicPr>
+            <a:picLocks noChangeAspect="1"/>
+          </p:cNvPicPr>
+          <p:nvPr/>
+        </p:nvPicPr>
+        <p:blipFill rotWithShape="1">
+          <a:blip r:embed="rId17"/>
+          <a:srcRect l="73639" b="29227"/>
+          <a:stretch/>
+        </p:blipFill>
+        <p:spPr>
+          <a:xfrm rot="16200000">
+            <a:off x="5650115" y="5025858"/>
+            <a:ext cx="171984" cy="488129"/>
+          </a:xfrm>
+          <a:prstGeom prst="rect">
+            <a:avLst/>
+          </a:prstGeom>
+        </p:spPr>
+      </p:pic>
+      <p:pic>
+        <p:nvPicPr>
+          <p:cNvPr id="57" name="Picture 56">
+            <a:extLst>
+              <a:ext uri="{FF2B5EF4-FFF2-40B4-BE49-F238E27FC236}">
+                <a16:creationId xmlns:a16="http://schemas.microsoft.com/office/drawing/2014/main" id="{1FF1793A-437C-4B28-ACE3-FE0A3F4FAE48}"/>
+              </a:ext>
+            </a:extLst>
+          </p:cNvPr>
+          <p:cNvPicPr>
+            <a:picLocks noChangeAspect="1"/>
+          </p:cNvPicPr>
+          <p:nvPr/>
+        </p:nvPicPr>
+        <p:blipFill rotWithShape="1">
+          <a:blip r:embed="rId17"/>
+          <a:srcRect l="73639" b="29227"/>
+          <a:stretch/>
+        </p:blipFill>
+        <p:spPr>
+          <a:xfrm rot="16200000">
+            <a:off x="5640488" y="5895540"/>
+            <a:ext cx="171984" cy="488129"/>
+          </a:xfrm>
+          <a:prstGeom prst="rect">
+            <a:avLst/>
+          </a:prstGeom>
+        </p:spPr>
+      </p:pic>
+      <p:pic>
+        <p:nvPicPr>
+          <p:cNvPr id="58" name="Picture 57">
+            <a:extLst>
+              <a:ext uri="{FF2B5EF4-FFF2-40B4-BE49-F238E27FC236}">
+                <a16:creationId xmlns:a16="http://schemas.microsoft.com/office/drawing/2014/main" id="{901C1CB4-559E-4E1F-A073-07D676920801}"/>
+              </a:ext>
+            </a:extLst>
+          </p:cNvPr>
+          <p:cNvPicPr>
+            <a:picLocks noChangeAspect="1"/>
+          </p:cNvPicPr>
+          <p:nvPr/>
+        </p:nvPicPr>
+        <p:blipFill rotWithShape="1">
+          <a:blip r:embed="rId17"/>
+          <a:srcRect l="73639" b="29227"/>
+          <a:stretch/>
+        </p:blipFill>
+        <p:spPr>
+          <a:xfrm rot="16200000">
+            <a:off x="5640883" y="6383864"/>
+            <a:ext cx="171984" cy="488129"/>
+          </a:xfrm>
+          <a:prstGeom prst="rect">
+            <a:avLst/>
+          </a:prstGeom>
+        </p:spPr>
+      </p:pic>
+      <p:pic>
+        <p:nvPicPr>
+          <p:cNvPr id="59" name="Picture 58">
+            <a:extLst>
+              <a:ext uri="{FF2B5EF4-FFF2-40B4-BE49-F238E27FC236}">
+                <a16:creationId xmlns:a16="http://schemas.microsoft.com/office/drawing/2014/main" id="{1CEE0284-5925-453A-8166-A166CEA2CC64}"/>
+              </a:ext>
+            </a:extLst>
+          </p:cNvPr>
+          <p:cNvPicPr>
+            <a:picLocks noChangeAspect="1"/>
+          </p:cNvPicPr>
+          <p:nvPr/>
+        </p:nvPicPr>
+        <p:blipFill>
+          <a:blip r:embed="rId18"/>
+          <a:stretch>
+            <a:fillRect/>
+          </a:stretch>
+        </p:blipFill>
+        <p:spPr>
+          <a:xfrm>
+            <a:off x="190403" y="1404575"/>
+            <a:ext cx="1440342" cy="1646105"/>
+          </a:xfrm>
+          <a:prstGeom prst="rect">
+            <a:avLst/>
+          </a:prstGeom>
+        </p:spPr>
+      </p:pic>
+      <p:sp>
+        <p:nvSpPr>
+          <p:cNvPr id="24" name="TextBox 23">
+            <a:extLst>
+              <a:ext uri="{FF2B5EF4-FFF2-40B4-BE49-F238E27FC236}">
+                <a16:creationId xmlns:a16="http://schemas.microsoft.com/office/drawing/2014/main" id="{B2BED8F4-7B54-4A0C-B30D-BE4D56AC04B5}"/>
+              </a:ext>
+            </a:extLst>
+          </p:cNvPr>
+          <p:cNvSpPr txBox="1"/>
+          <p:nvPr/>
+        </p:nvSpPr>
+        <p:spPr>
+          <a:xfrm>
+            <a:off x="1827817" y="2042581"/>
+            <a:ext cx="1405028" cy="369332"/>
+          </a:xfrm>
+          <a:prstGeom prst="rect">
+            <a:avLst/>
+          </a:prstGeom>
+          <a:noFill/>
+        </p:spPr>
+        <p:txBody>
+          <a:bodyPr wrap="square" rtlCol="0">
+            <a:spAutoFit/>
+          </a:bodyPr>
+          <a:lstStyle/>
+          <a:p>
+            <a:r>
+              <a:rPr lang="en-GB" dirty="0">
+                <a:latin typeface="+mj-lt"/>
+              </a:rPr>
+              <a:t>Primary</a:t>
+            </a:r>
+            <a:endParaRPr lang="en-US" dirty="0">
+              <a:latin typeface="+mj-lt"/>
+            </a:endParaRPr>
+          </a:p>
+        </p:txBody>
+      </p:sp>
+      <p:sp>
+        <p:nvSpPr>
+          <p:cNvPr id="61" name="TextBox 60">
+            <a:extLst>
+              <a:ext uri="{FF2B5EF4-FFF2-40B4-BE49-F238E27FC236}">
+                <a16:creationId xmlns:a16="http://schemas.microsoft.com/office/drawing/2014/main" id="{F5D38C9A-8F8B-42E4-9255-4DA4CAC20E0D}"/>
+              </a:ext>
+            </a:extLst>
+          </p:cNvPr>
+          <p:cNvSpPr txBox="1"/>
+          <p:nvPr/>
+        </p:nvSpPr>
+        <p:spPr>
+          <a:xfrm>
+            <a:off x="1816018" y="4815234"/>
+            <a:ext cx="1425541" cy="369332"/>
+          </a:xfrm>
+          <a:prstGeom prst="rect">
+            <a:avLst/>
+          </a:prstGeom>
+          <a:noFill/>
+        </p:spPr>
+        <p:txBody>
+          <a:bodyPr wrap="square" rtlCol="0">
+            <a:spAutoFit/>
+          </a:bodyPr>
+          <a:lstStyle/>
+          <a:p>
+            <a:r>
+              <a:rPr lang="en-GB" dirty="0">
+                <a:latin typeface="+mj-lt"/>
+              </a:rPr>
+              <a:t>Secondary</a:t>
+            </a:r>
+            <a:endParaRPr lang="en-US" dirty="0">
+              <a:latin typeface="+mj-lt"/>
+            </a:endParaRPr>
+          </a:p>
+        </p:txBody>
+      </p:sp>
+      <p:sp>
+        <p:nvSpPr>
+          <p:cNvPr id="62" name="TextBox 61">
+            <a:extLst>
+              <a:ext uri="{FF2B5EF4-FFF2-40B4-BE49-F238E27FC236}">
+                <a16:creationId xmlns:a16="http://schemas.microsoft.com/office/drawing/2014/main" id="{8099A198-5889-4125-AA48-25AD3EC454CC}"/>
+              </a:ext>
+            </a:extLst>
+          </p:cNvPr>
+          <p:cNvSpPr txBox="1"/>
+          <p:nvPr/>
+        </p:nvSpPr>
+        <p:spPr>
+          <a:xfrm>
+            <a:off x="1816018" y="6176793"/>
+            <a:ext cx="1423294" cy="369332"/>
+          </a:xfrm>
+          <a:prstGeom prst="rect">
+            <a:avLst/>
+          </a:prstGeom>
+          <a:noFill/>
+        </p:spPr>
+        <p:txBody>
+          <a:bodyPr wrap="square" rtlCol="0">
+            <a:spAutoFit/>
+          </a:bodyPr>
+          <a:lstStyle/>
+          <a:p>
+            <a:r>
+              <a:rPr lang="en-GB" dirty="0">
+                <a:latin typeface="+mj-lt"/>
+              </a:rPr>
+              <a:t>External</a:t>
+            </a:r>
+            <a:endParaRPr lang="en-US" dirty="0">
+              <a:latin typeface="+mj-lt"/>
+            </a:endParaRPr>
+          </a:p>
+        </p:txBody>
+      </p:sp>
+      <p:sp>
+        <p:nvSpPr>
+          <p:cNvPr id="63" name="TextBox 62">
+            <a:extLst>
+              <a:ext uri="{FF2B5EF4-FFF2-40B4-BE49-F238E27FC236}">
+                <a16:creationId xmlns:a16="http://schemas.microsoft.com/office/drawing/2014/main" id="{1C31D745-C8D6-4344-B845-801DDBC2D07A}"/>
+              </a:ext>
+            </a:extLst>
+          </p:cNvPr>
+          <p:cNvSpPr txBox="1"/>
+          <p:nvPr/>
+        </p:nvSpPr>
+        <p:spPr>
+          <a:xfrm>
+            <a:off x="1822484" y="24188"/>
+            <a:ext cx="1419072" cy="369332"/>
+          </a:xfrm>
+          <a:prstGeom prst="rect">
+            <a:avLst/>
+          </a:prstGeom>
+          <a:noFill/>
+        </p:spPr>
+        <p:txBody>
+          <a:bodyPr wrap="square" rtlCol="0">
+            <a:spAutoFit/>
+          </a:bodyPr>
+          <a:lstStyle/>
+          <a:p>
+            <a:r>
+              <a:rPr lang="en-GB" b="1" dirty="0">
+                <a:latin typeface="+mj-lt"/>
+              </a:rPr>
+              <a:t>Capability</a:t>
+            </a:r>
+            <a:endParaRPr lang="en-US" b="1" dirty="0">
+              <a:latin typeface="+mj-lt"/>
+            </a:endParaRPr>
+          </a:p>
+        </p:txBody>
+      </p:sp>
+      <p:sp>
+        <p:nvSpPr>
+          <p:cNvPr id="64" name="TextBox 63">
+            <a:extLst>
+              <a:ext uri="{FF2B5EF4-FFF2-40B4-BE49-F238E27FC236}">
+                <a16:creationId xmlns:a16="http://schemas.microsoft.com/office/drawing/2014/main" id="{0A80A422-9507-4ABD-A82F-105CF2C0FAB6}"/>
+              </a:ext>
+            </a:extLst>
+          </p:cNvPr>
+          <p:cNvSpPr txBox="1"/>
+          <p:nvPr/>
+        </p:nvSpPr>
+        <p:spPr>
+          <a:xfrm>
+            <a:off x="3239312" y="27241"/>
+            <a:ext cx="2134081" cy="369332"/>
+          </a:xfrm>
+          <a:prstGeom prst="rect">
+            <a:avLst/>
+          </a:prstGeom>
+          <a:noFill/>
+        </p:spPr>
+        <p:txBody>
+          <a:bodyPr wrap="square" rtlCol="0">
+            <a:spAutoFit/>
+          </a:bodyPr>
+          <a:lstStyle/>
+          <a:p>
+            <a:r>
+              <a:rPr lang="en-GB" b="1" dirty="0">
+                <a:latin typeface="+mj-lt"/>
+              </a:rPr>
+              <a:t>Feature</a:t>
+            </a:r>
+            <a:endParaRPr lang="en-US" b="1" dirty="0">
+              <a:latin typeface="+mj-lt"/>
+            </a:endParaRPr>
+          </a:p>
+        </p:txBody>
+      </p:sp>
+      <p:sp>
+        <p:nvSpPr>
+          <p:cNvPr id="65" name="TextBox 64">
+            <a:extLst>
+              <a:ext uri="{FF2B5EF4-FFF2-40B4-BE49-F238E27FC236}">
+                <a16:creationId xmlns:a16="http://schemas.microsoft.com/office/drawing/2014/main" id="{06422CD9-F090-40C5-A1E6-81FE4FDBE5CF}"/>
+              </a:ext>
+            </a:extLst>
+          </p:cNvPr>
+          <p:cNvSpPr txBox="1"/>
+          <p:nvPr/>
+        </p:nvSpPr>
+        <p:spPr>
+          <a:xfrm>
+            <a:off x="5353298" y="24771"/>
+            <a:ext cx="739884" cy="369332"/>
+          </a:xfrm>
+          <a:prstGeom prst="rect">
+            <a:avLst/>
+          </a:prstGeom>
+          <a:noFill/>
+        </p:spPr>
+        <p:txBody>
+          <a:bodyPr wrap="square" rtlCol="0">
+            <a:spAutoFit/>
+          </a:bodyPr>
+          <a:lstStyle/>
+          <a:p>
+            <a:r>
+              <a:rPr lang="en-GB" b="1" dirty="0">
+                <a:latin typeface="+mj-lt"/>
+              </a:rPr>
+              <a:t>Status</a:t>
+            </a:r>
+            <a:endParaRPr lang="en-US" b="1" dirty="0">
+              <a:latin typeface="+mj-lt"/>
+            </a:endParaRPr>
+          </a:p>
+        </p:txBody>
+      </p:sp>
+      <p:sp>
+        <p:nvSpPr>
+          <p:cNvPr id="66" name="TextBox 65">
+            <a:extLst>
+              <a:ext uri="{FF2B5EF4-FFF2-40B4-BE49-F238E27FC236}">
+                <a16:creationId xmlns:a16="http://schemas.microsoft.com/office/drawing/2014/main" id="{0B437DE8-9028-4BB5-A54F-90CAE1D2CC6B}"/>
+              </a:ext>
+            </a:extLst>
+          </p:cNvPr>
+          <p:cNvSpPr txBox="1"/>
+          <p:nvPr/>
+        </p:nvSpPr>
+        <p:spPr>
+          <a:xfrm>
+            <a:off x="6114916" y="21491"/>
+            <a:ext cx="1927937" cy="369332"/>
+          </a:xfrm>
+          <a:prstGeom prst="rect">
+            <a:avLst/>
+          </a:prstGeom>
+          <a:noFill/>
+        </p:spPr>
+        <p:txBody>
+          <a:bodyPr wrap="square" rtlCol="0">
+            <a:spAutoFit/>
+          </a:bodyPr>
+          <a:lstStyle/>
+          <a:p>
+            <a:r>
+              <a:rPr lang="en-GB" b="1" dirty="0">
+                <a:latin typeface="+mj-lt"/>
+              </a:rPr>
+              <a:t>Narrative</a:t>
+            </a:r>
+            <a:endParaRPr lang="en-US" b="1" dirty="0">
+              <a:latin typeface="+mj-lt"/>
+            </a:endParaRPr>
+          </a:p>
+        </p:txBody>
+      </p:sp>
+      <p:cxnSp>
+        <p:nvCxnSpPr>
+          <p:cNvPr id="67" name="Straight Connector 66">
+            <a:extLst>
+              <a:ext uri="{FF2B5EF4-FFF2-40B4-BE49-F238E27FC236}">
+                <a16:creationId xmlns:a16="http://schemas.microsoft.com/office/drawing/2014/main" id="{F02564F4-E423-4738-9D97-D363D83C4FAB}"/>
+              </a:ext>
+            </a:extLst>
+          </p:cNvPr>
+          <p:cNvCxnSpPr>
+            <a:cxnSpLocks/>
+          </p:cNvCxnSpPr>
+          <p:nvPr/>
+        </p:nvCxnSpPr>
+        <p:spPr>
+          <a:xfrm>
+            <a:off x="1816018" y="4058755"/>
+            <a:ext cx="10375982" cy="0"/>
+          </a:xfrm>
+          <a:prstGeom prst="line">
+            <a:avLst/>
+          </a:prstGeom>
+        </p:spPr>
+        <p:style>
+          <a:lnRef idx="1">
+            <a:schemeClr val="accent3"/>
+          </a:lnRef>
+          <a:fillRef idx="0">
+            <a:schemeClr val="accent3"/>
+          </a:fillRef>
+          <a:effectRef idx="0">
+            <a:schemeClr val="accent3"/>
+          </a:effectRef>
+          <a:fontRef idx="minor">
+            <a:schemeClr val="tx1"/>
+          </a:fontRef>
+        </p:style>
+      </p:cxnSp>
+      <p:cxnSp>
+        <p:nvCxnSpPr>
+          <p:cNvPr id="71" name="Straight Connector 70">
+            <a:extLst>
+              <a:ext uri="{FF2B5EF4-FFF2-40B4-BE49-F238E27FC236}">
+                <a16:creationId xmlns:a16="http://schemas.microsoft.com/office/drawing/2014/main" id="{6CD65D8A-2296-46E7-A371-764A98BA5F0D}"/>
+              </a:ext>
+            </a:extLst>
+          </p:cNvPr>
+          <p:cNvCxnSpPr>
+            <a:cxnSpLocks/>
+          </p:cNvCxnSpPr>
+          <p:nvPr/>
+        </p:nvCxnSpPr>
+        <p:spPr>
+          <a:xfrm>
+            <a:off x="1816018" y="5904269"/>
+            <a:ext cx="10375982" cy="0"/>
+          </a:xfrm>
+          <a:prstGeom prst="line">
+            <a:avLst/>
+          </a:prstGeom>
+        </p:spPr>
+        <p:style>
+          <a:lnRef idx="1">
+            <a:schemeClr val="accent3"/>
+          </a:lnRef>
+          <a:fillRef idx="0">
+            <a:schemeClr val="accent3"/>
+          </a:fillRef>
+          <a:effectRef idx="0">
+            <a:schemeClr val="accent3"/>
+          </a:effectRef>
+          <a:fontRef idx="minor">
+            <a:schemeClr val="tx1"/>
+          </a:fontRef>
+        </p:style>
+      </p:cxnSp>
+      <p:cxnSp>
+        <p:nvCxnSpPr>
+          <p:cNvPr id="72" name="Straight Connector 71">
+            <a:extLst>
+              <a:ext uri="{FF2B5EF4-FFF2-40B4-BE49-F238E27FC236}">
+                <a16:creationId xmlns:a16="http://schemas.microsoft.com/office/drawing/2014/main" id="{F50193C0-F58C-4D68-8545-1AFAD38F1BD1}"/>
+              </a:ext>
+            </a:extLst>
+          </p:cNvPr>
+          <p:cNvCxnSpPr>
+            <a:cxnSpLocks/>
+          </p:cNvCxnSpPr>
+          <p:nvPr/>
+        </p:nvCxnSpPr>
+        <p:spPr>
+          <a:xfrm>
+            <a:off x="3232846" y="0"/>
+            <a:ext cx="0" cy="6858000"/>
+          </a:xfrm>
+          <a:prstGeom prst="line">
+            <a:avLst/>
+          </a:prstGeom>
+        </p:spPr>
+        <p:style>
+          <a:lnRef idx="1">
+            <a:schemeClr val="accent3"/>
+          </a:lnRef>
+          <a:fillRef idx="0">
+            <a:schemeClr val="accent3"/>
+          </a:fillRef>
+          <a:effectRef idx="0">
+            <a:schemeClr val="accent3"/>
+          </a:effectRef>
+          <a:fontRef idx="minor">
+            <a:schemeClr val="tx1"/>
+          </a:fontRef>
+        </p:style>
+      </p:cxnSp>
+      <p:cxnSp>
+        <p:nvCxnSpPr>
+          <p:cNvPr id="75" name="Straight Connector 74">
+            <a:extLst>
+              <a:ext uri="{FF2B5EF4-FFF2-40B4-BE49-F238E27FC236}">
+                <a16:creationId xmlns:a16="http://schemas.microsoft.com/office/drawing/2014/main" id="{C1F228C8-A866-4062-A7F3-DA8DBDD7BEA9}"/>
+              </a:ext>
+            </a:extLst>
+          </p:cNvPr>
+          <p:cNvCxnSpPr>
+            <a:cxnSpLocks/>
+          </p:cNvCxnSpPr>
+          <p:nvPr/>
+        </p:nvCxnSpPr>
+        <p:spPr>
+          <a:xfrm>
+            <a:off x="5353300" y="0"/>
+            <a:ext cx="0" cy="6858000"/>
+          </a:xfrm>
+          <a:prstGeom prst="line">
+            <a:avLst/>
+          </a:prstGeom>
+        </p:spPr>
+        <p:style>
+          <a:lnRef idx="1">
+            <a:schemeClr val="accent3"/>
+          </a:lnRef>
+          <a:fillRef idx="0">
+            <a:schemeClr val="accent3"/>
+          </a:fillRef>
+          <a:effectRef idx="0">
+            <a:schemeClr val="accent3"/>
+          </a:effectRef>
+          <a:fontRef idx="minor">
+            <a:schemeClr val="tx1"/>
+          </a:fontRef>
+        </p:style>
+      </p:cxnSp>
+      <p:cxnSp>
+        <p:nvCxnSpPr>
+          <p:cNvPr id="78" name="Straight Connector 77">
+            <a:extLst>
+              <a:ext uri="{FF2B5EF4-FFF2-40B4-BE49-F238E27FC236}">
+                <a16:creationId xmlns:a16="http://schemas.microsoft.com/office/drawing/2014/main" id="{1FF7F994-3AE2-41EA-9287-E1422A998B69}"/>
+              </a:ext>
+            </a:extLst>
+          </p:cNvPr>
+          <p:cNvCxnSpPr>
+            <a:cxnSpLocks/>
+          </p:cNvCxnSpPr>
+          <p:nvPr/>
+        </p:nvCxnSpPr>
+        <p:spPr>
+          <a:xfrm>
+            <a:off x="1822484" y="395739"/>
+            <a:ext cx="10369516" cy="0"/>
+          </a:xfrm>
+          <a:prstGeom prst="line">
+            <a:avLst/>
+          </a:prstGeom>
+        </p:spPr>
+        <p:style>
+          <a:lnRef idx="1">
+            <a:schemeClr val="accent3"/>
+          </a:lnRef>
+          <a:fillRef idx="0">
+            <a:schemeClr val="accent3"/>
+          </a:fillRef>
+          <a:effectRef idx="0">
+            <a:schemeClr val="accent3"/>
+          </a:effectRef>
+          <a:fontRef idx="minor">
+            <a:schemeClr val="tx1"/>
+          </a:fontRef>
+        </p:style>
+      </p:cxnSp>
+      <p:cxnSp>
+        <p:nvCxnSpPr>
+          <p:cNvPr id="81" name="Straight Connector 80">
+            <a:extLst>
+              <a:ext uri="{FF2B5EF4-FFF2-40B4-BE49-F238E27FC236}">
+                <a16:creationId xmlns:a16="http://schemas.microsoft.com/office/drawing/2014/main" id="{F40B2660-897D-4A68-A22C-2A2F285B3304}"/>
+              </a:ext>
+            </a:extLst>
+          </p:cNvPr>
+          <p:cNvCxnSpPr>
+            <a:cxnSpLocks/>
+          </p:cNvCxnSpPr>
+          <p:nvPr/>
+        </p:nvCxnSpPr>
+        <p:spPr>
+          <a:xfrm>
+            <a:off x="1816018" y="0"/>
+            <a:ext cx="0" cy="6858000"/>
+          </a:xfrm>
+          <a:prstGeom prst="line">
+            <a:avLst/>
+          </a:prstGeom>
+        </p:spPr>
+        <p:style>
+          <a:lnRef idx="1">
+            <a:schemeClr val="accent3"/>
+          </a:lnRef>
+          <a:fillRef idx="0">
+            <a:schemeClr val="accent3"/>
+          </a:fillRef>
+          <a:effectRef idx="0">
+            <a:schemeClr val="accent3"/>
+          </a:effectRef>
+          <a:fontRef idx="minor">
+            <a:schemeClr val="tx1"/>
+          </a:fontRef>
+        </p:style>
+      </p:cxnSp>
+      <p:cxnSp>
+        <p:nvCxnSpPr>
+          <p:cNvPr id="82" name="Straight Connector 81">
+            <a:extLst>
+              <a:ext uri="{FF2B5EF4-FFF2-40B4-BE49-F238E27FC236}">
+                <a16:creationId xmlns:a16="http://schemas.microsoft.com/office/drawing/2014/main" id="{D5C92EA0-1D03-49A7-B797-B0323DE539AD}"/>
+              </a:ext>
+            </a:extLst>
+          </p:cNvPr>
+          <p:cNvCxnSpPr>
+            <a:cxnSpLocks/>
+          </p:cNvCxnSpPr>
+          <p:nvPr/>
+        </p:nvCxnSpPr>
+        <p:spPr>
+          <a:xfrm>
+            <a:off x="6098820" y="0"/>
+            <a:ext cx="0" cy="6858000"/>
+          </a:xfrm>
+          <a:prstGeom prst="line">
+            <a:avLst/>
+          </a:prstGeom>
+        </p:spPr>
+        <p:style>
+          <a:lnRef idx="1">
+            <a:schemeClr val="accent3"/>
+          </a:lnRef>
+          <a:fillRef idx="0">
+            <a:schemeClr val="accent3"/>
+          </a:fillRef>
+          <a:effectRef idx="0">
+            <a:schemeClr val="accent3"/>
+          </a:effectRef>
+          <a:fontRef idx="minor">
+            <a:schemeClr val="tx1"/>
+          </a:fontRef>
+        </p:style>
+      </p:cxnSp>
+      <p:sp>
+        <p:nvSpPr>
+          <p:cNvPr id="85" name="TextBox 84">
+            <a:extLst>
+              <a:ext uri="{FF2B5EF4-FFF2-40B4-BE49-F238E27FC236}">
+                <a16:creationId xmlns:a16="http://schemas.microsoft.com/office/drawing/2014/main" id="{84262AC9-EDE7-45C6-9A72-02709FA04128}"/>
+              </a:ext>
+            </a:extLst>
+          </p:cNvPr>
+          <p:cNvSpPr txBox="1"/>
+          <p:nvPr/>
+        </p:nvSpPr>
+        <p:spPr>
+          <a:xfrm>
+            <a:off x="411344" y="397370"/>
+            <a:ext cx="995337" cy="923330"/>
+          </a:xfrm>
+          <a:prstGeom prst="rect">
+            <a:avLst/>
+          </a:prstGeom>
+          <a:noFill/>
+        </p:spPr>
+        <p:txBody>
+          <a:bodyPr wrap="none" rtlCol="0">
+            <a:spAutoFit/>
+          </a:bodyPr>
+          <a:lstStyle/>
+          <a:p>
+            <a:pPr algn="ctr"/>
+            <a:r>
+              <a:rPr lang="en-GB" b="1" dirty="0">
+                <a:latin typeface="+mj-lt"/>
+              </a:rPr>
+              <a:t>Azure </a:t>
+            </a:r>
+          </a:p>
+          <a:p>
+            <a:pPr algn="ctr"/>
+            <a:r>
+              <a:rPr lang="en-GB" b="1" dirty="0">
+                <a:latin typeface="+mj-lt"/>
+              </a:rPr>
+              <a:t>Synapse </a:t>
+            </a:r>
+          </a:p>
+          <a:p>
+            <a:pPr algn="ctr"/>
+            <a:r>
+              <a:rPr lang="en-GB" b="1" dirty="0">
+                <a:latin typeface="+mj-lt"/>
+              </a:rPr>
+              <a:t>Analytics</a:t>
+            </a:r>
+            <a:endParaRPr lang="en-US" b="1" dirty="0">
+              <a:latin typeface="+mj-lt"/>
+            </a:endParaRPr>
+          </a:p>
+        </p:txBody>
+      </p:sp>
+      <p:sp>
+        <p:nvSpPr>
+          <p:cNvPr id="88" name="TextBox 87">
+            <a:extLst>
+              <a:ext uri="{FF2B5EF4-FFF2-40B4-BE49-F238E27FC236}">
+                <a16:creationId xmlns:a16="http://schemas.microsoft.com/office/drawing/2014/main" id="{3592BD73-FF80-4A03-9461-8A8ABFB7917F}"/>
+              </a:ext>
+            </a:extLst>
+          </p:cNvPr>
+          <p:cNvSpPr txBox="1"/>
+          <p:nvPr/>
+        </p:nvSpPr>
+        <p:spPr>
+          <a:xfrm>
+            <a:off x="6188030" y="3726315"/>
+            <a:ext cx="4311535" cy="276999"/>
+          </a:xfrm>
+          <a:prstGeom prst="rect">
+            <a:avLst/>
+          </a:prstGeom>
+          <a:noFill/>
+          <a:ln>
+            <a:noFill/>
+          </a:ln>
+        </p:spPr>
+        <p:style>
+          <a:lnRef idx="2">
+            <a:schemeClr val="accent3"/>
+          </a:lnRef>
+          <a:fillRef idx="1">
+            <a:schemeClr val="lt1"/>
+          </a:fillRef>
+          <a:effectRef idx="0">
+            <a:schemeClr val="accent3"/>
+          </a:effectRef>
+          <a:fontRef idx="minor">
+            <a:schemeClr val="dk1"/>
+          </a:fontRef>
+        </p:style>
+        <p:txBody>
+          <a:bodyPr wrap="square" rtlCol="0">
+            <a:spAutoFit/>
+          </a:bodyPr>
+          <a:lstStyle/>
+          <a:p>
+            <a:r>
+              <a:rPr lang="en-GB" sz="1200" dirty="0">
+                <a:latin typeface="+mj-lt"/>
+              </a:rPr>
+              <a:t>Linked Hosted IR’s missing. No SSIS Support.</a:t>
+            </a:r>
+          </a:p>
+        </p:txBody>
+      </p:sp>
+      <p:sp>
+        <p:nvSpPr>
+          <p:cNvPr id="89" name="TextBox 88">
+            <a:extLst>
+              <a:ext uri="{FF2B5EF4-FFF2-40B4-BE49-F238E27FC236}">
+                <a16:creationId xmlns:a16="http://schemas.microsoft.com/office/drawing/2014/main" id="{2B1D2D66-29D0-4B9E-B0E7-047CE9D6C109}"/>
+              </a:ext>
+            </a:extLst>
+          </p:cNvPr>
+          <p:cNvSpPr txBox="1"/>
+          <p:nvPr/>
+        </p:nvSpPr>
+        <p:spPr>
+          <a:xfrm>
+            <a:off x="6191411" y="2337920"/>
+            <a:ext cx="5486131" cy="276999"/>
+          </a:xfrm>
+          <a:prstGeom prst="rect">
+            <a:avLst/>
+          </a:prstGeom>
+          <a:noFill/>
+          <a:ln>
+            <a:noFill/>
+          </a:ln>
+        </p:spPr>
+        <p:style>
+          <a:lnRef idx="2">
+            <a:schemeClr val="accent3"/>
+          </a:lnRef>
+          <a:fillRef idx="1">
+            <a:schemeClr val="lt1"/>
+          </a:fillRef>
+          <a:effectRef idx="0">
+            <a:schemeClr val="accent3"/>
+          </a:effectRef>
+          <a:fontRef idx="minor">
+            <a:schemeClr val="dk1"/>
+          </a:fontRef>
+        </p:style>
+        <p:txBody>
+          <a:bodyPr wrap="square" rtlCol="0">
+            <a:spAutoFit/>
+          </a:bodyPr>
+          <a:lstStyle/>
+          <a:p>
+            <a:r>
+              <a:rPr lang="en-GB" sz="1200" dirty="0">
+                <a:latin typeface="+mj-lt"/>
+              </a:rPr>
+              <a:t>Delta Tables now supported. SQL requests available via monitoring page.</a:t>
+            </a:r>
+            <a:endParaRPr lang="en-US" sz="1200" dirty="0">
+              <a:latin typeface="+mj-lt"/>
+            </a:endParaRPr>
+          </a:p>
+        </p:txBody>
+      </p:sp>
+      <p:sp>
+        <p:nvSpPr>
+          <p:cNvPr id="90" name="TextBox 89">
+            <a:extLst>
+              <a:ext uri="{FF2B5EF4-FFF2-40B4-BE49-F238E27FC236}">
+                <a16:creationId xmlns:a16="http://schemas.microsoft.com/office/drawing/2014/main" id="{24AD1316-E65E-444C-8558-6109E7141FF2}"/>
+              </a:ext>
+            </a:extLst>
+          </p:cNvPr>
+          <p:cNvSpPr txBox="1"/>
+          <p:nvPr/>
+        </p:nvSpPr>
+        <p:spPr>
+          <a:xfrm>
+            <a:off x="6188029" y="1907675"/>
+            <a:ext cx="5113021" cy="276999"/>
+          </a:xfrm>
+          <a:prstGeom prst="rect">
+            <a:avLst/>
+          </a:prstGeom>
+          <a:noFill/>
+          <a:ln>
+            <a:noFill/>
+          </a:ln>
+        </p:spPr>
+        <p:style>
+          <a:lnRef idx="2">
+            <a:schemeClr val="accent3"/>
+          </a:lnRef>
+          <a:fillRef idx="1">
+            <a:schemeClr val="lt1"/>
+          </a:fillRef>
+          <a:effectRef idx="0">
+            <a:schemeClr val="accent3"/>
+          </a:effectRef>
+          <a:fontRef idx="minor">
+            <a:schemeClr val="dk1"/>
+          </a:fontRef>
+        </p:style>
+        <p:txBody>
+          <a:bodyPr wrap="square" rtlCol="0">
+            <a:spAutoFit/>
+          </a:bodyPr>
+          <a:lstStyle/>
+          <a:p>
+            <a:r>
+              <a:rPr lang="en-GB" sz="1200" dirty="0">
+                <a:latin typeface="+mj-lt"/>
+              </a:rPr>
+              <a:t>Now using Spark 3.0. Cluster currency/stability/cost. Delta Optimize missing.</a:t>
+            </a:r>
+            <a:endParaRPr lang="en-US" sz="1200" dirty="0">
+              <a:latin typeface="+mj-lt"/>
+            </a:endParaRPr>
+          </a:p>
+        </p:txBody>
+      </p:sp>
+      <p:sp>
+        <p:nvSpPr>
+          <p:cNvPr id="91" name="TextBox 90">
+            <a:extLst>
+              <a:ext uri="{FF2B5EF4-FFF2-40B4-BE49-F238E27FC236}">
+                <a16:creationId xmlns:a16="http://schemas.microsoft.com/office/drawing/2014/main" id="{0B49A8B5-2EEB-4663-8FE9-268BF455BCE8}"/>
+              </a:ext>
+            </a:extLst>
+          </p:cNvPr>
+          <p:cNvSpPr txBox="1"/>
+          <p:nvPr/>
+        </p:nvSpPr>
+        <p:spPr>
+          <a:xfrm>
+            <a:off x="6188030" y="1441426"/>
+            <a:ext cx="5113022" cy="276999"/>
+          </a:xfrm>
+          <a:prstGeom prst="rect">
+            <a:avLst/>
+          </a:prstGeom>
+          <a:noFill/>
+          <a:ln>
+            <a:noFill/>
+          </a:ln>
+        </p:spPr>
+        <p:style>
+          <a:lnRef idx="2">
+            <a:schemeClr val="accent3"/>
+          </a:lnRef>
+          <a:fillRef idx="1">
+            <a:schemeClr val="lt1"/>
+          </a:fillRef>
+          <a:effectRef idx="0">
+            <a:schemeClr val="accent3"/>
+          </a:effectRef>
+          <a:fontRef idx="minor">
+            <a:schemeClr val="dk1"/>
+          </a:fontRef>
+        </p:style>
+        <p:txBody>
+          <a:bodyPr wrap="square" rtlCol="0">
+            <a:spAutoFit/>
+          </a:bodyPr>
+          <a:lstStyle/>
+          <a:p>
+            <a:r>
+              <a:rPr lang="en-GB" sz="1200" dirty="0">
+                <a:latin typeface="+mj-lt"/>
+              </a:rPr>
+              <a:t>Workspace integration unstable. Disconnected DevOps. No cross tenant support.</a:t>
+            </a:r>
+            <a:endParaRPr lang="en-US" sz="1200" dirty="0">
+              <a:latin typeface="+mj-lt"/>
+            </a:endParaRPr>
+          </a:p>
+        </p:txBody>
+      </p:sp>
+      <p:sp>
+        <p:nvSpPr>
+          <p:cNvPr id="92" name="TextBox 91">
+            <a:extLst>
+              <a:ext uri="{FF2B5EF4-FFF2-40B4-BE49-F238E27FC236}">
+                <a16:creationId xmlns:a16="http://schemas.microsoft.com/office/drawing/2014/main" id="{D9B532E1-62F0-47A1-B77D-3E8EA7FF53BF}"/>
+              </a:ext>
+            </a:extLst>
+          </p:cNvPr>
+          <p:cNvSpPr txBox="1"/>
+          <p:nvPr/>
+        </p:nvSpPr>
+        <p:spPr>
+          <a:xfrm>
+            <a:off x="6188030" y="514217"/>
+            <a:ext cx="5113028" cy="276999"/>
+          </a:xfrm>
+          <a:prstGeom prst="rect">
+            <a:avLst/>
+          </a:prstGeom>
+          <a:noFill/>
+          <a:ln>
+            <a:noFill/>
+          </a:ln>
+        </p:spPr>
+        <p:style>
+          <a:lnRef idx="2">
+            <a:schemeClr val="accent3"/>
+          </a:lnRef>
+          <a:fillRef idx="1">
+            <a:schemeClr val="lt1"/>
+          </a:fillRef>
+          <a:effectRef idx="0">
+            <a:schemeClr val="accent3"/>
+          </a:effectRef>
+          <a:fontRef idx="minor">
+            <a:schemeClr val="dk1"/>
+          </a:fontRef>
+        </p:style>
+        <p:txBody>
+          <a:bodyPr wrap="square" rtlCol="0">
+            <a:spAutoFit/>
+          </a:bodyPr>
+          <a:lstStyle/>
+          <a:p>
+            <a:r>
+              <a:rPr lang="en-GB" sz="1200" dirty="0">
+                <a:latin typeface="+mj-lt"/>
+              </a:rPr>
+              <a:t>Deployment approach needs custom build. Security model roles still in preview.</a:t>
+            </a:r>
+          </a:p>
+        </p:txBody>
+      </p:sp>
+      <p:sp>
+        <p:nvSpPr>
+          <p:cNvPr id="93" name="TextBox 92">
+            <a:extLst>
+              <a:ext uri="{FF2B5EF4-FFF2-40B4-BE49-F238E27FC236}">
+                <a16:creationId xmlns:a16="http://schemas.microsoft.com/office/drawing/2014/main" id="{D2BDADF3-EEA8-4785-87ED-BC620FE900CA}"/>
+              </a:ext>
+            </a:extLst>
+          </p:cNvPr>
+          <p:cNvSpPr txBox="1"/>
+          <p:nvPr/>
+        </p:nvSpPr>
+        <p:spPr>
+          <a:xfrm>
+            <a:off x="6188231" y="4152656"/>
+            <a:ext cx="4782331" cy="276999"/>
+          </a:xfrm>
+          <a:prstGeom prst="rect">
+            <a:avLst/>
+          </a:prstGeom>
+          <a:noFill/>
+          <a:ln>
+            <a:noFill/>
+          </a:ln>
+        </p:spPr>
+        <p:style>
+          <a:lnRef idx="2">
+            <a:schemeClr val="accent3"/>
+          </a:lnRef>
+          <a:fillRef idx="1">
+            <a:schemeClr val="lt1"/>
+          </a:fillRef>
+          <a:effectRef idx="0">
+            <a:schemeClr val="accent3"/>
+          </a:effectRef>
+          <a:fontRef idx="minor">
+            <a:schemeClr val="dk1"/>
+          </a:fontRef>
+        </p:style>
+        <p:txBody>
+          <a:bodyPr wrap="square" rtlCol="0">
+            <a:spAutoFit/>
+          </a:bodyPr>
+          <a:lstStyle/>
+          <a:p>
+            <a:r>
+              <a:rPr lang="en-GB" sz="1200" dirty="0">
+                <a:latin typeface="+mj-lt"/>
+              </a:rPr>
+              <a:t>Lots of methods missing. Incomplete permissions model.</a:t>
+            </a:r>
+            <a:endParaRPr lang="en-US" sz="1200" dirty="0">
+              <a:latin typeface="+mj-lt"/>
+            </a:endParaRPr>
+          </a:p>
+        </p:txBody>
+      </p:sp>
+      <p:sp>
+        <p:nvSpPr>
+          <p:cNvPr id="94" name="TextBox 93">
+            <a:extLst>
+              <a:ext uri="{FF2B5EF4-FFF2-40B4-BE49-F238E27FC236}">
+                <a16:creationId xmlns:a16="http://schemas.microsoft.com/office/drawing/2014/main" id="{DAF2A325-BBB5-4203-82B3-073B971BD292}"/>
+              </a:ext>
+            </a:extLst>
+          </p:cNvPr>
+          <p:cNvSpPr txBox="1"/>
+          <p:nvPr/>
+        </p:nvSpPr>
+        <p:spPr>
+          <a:xfrm>
+            <a:off x="6188030" y="6001541"/>
+            <a:ext cx="5919998" cy="276999"/>
+          </a:xfrm>
+          <a:prstGeom prst="rect">
+            <a:avLst/>
+          </a:prstGeom>
+          <a:noFill/>
+          <a:ln>
+            <a:noFill/>
+          </a:ln>
+        </p:spPr>
+        <p:style>
+          <a:lnRef idx="2">
+            <a:schemeClr val="accent3"/>
+          </a:lnRef>
+          <a:fillRef idx="1">
+            <a:schemeClr val="lt1"/>
+          </a:fillRef>
+          <a:effectRef idx="0">
+            <a:schemeClr val="accent3"/>
+          </a:effectRef>
+          <a:fontRef idx="minor">
+            <a:schemeClr val="dk1"/>
+          </a:fontRef>
+        </p:style>
+        <p:txBody>
+          <a:bodyPr wrap="square" rtlCol="0">
+            <a:spAutoFit/>
+          </a:bodyPr>
+          <a:lstStyle/>
+          <a:p>
+            <a:r>
+              <a:rPr lang="en-GB" sz="1200" dirty="0">
+                <a:latin typeface="+mj-lt"/>
+              </a:rPr>
+              <a:t>New ComosDB instances only. Not all ComosDB API’s types supported.</a:t>
+            </a:r>
+            <a:endParaRPr lang="en-US" sz="1200" dirty="0">
+              <a:latin typeface="+mj-lt"/>
+            </a:endParaRPr>
+          </a:p>
+        </p:txBody>
+      </p:sp>
+      <p:sp>
+        <p:nvSpPr>
+          <p:cNvPr id="95" name="TextBox 94">
+            <a:extLst>
+              <a:ext uri="{FF2B5EF4-FFF2-40B4-BE49-F238E27FC236}">
+                <a16:creationId xmlns:a16="http://schemas.microsoft.com/office/drawing/2014/main" id="{DC407930-549E-412B-95DA-1F38F2DF0702}"/>
+              </a:ext>
+            </a:extLst>
+          </p:cNvPr>
+          <p:cNvSpPr txBox="1"/>
+          <p:nvPr/>
+        </p:nvSpPr>
+        <p:spPr>
+          <a:xfrm>
+            <a:off x="6188231" y="4670664"/>
+            <a:ext cx="5849693" cy="276999"/>
+          </a:xfrm>
+          <a:prstGeom prst="rect">
+            <a:avLst/>
+          </a:prstGeom>
+          <a:noFill/>
+          <a:ln>
+            <a:noFill/>
+          </a:ln>
+        </p:spPr>
+        <p:style>
+          <a:lnRef idx="2">
+            <a:schemeClr val="accent3"/>
+          </a:lnRef>
+          <a:fillRef idx="1">
+            <a:schemeClr val="lt1"/>
+          </a:fillRef>
+          <a:effectRef idx="0">
+            <a:schemeClr val="accent3"/>
+          </a:effectRef>
+          <a:fontRef idx="minor">
+            <a:schemeClr val="dk1"/>
+          </a:fontRef>
+        </p:style>
+        <p:txBody>
+          <a:bodyPr wrap="square" rtlCol="0">
+            <a:spAutoFit/>
+          </a:bodyPr>
+          <a:lstStyle/>
+          <a:p>
+            <a:r>
+              <a:rPr lang="en-GB" sz="1200" dirty="0">
+                <a:latin typeface="+mj-lt"/>
+              </a:rPr>
+              <a:t>NuGet still in Beta, new Beta version added. Classes missing from Namespace.</a:t>
+            </a:r>
+            <a:endParaRPr lang="en-US" sz="1200" dirty="0">
+              <a:latin typeface="+mj-lt"/>
+            </a:endParaRPr>
+          </a:p>
+        </p:txBody>
+      </p:sp>
+      <p:sp>
+        <p:nvSpPr>
+          <p:cNvPr id="96" name="TextBox 95">
+            <a:extLst>
+              <a:ext uri="{FF2B5EF4-FFF2-40B4-BE49-F238E27FC236}">
+                <a16:creationId xmlns:a16="http://schemas.microsoft.com/office/drawing/2014/main" id="{FABBADC2-0119-4C6E-86A5-BBFC889F374F}"/>
+              </a:ext>
+            </a:extLst>
+          </p:cNvPr>
+          <p:cNvSpPr txBox="1"/>
+          <p:nvPr/>
+        </p:nvSpPr>
+        <p:spPr>
+          <a:xfrm>
+            <a:off x="6188006" y="5040927"/>
+            <a:ext cx="5112345" cy="461665"/>
+          </a:xfrm>
+          <a:prstGeom prst="rect">
+            <a:avLst/>
+          </a:prstGeom>
+          <a:noFill/>
+          <a:ln>
+            <a:noFill/>
+          </a:ln>
+        </p:spPr>
+        <p:style>
+          <a:lnRef idx="2">
+            <a:schemeClr val="accent3"/>
+          </a:lnRef>
+          <a:fillRef idx="1">
+            <a:schemeClr val="lt1"/>
+          </a:fillRef>
+          <a:effectRef idx="0">
+            <a:schemeClr val="accent3"/>
+          </a:effectRef>
+          <a:fontRef idx="minor">
+            <a:schemeClr val="dk1"/>
+          </a:fontRef>
+        </p:style>
+        <p:txBody>
+          <a:bodyPr wrap="square" rtlCol="0">
+            <a:spAutoFit/>
+          </a:bodyPr>
+          <a:lstStyle/>
+          <a:p>
+            <a:r>
+              <a:rPr lang="en-GB" sz="1200" dirty="0">
+                <a:latin typeface="+mj-lt"/>
+              </a:rPr>
+              <a:t>Still don’t have a complete set of logs compared to dedicated resource capabilities.</a:t>
+            </a:r>
+            <a:endParaRPr lang="en-US" sz="1200" dirty="0">
+              <a:latin typeface="+mj-lt"/>
+            </a:endParaRPr>
+          </a:p>
+        </p:txBody>
+      </p:sp>
+      <p:sp>
+        <p:nvSpPr>
+          <p:cNvPr id="97" name="TextBox 96">
+            <a:extLst>
+              <a:ext uri="{FF2B5EF4-FFF2-40B4-BE49-F238E27FC236}">
+                <a16:creationId xmlns:a16="http://schemas.microsoft.com/office/drawing/2014/main" id="{97A8584B-3A23-4779-99F0-29064679DB8A}"/>
+              </a:ext>
+            </a:extLst>
+          </p:cNvPr>
+          <p:cNvSpPr txBox="1"/>
+          <p:nvPr/>
+        </p:nvSpPr>
+        <p:spPr>
+          <a:xfrm>
+            <a:off x="6188029" y="5484951"/>
+            <a:ext cx="5113016" cy="461665"/>
+          </a:xfrm>
+          <a:prstGeom prst="rect">
+            <a:avLst/>
+          </a:prstGeom>
+          <a:noFill/>
+          <a:ln>
+            <a:noFill/>
+          </a:ln>
+        </p:spPr>
+        <p:style>
+          <a:lnRef idx="2">
+            <a:schemeClr val="accent3"/>
+          </a:lnRef>
+          <a:fillRef idx="1">
+            <a:schemeClr val="lt1"/>
+          </a:fillRef>
+          <a:effectRef idx="0">
+            <a:schemeClr val="accent3"/>
+          </a:effectRef>
+          <a:fontRef idx="minor">
+            <a:schemeClr val="dk1"/>
+          </a:fontRef>
+        </p:style>
+        <p:txBody>
+          <a:bodyPr wrap="square" rtlCol="0">
+            <a:spAutoFit/>
+          </a:bodyPr>
+          <a:lstStyle/>
+          <a:p>
+            <a:r>
+              <a:rPr lang="en-GB" sz="1200" dirty="0">
+                <a:latin typeface="+mj-lt"/>
+              </a:rPr>
+              <a:t>Need to test full connectivity for all underlying parts of Synapse and check </a:t>
+            </a:r>
+          </a:p>
+          <a:p>
+            <a:r>
+              <a:rPr lang="en-GB" sz="1200" dirty="0">
+                <a:latin typeface="+mj-lt"/>
+              </a:rPr>
+              <a:t>Firewall context.</a:t>
+            </a:r>
+            <a:endParaRPr lang="en-US" sz="1200" dirty="0">
+              <a:latin typeface="+mj-lt"/>
+            </a:endParaRPr>
+          </a:p>
+        </p:txBody>
+      </p:sp>
+      <p:sp>
+        <p:nvSpPr>
+          <p:cNvPr id="98" name="TextBox 97">
+            <a:extLst>
+              <a:ext uri="{FF2B5EF4-FFF2-40B4-BE49-F238E27FC236}">
+                <a16:creationId xmlns:a16="http://schemas.microsoft.com/office/drawing/2014/main" id="{AF3B3741-A6E8-4B0E-BBA2-DEF9D97DF480}"/>
+              </a:ext>
+            </a:extLst>
+          </p:cNvPr>
+          <p:cNvSpPr txBox="1"/>
+          <p:nvPr/>
+        </p:nvSpPr>
+        <p:spPr>
+          <a:xfrm>
+            <a:off x="6188030" y="6488462"/>
+            <a:ext cx="4695979" cy="276999"/>
+          </a:xfrm>
+          <a:prstGeom prst="rect">
+            <a:avLst/>
+          </a:prstGeom>
+          <a:noFill/>
+          <a:ln>
+            <a:noFill/>
+          </a:ln>
+        </p:spPr>
+        <p:style>
+          <a:lnRef idx="2">
+            <a:schemeClr val="accent3"/>
+          </a:lnRef>
+          <a:fillRef idx="1">
+            <a:schemeClr val="lt1"/>
+          </a:fillRef>
+          <a:effectRef idx="0">
+            <a:schemeClr val="accent3"/>
+          </a:effectRef>
+          <a:fontRef idx="minor">
+            <a:schemeClr val="dk1"/>
+          </a:fontRef>
+        </p:style>
+        <p:txBody>
+          <a:bodyPr wrap="square" rtlCol="0">
+            <a:spAutoFit/>
+          </a:bodyPr>
+          <a:lstStyle/>
+          <a:p>
+            <a:r>
+              <a:rPr lang="en-GB" sz="1200" dirty="0">
+                <a:latin typeface="+mj-lt"/>
+              </a:rPr>
+              <a:t>Still in preview. Roadmap unclear.</a:t>
+            </a:r>
+            <a:endParaRPr lang="en-US" sz="1200" dirty="0">
+              <a:latin typeface="+mj-lt"/>
+            </a:endParaRPr>
+          </a:p>
+        </p:txBody>
+      </p:sp>
+      <p:sp>
+        <p:nvSpPr>
+          <p:cNvPr id="99" name="TextBox 98">
+            <a:extLst>
+              <a:ext uri="{FF2B5EF4-FFF2-40B4-BE49-F238E27FC236}">
+                <a16:creationId xmlns:a16="http://schemas.microsoft.com/office/drawing/2014/main" id="{B4F9FB35-4303-4C28-B294-9B068EC1C570}"/>
+              </a:ext>
+            </a:extLst>
+          </p:cNvPr>
+          <p:cNvSpPr txBox="1"/>
+          <p:nvPr/>
+        </p:nvSpPr>
+        <p:spPr>
+          <a:xfrm>
+            <a:off x="6188030" y="2840327"/>
+            <a:ext cx="6003970" cy="276999"/>
+          </a:xfrm>
+          <a:prstGeom prst="rect">
+            <a:avLst/>
+          </a:prstGeom>
+          <a:noFill/>
+          <a:ln>
+            <a:noFill/>
+          </a:ln>
+        </p:spPr>
+        <p:style>
+          <a:lnRef idx="2">
+            <a:schemeClr val="accent3"/>
+          </a:lnRef>
+          <a:fillRef idx="1">
+            <a:schemeClr val="lt1"/>
+          </a:fillRef>
+          <a:effectRef idx="0">
+            <a:schemeClr val="accent3"/>
+          </a:effectRef>
+          <a:fontRef idx="minor">
+            <a:schemeClr val="dk1"/>
+          </a:fontRef>
+        </p:style>
+        <p:txBody>
+          <a:bodyPr wrap="square" rtlCol="0">
+            <a:spAutoFit/>
+          </a:bodyPr>
+          <a:lstStyle/>
+          <a:p>
+            <a:r>
+              <a:rPr lang="en-GB" sz="1200" dirty="0">
+                <a:latin typeface="+mj-lt"/>
+              </a:rPr>
+              <a:t>Concurrency limits for resource classes still apply. </a:t>
+            </a:r>
+            <a:r>
+              <a:rPr lang="en-GB" sz="1200" dirty="0">
+                <a:latin typeface="+mj-lt"/>
+                <a:hlinkClick r:id="rId19"/>
+              </a:rPr>
+              <a:t>docs.microsoft</a:t>
+            </a:r>
+            <a:endParaRPr lang="en-US" sz="1200" dirty="0">
+              <a:latin typeface="+mj-lt"/>
+            </a:endParaRPr>
+          </a:p>
+        </p:txBody>
+      </p:sp>
+      <p:sp>
+        <p:nvSpPr>
+          <p:cNvPr id="100" name="TextBox 99">
+            <a:extLst>
+              <a:ext uri="{FF2B5EF4-FFF2-40B4-BE49-F238E27FC236}">
+                <a16:creationId xmlns:a16="http://schemas.microsoft.com/office/drawing/2014/main" id="{A714520D-15C4-498C-8BCD-DC3D16C1E560}"/>
+              </a:ext>
+            </a:extLst>
+          </p:cNvPr>
+          <p:cNvSpPr txBox="1"/>
+          <p:nvPr/>
+        </p:nvSpPr>
+        <p:spPr>
+          <a:xfrm>
+            <a:off x="6188030" y="3293981"/>
+            <a:ext cx="6003970" cy="276999"/>
+          </a:xfrm>
+          <a:prstGeom prst="rect">
+            <a:avLst/>
+          </a:prstGeom>
+          <a:noFill/>
+          <a:ln>
+            <a:noFill/>
+          </a:ln>
+        </p:spPr>
+        <p:style>
+          <a:lnRef idx="2">
+            <a:schemeClr val="accent3"/>
+          </a:lnRef>
+          <a:fillRef idx="1">
+            <a:schemeClr val="lt1"/>
+          </a:fillRef>
+          <a:effectRef idx="0">
+            <a:schemeClr val="accent3"/>
+          </a:effectRef>
+          <a:fontRef idx="minor">
+            <a:schemeClr val="dk1"/>
+          </a:fontRef>
+        </p:style>
+        <p:txBody>
+          <a:bodyPr wrap="square" rtlCol="0">
+            <a:spAutoFit/>
+          </a:bodyPr>
+          <a:lstStyle/>
+          <a:p>
+            <a:r>
+              <a:rPr lang="en-GB" sz="1200" dirty="0">
+                <a:latin typeface="+mj-lt"/>
+              </a:rPr>
+              <a:t>Uses Spark compute pools. New transforms added. Feature parity with ADF.</a:t>
+            </a:r>
+            <a:endParaRPr lang="en-US" sz="1200" dirty="0">
+              <a:latin typeface="+mj-lt"/>
+            </a:endParaRPr>
+          </a:p>
+        </p:txBody>
+      </p:sp>
+      <p:sp>
+        <p:nvSpPr>
+          <p:cNvPr id="101" name="TextBox 100">
+            <a:extLst>
+              <a:ext uri="{FF2B5EF4-FFF2-40B4-BE49-F238E27FC236}">
+                <a16:creationId xmlns:a16="http://schemas.microsoft.com/office/drawing/2014/main" id="{1570D67D-5797-493D-9238-9DF55E4E9B1C}"/>
+              </a:ext>
+            </a:extLst>
+          </p:cNvPr>
+          <p:cNvSpPr txBox="1"/>
+          <p:nvPr/>
+        </p:nvSpPr>
+        <p:spPr>
+          <a:xfrm>
+            <a:off x="6188030" y="880992"/>
+            <a:ext cx="5113032" cy="461665"/>
+          </a:xfrm>
+          <a:prstGeom prst="rect">
+            <a:avLst/>
+          </a:prstGeom>
+          <a:noFill/>
+          <a:ln>
+            <a:noFill/>
+          </a:ln>
+        </p:spPr>
+        <p:style>
+          <a:lnRef idx="2">
+            <a:schemeClr val="accent3"/>
+          </a:lnRef>
+          <a:fillRef idx="1">
+            <a:schemeClr val="lt1"/>
+          </a:fillRef>
+          <a:effectRef idx="0">
+            <a:schemeClr val="accent3"/>
+          </a:effectRef>
+          <a:fontRef idx="minor">
+            <a:schemeClr val="dk1"/>
+          </a:fontRef>
+        </p:style>
+        <p:txBody>
+          <a:bodyPr wrap="square" rtlCol="0">
+            <a:spAutoFit/>
+          </a:bodyPr>
+          <a:lstStyle/>
+          <a:p>
+            <a:r>
+              <a:rPr lang="en-GB" sz="1200" dirty="0">
+                <a:latin typeface="+mj-lt"/>
+              </a:rPr>
+              <a:t>Consider permissions and integration if used as the metadata store and </a:t>
+            </a:r>
+          </a:p>
+          <a:p>
+            <a:r>
+              <a:rPr lang="en-GB" sz="1200" dirty="0">
+                <a:latin typeface="+mj-lt"/>
+              </a:rPr>
+              <a:t>main data store.</a:t>
+            </a:r>
+            <a:endParaRPr lang="en-US" sz="1200" dirty="0">
+              <a:latin typeface="+mj-lt"/>
+            </a:endParaRPr>
+          </a:p>
+        </p:txBody>
+      </p:sp>
+      <p:pic>
+        <p:nvPicPr>
+          <p:cNvPr id="113" name="Picture 112">
+            <a:extLst>
+              <a:ext uri="{FF2B5EF4-FFF2-40B4-BE49-F238E27FC236}">
+                <a16:creationId xmlns:a16="http://schemas.microsoft.com/office/drawing/2014/main" id="{764B5D22-6B03-4C14-AA7A-B2557BC06B2D}"/>
+              </a:ext>
+            </a:extLst>
+          </p:cNvPr>
+          <p:cNvPicPr>
+            <a:picLocks noChangeAspect="1"/>
+          </p:cNvPicPr>
+          <p:nvPr/>
+        </p:nvPicPr>
+        <p:blipFill rotWithShape="1">
+          <a:blip r:embed="rId17"/>
+          <a:srcRect l="37217" r="35553" b="29227"/>
+          <a:stretch/>
+        </p:blipFill>
+        <p:spPr>
+          <a:xfrm rot="16200000">
+            <a:off x="256536" y="5973532"/>
+            <a:ext cx="177651" cy="488130"/>
+          </a:xfrm>
+          <a:prstGeom prst="rect">
+            <a:avLst/>
+          </a:prstGeom>
+        </p:spPr>
+      </p:pic>
+      <p:pic>
+        <p:nvPicPr>
+          <p:cNvPr id="114" name="Picture 113">
+            <a:extLst>
+              <a:ext uri="{FF2B5EF4-FFF2-40B4-BE49-F238E27FC236}">
+                <a16:creationId xmlns:a16="http://schemas.microsoft.com/office/drawing/2014/main" id="{0E7F25B9-DB9D-4E28-B254-95C59F23F26E}"/>
+              </a:ext>
+            </a:extLst>
+          </p:cNvPr>
+          <p:cNvPicPr>
+            <a:picLocks noChangeAspect="1"/>
+          </p:cNvPicPr>
+          <p:nvPr/>
+        </p:nvPicPr>
+        <p:blipFill rotWithShape="1">
+          <a:blip r:embed="rId17"/>
+          <a:srcRect l="73639" b="29227"/>
+          <a:stretch/>
+        </p:blipFill>
+        <p:spPr>
+          <a:xfrm rot="16200000">
+            <a:off x="259370" y="6199456"/>
+            <a:ext cx="171984" cy="488129"/>
+          </a:xfrm>
+          <a:prstGeom prst="rect">
+            <a:avLst/>
+          </a:prstGeom>
+        </p:spPr>
+      </p:pic>
+      <p:pic>
+        <p:nvPicPr>
+          <p:cNvPr id="115" name="Picture 114">
+            <a:extLst>
+              <a:ext uri="{FF2B5EF4-FFF2-40B4-BE49-F238E27FC236}">
+                <a16:creationId xmlns:a16="http://schemas.microsoft.com/office/drawing/2014/main" id="{DA9905DE-73E5-4A2F-9B8C-C4DA9DC19490}"/>
+              </a:ext>
+            </a:extLst>
+          </p:cNvPr>
+          <p:cNvPicPr>
+            <a:picLocks noChangeAspect="1"/>
+          </p:cNvPicPr>
+          <p:nvPr/>
+        </p:nvPicPr>
+        <p:blipFill rotWithShape="1">
+          <a:blip r:embed="rId17"/>
+          <a:srcRect l="873" r="71897" b="29227"/>
+          <a:stretch/>
+        </p:blipFill>
+        <p:spPr>
+          <a:xfrm rot="16200000">
+            <a:off x="250743" y="6423856"/>
+            <a:ext cx="177651" cy="488131"/>
+          </a:xfrm>
+          <a:prstGeom prst="rect">
+            <a:avLst/>
+          </a:prstGeom>
+        </p:spPr>
+      </p:pic>
+      <p:sp>
+        <p:nvSpPr>
+          <p:cNvPr id="116" name="TextBox 115">
+            <a:extLst>
+              <a:ext uri="{FF2B5EF4-FFF2-40B4-BE49-F238E27FC236}">
+                <a16:creationId xmlns:a16="http://schemas.microsoft.com/office/drawing/2014/main" id="{25BAD712-ADE7-44E9-807E-E9A60B092A6B}"/>
+              </a:ext>
+            </a:extLst>
+          </p:cNvPr>
+          <p:cNvSpPr txBox="1"/>
+          <p:nvPr/>
+        </p:nvSpPr>
+        <p:spPr>
+          <a:xfrm>
+            <a:off x="587744" y="6063131"/>
+            <a:ext cx="683238" cy="307777"/>
+          </a:xfrm>
+          <a:prstGeom prst="rect">
+            <a:avLst/>
+          </a:prstGeom>
+          <a:noFill/>
+        </p:spPr>
+        <p:txBody>
+          <a:bodyPr wrap="square" rtlCol="0">
+            <a:spAutoFit/>
+          </a:bodyPr>
+          <a:lstStyle/>
+          <a:p>
+            <a:r>
+              <a:rPr lang="en-GB" sz="1400" dirty="0">
+                <a:latin typeface="+mj-lt"/>
+              </a:rPr>
+              <a:t>= 4</a:t>
+            </a:r>
+            <a:endParaRPr lang="en-US" sz="1400" dirty="0">
+              <a:latin typeface="+mj-lt"/>
+            </a:endParaRPr>
+          </a:p>
+        </p:txBody>
+      </p:sp>
+      <p:sp>
+        <p:nvSpPr>
+          <p:cNvPr id="117" name="TextBox 116">
+            <a:extLst>
+              <a:ext uri="{FF2B5EF4-FFF2-40B4-BE49-F238E27FC236}">
+                <a16:creationId xmlns:a16="http://schemas.microsoft.com/office/drawing/2014/main" id="{785E018D-1AE5-4958-92CE-BA6EAE8FB2A3}"/>
+              </a:ext>
+            </a:extLst>
+          </p:cNvPr>
+          <p:cNvSpPr txBox="1"/>
+          <p:nvPr/>
+        </p:nvSpPr>
+        <p:spPr>
+          <a:xfrm>
+            <a:off x="587745" y="6297100"/>
+            <a:ext cx="683236" cy="307777"/>
+          </a:xfrm>
+          <a:prstGeom prst="rect">
+            <a:avLst/>
+          </a:prstGeom>
+          <a:noFill/>
+        </p:spPr>
+        <p:txBody>
+          <a:bodyPr wrap="square" rtlCol="0">
+            <a:spAutoFit/>
+          </a:bodyPr>
+          <a:lstStyle/>
+          <a:p>
+            <a:r>
+              <a:rPr lang="en-GB" sz="1400" dirty="0">
+                <a:latin typeface="+mj-lt"/>
+              </a:rPr>
+              <a:t>= 7</a:t>
+            </a:r>
+            <a:endParaRPr lang="en-US" sz="1400" dirty="0">
+              <a:latin typeface="+mj-lt"/>
+            </a:endParaRPr>
+          </a:p>
+        </p:txBody>
+      </p:sp>
+      <p:sp>
+        <p:nvSpPr>
+          <p:cNvPr id="118" name="TextBox 117">
+            <a:extLst>
+              <a:ext uri="{FF2B5EF4-FFF2-40B4-BE49-F238E27FC236}">
+                <a16:creationId xmlns:a16="http://schemas.microsoft.com/office/drawing/2014/main" id="{B3E23DA4-C68F-407F-B125-CBDC136EFCC9}"/>
+              </a:ext>
+            </a:extLst>
+          </p:cNvPr>
+          <p:cNvSpPr txBox="1"/>
+          <p:nvPr/>
+        </p:nvSpPr>
+        <p:spPr>
+          <a:xfrm>
+            <a:off x="587745" y="6518262"/>
+            <a:ext cx="674922" cy="307777"/>
+          </a:xfrm>
+          <a:prstGeom prst="rect">
+            <a:avLst/>
+          </a:prstGeom>
+          <a:noFill/>
+        </p:spPr>
+        <p:txBody>
+          <a:bodyPr wrap="square" rtlCol="0">
+            <a:spAutoFit/>
+          </a:bodyPr>
+          <a:lstStyle/>
+          <a:p>
+            <a:r>
+              <a:rPr lang="en-GB" sz="1400" dirty="0">
+                <a:latin typeface="+mj-lt"/>
+              </a:rPr>
+              <a:t>= 3</a:t>
+            </a:r>
+            <a:endParaRPr lang="en-US" sz="1400" dirty="0">
+              <a:latin typeface="+mj-lt"/>
+            </a:endParaRPr>
+          </a:p>
+        </p:txBody>
+      </p:sp>
+      <p:sp>
+        <p:nvSpPr>
+          <p:cNvPr id="119" name="TextBox 118">
+            <a:extLst>
+              <a:ext uri="{FF2B5EF4-FFF2-40B4-BE49-F238E27FC236}">
+                <a16:creationId xmlns:a16="http://schemas.microsoft.com/office/drawing/2014/main" id="{9346B3DC-DD36-43AB-B323-775CAB5B4E24}"/>
+              </a:ext>
+            </a:extLst>
+          </p:cNvPr>
+          <p:cNvSpPr txBox="1"/>
+          <p:nvPr/>
+        </p:nvSpPr>
+        <p:spPr>
+          <a:xfrm>
+            <a:off x="0" y="5790349"/>
+            <a:ext cx="970283" cy="307777"/>
+          </a:xfrm>
+          <a:prstGeom prst="rect">
+            <a:avLst/>
+          </a:prstGeom>
+          <a:noFill/>
+        </p:spPr>
+        <p:txBody>
+          <a:bodyPr wrap="square" rtlCol="0">
+            <a:spAutoFit/>
+          </a:bodyPr>
+          <a:lstStyle/>
+          <a:p>
+            <a:r>
+              <a:rPr lang="en-GB" sz="1400" b="1" dirty="0">
+                <a:latin typeface="+mj-lt"/>
+              </a:rPr>
+              <a:t>Summary</a:t>
+            </a:r>
+            <a:endParaRPr lang="en-US" sz="1400" b="1" dirty="0">
+              <a:latin typeface="+mj-lt"/>
+            </a:endParaRPr>
+          </a:p>
+        </p:txBody>
+      </p:sp>
+      <p:sp>
+        <p:nvSpPr>
+          <p:cNvPr id="120" name="TextBox 119">
+            <a:extLst>
+              <a:ext uri="{FF2B5EF4-FFF2-40B4-BE49-F238E27FC236}">
+                <a16:creationId xmlns:a16="http://schemas.microsoft.com/office/drawing/2014/main" id="{E19D50EF-EF67-48FD-932E-5165A57E5A32}"/>
+              </a:ext>
+            </a:extLst>
+          </p:cNvPr>
+          <p:cNvSpPr txBox="1"/>
+          <p:nvPr/>
+        </p:nvSpPr>
+        <p:spPr>
+          <a:xfrm>
+            <a:off x="13964" y="3156608"/>
+            <a:ext cx="1822484" cy="1077218"/>
+          </a:xfrm>
+          <a:prstGeom prst="rect">
+            <a:avLst/>
+          </a:prstGeom>
+          <a:noFill/>
+        </p:spPr>
+        <p:txBody>
+          <a:bodyPr wrap="square" rtlCol="0">
+            <a:spAutoFit/>
+          </a:bodyPr>
+          <a:lstStyle/>
+          <a:p>
+            <a:pPr algn="ctr"/>
+            <a:r>
+              <a:rPr lang="en-GB" sz="1600" i="1" dirty="0">
+                <a:latin typeface="+mj-lt"/>
+              </a:rPr>
+              <a:t>Paul’s view on features.</a:t>
+            </a:r>
+          </a:p>
+          <a:p>
+            <a:pPr algn="ctr"/>
+            <a:endParaRPr lang="en-GB" sz="1600" i="1" dirty="0">
+              <a:latin typeface="+mj-lt"/>
+            </a:endParaRPr>
+          </a:p>
+          <a:p>
+            <a:pPr algn="ctr"/>
+            <a:r>
+              <a:rPr lang="en-GB" sz="1600" i="1" u="sng" dirty="0">
+                <a:latin typeface="+mj-lt"/>
+              </a:rPr>
+              <a:t>As of 28</a:t>
+            </a:r>
+            <a:r>
+              <a:rPr lang="en-GB" sz="1600" i="1" u="sng" baseline="30000" dirty="0">
+                <a:latin typeface="+mj-lt"/>
+              </a:rPr>
+              <a:t>th</a:t>
+            </a:r>
+            <a:r>
+              <a:rPr lang="en-GB" sz="1600" i="1" u="sng" dirty="0">
+                <a:latin typeface="+mj-lt"/>
+              </a:rPr>
+              <a:t> May 2021</a:t>
+            </a:r>
+          </a:p>
+        </p:txBody>
+      </p:sp>
+      <p:pic>
+        <p:nvPicPr>
+          <p:cNvPr id="84" name="Picture 83">
+            <a:extLst>
+              <a:ext uri="{FF2B5EF4-FFF2-40B4-BE49-F238E27FC236}">
+                <a16:creationId xmlns:a16="http://schemas.microsoft.com/office/drawing/2014/main" id="{FFF8BC20-D519-4077-850D-D15FEE154B04}"/>
+              </a:ext>
+            </a:extLst>
+          </p:cNvPr>
+          <p:cNvPicPr>
+            <a:picLocks noChangeAspect="1"/>
+          </p:cNvPicPr>
+          <p:nvPr/>
+        </p:nvPicPr>
+        <p:blipFill rotWithShape="1">
+          <a:blip r:embed="rId17"/>
+          <a:srcRect l="73639" b="29227"/>
+          <a:stretch/>
+        </p:blipFill>
+        <p:spPr>
+          <a:xfrm rot="16200000">
+            <a:off x="5639731" y="5462741"/>
+            <a:ext cx="171984" cy="488129"/>
+          </a:xfrm>
+          <a:prstGeom prst="rect">
+            <a:avLst/>
+          </a:prstGeom>
+        </p:spPr>
+      </p:pic>
+      <p:pic>
+        <p:nvPicPr>
+          <p:cNvPr id="83" name="Picture 82">
+            <a:extLst>
+              <a:ext uri="{FF2B5EF4-FFF2-40B4-BE49-F238E27FC236}">
+                <a16:creationId xmlns:a16="http://schemas.microsoft.com/office/drawing/2014/main" id="{F8B84753-8411-4D75-8FA9-76E9386FF771}"/>
+              </a:ext>
+            </a:extLst>
+          </p:cNvPr>
+          <p:cNvPicPr>
+            <a:picLocks noChangeAspect="1"/>
+          </p:cNvPicPr>
+          <p:nvPr/>
+        </p:nvPicPr>
+        <p:blipFill rotWithShape="1">
+          <a:blip r:embed="rId17"/>
+          <a:srcRect l="37217" r="35553" b="29227"/>
+          <a:stretch/>
+        </p:blipFill>
+        <p:spPr>
+          <a:xfrm rot="16200000">
+            <a:off x="5641603" y="2215884"/>
+            <a:ext cx="177651" cy="488130"/>
+          </a:xfrm>
+          <a:prstGeom prst="rect">
+            <a:avLst/>
+          </a:prstGeom>
+        </p:spPr>
+      </p:pic>
+      <p:sp>
+        <p:nvSpPr>
+          <p:cNvPr id="86" name="TextBox 85">
+            <a:extLst>
+              <a:ext uri="{FF2B5EF4-FFF2-40B4-BE49-F238E27FC236}">
+                <a16:creationId xmlns:a16="http://schemas.microsoft.com/office/drawing/2014/main" id="{310B8E22-361D-4337-A7B9-0E7E93C16CD1}"/>
+              </a:ext>
+            </a:extLst>
+          </p:cNvPr>
+          <p:cNvSpPr txBox="1"/>
+          <p:nvPr/>
+        </p:nvSpPr>
+        <p:spPr>
+          <a:xfrm>
+            <a:off x="11250893" y="24188"/>
+            <a:ext cx="996168" cy="369332"/>
+          </a:xfrm>
+          <a:prstGeom prst="rect">
+            <a:avLst/>
+          </a:prstGeom>
+          <a:noFill/>
+        </p:spPr>
+        <p:txBody>
+          <a:bodyPr wrap="square" rtlCol="0">
+            <a:spAutoFit/>
+          </a:bodyPr>
+          <a:lstStyle/>
+          <a:p>
+            <a:r>
+              <a:rPr lang="en-GB" b="1" dirty="0">
+                <a:latin typeface="+mj-lt"/>
+              </a:rPr>
+              <a:t>Updates</a:t>
+            </a:r>
+            <a:endParaRPr lang="en-US" b="1" dirty="0">
+              <a:latin typeface="+mj-lt"/>
+            </a:endParaRPr>
+          </a:p>
+        </p:txBody>
+      </p:sp>
+      <p:cxnSp>
+        <p:nvCxnSpPr>
+          <p:cNvPr id="87" name="Straight Connector 86">
+            <a:extLst>
+              <a:ext uri="{FF2B5EF4-FFF2-40B4-BE49-F238E27FC236}">
+                <a16:creationId xmlns:a16="http://schemas.microsoft.com/office/drawing/2014/main" id="{351821B3-E2AB-4AF0-B831-C1E9BD80E81E}"/>
+              </a:ext>
+            </a:extLst>
+          </p:cNvPr>
+          <p:cNvCxnSpPr>
+            <a:cxnSpLocks/>
+          </p:cNvCxnSpPr>
+          <p:nvPr/>
+        </p:nvCxnSpPr>
+        <p:spPr>
+          <a:xfrm>
+            <a:off x="11301068" y="-10"/>
+            <a:ext cx="0" cy="6858000"/>
+          </a:xfrm>
+          <a:prstGeom prst="line">
+            <a:avLst/>
+          </a:prstGeom>
+        </p:spPr>
+        <p:style>
+          <a:lnRef idx="1">
+            <a:schemeClr val="accent3"/>
+          </a:lnRef>
+          <a:fillRef idx="0">
+            <a:schemeClr val="accent3"/>
+          </a:fillRef>
+          <a:effectRef idx="0">
+            <a:schemeClr val="accent3"/>
+          </a:effectRef>
+          <a:fontRef idx="minor">
+            <a:schemeClr val="tx1"/>
+          </a:fontRef>
+        </p:style>
+      </p:cxnSp>
+      <p:sp>
+        <p:nvSpPr>
+          <p:cNvPr id="2" name="Arrow: Left 1">
+            <a:extLst>
+              <a:ext uri="{FF2B5EF4-FFF2-40B4-BE49-F238E27FC236}">
+                <a16:creationId xmlns:a16="http://schemas.microsoft.com/office/drawing/2014/main" id="{D24605C0-B2CC-4AB6-B8E7-A475578C4BBE}"/>
+              </a:ext>
+            </a:extLst>
+          </p:cNvPr>
+          <p:cNvSpPr/>
+          <p:nvPr/>
+        </p:nvSpPr>
+        <p:spPr>
+          <a:xfrm>
+            <a:off x="11568849" y="558540"/>
+            <a:ext cx="345728" cy="177641"/>
+          </a:xfrm>
+          <a:prstGeom prst="leftArrow">
+            <a:avLst/>
+          </a:prstGeom>
+        </p:spPr>
+        <p:style>
+          <a:lnRef idx="2">
+            <a:schemeClr val="accent3">
+              <a:shade val="50000"/>
+            </a:schemeClr>
+          </a:lnRef>
+          <a:fillRef idx="1">
+            <a:schemeClr val="accent3"/>
+          </a:fillRef>
+          <a:effectRef idx="0">
+            <a:schemeClr val="accent3"/>
+          </a:effectRef>
+          <a:fontRef idx="minor">
+            <a:schemeClr val="lt1"/>
+          </a:fontRef>
+        </p:style>
+        <p:txBody>
+          <a:bodyPr rtlCol="0" anchor="ctr"/>
+          <a:lstStyle/>
+          <a:p>
+            <a:pPr algn="ctr"/>
+            <a:endParaRPr lang="en-US" dirty="0"/>
+          </a:p>
+        </p:txBody>
+      </p:sp>
+      <p:sp>
+        <p:nvSpPr>
+          <p:cNvPr id="103" name="Arrow: Left 102">
+            <a:extLst>
+              <a:ext uri="{FF2B5EF4-FFF2-40B4-BE49-F238E27FC236}">
+                <a16:creationId xmlns:a16="http://schemas.microsoft.com/office/drawing/2014/main" id="{00BE08CD-72A7-46B5-9517-EB82A5DA9096}"/>
+              </a:ext>
+            </a:extLst>
+          </p:cNvPr>
+          <p:cNvSpPr/>
+          <p:nvPr/>
+        </p:nvSpPr>
+        <p:spPr>
+          <a:xfrm>
+            <a:off x="11568849" y="2394422"/>
+            <a:ext cx="345728" cy="177641"/>
+          </a:xfrm>
+          <a:prstGeom prst="leftArrow">
+            <a:avLst/>
+          </a:prstGeom>
+        </p:spPr>
+        <p:style>
+          <a:lnRef idx="2">
+            <a:schemeClr val="accent3">
+              <a:shade val="50000"/>
+            </a:schemeClr>
+          </a:lnRef>
+          <a:fillRef idx="1">
+            <a:schemeClr val="accent3"/>
+          </a:fillRef>
+          <a:effectRef idx="0">
+            <a:schemeClr val="accent3"/>
+          </a:effectRef>
+          <a:fontRef idx="minor">
+            <a:schemeClr val="lt1"/>
+          </a:fontRef>
+        </p:style>
+        <p:txBody>
+          <a:bodyPr rtlCol="0" anchor="ctr"/>
+          <a:lstStyle/>
+          <a:p>
+            <a:pPr algn="ctr"/>
+            <a:endParaRPr lang="en-US" dirty="0"/>
+          </a:p>
+        </p:txBody>
+      </p:sp>
+      <p:sp>
+        <p:nvSpPr>
+          <p:cNvPr id="104" name="Arrow: Left 103">
+            <a:extLst>
+              <a:ext uri="{FF2B5EF4-FFF2-40B4-BE49-F238E27FC236}">
+                <a16:creationId xmlns:a16="http://schemas.microsoft.com/office/drawing/2014/main" id="{8DE7501F-C314-4D1E-95C9-7CCF8291F6DC}"/>
+              </a:ext>
+            </a:extLst>
+          </p:cNvPr>
+          <p:cNvSpPr/>
+          <p:nvPr/>
+        </p:nvSpPr>
+        <p:spPr>
+          <a:xfrm>
+            <a:off x="11564765" y="1943783"/>
+            <a:ext cx="345728" cy="177641"/>
+          </a:xfrm>
+          <a:prstGeom prst="leftArrow">
+            <a:avLst/>
+          </a:prstGeom>
+        </p:spPr>
+        <p:style>
+          <a:lnRef idx="2">
+            <a:schemeClr val="accent3">
+              <a:shade val="50000"/>
+            </a:schemeClr>
+          </a:lnRef>
+          <a:fillRef idx="1">
+            <a:schemeClr val="accent3"/>
+          </a:fillRef>
+          <a:effectRef idx="0">
+            <a:schemeClr val="accent3"/>
+          </a:effectRef>
+          <a:fontRef idx="minor">
+            <a:schemeClr val="lt1"/>
+          </a:fontRef>
+        </p:style>
+        <p:txBody>
+          <a:bodyPr rtlCol="0" anchor="ctr"/>
+          <a:lstStyle/>
+          <a:p>
+            <a:pPr algn="ctr"/>
+            <a:endParaRPr lang="en-US" dirty="0"/>
+          </a:p>
+        </p:txBody>
+      </p:sp>
+      <p:sp>
+        <p:nvSpPr>
+          <p:cNvPr id="105" name="Arrow: Left 104">
+            <a:extLst>
+              <a:ext uri="{FF2B5EF4-FFF2-40B4-BE49-F238E27FC236}">
+                <a16:creationId xmlns:a16="http://schemas.microsoft.com/office/drawing/2014/main" id="{2CBB8B94-4BF6-4935-BCB2-5486B05D4F93}"/>
+              </a:ext>
+            </a:extLst>
+          </p:cNvPr>
+          <p:cNvSpPr/>
+          <p:nvPr/>
+        </p:nvSpPr>
+        <p:spPr>
+          <a:xfrm>
+            <a:off x="11563267" y="4720342"/>
+            <a:ext cx="345728" cy="177641"/>
+          </a:xfrm>
+          <a:prstGeom prst="leftArrow">
+            <a:avLst/>
+          </a:prstGeom>
+        </p:spPr>
+        <p:style>
+          <a:lnRef idx="2">
+            <a:schemeClr val="accent3">
+              <a:shade val="50000"/>
+            </a:schemeClr>
+          </a:lnRef>
+          <a:fillRef idx="1">
+            <a:schemeClr val="accent3"/>
+          </a:fillRef>
+          <a:effectRef idx="0">
+            <a:schemeClr val="accent3"/>
+          </a:effectRef>
+          <a:fontRef idx="minor">
+            <a:schemeClr val="lt1"/>
+          </a:fontRef>
+        </p:style>
+        <p:txBody>
+          <a:bodyPr rtlCol="0" anchor="ctr"/>
+          <a:lstStyle/>
+          <a:p>
+            <a:pPr algn="ctr"/>
+            <a:endParaRPr lang="en-US" dirty="0"/>
+          </a:p>
+        </p:txBody>
+      </p:sp>
+      <p:sp>
+        <p:nvSpPr>
+          <p:cNvPr id="107" name="Arrow: Left 106">
+            <a:extLst>
+              <a:ext uri="{FF2B5EF4-FFF2-40B4-BE49-F238E27FC236}">
+                <a16:creationId xmlns:a16="http://schemas.microsoft.com/office/drawing/2014/main" id="{02F6DC09-BBA6-4103-A0C6-1A65FD5A0722}"/>
+              </a:ext>
+            </a:extLst>
+          </p:cNvPr>
+          <p:cNvSpPr/>
+          <p:nvPr/>
+        </p:nvSpPr>
+        <p:spPr>
+          <a:xfrm>
+            <a:off x="11563267" y="3342321"/>
+            <a:ext cx="345728" cy="177641"/>
+          </a:xfrm>
+          <a:prstGeom prst="leftArrow">
+            <a:avLst/>
+          </a:prstGeom>
+        </p:spPr>
+        <p:style>
+          <a:lnRef idx="2">
+            <a:schemeClr val="accent3">
+              <a:shade val="50000"/>
+            </a:schemeClr>
+          </a:lnRef>
+          <a:fillRef idx="1">
+            <a:schemeClr val="accent3"/>
+          </a:fillRef>
+          <a:effectRef idx="0">
+            <a:schemeClr val="accent3"/>
+          </a:effectRef>
+          <a:fontRef idx="minor">
+            <a:schemeClr val="lt1"/>
+          </a:fontRef>
+        </p:style>
+        <p:txBody>
+          <a:bodyPr rtlCol="0" anchor="ctr"/>
+          <a:lstStyle/>
+          <a:p>
+            <a:pPr algn="ctr"/>
+            <a:endParaRPr lang="en-US" dirty="0"/>
+          </a:p>
+        </p:txBody>
+      </p:sp>
+      <p:sp>
+        <p:nvSpPr>
+          <p:cNvPr id="108" name="Arrow: Left 107">
+            <a:extLst>
+              <a:ext uri="{FF2B5EF4-FFF2-40B4-BE49-F238E27FC236}">
+                <a16:creationId xmlns:a16="http://schemas.microsoft.com/office/drawing/2014/main" id="{CDA037AC-4E40-4DE9-911B-620AE53D89E7}"/>
+              </a:ext>
+            </a:extLst>
+          </p:cNvPr>
+          <p:cNvSpPr/>
+          <p:nvPr/>
+        </p:nvSpPr>
+        <p:spPr>
+          <a:xfrm>
+            <a:off x="11563267" y="5196284"/>
+            <a:ext cx="345728" cy="177641"/>
+          </a:xfrm>
+          <a:prstGeom prst="leftArrow">
+            <a:avLst/>
+          </a:prstGeom>
+        </p:spPr>
+        <p:style>
+          <a:lnRef idx="2">
+            <a:schemeClr val="accent3">
+              <a:shade val="50000"/>
+            </a:schemeClr>
+          </a:lnRef>
+          <a:fillRef idx="1">
+            <a:schemeClr val="accent3"/>
+          </a:fillRef>
+          <a:effectRef idx="0">
+            <a:schemeClr val="accent3"/>
+          </a:effectRef>
+          <a:fontRef idx="minor">
+            <a:schemeClr val="lt1"/>
+          </a:fontRef>
+        </p:style>
+        <p:txBody>
+          <a:bodyPr rtlCol="0" anchor="ctr"/>
+          <a:lstStyle/>
+          <a:p>
+            <a:pPr algn="ctr"/>
+            <a:endParaRPr lang="en-US" dirty="0"/>
+          </a:p>
+        </p:txBody>
+      </p:sp>
+    </p:spTree>
+    <p:extLst>
+      <p:ext uri="{BB962C8B-B14F-4D97-AF65-F5344CB8AC3E}">
+        <p14:creationId xmlns:p14="http://schemas.microsoft.com/office/powerpoint/2010/main" val="1548896004"/>
+      </p:ext>
+    </p:extLst>
+  </p:cSld>
+  <p:clrMapOvr>
+    <a:masterClrMapping/>
+  </p:clrMapOvr>
+</p:sld>
+</file>
+
+<file path=ppt/slides/slide4.xml><?xml version="1.0" encoding="utf-8"?>
 <p:sld xmlns:a="http://schemas.openxmlformats.org/drawingml/2006/main" xmlns:r="http://schemas.openxmlformats.org/officeDocument/2006/relationships" xmlns:p="http://schemas.openxmlformats.org/presentationml/2006/main">
   <p:cSld>
     <p:bg>
@@ -11635,12 +15401,8 @@
           <a:p>
             <a:pPr algn="l"/>
             <a:r>
-              <a:rPr lang="en-GB" sz="1800" dirty="0" err="1"/>
-              <a:t>VNet</a:t>
-            </a:r>
-            <a:r>
               <a:rPr lang="en-GB" sz="1800" dirty="0"/>
-              <a:t> Integration</a:t>
+              <a:t>VNet Integration</a:t>
             </a:r>
           </a:p>
         </p:txBody>
@@ -13847,6 +17609,3778 @@
     <p:extLst>
       <p:ext uri="{BB962C8B-B14F-4D97-AF65-F5344CB8AC3E}">
         <p14:creationId xmlns:p14="http://schemas.microsoft.com/office/powerpoint/2010/main" val="4217725943"/>
+      </p:ext>
+    </p:extLst>
+  </p:cSld>
+  <p:clrMapOvr>
+    <a:masterClrMapping/>
+  </p:clrMapOvr>
+</p:sld>
+</file>
+
+<file path=ppt/slides/slide5.xml><?xml version="1.0" encoding="utf-8"?>
+<p:sld xmlns:a="http://schemas.openxmlformats.org/drawingml/2006/main" xmlns:r="http://schemas.openxmlformats.org/officeDocument/2006/relationships" xmlns:p="http://schemas.openxmlformats.org/presentationml/2006/main">
+  <p:cSld>
+    <p:bg>
+      <p:bgPr>
+        <a:blipFill dpi="0" rotWithShape="1">
+          <a:blip r:embed="rId2">
+            <a:alphaModFix amt="15000"/>
+            <a:lum/>
+          </a:blip>
+          <a:srcRect/>
+          <a:stretch>
+            <a:fillRect/>
+          </a:stretch>
+        </a:blipFill>
+        <a:effectLst/>
+      </p:bgPr>
+    </p:bg>
+    <p:spTree>
+      <p:nvGrpSpPr>
+        <p:cNvPr id="1" name=""/>
+        <p:cNvGrpSpPr/>
+        <p:nvPr/>
+      </p:nvGrpSpPr>
+      <p:grpSpPr>
+        <a:xfrm>
+          <a:off x="0" y="0"/>
+          <a:ext cx="0" cy="0"/>
+          <a:chOff x="0" y="0"/>
+          <a:chExt cx="0" cy="0"/>
+        </a:xfrm>
+      </p:grpSpPr>
+      <p:pic>
+        <p:nvPicPr>
+          <p:cNvPr id="83" name="Picture 82">
+            <a:extLst>
+              <a:ext uri="{FF2B5EF4-FFF2-40B4-BE49-F238E27FC236}">
+                <a16:creationId xmlns:a16="http://schemas.microsoft.com/office/drawing/2014/main" id="{24883DA1-1AAB-49F1-8A85-12A8E198CA48}"/>
+              </a:ext>
+            </a:extLst>
+          </p:cNvPr>
+          <p:cNvPicPr>
+            <a:picLocks noChangeAspect="1"/>
+          </p:cNvPicPr>
+          <p:nvPr/>
+        </p:nvPicPr>
+        <p:blipFill>
+          <a:blip r:embed="rId3"/>
+          <a:stretch>
+            <a:fillRect/>
+          </a:stretch>
+        </p:blipFill>
+        <p:spPr>
+          <a:xfrm>
+            <a:off x="3371497" y="4126511"/>
+            <a:ext cx="367299" cy="338352"/>
+          </a:xfrm>
+          <a:prstGeom prst="rect">
+            <a:avLst/>
+          </a:prstGeom>
+        </p:spPr>
+      </p:pic>
+      <p:pic>
+        <p:nvPicPr>
+          <p:cNvPr id="86" name="Picture 85">
+            <a:extLst>
+              <a:ext uri="{FF2B5EF4-FFF2-40B4-BE49-F238E27FC236}">
+                <a16:creationId xmlns:a16="http://schemas.microsoft.com/office/drawing/2014/main" id="{CF23C8FF-216D-42E7-9401-7E9F5B897B13}"/>
+              </a:ext>
+            </a:extLst>
+          </p:cNvPr>
+          <p:cNvPicPr>
+            <a:picLocks noChangeAspect="1"/>
+          </p:cNvPicPr>
+          <p:nvPr/>
+        </p:nvPicPr>
+        <p:blipFill>
+          <a:blip r:embed="rId4"/>
+          <a:stretch>
+            <a:fillRect/>
+          </a:stretch>
+        </p:blipFill>
+        <p:spPr>
+          <a:xfrm>
+            <a:off x="3408480" y="1923207"/>
+            <a:ext cx="366872" cy="192763"/>
+          </a:xfrm>
+          <a:prstGeom prst="rect">
+            <a:avLst/>
+          </a:prstGeom>
+        </p:spPr>
+      </p:pic>
+      <p:pic>
+        <p:nvPicPr>
+          <p:cNvPr id="87" name="Picture 86">
+            <a:extLst>
+              <a:ext uri="{FF2B5EF4-FFF2-40B4-BE49-F238E27FC236}">
+                <a16:creationId xmlns:a16="http://schemas.microsoft.com/office/drawing/2014/main" id="{4E138684-2A3B-45A6-B3D6-E333CDA2DD63}"/>
+              </a:ext>
+            </a:extLst>
+          </p:cNvPr>
+          <p:cNvPicPr>
+            <a:picLocks noChangeAspect="1"/>
+          </p:cNvPicPr>
+          <p:nvPr/>
+        </p:nvPicPr>
+        <p:blipFill>
+          <a:blip r:embed="rId5"/>
+          <a:stretch>
+            <a:fillRect/>
+          </a:stretch>
+        </p:blipFill>
+        <p:spPr>
+          <a:xfrm>
+            <a:off x="3410434" y="948666"/>
+            <a:ext cx="362964" cy="296843"/>
+          </a:xfrm>
+          <a:prstGeom prst="rect">
+            <a:avLst/>
+          </a:prstGeom>
+        </p:spPr>
+      </p:pic>
+      <p:pic>
+        <p:nvPicPr>
+          <p:cNvPr id="102" name="Picture 101">
+            <a:extLst>
+              <a:ext uri="{FF2B5EF4-FFF2-40B4-BE49-F238E27FC236}">
+                <a16:creationId xmlns:a16="http://schemas.microsoft.com/office/drawing/2014/main" id="{CFB5ABB2-A491-492D-B26B-B37FF09C3486}"/>
+              </a:ext>
+            </a:extLst>
+          </p:cNvPr>
+          <p:cNvPicPr>
+            <a:picLocks noChangeAspect="1"/>
+          </p:cNvPicPr>
+          <p:nvPr/>
+        </p:nvPicPr>
+        <p:blipFill>
+          <a:blip r:embed="rId6"/>
+          <a:stretch>
+            <a:fillRect/>
+          </a:stretch>
+        </p:blipFill>
+        <p:spPr>
+          <a:xfrm>
+            <a:off x="3408479" y="2241307"/>
+            <a:ext cx="329229" cy="435596"/>
+          </a:xfrm>
+          <a:prstGeom prst="rect">
+            <a:avLst/>
+          </a:prstGeom>
+        </p:spPr>
+      </p:pic>
+      <p:pic>
+        <p:nvPicPr>
+          <p:cNvPr id="103" name="Picture 102">
+            <a:extLst>
+              <a:ext uri="{FF2B5EF4-FFF2-40B4-BE49-F238E27FC236}">
+                <a16:creationId xmlns:a16="http://schemas.microsoft.com/office/drawing/2014/main" id="{F89B75CC-BE6F-4569-946D-1A331D1EE046}"/>
+              </a:ext>
+            </a:extLst>
+          </p:cNvPr>
+          <p:cNvPicPr>
+            <a:picLocks noChangeAspect="1"/>
+          </p:cNvPicPr>
+          <p:nvPr/>
+        </p:nvPicPr>
+        <p:blipFill>
+          <a:blip r:embed="rId7"/>
+          <a:stretch>
+            <a:fillRect/>
+          </a:stretch>
+        </p:blipFill>
+        <p:spPr>
+          <a:xfrm>
+            <a:off x="3408712" y="2804675"/>
+            <a:ext cx="329229" cy="335294"/>
+          </a:xfrm>
+          <a:prstGeom prst="rect">
+            <a:avLst/>
+          </a:prstGeom>
+        </p:spPr>
+      </p:pic>
+      <p:pic>
+        <p:nvPicPr>
+          <p:cNvPr id="104" name="Picture 103">
+            <a:extLst>
+              <a:ext uri="{FF2B5EF4-FFF2-40B4-BE49-F238E27FC236}">
+                <a16:creationId xmlns:a16="http://schemas.microsoft.com/office/drawing/2014/main" id="{C0FC9081-452D-40A1-8582-7E5FF9832E35}"/>
+              </a:ext>
+            </a:extLst>
+          </p:cNvPr>
+          <p:cNvPicPr>
+            <a:picLocks noChangeAspect="1"/>
+          </p:cNvPicPr>
+          <p:nvPr/>
+        </p:nvPicPr>
+        <p:blipFill>
+          <a:blip r:embed="rId8"/>
+          <a:stretch>
+            <a:fillRect/>
+          </a:stretch>
+        </p:blipFill>
+        <p:spPr>
+          <a:xfrm>
+            <a:off x="3371497" y="3745548"/>
+            <a:ext cx="366872" cy="244878"/>
+          </a:xfrm>
+          <a:prstGeom prst="rect">
+            <a:avLst/>
+          </a:prstGeom>
+        </p:spPr>
+      </p:pic>
+      <p:pic>
+        <p:nvPicPr>
+          <p:cNvPr id="105" name="Picture 2" descr="Data Visualization | Microsoft Power BI">
+            <a:extLst>
+              <a:ext uri="{FF2B5EF4-FFF2-40B4-BE49-F238E27FC236}">
+                <a16:creationId xmlns:a16="http://schemas.microsoft.com/office/drawing/2014/main" id="{7BC46377-A34E-4C88-AABA-93A4614E98D7}"/>
+              </a:ext>
+            </a:extLst>
+          </p:cNvPr>
+          <p:cNvPicPr>
+            <a:picLocks noChangeAspect="1" noChangeArrowheads="1"/>
+          </p:cNvPicPr>
+          <p:nvPr/>
+        </p:nvPicPr>
+        <p:blipFill rotWithShape="1">
+          <a:blip r:embed="rId9">
+            <a:extLst>
+              <a:ext uri="{28A0092B-C50C-407E-A947-70E740481C1C}">
+                <a14:useLocalDpi xmlns:a14="http://schemas.microsoft.com/office/drawing/2010/main" val="0"/>
+              </a:ext>
+            </a:extLst>
+          </a:blip>
+          <a:srcRect l="28476" r="27778"/>
+          <a:stretch/>
+        </p:blipFill>
+        <p:spPr bwMode="auto">
+          <a:xfrm>
+            <a:off x="3412388" y="1366560"/>
+            <a:ext cx="362964" cy="435596"/>
+          </a:xfrm>
+          <a:prstGeom prst="rect">
+            <a:avLst/>
+          </a:prstGeom>
+          <a:noFill/>
+          <a:extLst>
+            <a:ext uri="{909E8E84-426E-40DD-AFC4-6F175D3DCCD1}">
+              <a14:hiddenFill xmlns:a14="http://schemas.microsoft.com/office/drawing/2010/main">
+                <a:solidFill>
+                  <a:srgbClr val="FFFFFF"/>
+                </a:solidFill>
+              </a14:hiddenFill>
+            </a:ext>
+          </a:extLst>
+        </p:spPr>
+      </p:pic>
+      <p:pic>
+        <p:nvPicPr>
+          <p:cNvPr id="106" name="Picture 105">
+            <a:extLst>
+              <a:ext uri="{FF2B5EF4-FFF2-40B4-BE49-F238E27FC236}">
+                <a16:creationId xmlns:a16="http://schemas.microsoft.com/office/drawing/2014/main" id="{814DFD16-F12A-4C2D-95C9-8B60E7015839}"/>
+              </a:ext>
+            </a:extLst>
+          </p:cNvPr>
+          <p:cNvPicPr>
+            <a:picLocks noChangeAspect="1"/>
+          </p:cNvPicPr>
+          <p:nvPr/>
+        </p:nvPicPr>
+        <p:blipFill>
+          <a:blip r:embed="rId10"/>
+          <a:stretch>
+            <a:fillRect/>
+          </a:stretch>
+        </p:blipFill>
+        <p:spPr>
+          <a:xfrm>
+            <a:off x="3408479" y="3267741"/>
+            <a:ext cx="329462" cy="338352"/>
+          </a:xfrm>
+          <a:prstGeom prst="rect">
+            <a:avLst/>
+          </a:prstGeom>
+        </p:spPr>
+      </p:pic>
+      <p:pic>
+        <p:nvPicPr>
+          <p:cNvPr id="107" name="Picture 106">
+            <a:extLst>
+              <a:ext uri="{FF2B5EF4-FFF2-40B4-BE49-F238E27FC236}">
+                <a16:creationId xmlns:a16="http://schemas.microsoft.com/office/drawing/2014/main" id="{1C554C81-5E62-47A8-A5EA-960F429EAB2E}"/>
+              </a:ext>
+            </a:extLst>
+          </p:cNvPr>
+          <p:cNvPicPr>
+            <a:picLocks noChangeAspect="1"/>
+          </p:cNvPicPr>
+          <p:nvPr/>
+        </p:nvPicPr>
+        <p:blipFill>
+          <a:blip r:embed="rId11"/>
+          <a:stretch>
+            <a:fillRect/>
+          </a:stretch>
+        </p:blipFill>
+        <p:spPr>
+          <a:xfrm>
+            <a:off x="3371069" y="6444280"/>
+            <a:ext cx="367300" cy="367300"/>
+          </a:xfrm>
+          <a:prstGeom prst="rect">
+            <a:avLst/>
+          </a:prstGeom>
+        </p:spPr>
+      </p:pic>
+      <p:pic>
+        <p:nvPicPr>
+          <p:cNvPr id="108" name="Picture 107">
+            <a:extLst>
+              <a:ext uri="{FF2B5EF4-FFF2-40B4-BE49-F238E27FC236}">
+                <a16:creationId xmlns:a16="http://schemas.microsoft.com/office/drawing/2014/main" id="{85FE6FFD-7A21-4068-B721-A088004149DC}"/>
+              </a:ext>
+            </a:extLst>
+          </p:cNvPr>
+          <p:cNvPicPr>
+            <a:picLocks noChangeAspect="1"/>
+          </p:cNvPicPr>
+          <p:nvPr/>
+        </p:nvPicPr>
+        <p:blipFill>
+          <a:blip r:embed="rId12"/>
+          <a:stretch>
+            <a:fillRect/>
+          </a:stretch>
+        </p:blipFill>
+        <p:spPr>
+          <a:xfrm>
+            <a:off x="3368501" y="5955957"/>
+            <a:ext cx="369207" cy="367299"/>
+          </a:xfrm>
+          <a:prstGeom prst="rect">
+            <a:avLst/>
+          </a:prstGeom>
+        </p:spPr>
+      </p:pic>
+      <p:pic>
+        <p:nvPicPr>
+          <p:cNvPr id="109" name="Picture 108">
+            <a:extLst>
+              <a:ext uri="{FF2B5EF4-FFF2-40B4-BE49-F238E27FC236}">
+                <a16:creationId xmlns:a16="http://schemas.microsoft.com/office/drawing/2014/main" id="{D4D4E087-A938-4B9A-BE30-EECB82D18F58}"/>
+              </a:ext>
+            </a:extLst>
+          </p:cNvPr>
+          <p:cNvPicPr>
+            <a:picLocks noChangeAspect="1"/>
+          </p:cNvPicPr>
+          <p:nvPr/>
+        </p:nvPicPr>
+        <p:blipFill>
+          <a:blip r:embed="rId13"/>
+          <a:stretch>
+            <a:fillRect/>
+          </a:stretch>
+        </p:blipFill>
+        <p:spPr>
+          <a:xfrm>
+            <a:off x="3371069" y="5107787"/>
+            <a:ext cx="368728" cy="367299"/>
+          </a:xfrm>
+          <a:prstGeom prst="rect">
+            <a:avLst/>
+          </a:prstGeom>
+        </p:spPr>
+      </p:pic>
+      <p:pic>
+        <p:nvPicPr>
+          <p:cNvPr id="110" name="Picture 109">
+            <a:extLst>
+              <a:ext uri="{FF2B5EF4-FFF2-40B4-BE49-F238E27FC236}">
+                <a16:creationId xmlns:a16="http://schemas.microsoft.com/office/drawing/2014/main" id="{67BFA542-9F2F-4F8D-845F-22CFE0DDF9CA}"/>
+              </a:ext>
+            </a:extLst>
+          </p:cNvPr>
+          <p:cNvPicPr>
+            <a:picLocks noChangeAspect="1"/>
+          </p:cNvPicPr>
+          <p:nvPr/>
+        </p:nvPicPr>
+        <p:blipFill>
+          <a:blip r:embed="rId14"/>
+          <a:stretch>
+            <a:fillRect/>
+          </a:stretch>
+        </p:blipFill>
+        <p:spPr>
+          <a:xfrm>
+            <a:off x="3371497" y="4604318"/>
+            <a:ext cx="367299" cy="367299"/>
+          </a:xfrm>
+          <a:prstGeom prst="rect">
+            <a:avLst/>
+          </a:prstGeom>
+        </p:spPr>
+      </p:pic>
+      <p:pic>
+        <p:nvPicPr>
+          <p:cNvPr id="111" name="Picture 110">
+            <a:extLst>
+              <a:ext uri="{FF2B5EF4-FFF2-40B4-BE49-F238E27FC236}">
+                <a16:creationId xmlns:a16="http://schemas.microsoft.com/office/drawing/2014/main" id="{2FEA0C06-C409-4C3A-9868-EFB1C47E0302}"/>
+              </a:ext>
+            </a:extLst>
+          </p:cNvPr>
+          <p:cNvPicPr>
+            <a:picLocks noChangeAspect="1"/>
+          </p:cNvPicPr>
+          <p:nvPr/>
+        </p:nvPicPr>
+        <p:blipFill>
+          <a:blip r:embed="rId15"/>
+          <a:stretch>
+            <a:fillRect/>
+          </a:stretch>
+        </p:blipFill>
+        <p:spPr>
+          <a:xfrm>
+            <a:off x="3370836" y="5614541"/>
+            <a:ext cx="366872" cy="220392"/>
+          </a:xfrm>
+          <a:prstGeom prst="rect">
+            <a:avLst/>
+          </a:prstGeom>
+        </p:spPr>
+      </p:pic>
+      <p:pic>
+        <p:nvPicPr>
+          <p:cNvPr id="112" name="Picture 111">
+            <a:extLst>
+              <a:ext uri="{FF2B5EF4-FFF2-40B4-BE49-F238E27FC236}">
+                <a16:creationId xmlns:a16="http://schemas.microsoft.com/office/drawing/2014/main" id="{25ADA1B1-C5E4-46F7-A243-150AB40D8941}"/>
+              </a:ext>
+            </a:extLst>
+          </p:cNvPr>
+          <p:cNvPicPr>
+            <a:picLocks noChangeAspect="1"/>
+          </p:cNvPicPr>
+          <p:nvPr/>
+        </p:nvPicPr>
+        <p:blipFill>
+          <a:blip r:embed="rId16"/>
+          <a:stretch>
+            <a:fillRect/>
+          </a:stretch>
+        </p:blipFill>
+        <p:spPr>
+          <a:xfrm>
+            <a:off x="3409885" y="530037"/>
+            <a:ext cx="364061" cy="285165"/>
+          </a:xfrm>
+          <a:prstGeom prst="rect">
+            <a:avLst/>
+          </a:prstGeom>
+        </p:spPr>
+      </p:pic>
+      <p:sp>
+        <p:nvSpPr>
+          <p:cNvPr id="121" name="Title 14">
+            <a:extLst>
+              <a:ext uri="{FF2B5EF4-FFF2-40B4-BE49-F238E27FC236}">
+                <a16:creationId xmlns:a16="http://schemas.microsoft.com/office/drawing/2014/main" id="{D9744F0C-29D3-4C7E-A510-33146D5C4A35}"/>
+              </a:ext>
+            </a:extLst>
+          </p:cNvPr>
+          <p:cNvSpPr txBox="1">
+            <a:spLocks/>
+          </p:cNvSpPr>
+          <p:nvPr/>
+        </p:nvSpPr>
+        <p:spPr>
+          <a:xfrm>
+            <a:off x="3822526" y="3761706"/>
+            <a:ext cx="1410203" cy="215963"/>
+          </a:xfrm>
+          <a:prstGeom prst="rect">
+            <a:avLst/>
+          </a:prstGeom>
+        </p:spPr>
+        <p:txBody>
+          <a:bodyPr vert="horz" lIns="91440" tIns="45720" rIns="91440" bIns="45720" rtlCol="0" anchor="b">
+            <a:normAutofit fontScale="52500" lnSpcReduction="20000"/>
+          </a:bodyPr>
+          <a:lstStyle>
+            <a:lvl1pPr algn="ctr" defTabSz="914400" rtl="0" eaLnBrk="1" latinLnBrk="0" hangingPunct="1">
+              <a:lnSpc>
+                <a:spcPct val="90000"/>
+              </a:lnSpc>
+              <a:spcBef>
+                <a:spcPct val="0"/>
+              </a:spcBef>
+              <a:buNone/>
+              <a:defRPr sz="6000" kern="1200">
+                <a:solidFill>
+                  <a:schemeClr val="tx1"/>
+                </a:solidFill>
+                <a:latin typeface="+mj-lt"/>
+                <a:ea typeface="+mj-ea"/>
+                <a:cs typeface="+mj-cs"/>
+              </a:defRPr>
+            </a:lvl1pPr>
+          </a:lstStyle>
+          <a:p>
+            <a:pPr algn="l"/>
+            <a:r>
+              <a:rPr lang="en-GB" sz="1800" dirty="0"/>
+              <a:t>Integration Pipelines</a:t>
+            </a:r>
+          </a:p>
+        </p:txBody>
+      </p:sp>
+      <p:sp>
+        <p:nvSpPr>
+          <p:cNvPr id="122" name="Title 14">
+            <a:extLst>
+              <a:ext uri="{FF2B5EF4-FFF2-40B4-BE49-F238E27FC236}">
+                <a16:creationId xmlns:a16="http://schemas.microsoft.com/office/drawing/2014/main" id="{A5AABA56-24FD-4F01-AE89-6DAB7001A066}"/>
+              </a:ext>
+            </a:extLst>
+          </p:cNvPr>
+          <p:cNvSpPr txBox="1">
+            <a:spLocks/>
+          </p:cNvSpPr>
+          <p:nvPr/>
+        </p:nvSpPr>
+        <p:spPr>
+          <a:xfrm>
+            <a:off x="3822527" y="3328935"/>
+            <a:ext cx="898602" cy="215963"/>
+          </a:xfrm>
+          <a:prstGeom prst="rect">
+            <a:avLst/>
+          </a:prstGeom>
+        </p:spPr>
+        <p:txBody>
+          <a:bodyPr vert="horz" lIns="91440" tIns="45720" rIns="91440" bIns="45720" rtlCol="0" anchor="b">
+            <a:normAutofit fontScale="52500" lnSpcReduction="20000"/>
+          </a:bodyPr>
+          <a:lstStyle>
+            <a:lvl1pPr algn="ctr" defTabSz="914400" rtl="0" eaLnBrk="1" latinLnBrk="0" hangingPunct="1">
+              <a:lnSpc>
+                <a:spcPct val="90000"/>
+              </a:lnSpc>
+              <a:spcBef>
+                <a:spcPct val="0"/>
+              </a:spcBef>
+              <a:buNone/>
+              <a:defRPr sz="6000" kern="1200">
+                <a:solidFill>
+                  <a:schemeClr val="tx1"/>
+                </a:solidFill>
+                <a:latin typeface="+mj-lt"/>
+                <a:ea typeface="+mj-ea"/>
+                <a:cs typeface="+mj-cs"/>
+              </a:defRPr>
+            </a:lvl1pPr>
+          </a:lstStyle>
+          <a:p>
+            <a:pPr algn="l"/>
+            <a:r>
+              <a:rPr lang="en-GB" sz="1800" dirty="0"/>
+              <a:t>Data Flows</a:t>
+            </a:r>
+          </a:p>
+        </p:txBody>
+      </p:sp>
+      <p:sp>
+        <p:nvSpPr>
+          <p:cNvPr id="123" name="Title 14">
+            <a:extLst>
+              <a:ext uri="{FF2B5EF4-FFF2-40B4-BE49-F238E27FC236}">
+                <a16:creationId xmlns:a16="http://schemas.microsoft.com/office/drawing/2014/main" id="{FF919556-15EF-44C9-A073-544C5434B40A}"/>
+              </a:ext>
+            </a:extLst>
+          </p:cNvPr>
+          <p:cNvSpPr txBox="1">
+            <a:spLocks/>
+          </p:cNvSpPr>
+          <p:nvPr/>
+        </p:nvSpPr>
+        <p:spPr>
+          <a:xfrm>
+            <a:off x="3820591" y="2859090"/>
+            <a:ext cx="1187650" cy="215963"/>
+          </a:xfrm>
+          <a:prstGeom prst="rect">
+            <a:avLst/>
+          </a:prstGeom>
+        </p:spPr>
+        <p:txBody>
+          <a:bodyPr vert="horz" lIns="91440" tIns="45720" rIns="91440" bIns="45720" rtlCol="0" anchor="b">
+            <a:normAutofit fontScale="97500"/>
+          </a:bodyPr>
+          <a:lstStyle>
+            <a:lvl1pPr algn="ctr" defTabSz="914400" rtl="0" eaLnBrk="1" latinLnBrk="0" hangingPunct="1">
+              <a:lnSpc>
+                <a:spcPct val="90000"/>
+              </a:lnSpc>
+              <a:spcBef>
+                <a:spcPct val="0"/>
+              </a:spcBef>
+              <a:buNone/>
+              <a:defRPr sz="6000" kern="1200">
+                <a:solidFill>
+                  <a:schemeClr val="tx1"/>
+                </a:solidFill>
+                <a:latin typeface="+mj-lt"/>
+                <a:ea typeface="+mj-ea"/>
+                <a:cs typeface="+mj-cs"/>
+              </a:defRPr>
+            </a:lvl1pPr>
+          </a:lstStyle>
+          <a:p>
+            <a:pPr algn="l"/>
+            <a:r>
+              <a:rPr lang="en-GB" sz="900" dirty="0"/>
+              <a:t>SQL Pools (SQLDW)</a:t>
+            </a:r>
+          </a:p>
+        </p:txBody>
+      </p:sp>
+      <p:sp>
+        <p:nvSpPr>
+          <p:cNvPr id="124" name="Title 14">
+            <a:extLst>
+              <a:ext uri="{FF2B5EF4-FFF2-40B4-BE49-F238E27FC236}">
+                <a16:creationId xmlns:a16="http://schemas.microsoft.com/office/drawing/2014/main" id="{057228D9-6382-4B5D-AF3C-E6C14B04F9F4}"/>
+              </a:ext>
+            </a:extLst>
+          </p:cNvPr>
+          <p:cNvSpPr txBox="1">
+            <a:spLocks/>
+          </p:cNvSpPr>
+          <p:nvPr/>
+        </p:nvSpPr>
+        <p:spPr>
+          <a:xfrm>
+            <a:off x="3820591" y="2351123"/>
+            <a:ext cx="1187650" cy="215963"/>
+          </a:xfrm>
+          <a:prstGeom prst="rect">
+            <a:avLst/>
+          </a:prstGeom>
+        </p:spPr>
+        <p:txBody>
+          <a:bodyPr vert="horz" lIns="91440" tIns="45720" rIns="91440" bIns="45720" rtlCol="0" anchor="b">
+            <a:normAutofit fontScale="97500"/>
+          </a:bodyPr>
+          <a:lstStyle>
+            <a:lvl1pPr algn="ctr" defTabSz="914400" rtl="0" eaLnBrk="1" latinLnBrk="0" hangingPunct="1">
+              <a:lnSpc>
+                <a:spcPct val="90000"/>
+              </a:lnSpc>
+              <a:spcBef>
+                <a:spcPct val="0"/>
+              </a:spcBef>
+              <a:buNone/>
+              <a:defRPr sz="6000" kern="1200">
+                <a:solidFill>
+                  <a:schemeClr val="tx1"/>
+                </a:solidFill>
+                <a:latin typeface="+mj-lt"/>
+                <a:ea typeface="+mj-ea"/>
+                <a:cs typeface="+mj-cs"/>
+              </a:defRPr>
+            </a:lvl1pPr>
+          </a:lstStyle>
+          <a:p>
+            <a:pPr algn="l"/>
+            <a:r>
+              <a:rPr lang="en-GB" sz="900" dirty="0"/>
+              <a:t>SQL On-Demand</a:t>
+            </a:r>
+          </a:p>
+        </p:txBody>
+      </p:sp>
+      <p:sp>
+        <p:nvSpPr>
+          <p:cNvPr id="125" name="Title 14">
+            <a:extLst>
+              <a:ext uri="{FF2B5EF4-FFF2-40B4-BE49-F238E27FC236}">
+                <a16:creationId xmlns:a16="http://schemas.microsoft.com/office/drawing/2014/main" id="{710DAEBB-201B-47F3-8963-28E9925FDC17}"/>
+              </a:ext>
+            </a:extLst>
+          </p:cNvPr>
+          <p:cNvSpPr txBox="1">
+            <a:spLocks/>
+          </p:cNvSpPr>
+          <p:nvPr/>
+        </p:nvSpPr>
+        <p:spPr>
+          <a:xfrm>
+            <a:off x="3820591" y="1918352"/>
+            <a:ext cx="1187650" cy="215963"/>
+          </a:xfrm>
+          <a:prstGeom prst="rect">
+            <a:avLst/>
+          </a:prstGeom>
+        </p:spPr>
+        <p:txBody>
+          <a:bodyPr vert="horz" lIns="91440" tIns="45720" rIns="91440" bIns="45720" rtlCol="0" anchor="b">
+            <a:normAutofit fontScale="97500"/>
+          </a:bodyPr>
+          <a:lstStyle>
+            <a:lvl1pPr algn="ctr" defTabSz="914400" rtl="0" eaLnBrk="1" latinLnBrk="0" hangingPunct="1">
+              <a:lnSpc>
+                <a:spcPct val="90000"/>
+              </a:lnSpc>
+              <a:spcBef>
+                <a:spcPct val="0"/>
+              </a:spcBef>
+              <a:buNone/>
+              <a:defRPr sz="6000" kern="1200">
+                <a:solidFill>
+                  <a:schemeClr val="tx1"/>
+                </a:solidFill>
+                <a:latin typeface="+mj-lt"/>
+                <a:ea typeface="+mj-ea"/>
+                <a:cs typeface="+mj-cs"/>
+              </a:defRPr>
+            </a:lvl1pPr>
+          </a:lstStyle>
+          <a:p>
+            <a:pPr algn="l"/>
+            <a:r>
+              <a:rPr lang="en-GB" sz="900" dirty="0"/>
+              <a:t>Spark Compute Pools</a:t>
+            </a:r>
+          </a:p>
+        </p:txBody>
+      </p:sp>
+      <p:sp>
+        <p:nvSpPr>
+          <p:cNvPr id="126" name="Title 14">
+            <a:extLst>
+              <a:ext uri="{FF2B5EF4-FFF2-40B4-BE49-F238E27FC236}">
+                <a16:creationId xmlns:a16="http://schemas.microsoft.com/office/drawing/2014/main" id="{29AF7575-3968-44D4-9C86-55E5838EA2FE}"/>
+              </a:ext>
+            </a:extLst>
+          </p:cNvPr>
+          <p:cNvSpPr txBox="1">
+            <a:spLocks/>
+          </p:cNvSpPr>
+          <p:nvPr/>
+        </p:nvSpPr>
+        <p:spPr>
+          <a:xfrm>
+            <a:off x="3820591" y="1476376"/>
+            <a:ext cx="1187650" cy="215963"/>
+          </a:xfrm>
+          <a:prstGeom prst="rect">
+            <a:avLst/>
+          </a:prstGeom>
+        </p:spPr>
+        <p:txBody>
+          <a:bodyPr vert="horz" lIns="91440" tIns="45720" rIns="91440" bIns="45720" rtlCol="0" anchor="b">
+            <a:normAutofit fontScale="97500"/>
+          </a:bodyPr>
+          <a:lstStyle>
+            <a:lvl1pPr algn="ctr" defTabSz="914400" rtl="0" eaLnBrk="1" latinLnBrk="0" hangingPunct="1">
+              <a:lnSpc>
+                <a:spcPct val="90000"/>
+              </a:lnSpc>
+              <a:spcBef>
+                <a:spcPct val="0"/>
+              </a:spcBef>
+              <a:buNone/>
+              <a:defRPr sz="6000" kern="1200">
+                <a:solidFill>
+                  <a:schemeClr val="tx1"/>
+                </a:solidFill>
+                <a:latin typeface="+mj-lt"/>
+                <a:ea typeface="+mj-ea"/>
+                <a:cs typeface="+mj-cs"/>
+              </a:defRPr>
+            </a:lvl1pPr>
+          </a:lstStyle>
+          <a:p>
+            <a:pPr algn="l"/>
+            <a:r>
+              <a:rPr lang="en-GB" sz="900" dirty="0"/>
+              <a:t>Power BI Integration</a:t>
+            </a:r>
+          </a:p>
+        </p:txBody>
+      </p:sp>
+      <p:sp>
+        <p:nvSpPr>
+          <p:cNvPr id="127" name="Title 14">
+            <a:extLst>
+              <a:ext uri="{FF2B5EF4-FFF2-40B4-BE49-F238E27FC236}">
+                <a16:creationId xmlns:a16="http://schemas.microsoft.com/office/drawing/2014/main" id="{AEC829C6-A543-4688-9C0F-6FE8C2093DAA}"/>
+              </a:ext>
+            </a:extLst>
+          </p:cNvPr>
+          <p:cNvSpPr txBox="1">
+            <a:spLocks/>
+          </p:cNvSpPr>
+          <p:nvPr/>
+        </p:nvSpPr>
+        <p:spPr>
+          <a:xfrm>
+            <a:off x="3820591" y="984233"/>
+            <a:ext cx="1187650" cy="215963"/>
+          </a:xfrm>
+          <a:prstGeom prst="rect">
+            <a:avLst/>
+          </a:prstGeom>
+        </p:spPr>
+        <p:txBody>
+          <a:bodyPr vert="horz" lIns="91440" tIns="45720" rIns="91440" bIns="45720" rtlCol="0" anchor="b">
+            <a:normAutofit fontScale="97500"/>
+          </a:bodyPr>
+          <a:lstStyle>
+            <a:lvl1pPr algn="ctr" defTabSz="914400" rtl="0" eaLnBrk="1" latinLnBrk="0" hangingPunct="1">
+              <a:lnSpc>
+                <a:spcPct val="90000"/>
+              </a:lnSpc>
+              <a:spcBef>
+                <a:spcPct val="0"/>
+              </a:spcBef>
+              <a:buNone/>
+              <a:defRPr sz="6000" kern="1200">
+                <a:solidFill>
+                  <a:schemeClr val="tx1"/>
+                </a:solidFill>
+                <a:latin typeface="+mj-lt"/>
+                <a:ea typeface="+mj-ea"/>
+                <a:cs typeface="+mj-cs"/>
+              </a:defRPr>
+            </a:lvl1pPr>
+          </a:lstStyle>
+          <a:p>
+            <a:pPr algn="l"/>
+            <a:r>
+              <a:rPr lang="en-GB" sz="900" dirty="0"/>
+              <a:t>Data Lake Storage</a:t>
+            </a:r>
+          </a:p>
+        </p:txBody>
+      </p:sp>
+      <p:sp>
+        <p:nvSpPr>
+          <p:cNvPr id="128" name="Title 14">
+            <a:extLst>
+              <a:ext uri="{FF2B5EF4-FFF2-40B4-BE49-F238E27FC236}">
+                <a16:creationId xmlns:a16="http://schemas.microsoft.com/office/drawing/2014/main" id="{D3D6B807-167D-461B-9AD0-5841DA806D59}"/>
+              </a:ext>
+            </a:extLst>
+          </p:cNvPr>
+          <p:cNvSpPr txBox="1">
+            <a:spLocks/>
+          </p:cNvSpPr>
+          <p:nvPr/>
+        </p:nvSpPr>
+        <p:spPr>
+          <a:xfrm>
+            <a:off x="3820591" y="564196"/>
+            <a:ext cx="1187650" cy="215963"/>
+          </a:xfrm>
+          <a:prstGeom prst="rect">
+            <a:avLst/>
+          </a:prstGeom>
+        </p:spPr>
+        <p:txBody>
+          <a:bodyPr vert="horz" lIns="91440" tIns="45720" rIns="91440" bIns="45720" rtlCol="0" anchor="b">
+            <a:normAutofit fontScale="97500"/>
+          </a:bodyPr>
+          <a:lstStyle>
+            <a:lvl1pPr algn="ctr" defTabSz="914400" rtl="0" eaLnBrk="1" latinLnBrk="0" hangingPunct="1">
+              <a:lnSpc>
+                <a:spcPct val="90000"/>
+              </a:lnSpc>
+              <a:spcBef>
+                <a:spcPct val="0"/>
+              </a:spcBef>
+              <a:buNone/>
+              <a:defRPr sz="6000" kern="1200">
+                <a:solidFill>
+                  <a:schemeClr val="tx1"/>
+                </a:solidFill>
+                <a:latin typeface="+mj-lt"/>
+                <a:ea typeface="+mj-ea"/>
+                <a:cs typeface="+mj-cs"/>
+              </a:defRPr>
+            </a:lvl1pPr>
+          </a:lstStyle>
+          <a:p>
+            <a:pPr algn="l"/>
+            <a:r>
+              <a:rPr lang="en-GB" sz="900" dirty="0"/>
+              <a:t>Workspace</a:t>
+            </a:r>
+          </a:p>
+        </p:txBody>
+      </p:sp>
+      <p:sp>
+        <p:nvSpPr>
+          <p:cNvPr id="129" name="Title 14">
+            <a:extLst>
+              <a:ext uri="{FF2B5EF4-FFF2-40B4-BE49-F238E27FC236}">
+                <a16:creationId xmlns:a16="http://schemas.microsoft.com/office/drawing/2014/main" id="{97FE7DAD-CB1B-41C1-8E2D-111CC64A7742}"/>
+              </a:ext>
+            </a:extLst>
+          </p:cNvPr>
+          <p:cNvSpPr txBox="1">
+            <a:spLocks/>
+          </p:cNvSpPr>
+          <p:nvPr/>
+        </p:nvSpPr>
+        <p:spPr>
+          <a:xfrm>
+            <a:off x="3824169" y="4185542"/>
+            <a:ext cx="1638635" cy="215963"/>
+          </a:xfrm>
+          <a:prstGeom prst="rect">
+            <a:avLst/>
+          </a:prstGeom>
+        </p:spPr>
+        <p:txBody>
+          <a:bodyPr vert="horz" lIns="91440" tIns="45720" rIns="91440" bIns="45720" rtlCol="0" anchor="b">
+            <a:normAutofit fontScale="52500" lnSpcReduction="20000"/>
+          </a:bodyPr>
+          <a:lstStyle>
+            <a:lvl1pPr algn="ctr" defTabSz="914400" rtl="0" eaLnBrk="1" latinLnBrk="0" hangingPunct="1">
+              <a:lnSpc>
+                <a:spcPct val="90000"/>
+              </a:lnSpc>
+              <a:spcBef>
+                <a:spcPct val="0"/>
+              </a:spcBef>
+              <a:buNone/>
+              <a:defRPr sz="6000" kern="1200">
+                <a:solidFill>
+                  <a:schemeClr val="tx1"/>
+                </a:solidFill>
+                <a:latin typeface="+mj-lt"/>
+                <a:ea typeface="+mj-ea"/>
+                <a:cs typeface="+mj-cs"/>
+              </a:defRPr>
+            </a:lvl1pPr>
+          </a:lstStyle>
+          <a:p>
+            <a:pPr algn="l"/>
+            <a:r>
+              <a:rPr lang="en-GB" sz="1800" dirty="0"/>
+              <a:t>Management API</a:t>
+            </a:r>
+          </a:p>
+        </p:txBody>
+      </p:sp>
+      <p:sp>
+        <p:nvSpPr>
+          <p:cNvPr id="130" name="Title 14">
+            <a:extLst>
+              <a:ext uri="{FF2B5EF4-FFF2-40B4-BE49-F238E27FC236}">
+                <a16:creationId xmlns:a16="http://schemas.microsoft.com/office/drawing/2014/main" id="{C0D31EEF-2DA8-40A4-9C50-2E1734D4C148}"/>
+              </a:ext>
+            </a:extLst>
+          </p:cNvPr>
+          <p:cNvSpPr txBox="1">
+            <a:spLocks/>
+          </p:cNvSpPr>
+          <p:nvPr/>
+        </p:nvSpPr>
+        <p:spPr>
+          <a:xfrm>
+            <a:off x="3822527" y="4679985"/>
+            <a:ext cx="898602" cy="215963"/>
+          </a:xfrm>
+          <a:prstGeom prst="rect">
+            <a:avLst/>
+          </a:prstGeom>
+        </p:spPr>
+        <p:txBody>
+          <a:bodyPr vert="horz" lIns="91440" tIns="45720" rIns="91440" bIns="45720" rtlCol="0" anchor="b">
+            <a:normAutofit fontScale="52500" lnSpcReduction="20000"/>
+          </a:bodyPr>
+          <a:lstStyle>
+            <a:lvl1pPr algn="ctr" defTabSz="914400" rtl="0" eaLnBrk="1" latinLnBrk="0" hangingPunct="1">
+              <a:lnSpc>
+                <a:spcPct val="90000"/>
+              </a:lnSpc>
+              <a:spcBef>
+                <a:spcPct val="0"/>
+              </a:spcBef>
+              <a:buNone/>
+              <a:defRPr sz="6000" kern="1200">
+                <a:solidFill>
+                  <a:schemeClr val="tx1"/>
+                </a:solidFill>
+                <a:latin typeface="+mj-lt"/>
+                <a:ea typeface="+mj-ea"/>
+                <a:cs typeface="+mj-cs"/>
+              </a:defRPr>
+            </a:lvl1pPr>
+          </a:lstStyle>
+          <a:p>
+            <a:pPr algn="l"/>
+            <a:r>
+              <a:rPr lang="en-GB" sz="1800" dirty="0"/>
+              <a:t>SDK</a:t>
+            </a:r>
+          </a:p>
+        </p:txBody>
+      </p:sp>
+      <p:sp>
+        <p:nvSpPr>
+          <p:cNvPr id="131" name="Title 14">
+            <a:extLst>
+              <a:ext uri="{FF2B5EF4-FFF2-40B4-BE49-F238E27FC236}">
+                <a16:creationId xmlns:a16="http://schemas.microsoft.com/office/drawing/2014/main" id="{317C90B0-129A-46E7-9E1C-2B0A204FA357}"/>
+              </a:ext>
+            </a:extLst>
+          </p:cNvPr>
+          <p:cNvSpPr txBox="1">
+            <a:spLocks/>
+          </p:cNvSpPr>
+          <p:nvPr/>
+        </p:nvSpPr>
+        <p:spPr>
+          <a:xfrm>
+            <a:off x="3820591" y="6031624"/>
+            <a:ext cx="898602" cy="215963"/>
+          </a:xfrm>
+          <a:prstGeom prst="rect">
+            <a:avLst/>
+          </a:prstGeom>
+        </p:spPr>
+        <p:txBody>
+          <a:bodyPr vert="horz" lIns="91440" tIns="45720" rIns="91440" bIns="45720" rtlCol="0" anchor="b">
+            <a:normAutofit fontScale="52500" lnSpcReduction="20000"/>
+          </a:bodyPr>
+          <a:lstStyle>
+            <a:lvl1pPr algn="ctr" defTabSz="914400" rtl="0" eaLnBrk="1" latinLnBrk="0" hangingPunct="1">
+              <a:lnSpc>
+                <a:spcPct val="90000"/>
+              </a:lnSpc>
+              <a:spcBef>
+                <a:spcPct val="0"/>
+              </a:spcBef>
+              <a:buNone/>
+              <a:defRPr sz="6000" kern="1200">
+                <a:solidFill>
+                  <a:schemeClr val="tx1"/>
+                </a:solidFill>
+                <a:latin typeface="+mj-lt"/>
+                <a:ea typeface="+mj-ea"/>
+                <a:cs typeface="+mj-cs"/>
+              </a:defRPr>
+            </a:lvl1pPr>
+          </a:lstStyle>
+          <a:p>
+            <a:pPr algn="l"/>
+            <a:r>
+              <a:rPr lang="en-GB" sz="1800" dirty="0"/>
+              <a:t>Synapse Link</a:t>
+            </a:r>
+          </a:p>
+        </p:txBody>
+      </p:sp>
+      <p:sp>
+        <p:nvSpPr>
+          <p:cNvPr id="132" name="Title 14">
+            <a:extLst>
+              <a:ext uri="{FF2B5EF4-FFF2-40B4-BE49-F238E27FC236}">
+                <a16:creationId xmlns:a16="http://schemas.microsoft.com/office/drawing/2014/main" id="{C7FBFDFD-C26B-42A9-9BA6-F093638D69C2}"/>
+              </a:ext>
+            </a:extLst>
+          </p:cNvPr>
+          <p:cNvSpPr txBox="1">
+            <a:spLocks/>
+          </p:cNvSpPr>
+          <p:nvPr/>
+        </p:nvSpPr>
+        <p:spPr>
+          <a:xfrm>
+            <a:off x="3820591" y="5183931"/>
+            <a:ext cx="1825094" cy="215963"/>
+          </a:xfrm>
+          <a:prstGeom prst="rect">
+            <a:avLst/>
+          </a:prstGeom>
+        </p:spPr>
+        <p:txBody>
+          <a:bodyPr vert="horz" lIns="91440" tIns="45720" rIns="91440" bIns="45720" rtlCol="0" anchor="b">
+            <a:normAutofit fontScale="52500" lnSpcReduction="20000"/>
+          </a:bodyPr>
+          <a:lstStyle>
+            <a:lvl1pPr algn="ctr" defTabSz="914400" rtl="0" eaLnBrk="1" latinLnBrk="0" hangingPunct="1">
+              <a:lnSpc>
+                <a:spcPct val="90000"/>
+              </a:lnSpc>
+              <a:spcBef>
+                <a:spcPct val="0"/>
+              </a:spcBef>
+              <a:buNone/>
+              <a:defRPr sz="6000" kern="1200">
+                <a:solidFill>
+                  <a:schemeClr val="tx1"/>
+                </a:solidFill>
+                <a:latin typeface="+mj-lt"/>
+                <a:ea typeface="+mj-ea"/>
+                <a:cs typeface="+mj-cs"/>
+              </a:defRPr>
+            </a:lvl1pPr>
+          </a:lstStyle>
+          <a:p>
+            <a:pPr algn="l"/>
+            <a:r>
+              <a:rPr lang="en-GB" sz="1800" dirty="0"/>
+              <a:t>Monitor &amp; Diagnostic Settings</a:t>
+            </a:r>
+          </a:p>
+        </p:txBody>
+      </p:sp>
+      <p:sp>
+        <p:nvSpPr>
+          <p:cNvPr id="133" name="Title 14">
+            <a:extLst>
+              <a:ext uri="{FF2B5EF4-FFF2-40B4-BE49-F238E27FC236}">
+                <a16:creationId xmlns:a16="http://schemas.microsoft.com/office/drawing/2014/main" id="{1D7101FE-FC24-4C44-927F-D2AEF699F00A}"/>
+              </a:ext>
+            </a:extLst>
+          </p:cNvPr>
+          <p:cNvSpPr txBox="1">
+            <a:spLocks/>
+          </p:cNvSpPr>
+          <p:nvPr/>
+        </p:nvSpPr>
+        <p:spPr>
+          <a:xfrm>
+            <a:off x="3820591" y="5614265"/>
+            <a:ext cx="1477032" cy="215963"/>
+          </a:xfrm>
+          <a:prstGeom prst="rect">
+            <a:avLst/>
+          </a:prstGeom>
+        </p:spPr>
+        <p:txBody>
+          <a:bodyPr vert="horz" lIns="91440" tIns="45720" rIns="91440" bIns="45720" rtlCol="0" anchor="b">
+            <a:normAutofit fontScale="52500" lnSpcReduction="20000"/>
+          </a:bodyPr>
+          <a:lstStyle>
+            <a:lvl1pPr algn="ctr" defTabSz="914400" rtl="0" eaLnBrk="1" latinLnBrk="0" hangingPunct="1">
+              <a:lnSpc>
+                <a:spcPct val="90000"/>
+              </a:lnSpc>
+              <a:spcBef>
+                <a:spcPct val="0"/>
+              </a:spcBef>
+              <a:buNone/>
+              <a:defRPr sz="6000" kern="1200">
+                <a:solidFill>
+                  <a:schemeClr val="tx1"/>
+                </a:solidFill>
+                <a:latin typeface="+mj-lt"/>
+                <a:ea typeface="+mj-ea"/>
+                <a:cs typeface="+mj-cs"/>
+              </a:defRPr>
+            </a:lvl1pPr>
+          </a:lstStyle>
+          <a:p>
+            <a:pPr algn="l"/>
+            <a:r>
+              <a:rPr lang="en-GB" sz="1800" dirty="0"/>
+              <a:t>VNet Integration</a:t>
+            </a:r>
+          </a:p>
+        </p:txBody>
+      </p:sp>
+      <p:sp>
+        <p:nvSpPr>
+          <p:cNvPr id="134" name="Title 14">
+            <a:extLst>
+              <a:ext uri="{FF2B5EF4-FFF2-40B4-BE49-F238E27FC236}">
+                <a16:creationId xmlns:a16="http://schemas.microsoft.com/office/drawing/2014/main" id="{E2F4C46F-0329-47A6-A917-C584FD8BAF14}"/>
+              </a:ext>
+            </a:extLst>
+          </p:cNvPr>
+          <p:cNvSpPr txBox="1">
+            <a:spLocks/>
+          </p:cNvSpPr>
+          <p:nvPr/>
+        </p:nvSpPr>
+        <p:spPr>
+          <a:xfrm>
+            <a:off x="3820591" y="6519948"/>
+            <a:ext cx="898602" cy="215963"/>
+          </a:xfrm>
+          <a:prstGeom prst="rect">
+            <a:avLst/>
+          </a:prstGeom>
+        </p:spPr>
+        <p:txBody>
+          <a:bodyPr vert="horz" lIns="91440" tIns="45720" rIns="91440" bIns="45720" rtlCol="0" anchor="b">
+            <a:normAutofit fontScale="52500" lnSpcReduction="20000"/>
+          </a:bodyPr>
+          <a:lstStyle>
+            <a:lvl1pPr algn="ctr" defTabSz="914400" rtl="0" eaLnBrk="1" latinLnBrk="0" hangingPunct="1">
+              <a:lnSpc>
+                <a:spcPct val="90000"/>
+              </a:lnSpc>
+              <a:spcBef>
+                <a:spcPct val="0"/>
+              </a:spcBef>
+              <a:buNone/>
+              <a:defRPr sz="6000" kern="1200">
+                <a:solidFill>
+                  <a:schemeClr val="tx1"/>
+                </a:solidFill>
+                <a:latin typeface="+mj-lt"/>
+                <a:ea typeface="+mj-ea"/>
+                <a:cs typeface="+mj-cs"/>
+              </a:defRPr>
+            </a:lvl1pPr>
+          </a:lstStyle>
+          <a:p>
+            <a:pPr algn="l"/>
+            <a:r>
+              <a:rPr lang="en-GB" sz="1800" dirty="0"/>
+              <a:t>Purview</a:t>
+            </a:r>
+          </a:p>
+        </p:txBody>
+      </p:sp>
+      <p:pic>
+        <p:nvPicPr>
+          <p:cNvPr id="135" name="Picture 134">
+            <a:extLst>
+              <a:ext uri="{FF2B5EF4-FFF2-40B4-BE49-F238E27FC236}">
+                <a16:creationId xmlns:a16="http://schemas.microsoft.com/office/drawing/2014/main" id="{BE78EFBD-90C4-4497-B416-041E70B54EE3}"/>
+              </a:ext>
+            </a:extLst>
+          </p:cNvPr>
+          <p:cNvPicPr>
+            <a:picLocks noChangeAspect="1"/>
+          </p:cNvPicPr>
+          <p:nvPr/>
+        </p:nvPicPr>
+        <p:blipFill rotWithShape="1">
+          <a:blip r:embed="rId17"/>
+          <a:srcRect l="37217" r="35553" b="29227"/>
+          <a:stretch/>
+        </p:blipFill>
+        <p:spPr>
+          <a:xfrm rot="16200000">
+            <a:off x="5641604" y="858349"/>
+            <a:ext cx="177651" cy="488130"/>
+          </a:xfrm>
+          <a:prstGeom prst="rect">
+            <a:avLst/>
+          </a:prstGeom>
+        </p:spPr>
+      </p:pic>
+      <p:pic>
+        <p:nvPicPr>
+          <p:cNvPr id="136" name="Picture 135">
+            <a:extLst>
+              <a:ext uri="{FF2B5EF4-FFF2-40B4-BE49-F238E27FC236}">
+                <a16:creationId xmlns:a16="http://schemas.microsoft.com/office/drawing/2014/main" id="{51EE19EA-50D4-49B6-B0CC-D901FEB1CE8C}"/>
+              </a:ext>
+            </a:extLst>
+          </p:cNvPr>
+          <p:cNvPicPr>
+            <a:picLocks noChangeAspect="1"/>
+          </p:cNvPicPr>
+          <p:nvPr/>
+        </p:nvPicPr>
+        <p:blipFill rotWithShape="1">
+          <a:blip r:embed="rId17"/>
+          <a:srcRect l="873" r="71897" b="29227"/>
+          <a:stretch/>
+        </p:blipFill>
+        <p:spPr>
+          <a:xfrm rot="16200000">
+            <a:off x="5641603" y="1340291"/>
+            <a:ext cx="177651" cy="488131"/>
+          </a:xfrm>
+          <a:prstGeom prst="rect">
+            <a:avLst/>
+          </a:prstGeom>
+        </p:spPr>
+      </p:pic>
+      <p:pic>
+        <p:nvPicPr>
+          <p:cNvPr id="137" name="Picture 136">
+            <a:extLst>
+              <a:ext uri="{FF2B5EF4-FFF2-40B4-BE49-F238E27FC236}">
+                <a16:creationId xmlns:a16="http://schemas.microsoft.com/office/drawing/2014/main" id="{06A15BF1-5E07-4C4D-9E89-E4335701A4B2}"/>
+              </a:ext>
+            </a:extLst>
+          </p:cNvPr>
+          <p:cNvPicPr>
+            <a:picLocks noChangeAspect="1"/>
+          </p:cNvPicPr>
+          <p:nvPr/>
+        </p:nvPicPr>
+        <p:blipFill rotWithShape="1">
+          <a:blip r:embed="rId17"/>
+          <a:srcRect l="73639" b="29227"/>
+          <a:stretch/>
+        </p:blipFill>
+        <p:spPr>
+          <a:xfrm rot="16200000">
+            <a:off x="5644438" y="406124"/>
+            <a:ext cx="171984" cy="488129"/>
+          </a:xfrm>
+          <a:prstGeom prst="rect">
+            <a:avLst/>
+          </a:prstGeom>
+        </p:spPr>
+      </p:pic>
+      <p:pic>
+        <p:nvPicPr>
+          <p:cNvPr id="138" name="Picture 137">
+            <a:extLst>
+              <a:ext uri="{FF2B5EF4-FFF2-40B4-BE49-F238E27FC236}">
+                <a16:creationId xmlns:a16="http://schemas.microsoft.com/office/drawing/2014/main" id="{5CF172D5-6E7A-43F0-AA27-3BF219F63B1C}"/>
+              </a:ext>
+            </a:extLst>
+          </p:cNvPr>
+          <p:cNvPicPr>
+            <a:picLocks noChangeAspect="1"/>
+          </p:cNvPicPr>
+          <p:nvPr/>
+        </p:nvPicPr>
+        <p:blipFill rotWithShape="1">
+          <a:blip r:embed="rId17"/>
+          <a:srcRect l="73639" b="29227"/>
+          <a:stretch/>
+        </p:blipFill>
+        <p:spPr>
+          <a:xfrm rot="16200000">
+            <a:off x="5644437" y="1785913"/>
+            <a:ext cx="171984" cy="488129"/>
+          </a:xfrm>
+          <a:prstGeom prst="rect">
+            <a:avLst/>
+          </a:prstGeom>
+        </p:spPr>
+      </p:pic>
+      <p:pic>
+        <p:nvPicPr>
+          <p:cNvPr id="139" name="Picture 138">
+            <a:extLst>
+              <a:ext uri="{FF2B5EF4-FFF2-40B4-BE49-F238E27FC236}">
+                <a16:creationId xmlns:a16="http://schemas.microsoft.com/office/drawing/2014/main" id="{09BF72B6-1D4D-45A6-B05D-1EED632A382D}"/>
+              </a:ext>
+            </a:extLst>
+          </p:cNvPr>
+          <p:cNvPicPr>
+            <a:picLocks noChangeAspect="1"/>
+          </p:cNvPicPr>
+          <p:nvPr/>
+        </p:nvPicPr>
+        <p:blipFill rotWithShape="1">
+          <a:blip r:embed="rId17"/>
+          <a:srcRect l="37217" r="35553" b="29227"/>
+          <a:stretch/>
+        </p:blipFill>
+        <p:spPr>
+          <a:xfrm rot="16200000">
+            <a:off x="5641604" y="2729244"/>
+            <a:ext cx="177651" cy="488130"/>
+          </a:xfrm>
+          <a:prstGeom prst="rect">
+            <a:avLst/>
+          </a:prstGeom>
+        </p:spPr>
+      </p:pic>
+      <p:pic>
+        <p:nvPicPr>
+          <p:cNvPr id="140" name="Picture 139">
+            <a:extLst>
+              <a:ext uri="{FF2B5EF4-FFF2-40B4-BE49-F238E27FC236}">
+                <a16:creationId xmlns:a16="http://schemas.microsoft.com/office/drawing/2014/main" id="{FF322429-0841-4799-BB55-1AE11F2F6340}"/>
+              </a:ext>
+            </a:extLst>
+          </p:cNvPr>
+          <p:cNvPicPr>
+            <a:picLocks noChangeAspect="1"/>
+          </p:cNvPicPr>
+          <p:nvPr/>
+        </p:nvPicPr>
+        <p:blipFill rotWithShape="1">
+          <a:blip r:embed="rId17"/>
+          <a:srcRect l="37217" r="35553" b="29227"/>
+          <a:stretch/>
+        </p:blipFill>
+        <p:spPr>
+          <a:xfrm rot="16200000">
+            <a:off x="5641603" y="3192850"/>
+            <a:ext cx="177651" cy="488130"/>
+          </a:xfrm>
+          <a:prstGeom prst="rect">
+            <a:avLst/>
+          </a:prstGeom>
+        </p:spPr>
+      </p:pic>
+      <p:pic>
+        <p:nvPicPr>
+          <p:cNvPr id="141" name="Picture 140">
+            <a:extLst>
+              <a:ext uri="{FF2B5EF4-FFF2-40B4-BE49-F238E27FC236}">
+                <a16:creationId xmlns:a16="http://schemas.microsoft.com/office/drawing/2014/main" id="{1E0270E2-4A09-4500-8E02-770332CFEC7C}"/>
+              </a:ext>
+            </a:extLst>
+          </p:cNvPr>
+          <p:cNvPicPr>
+            <a:picLocks noChangeAspect="1"/>
+          </p:cNvPicPr>
+          <p:nvPr/>
+        </p:nvPicPr>
+        <p:blipFill rotWithShape="1">
+          <a:blip r:embed="rId17"/>
+          <a:srcRect l="73639" b="29227"/>
+          <a:stretch/>
+        </p:blipFill>
+        <p:spPr>
+          <a:xfrm rot="16200000">
+            <a:off x="5644438" y="3622823"/>
+            <a:ext cx="171984" cy="488129"/>
+          </a:xfrm>
+          <a:prstGeom prst="rect">
+            <a:avLst/>
+          </a:prstGeom>
+        </p:spPr>
+      </p:pic>
+      <p:pic>
+        <p:nvPicPr>
+          <p:cNvPr id="142" name="Picture 141">
+            <a:extLst>
+              <a:ext uri="{FF2B5EF4-FFF2-40B4-BE49-F238E27FC236}">
+                <a16:creationId xmlns:a16="http://schemas.microsoft.com/office/drawing/2014/main" id="{225474B2-06B1-4BB5-BE64-333D5812E1C2}"/>
+              </a:ext>
+            </a:extLst>
+          </p:cNvPr>
+          <p:cNvPicPr>
+            <a:picLocks noChangeAspect="1"/>
+          </p:cNvPicPr>
+          <p:nvPr/>
+        </p:nvPicPr>
+        <p:blipFill rotWithShape="1">
+          <a:blip r:embed="rId17"/>
+          <a:srcRect l="873" r="71897" b="29227"/>
+          <a:stretch/>
+        </p:blipFill>
+        <p:spPr>
+          <a:xfrm rot="16200000">
+            <a:off x="5641603" y="4047091"/>
+            <a:ext cx="177651" cy="488131"/>
+          </a:xfrm>
+          <a:prstGeom prst="rect">
+            <a:avLst/>
+          </a:prstGeom>
+        </p:spPr>
+      </p:pic>
+      <p:pic>
+        <p:nvPicPr>
+          <p:cNvPr id="143" name="Picture 142">
+            <a:extLst>
+              <a:ext uri="{FF2B5EF4-FFF2-40B4-BE49-F238E27FC236}">
+                <a16:creationId xmlns:a16="http://schemas.microsoft.com/office/drawing/2014/main" id="{AD77EFA9-3802-49D2-B1F9-3B20CB20CD28}"/>
+              </a:ext>
+            </a:extLst>
+          </p:cNvPr>
+          <p:cNvPicPr>
+            <a:picLocks noChangeAspect="1"/>
+          </p:cNvPicPr>
+          <p:nvPr/>
+        </p:nvPicPr>
+        <p:blipFill rotWithShape="1">
+          <a:blip r:embed="rId17"/>
+          <a:srcRect l="873" r="71897" b="29227"/>
+          <a:stretch/>
+        </p:blipFill>
+        <p:spPr>
+          <a:xfrm rot="16200000">
+            <a:off x="5641603" y="4545928"/>
+            <a:ext cx="177651" cy="488131"/>
+          </a:xfrm>
+          <a:prstGeom prst="rect">
+            <a:avLst/>
+          </a:prstGeom>
+        </p:spPr>
+      </p:pic>
+      <p:pic>
+        <p:nvPicPr>
+          <p:cNvPr id="144" name="Picture 143">
+            <a:extLst>
+              <a:ext uri="{FF2B5EF4-FFF2-40B4-BE49-F238E27FC236}">
+                <a16:creationId xmlns:a16="http://schemas.microsoft.com/office/drawing/2014/main" id="{704FC5DC-5110-4E72-9622-690A20E0D753}"/>
+              </a:ext>
+            </a:extLst>
+          </p:cNvPr>
+          <p:cNvPicPr>
+            <a:picLocks noChangeAspect="1"/>
+          </p:cNvPicPr>
+          <p:nvPr/>
+        </p:nvPicPr>
+        <p:blipFill rotWithShape="1">
+          <a:blip r:embed="rId17"/>
+          <a:srcRect l="73639" b="29227"/>
+          <a:stretch/>
+        </p:blipFill>
+        <p:spPr>
+          <a:xfrm rot="16200000">
+            <a:off x="5650115" y="5025858"/>
+            <a:ext cx="171984" cy="488129"/>
+          </a:xfrm>
+          <a:prstGeom prst="rect">
+            <a:avLst/>
+          </a:prstGeom>
+        </p:spPr>
+      </p:pic>
+      <p:pic>
+        <p:nvPicPr>
+          <p:cNvPr id="145" name="Picture 144">
+            <a:extLst>
+              <a:ext uri="{FF2B5EF4-FFF2-40B4-BE49-F238E27FC236}">
+                <a16:creationId xmlns:a16="http://schemas.microsoft.com/office/drawing/2014/main" id="{0DB6B7E1-6DC1-42DF-BA28-EA1421F21FDD}"/>
+              </a:ext>
+            </a:extLst>
+          </p:cNvPr>
+          <p:cNvPicPr>
+            <a:picLocks noChangeAspect="1"/>
+          </p:cNvPicPr>
+          <p:nvPr/>
+        </p:nvPicPr>
+        <p:blipFill rotWithShape="1">
+          <a:blip r:embed="rId17"/>
+          <a:srcRect l="73639" b="29227"/>
+          <a:stretch/>
+        </p:blipFill>
+        <p:spPr>
+          <a:xfrm rot="16200000">
+            <a:off x="5640488" y="5895540"/>
+            <a:ext cx="171984" cy="488129"/>
+          </a:xfrm>
+          <a:prstGeom prst="rect">
+            <a:avLst/>
+          </a:prstGeom>
+        </p:spPr>
+      </p:pic>
+      <p:pic>
+        <p:nvPicPr>
+          <p:cNvPr id="146" name="Picture 145">
+            <a:extLst>
+              <a:ext uri="{FF2B5EF4-FFF2-40B4-BE49-F238E27FC236}">
+                <a16:creationId xmlns:a16="http://schemas.microsoft.com/office/drawing/2014/main" id="{E9A6635E-D36F-459C-8AE9-7F11F669EAC9}"/>
+              </a:ext>
+            </a:extLst>
+          </p:cNvPr>
+          <p:cNvPicPr>
+            <a:picLocks noChangeAspect="1"/>
+          </p:cNvPicPr>
+          <p:nvPr/>
+        </p:nvPicPr>
+        <p:blipFill rotWithShape="1">
+          <a:blip r:embed="rId17"/>
+          <a:srcRect l="73639" b="29227"/>
+          <a:stretch/>
+        </p:blipFill>
+        <p:spPr>
+          <a:xfrm rot="16200000">
+            <a:off x="5640883" y="6383864"/>
+            <a:ext cx="171984" cy="488129"/>
+          </a:xfrm>
+          <a:prstGeom prst="rect">
+            <a:avLst/>
+          </a:prstGeom>
+        </p:spPr>
+      </p:pic>
+      <p:pic>
+        <p:nvPicPr>
+          <p:cNvPr id="147" name="Picture 146">
+            <a:extLst>
+              <a:ext uri="{FF2B5EF4-FFF2-40B4-BE49-F238E27FC236}">
+                <a16:creationId xmlns:a16="http://schemas.microsoft.com/office/drawing/2014/main" id="{4CB3948A-A56D-4985-929D-C5ADC4DB5827}"/>
+              </a:ext>
+            </a:extLst>
+          </p:cNvPr>
+          <p:cNvPicPr>
+            <a:picLocks noChangeAspect="1"/>
+          </p:cNvPicPr>
+          <p:nvPr/>
+        </p:nvPicPr>
+        <p:blipFill>
+          <a:blip r:embed="rId18"/>
+          <a:stretch>
+            <a:fillRect/>
+          </a:stretch>
+        </p:blipFill>
+        <p:spPr>
+          <a:xfrm>
+            <a:off x="190403" y="1404575"/>
+            <a:ext cx="1440342" cy="1646105"/>
+          </a:xfrm>
+          <a:prstGeom prst="rect">
+            <a:avLst/>
+          </a:prstGeom>
+        </p:spPr>
+      </p:pic>
+      <p:sp>
+        <p:nvSpPr>
+          <p:cNvPr id="148" name="TextBox 147">
+            <a:extLst>
+              <a:ext uri="{FF2B5EF4-FFF2-40B4-BE49-F238E27FC236}">
+                <a16:creationId xmlns:a16="http://schemas.microsoft.com/office/drawing/2014/main" id="{0F92D471-12A5-4F75-8795-20F5320C6F8F}"/>
+              </a:ext>
+            </a:extLst>
+          </p:cNvPr>
+          <p:cNvSpPr txBox="1"/>
+          <p:nvPr/>
+        </p:nvSpPr>
+        <p:spPr>
+          <a:xfrm>
+            <a:off x="1827817" y="2042581"/>
+            <a:ext cx="1405028" cy="369332"/>
+          </a:xfrm>
+          <a:prstGeom prst="rect">
+            <a:avLst/>
+          </a:prstGeom>
+          <a:noFill/>
+        </p:spPr>
+        <p:txBody>
+          <a:bodyPr wrap="square" rtlCol="0">
+            <a:spAutoFit/>
+          </a:bodyPr>
+          <a:lstStyle/>
+          <a:p>
+            <a:r>
+              <a:rPr lang="en-GB" dirty="0">
+                <a:latin typeface="+mj-lt"/>
+              </a:rPr>
+              <a:t>Primary</a:t>
+            </a:r>
+            <a:endParaRPr lang="en-US" dirty="0">
+              <a:latin typeface="+mj-lt"/>
+            </a:endParaRPr>
+          </a:p>
+        </p:txBody>
+      </p:sp>
+      <p:sp>
+        <p:nvSpPr>
+          <p:cNvPr id="149" name="TextBox 148">
+            <a:extLst>
+              <a:ext uri="{FF2B5EF4-FFF2-40B4-BE49-F238E27FC236}">
+                <a16:creationId xmlns:a16="http://schemas.microsoft.com/office/drawing/2014/main" id="{E456684B-C35A-41BA-B9EA-CEE75B6072F2}"/>
+              </a:ext>
+            </a:extLst>
+          </p:cNvPr>
+          <p:cNvSpPr txBox="1"/>
+          <p:nvPr/>
+        </p:nvSpPr>
+        <p:spPr>
+          <a:xfrm>
+            <a:off x="1816018" y="4815234"/>
+            <a:ext cx="1425541" cy="369332"/>
+          </a:xfrm>
+          <a:prstGeom prst="rect">
+            <a:avLst/>
+          </a:prstGeom>
+          <a:noFill/>
+        </p:spPr>
+        <p:txBody>
+          <a:bodyPr wrap="square" rtlCol="0">
+            <a:spAutoFit/>
+          </a:bodyPr>
+          <a:lstStyle/>
+          <a:p>
+            <a:r>
+              <a:rPr lang="en-GB" dirty="0">
+                <a:latin typeface="+mj-lt"/>
+              </a:rPr>
+              <a:t>Secondary</a:t>
+            </a:r>
+            <a:endParaRPr lang="en-US" dirty="0">
+              <a:latin typeface="+mj-lt"/>
+            </a:endParaRPr>
+          </a:p>
+        </p:txBody>
+      </p:sp>
+      <p:sp>
+        <p:nvSpPr>
+          <p:cNvPr id="150" name="TextBox 149">
+            <a:extLst>
+              <a:ext uri="{FF2B5EF4-FFF2-40B4-BE49-F238E27FC236}">
+                <a16:creationId xmlns:a16="http://schemas.microsoft.com/office/drawing/2014/main" id="{42AE9E27-C1C1-4073-B815-B7D4153F161F}"/>
+              </a:ext>
+            </a:extLst>
+          </p:cNvPr>
+          <p:cNvSpPr txBox="1"/>
+          <p:nvPr/>
+        </p:nvSpPr>
+        <p:spPr>
+          <a:xfrm>
+            <a:off x="1816018" y="6176793"/>
+            <a:ext cx="1423294" cy="369332"/>
+          </a:xfrm>
+          <a:prstGeom prst="rect">
+            <a:avLst/>
+          </a:prstGeom>
+          <a:noFill/>
+        </p:spPr>
+        <p:txBody>
+          <a:bodyPr wrap="square" rtlCol="0">
+            <a:spAutoFit/>
+          </a:bodyPr>
+          <a:lstStyle/>
+          <a:p>
+            <a:r>
+              <a:rPr lang="en-GB" dirty="0">
+                <a:latin typeface="+mj-lt"/>
+              </a:rPr>
+              <a:t>External</a:t>
+            </a:r>
+            <a:endParaRPr lang="en-US" dirty="0">
+              <a:latin typeface="+mj-lt"/>
+            </a:endParaRPr>
+          </a:p>
+        </p:txBody>
+      </p:sp>
+      <p:sp>
+        <p:nvSpPr>
+          <p:cNvPr id="151" name="TextBox 150">
+            <a:extLst>
+              <a:ext uri="{FF2B5EF4-FFF2-40B4-BE49-F238E27FC236}">
+                <a16:creationId xmlns:a16="http://schemas.microsoft.com/office/drawing/2014/main" id="{EC036973-702E-4F01-B854-39D9EBC52C89}"/>
+              </a:ext>
+            </a:extLst>
+          </p:cNvPr>
+          <p:cNvSpPr txBox="1"/>
+          <p:nvPr/>
+        </p:nvSpPr>
+        <p:spPr>
+          <a:xfrm>
+            <a:off x="1822484" y="24188"/>
+            <a:ext cx="1419072" cy="369332"/>
+          </a:xfrm>
+          <a:prstGeom prst="rect">
+            <a:avLst/>
+          </a:prstGeom>
+          <a:noFill/>
+        </p:spPr>
+        <p:txBody>
+          <a:bodyPr wrap="square" rtlCol="0">
+            <a:spAutoFit/>
+          </a:bodyPr>
+          <a:lstStyle/>
+          <a:p>
+            <a:r>
+              <a:rPr lang="en-GB" b="1" dirty="0">
+                <a:latin typeface="+mj-lt"/>
+              </a:rPr>
+              <a:t>Capability</a:t>
+            </a:r>
+            <a:endParaRPr lang="en-US" b="1" dirty="0">
+              <a:latin typeface="+mj-lt"/>
+            </a:endParaRPr>
+          </a:p>
+        </p:txBody>
+      </p:sp>
+      <p:sp>
+        <p:nvSpPr>
+          <p:cNvPr id="152" name="TextBox 151">
+            <a:extLst>
+              <a:ext uri="{FF2B5EF4-FFF2-40B4-BE49-F238E27FC236}">
+                <a16:creationId xmlns:a16="http://schemas.microsoft.com/office/drawing/2014/main" id="{78066EFE-E591-44B8-B014-70C92BEA4F4D}"/>
+              </a:ext>
+            </a:extLst>
+          </p:cNvPr>
+          <p:cNvSpPr txBox="1"/>
+          <p:nvPr/>
+        </p:nvSpPr>
+        <p:spPr>
+          <a:xfrm>
+            <a:off x="3239312" y="27241"/>
+            <a:ext cx="2134081" cy="369332"/>
+          </a:xfrm>
+          <a:prstGeom prst="rect">
+            <a:avLst/>
+          </a:prstGeom>
+          <a:noFill/>
+        </p:spPr>
+        <p:txBody>
+          <a:bodyPr wrap="square" rtlCol="0">
+            <a:spAutoFit/>
+          </a:bodyPr>
+          <a:lstStyle/>
+          <a:p>
+            <a:r>
+              <a:rPr lang="en-GB" b="1" dirty="0">
+                <a:latin typeface="+mj-lt"/>
+              </a:rPr>
+              <a:t>Feature</a:t>
+            </a:r>
+            <a:endParaRPr lang="en-US" b="1" dirty="0">
+              <a:latin typeface="+mj-lt"/>
+            </a:endParaRPr>
+          </a:p>
+        </p:txBody>
+      </p:sp>
+      <p:sp>
+        <p:nvSpPr>
+          <p:cNvPr id="153" name="TextBox 152">
+            <a:extLst>
+              <a:ext uri="{FF2B5EF4-FFF2-40B4-BE49-F238E27FC236}">
+                <a16:creationId xmlns:a16="http://schemas.microsoft.com/office/drawing/2014/main" id="{1EC301A2-1EA9-4049-968D-1C7067A5D4BE}"/>
+              </a:ext>
+            </a:extLst>
+          </p:cNvPr>
+          <p:cNvSpPr txBox="1"/>
+          <p:nvPr/>
+        </p:nvSpPr>
+        <p:spPr>
+          <a:xfrm>
+            <a:off x="5353298" y="24771"/>
+            <a:ext cx="739884" cy="369332"/>
+          </a:xfrm>
+          <a:prstGeom prst="rect">
+            <a:avLst/>
+          </a:prstGeom>
+          <a:noFill/>
+        </p:spPr>
+        <p:txBody>
+          <a:bodyPr wrap="square" rtlCol="0">
+            <a:spAutoFit/>
+          </a:bodyPr>
+          <a:lstStyle/>
+          <a:p>
+            <a:r>
+              <a:rPr lang="en-GB" b="1" dirty="0">
+                <a:latin typeface="+mj-lt"/>
+              </a:rPr>
+              <a:t>Status</a:t>
+            </a:r>
+            <a:endParaRPr lang="en-US" b="1" dirty="0">
+              <a:latin typeface="+mj-lt"/>
+            </a:endParaRPr>
+          </a:p>
+        </p:txBody>
+      </p:sp>
+      <p:sp>
+        <p:nvSpPr>
+          <p:cNvPr id="154" name="TextBox 153">
+            <a:extLst>
+              <a:ext uri="{FF2B5EF4-FFF2-40B4-BE49-F238E27FC236}">
+                <a16:creationId xmlns:a16="http://schemas.microsoft.com/office/drawing/2014/main" id="{F2F5AD85-0932-4ACE-82CD-90E813306F2B}"/>
+              </a:ext>
+            </a:extLst>
+          </p:cNvPr>
+          <p:cNvSpPr txBox="1"/>
+          <p:nvPr/>
+        </p:nvSpPr>
+        <p:spPr>
+          <a:xfrm>
+            <a:off x="6114916" y="21491"/>
+            <a:ext cx="1927937" cy="369332"/>
+          </a:xfrm>
+          <a:prstGeom prst="rect">
+            <a:avLst/>
+          </a:prstGeom>
+          <a:noFill/>
+        </p:spPr>
+        <p:txBody>
+          <a:bodyPr wrap="square" rtlCol="0">
+            <a:spAutoFit/>
+          </a:bodyPr>
+          <a:lstStyle/>
+          <a:p>
+            <a:r>
+              <a:rPr lang="en-GB" b="1" dirty="0">
+                <a:latin typeface="+mj-lt"/>
+              </a:rPr>
+              <a:t>Narrative</a:t>
+            </a:r>
+            <a:endParaRPr lang="en-US" b="1" dirty="0">
+              <a:latin typeface="+mj-lt"/>
+            </a:endParaRPr>
+          </a:p>
+        </p:txBody>
+      </p:sp>
+      <p:cxnSp>
+        <p:nvCxnSpPr>
+          <p:cNvPr id="155" name="Straight Connector 154">
+            <a:extLst>
+              <a:ext uri="{FF2B5EF4-FFF2-40B4-BE49-F238E27FC236}">
+                <a16:creationId xmlns:a16="http://schemas.microsoft.com/office/drawing/2014/main" id="{022238DF-94C2-4CB8-9B64-4DB1258E5216}"/>
+              </a:ext>
+            </a:extLst>
+          </p:cNvPr>
+          <p:cNvCxnSpPr>
+            <a:cxnSpLocks/>
+          </p:cNvCxnSpPr>
+          <p:nvPr/>
+        </p:nvCxnSpPr>
+        <p:spPr>
+          <a:xfrm>
+            <a:off x="1816018" y="4058755"/>
+            <a:ext cx="10375982" cy="0"/>
+          </a:xfrm>
+          <a:prstGeom prst="line">
+            <a:avLst/>
+          </a:prstGeom>
+        </p:spPr>
+        <p:style>
+          <a:lnRef idx="1">
+            <a:schemeClr val="accent3"/>
+          </a:lnRef>
+          <a:fillRef idx="0">
+            <a:schemeClr val="accent3"/>
+          </a:fillRef>
+          <a:effectRef idx="0">
+            <a:schemeClr val="accent3"/>
+          </a:effectRef>
+          <a:fontRef idx="minor">
+            <a:schemeClr val="tx1"/>
+          </a:fontRef>
+        </p:style>
+      </p:cxnSp>
+      <p:cxnSp>
+        <p:nvCxnSpPr>
+          <p:cNvPr id="156" name="Straight Connector 155">
+            <a:extLst>
+              <a:ext uri="{FF2B5EF4-FFF2-40B4-BE49-F238E27FC236}">
+                <a16:creationId xmlns:a16="http://schemas.microsoft.com/office/drawing/2014/main" id="{EE6D7F0A-A45F-4077-8440-6773FF6D08E5}"/>
+              </a:ext>
+            </a:extLst>
+          </p:cNvPr>
+          <p:cNvCxnSpPr>
+            <a:cxnSpLocks/>
+          </p:cNvCxnSpPr>
+          <p:nvPr/>
+        </p:nvCxnSpPr>
+        <p:spPr>
+          <a:xfrm>
+            <a:off x="1816018" y="5904269"/>
+            <a:ext cx="10375982" cy="0"/>
+          </a:xfrm>
+          <a:prstGeom prst="line">
+            <a:avLst/>
+          </a:prstGeom>
+        </p:spPr>
+        <p:style>
+          <a:lnRef idx="1">
+            <a:schemeClr val="accent3"/>
+          </a:lnRef>
+          <a:fillRef idx="0">
+            <a:schemeClr val="accent3"/>
+          </a:fillRef>
+          <a:effectRef idx="0">
+            <a:schemeClr val="accent3"/>
+          </a:effectRef>
+          <a:fontRef idx="minor">
+            <a:schemeClr val="tx1"/>
+          </a:fontRef>
+        </p:style>
+      </p:cxnSp>
+      <p:cxnSp>
+        <p:nvCxnSpPr>
+          <p:cNvPr id="157" name="Straight Connector 156">
+            <a:extLst>
+              <a:ext uri="{FF2B5EF4-FFF2-40B4-BE49-F238E27FC236}">
+                <a16:creationId xmlns:a16="http://schemas.microsoft.com/office/drawing/2014/main" id="{ED0AEBD0-BAD1-4219-B8FD-DD81776A43A9}"/>
+              </a:ext>
+            </a:extLst>
+          </p:cNvPr>
+          <p:cNvCxnSpPr>
+            <a:cxnSpLocks/>
+          </p:cNvCxnSpPr>
+          <p:nvPr/>
+        </p:nvCxnSpPr>
+        <p:spPr>
+          <a:xfrm>
+            <a:off x="3232846" y="0"/>
+            <a:ext cx="0" cy="6858000"/>
+          </a:xfrm>
+          <a:prstGeom prst="line">
+            <a:avLst/>
+          </a:prstGeom>
+        </p:spPr>
+        <p:style>
+          <a:lnRef idx="1">
+            <a:schemeClr val="accent3"/>
+          </a:lnRef>
+          <a:fillRef idx="0">
+            <a:schemeClr val="accent3"/>
+          </a:fillRef>
+          <a:effectRef idx="0">
+            <a:schemeClr val="accent3"/>
+          </a:effectRef>
+          <a:fontRef idx="minor">
+            <a:schemeClr val="tx1"/>
+          </a:fontRef>
+        </p:style>
+      </p:cxnSp>
+      <p:cxnSp>
+        <p:nvCxnSpPr>
+          <p:cNvPr id="158" name="Straight Connector 157">
+            <a:extLst>
+              <a:ext uri="{FF2B5EF4-FFF2-40B4-BE49-F238E27FC236}">
+                <a16:creationId xmlns:a16="http://schemas.microsoft.com/office/drawing/2014/main" id="{DC822B2D-7CB1-4106-A8F4-9B58A4A7BACB}"/>
+              </a:ext>
+            </a:extLst>
+          </p:cNvPr>
+          <p:cNvCxnSpPr>
+            <a:cxnSpLocks/>
+          </p:cNvCxnSpPr>
+          <p:nvPr/>
+        </p:nvCxnSpPr>
+        <p:spPr>
+          <a:xfrm>
+            <a:off x="5353300" y="0"/>
+            <a:ext cx="0" cy="6858000"/>
+          </a:xfrm>
+          <a:prstGeom prst="line">
+            <a:avLst/>
+          </a:prstGeom>
+        </p:spPr>
+        <p:style>
+          <a:lnRef idx="1">
+            <a:schemeClr val="accent3"/>
+          </a:lnRef>
+          <a:fillRef idx="0">
+            <a:schemeClr val="accent3"/>
+          </a:fillRef>
+          <a:effectRef idx="0">
+            <a:schemeClr val="accent3"/>
+          </a:effectRef>
+          <a:fontRef idx="minor">
+            <a:schemeClr val="tx1"/>
+          </a:fontRef>
+        </p:style>
+      </p:cxnSp>
+      <p:cxnSp>
+        <p:nvCxnSpPr>
+          <p:cNvPr id="159" name="Straight Connector 158">
+            <a:extLst>
+              <a:ext uri="{FF2B5EF4-FFF2-40B4-BE49-F238E27FC236}">
+                <a16:creationId xmlns:a16="http://schemas.microsoft.com/office/drawing/2014/main" id="{E1D19290-7B45-47E0-8EA0-A44B564BBF41}"/>
+              </a:ext>
+            </a:extLst>
+          </p:cNvPr>
+          <p:cNvCxnSpPr>
+            <a:cxnSpLocks/>
+          </p:cNvCxnSpPr>
+          <p:nvPr/>
+        </p:nvCxnSpPr>
+        <p:spPr>
+          <a:xfrm>
+            <a:off x="1822484" y="395739"/>
+            <a:ext cx="10369516" cy="0"/>
+          </a:xfrm>
+          <a:prstGeom prst="line">
+            <a:avLst/>
+          </a:prstGeom>
+        </p:spPr>
+        <p:style>
+          <a:lnRef idx="1">
+            <a:schemeClr val="accent3"/>
+          </a:lnRef>
+          <a:fillRef idx="0">
+            <a:schemeClr val="accent3"/>
+          </a:fillRef>
+          <a:effectRef idx="0">
+            <a:schemeClr val="accent3"/>
+          </a:effectRef>
+          <a:fontRef idx="minor">
+            <a:schemeClr val="tx1"/>
+          </a:fontRef>
+        </p:style>
+      </p:cxnSp>
+      <p:cxnSp>
+        <p:nvCxnSpPr>
+          <p:cNvPr id="160" name="Straight Connector 159">
+            <a:extLst>
+              <a:ext uri="{FF2B5EF4-FFF2-40B4-BE49-F238E27FC236}">
+                <a16:creationId xmlns:a16="http://schemas.microsoft.com/office/drawing/2014/main" id="{E5E6F783-8408-423D-A68C-770DFE1CAC5A}"/>
+              </a:ext>
+            </a:extLst>
+          </p:cNvPr>
+          <p:cNvCxnSpPr>
+            <a:cxnSpLocks/>
+          </p:cNvCxnSpPr>
+          <p:nvPr/>
+        </p:nvCxnSpPr>
+        <p:spPr>
+          <a:xfrm>
+            <a:off x="1816018" y="0"/>
+            <a:ext cx="0" cy="6858000"/>
+          </a:xfrm>
+          <a:prstGeom prst="line">
+            <a:avLst/>
+          </a:prstGeom>
+        </p:spPr>
+        <p:style>
+          <a:lnRef idx="1">
+            <a:schemeClr val="accent3"/>
+          </a:lnRef>
+          <a:fillRef idx="0">
+            <a:schemeClr val="accent3"/>
+          </a:fillRef>
+          <a:effectRef idx="0">
+            <a:schemeClr val="accent3"/>
+          </a:effectRef>
+          <a:fontRef idx="minor">
+            <a:schemeClr val="tx1"/>
+          </a:fontRef>
+        </p:style>
+      </p:cxnSp>
+      <p:cxnSp>
+        <p:nvCxnSpPr>
+          <p:cNvPr id="161" name="Straight Connector 160">
+            <a:extLst>
+              <a:ext uri="{FF2B5EF4-FFF2-40B4-BE49-F238E27FC236}">
+                <a16:creationId xmlns:a16="http://schemas.microsoft.com/office/drawing/2014/main" id="{28AEA457-2086-4D92-98CC-E9255F877385}"/>
+              </a:ext>
+            </a:extLst>
+          </p:cNvPr>
+          <p:cNvCxnSpPr>
+            <a:cxnSpLocks/>
+          </p:cNvCxnSpPr>
+          <p:nvPr/>
+        </p:nvCxnSpPr>
+        <p:spPr>
+          <a:xfrm>
+            <a:off x="6098820" y="0"/>
+            <a:ext cx="0" cy="6858000"/>
+          </a:xfrm>
+          <a:prstGeom prst="line">
+            <a:avLst/>
+          </a:prstGeom>
+        </p:spPr>
+        <p:style>
+          <a:lnRef idx="1">
+            <a:schemeClr val="accent3"/>
+          </a:lnRef>
+          <a:fillRef idx="0">
+            <a:schemeClr val="accent3"/>
+          </a:fillRef>
+          <a:effectRef idx="0">
+            <a:schemeClr val="accent3"/>
+          </a:effectRef>
+          <a:fontRef idx="minor">
+            <a:schemeClr val="tx1"/>
+          </a:fontRef>
+        </p:style>
+      </p:cxnSp>
+      <p:sp>
+        <p:nvSpPr>
+          <p:cNvPr id="162" name="TextBox 161">
+            <a:extLst>
+              <a:ext uri="{FF2B5EF4-FFF2-40B4-BE49-F238E27FC236}">
+                <a16:creationId xmlns:a16="http://schemas.microsoft.com/office/drawing/2014/main" id="{E061FF2E-9C14-4D76-BB76-A7F745E1BFDA}"/>
+              </a:ext>
+            </a:extLst>
+          </p:cNvPr>
+          <p:cNvSpPr txBox="1"/>
+          <p:nvPr/>
+        </p:nvSpPr>
+        <p:spPr>
+          <a:xfrm>
+            <a:off x="411344" y="397370"/>
+            <a:ext cx="995337" cy="923330"/>
+          </a:xfrm>
+          <a:prstGeom prst="rect">
+            <a:avLst/>
+          </a:prstGeom>
+          <a:noFill/>
+        </p:spPr>
+        <p:txBody>
+          <a:bodyPr wrap="none" rtlCol="0">
+            <a:spAutoFit/>
+          </a:bodyPr>
+          <a:lstStyle/>
+          <a:p>
+            <a:pPr algn="ctr"/>
+            <a:r>
+              <a:rPr lang="en-GB" b="1" dirty="0">
+                <a:latin typeface="+mj-lt"/>
+              </a:rPr>
+              <a:t>Azure </a:t>
+            </a:r>
+          </a:p>
+          <a:p>
+            <a:pPr algn="ctr"/>
+            <a:r>
+              <a:rPr lang="en-GB" b="1" dirty="0">
+                <a:latin typeface="+mj-lt"/>
+              </a:rPr>
+              <a:t>Synapse </a:t>
+            </a:r>
+          </a:p>
+          <a:p>
+            <a:pPr algn="ctr"/>
+            <a:r>
+              <a:rPr lang="en-GB" b="1" dirty="0">
+                <a:latin typeface="+mj-lt"/>
+              </a:rPr>
+              <a:t>Analytics</a:t>
+            </a:r>
+            <a:endParaRPr lang="en-US" b="1" dirty="0">
+              <a:latin typeface="+mj-lt"/>
+            </a:endParaRPr>
+          </a:p>
+        </p:txBody>
+      </p:sp>
+      <p:sp>
+        <p:nvSpPr>
+          <p:cNvPr id="163" name="TextBox 162">
+            <a:extLst>
+              <a:ext uri="{FF2B5EF4-FFF2-40B4-BE49-F238E27FC236}">
+                <a16:creationId xmlns:a16="http://schemas.microsoft.com/office/drawing/2014/main" id="{A1AE0A0C-A6C5-4C8B-8C61-0271FC5FECCC}"/>
+              </a:ext>
+            </a:extLst>
+          </p:cNvPr>
+          <p:cNvSpPr txBox="1"/>
+          <p:nvPr/>
+        </p:nvSpPr>
+        <p:spPr>
+          <a:xfrm>
+            <a:off x="6188030" y="3726315"/>
+            <a:ext cx="4311535" cy="276999"/>
+          </a:xfrm>
+          <a:prstGeom prst="rect">
+            <a:avLst/>
+          </a:prstGeom>
+          <a:noFill/>
+          <a:ln>
+            <a:noFill/>
+          </a:ln>
+        </p:spPr>
+        <p:style>
+          <a:lnRef idx="2">
+            <a:schemeClr val="accent3"/>
+          </a:lnRef>
+          <a:fillRef idx="1">
+            <a:schemeClr val="lt1"/>
+          </a:fillRef>
+          <a:effectRef idx="0">
+            <a:schemeClr val="accent3"/>
+          </a:effectRef>
+          <a:fontRef idx="minor">
+            <a:schemeClr val="dk1"/>
+          </a:fontRef>
+        </p:style>
+        <p:txBody>
+          <a:bodyPr wrap="square" rtlCol="0">
+            <a:spAutoFit/>
+          </a:bodyPr>
+          <a:lstStyle/>
+          <a:p>
+            <a:r>
+              <a:rPr lang="en-GB" sz="1200" dirty="0">
+                <a:latin typeface="+mj-lt"/>
+              </a:rPr>
+              <a:t>Linked Hosted IR’s missing. No SSIS Support.</a:t>
+            </a:r>
+          </a:p>
+        </p:txBody>
+      </p:sp>
+      <p:sp>
+        <p:nvSpPr>
+          <p:cNvPr id="164" name="TextBox 163">
+            <a:extLst>
+              <a:ext uri="{FF2B5EF4-FFF2-40B4-BE49-F238E27FC236}">
+                <a16:creationId xmlns:a16="http://schemas.microsoft.com/office/drawing/2014/main" id="{3AF85845-FD91-4727-928E-6DF8D37FAB46}"/>
+              </a:ext>
+            </a:extLst>
+          </p:cNvPr>
+          <p:cNvSpPr txBox="1"/>
+          <p:nvPr/>
+        </p:nvSpPr>
+        <p:spPr>
+          <a:xfrm>
+            <a:off x="6191411" y="2337920"/>
+            <a:ext cx="5486131" cy="276999"/>
+          </a:xfrm>
+          <a:prstGeom prst="rect">
+            <a:avLst/>
+          </a:prstGeom>
+          <a:noFill/>
+          <a:ln>
+            <a:noFill/>
+          </a:ln>
+        </p:spPr>
+        <p:style>
+          <a:lnRef idx="2">
+            <a:schemeClr val="accent3"/>
+          </a:lnRef>
+          <a:fillRef idx="1">
+            <a:schemeClr val="lt1"/>
+          </a:fillRef>
+          <a:effectRef idx="0">
+            <a:schemeClr val="accent3"/>
+          </a:effectRef>
+          <a:fontRef idx="minor">
+            <a:schemeClr val="dk1"/>
+          </a:fontRef>
+        </p:style>
+        <p:txBody>
+          <a:bodyPr wrap="square" rtlCol="0">
+            <a:spAutoFit/>
+          </a:bodyPr>
+          <a:lstStyle/>
+          <a:p>
+            <a:r>
+              <a:rPr lang="en-GB" sz="1200" dirty="0">
+                <a:latin typeface="+mj-lt"/>
+              </a:rPr>
+              <a:t>Delta Tables now supported. SQL requests available via monitoring page.</a:t>
+            </a:r>
+            <a:endParaRPr lang="en-US" sz="1200" dirty="0">
+              <a:latin typeface="+mj-lt"/>
+            </a:endParaRPr>
+          </a:p>
+        </p:txBody>
+      </p:sp>
+      <p:sp>
+        <p:nvSpPr>
+          <p:cNvPr id="165" name="TextBox 164">
+            <a:extLst>
+              <a:ext uri="{FF2B5EF4-FFF2-40B4-BE49-F238E27FC236}">
+                <a16:creationId xmlns:a16="http://schemas.microsoft.com/office/drawing/2014/main" id="{546DEA68-D9D7-4CA6-A06B-4BBE222E94BA}"/>
+              </a:ext>
+            </a:extLst>
+          </p:cNvPr>
+          <p:cNvSpPr txBox="1"/>
+          <p:nvPr/>
+        </p:nvSpPr>
+        <p:spPr>
+          <a:xfrm>
+            <a:off x="6188029" y="1907675"/>
+            <a:ext cx="5113021" cy="276999"/>
+          </a:xfrm>
+          <a:prstGeom prst="rect">
+            <a:avLst/>
+          </a:prstGeom>
+          <a:noFill/>
+          <a:ln>
+            <a:noFill/>
+          </a:ln>
+        </p:spPr>
+        <p:style>
+          <a:lnRef idx="2">
+            <a:schemeClr val="accent3"/>
+          </a:lnRef>
+          <a:fillRef idx="1">
+            <a:schemeClr val="lt1"/>
+          </a:fillRef>
+          <a:effectRef idx="0">
+            <a:schemeClr val="accent3"/>
+          </a:effectRef>
+          <a:fontRef idx="minor">
+            <a:schemeClr val="dk1"/>
+          </a:fontRef>
+        </p:style>
+        <p:txBody>
+          <a:bodyPr wrap="square" rtlCol="0">
+            <a:spAutoFit/>
+          </a:bodyPr>
+          <a:lstStyle/>
+          <a:p>
+            <a:r>
+              <a:rPr lang="en-GB" sz="1200" dirty="0">
+                <a:latin typeface="+mj-lt"/>
+              </a:rPr>
+              <a:t>Now using Spark 3.0. Cluster currency/stability/cost. Delta Optimize missing.</a:t>
+            </a:r>
+            <a:endParaRPr lang="en-US" sz="1200" dirty="0">
+              <a:latin typeface="+mj-lt"/>
+            </a:endParaRPr>
+          </a:p>
+        </p:txBody>
+      </p:sp>
+      <p:sp>
+        <p:nvSpPr>
+          <p:cNvPr id="166" name="TextBox 165">
+            <a:extLst>
+              <a:ext uri="{FF2B5EF4-FFF2-40B4-BE49-F238E27FC236}">
+                <a16:creationId xmlns:a16="http://schemas.microsoft.com/office/drawing/2014/main" id="{F7299693-B382-46E7-A1E2-0ADFD1FAB817}"/>
+              </a:ext>
+            </a:extLst>
+          </p:cNvPr>
+          <p:cNvSpPr txBox="1"/>
+          <p:nvPr/>
+        </p:nvSpPr>
+        <p:spPr>
+          <a:xfrm>
+            <a:off x="6188030" y="1441426"/>
+            <a:ext cx="5113022" cy="276999"/>
+          </a:xfrm>
+          <a:prstGeom prst="rect">
+            <a:avLst/>
+          </a:prstGeom>
+          <a:noFill/>
+          <a:ln>
+            <a:noFill/>
+          </a:ln>
+        </p:spPr>
+        <p:style>
+          <a:lnRef idx="2">
+            <a:schemeClr val="accent3"/>
+          </a:lnRef>
+          <a:fillRef idx="1">
+            <a:schemeClr val="lt1"/>
+          </a:fillRef>
+          <a:effectRef idx="0">
+            <a:schemeClr val="accent3"/>
+          </a:effectRef>
+          <a:fontRef idx="minor">
+            <a:schemeClr val="dk1"/>
+          </a:fontRef>
+        </p:style>
+        <p:txBody>
+          <a:bodyPr wrap="square" rtlCol="0">
+            <a:spAutoFit/>
+          </a:bodyPr>
+          <a:lstStyle/>
+          <a:p>
+            <a:r>
+              <a:rPr lang="en-GB" sz="1200" dirty="0">
+                <a:latin typeface="+mj-lt"/>
+              </a:rPr>
+              <a:t>Workspace integration unstable. Disconnected DevOps. No cross tenant support.</a:t>
+            </a:r>
+            <a:endParaRPr lang="en-US" sz="1200" dirty="0">
+              <a:latin typeface="+mj-lt"/>
+            </a:endParaRPr>
+          </a:p>
+        </p:txBody>
+      </p:sp>
+      <p:sp>
+        <p:nvSpPr>
+          <p:cNvPr id="167" name="TextBox 166">
+            <a:extLst>
+              <a:ext uri="{FF2B5EF4-FFF2-40B4-BE49-F238E27FC236}">
+                <a16:creationId xmlns:a16="http://schemas.microsoft.com/office/drawing/2014/main" id="{8A8442A8-A21F-41C3-B302-CC1DAB50FA95}"/>
+              </a:ext>
+            </a:extLst>
+          </p:cNvPr>
+          <p:cNvSpPr txBox="1"/>
+          <p:nvPr/>
+        </p:nvSpPr>
+        <p:spPr>
+          <a:xfrm>
+            <a:off x="6188030" y="514217"/>
+            <a:ext cx="5113028" cy="276999"/>
+          </a:xfrm>
+          <a:prstGeom prst="rect">
+            <a:avLst/>
+          </a:prstGeom>
+          <a:noFill/>
+          <a:ln>
+            <a:noFill/>
+          </a:ln>
+        </p:spPr>
+        <p:style>
+          <a:lnRef idx="2">
+            <a:schemeClr val="accent3"/>
+          </a:lnRef>
+          <a:fillRef idx="1">
+            <a:schemeClr val="lt1"/>
+          </a:fillRef>
+          <a:effectRef idx="0">
+            <a:schemeClr val="accent3"/>
+          </a:effectRef>
+          <a:fontRef idx="minor">
+            <a:schemeClr val="dk1"/>
+          </a:fontRef>
+        </p:style>
+        <p:txBody>
+          <a:bodyPr wrap="square" rtlCol="0">
+            <a:spAutoFit/>
+          </a:bodyPr>
+          <a:lstStyle/>
+          <a:p>
+            <a:r>
+              <a:rPr lang="en-GB" sz="1200" dirty="0">
+                <a:latin typeface="+mj-lt"/>
+              </a:rPr>
+              <a:t>Deployment approach needs custom build. Security model roles still in preview.</a:t>
+            </a:r>
+          </a:p>
+        </p:txBody>
+      </p:sp>
+      <p:sp>
+        <p:nvSpPr>
+          <p:cNvPr id="168" name="TextBox 167">
+            <a:extLst>
+              <a:ext uri="{FF2B5EF4-FFF2-40B4-BE49-F238E27FC236}">
+                <a16:creationId xmlns:a16="http://schemas.microsoft.com/office/drawing/2014/main" id="{3A44F66B-5DF9-4F2F-9D76-30F09577A9BF}"/>
+              </a:ext>
+            </a:extLst>
+          </p:cNvPr>
+          <p:cNvSpPr txBox="1"/>
+          <p:nvPr/>
+        </p:nvSpPr>
+        <p:spPr>
+          <a:xfrm>
+            <a:off x="6188231" y="4152656"/>
+            <a:ext cx="4782331" cy="276999"/>
+          </a:xfrm>
+          <a:prstGeom prst="rect">
+            <a:avLst/>
+          </a:prstGeom>
+          <a:noFill/>
+          <a:ln>
+            <a:noFill/>
+          </a:ln>
+        </p:spPr>
+        <p:style>
+          <a:lnRef idx="2">
+            <a:schemeClr val="accent3"/>
+          </a:lnRef>
+          <a:fillRef idx="1">
+            <a:schemeClr val="lt1"/>
+          </a:fillRef>
+          <a:effectRef idx="0">
+            <a:schemeClr val="accent3"/>
+          </a:effectRef>
+          <a:fontRef idx="minor">
+            <a:schemeClr val="dk1"/>
+          </a:fontRef>
+        </p:style>
+        <p:txBody>
+          <a:bodyPr wrap="square" rtlCol="0">
+            <a:spAutoFit/>
+          </a:bodyPr>
+          <a:lstStyle/>
+          <a:p>
+            <a:r>
+              <a:rPr lang="en-GB" sz="1200" dirty="0">
+                <a:latin typeface="+mj-lt"/>
+              </a:rPr>
+              <a:t>Lots of methods missing. Incomplete permissions model.</a:t>
+            </a:r>
+            <a:endParaRPr lang="en-US" sz="1200" dirty="0">
+              <a:latin typeface="+mj-lt"/>
+            </a:endParaRPr>
+          </a:p>
+        </p:txBody>
+      </p:sp>
+      <p:sp>
+        <p:nvSpPr>
+          <p:cNvPr id="169" name="TextBox 168">
+            <a:extLst>
+              <a:ext uri="{FF2B5EF4-FFF2-40B4-BE49-F238E27FC236}">
+                <a16:creationId xmlns:a16="http://schemas.microsoft.com/office/drawing/2014/main" id="{0331D680-82A6-4BCC-B2FD-FE1D08D22BAE}"/>
+              </a:ext>
+            </a:extLst>
+          </p:cNvPr>
+          <p:cNvSpPr txBox="1"/>
+          <p:nvPr/>
+        </p:nvSpPr>
+        <p:spPr>
+          <a:xfrm>
+            <a:off x="6188030" y="6001541"/>
+            <a:ext cx="5919998" cy="276999"/>
+          </a:xfrm>
+          <a:prstGeom prst="rect">
+            <a:avLst/>
+          </a:prstGeom>
+          <a:noFill/>
+          <a:ln>
+            <a:noFill/>
+          </a:ln>
+        </p:spPr>
+        <p:style>
+          <a:lnRef idx="2">
+            <a:schemeClr val="accent3"/>
+          </a:lnRef>
+          <a:fillRef idx="1">
+            <a:schemeClr val="lt1"/>
+          </a:fillRef>
+          <a:effectRef idx="0">
+            <a:schemeClr val="accent3"/>
+          </a:effectRef>
+          <a:fontRef idx="minor">
+            <a:schemeClr val="dk1"/>
+          </a:fontRef>
+        </p:style>
+        <p:txBody>
+          <a:bodyPr wrap="square" rtlCol="0">
+            <a:spAutoFit/>
+          </a:bodyPr>
+          <a:lstStyle/>
+          <a:p>
+            <a:r>
+              <a:rPr lang="en-GB" sz="1200" dirty="0">
+                <a:latin typeface="+mj-lt"/>
+              </a:rPr>
+              <a:t>New ComosDB instances only. Not all ComosDB API’s types supported.</a:t>
+            </a:r>
+            <a:endParaRPr lang="en-US" sz="1200" dirty="0">
+              <a:latin typeface="+mj-lt"/>
+            </a:endParaRPr>
+          </a:p>
+        </p:txBody>
+      </p:sp>
+      <p:sp>
+        <p:nvSpPr>
+          <p:cNvPr id="170" name="TextBox 169">
+            <a:extLst>
+              <a:ext uri="{FF2B5EF4-FFF2-40B4-BE49-F238E27FC236}">
+                <a16:creationId xmlns:a16="http://schemas.microsoft.com/office/drawing/2014/main" id="{C69F6E72-270C-40B1-BAE3-232084D25EE7}"/>
+              </a:ext>
+            </a:extLst>
+          </p:cNvPr>
+          <p:cNvSpPr txBox="1"/>
+          <p:nvPr/>
+        </p:nvSpPr>
+        <p:spPr>
+          <a:xfrm>
+            <a:off x="6188231" y="4670664"/>
+            <a:ext cx="5849693" cy="276999"/>
+          </a:xfrm>
+          <a:prstGeom prst="rect">
+            <a:avLst/>
+          </a:prstGeom>
+          <a:noFill/>
+          <a:ln>
+            <a:noFill/>
+          </a:ln>
+        </p:spPr>
+        <p:style>
+          <a:lnRef idx="2">
+            <a:schemeClr val="accent3"/>
+          </a:lnRef>
+          <a:fillRef idx="1">
+            <a:schemeClr val="lt1"/>
+          </a:fillRef>
+          <a:effectRef idx="0">
+            <a:schemeClr val="accent3"/>
+          </a:effectRef>
+          <a:fontRef idx="minor">
+            <a:schemeClr val="dk1"/>
+          </a:fontRef>
+        </p:style>
+        <p:txBody>
+          <a:bodyPr wrap="square" rtlCol="0">
+            <a:spAutoFit/>
+          </a:bodyPr>
+          <a:lstStyle/>
+          <a:p>
+            <a:r>
+              <a:rPr lang="en-GB" sz="1200" dirty="0">
+                <a:latin typeface="+mj-lt"/>
+              </a:rPr>
+              <a:t>NuGet still in Beta, new Beta version added. Classes missing from Namespace.</a:t>
+            </a:r>
+            <a:endParaRPr lang="en-US" sz="1200" dirty="0">
+              <a:latin typeface="+mj-lt"/>
+            </a:endParaRPr>
+          </a:p>
+        </p:txBody>
+      </p:sp>
+      <p:sp>
+        <p:nvSpPr>
+          <p:cNvPr id="171" name="TextBox 170">
+            <a:extLst>
+              <a:ext uri="{FF2B5EF4-FFF2-40B4-BE49-F238E27FC236}">
+                <a16:creationId xmlns:a16="http://schemas.microsoft.com/office/drawing/2014/main" id="{D2372659-74B4-4DD4-A569-CFD07BB53C6F}"/>
+              </a:ext>
+            </a:extLst>
+          </p:cNvPr>
+          <p:cNvSpPr txBox="1"/>
+          <p:nvPr/>
+        </p:nvSpPr>
+        <p:spPr>
+          <a:xfrm>
+            <a:off x="6188006" y="5040927"/>
+            <a:ext cx="5112345" cy="461665"/>
+          </a:xfrm>
+          <a:prstGeom prst="rect">
+            <a:avLst/>
+          </a:prstGeom>
+          <a:noFill/>
+          <a:ln>
+            <a:noFill/>
+          </a:ln>
+        </p:spPr>
+        <p:style>
+          <a:lnRef idx="2">
+            <a:schemeClr val="accent3"/>
+          </a:lnRef>
+          <a:fillRef idx="1">
+            <a:schemeClr val="lt1"/>
+          </a:fillRef>
+          <a:effectRef idx="0">
+            <a:schemeClr val="accent3"/>
+          </a:effectRef>
+          <a:fontRef idx="minor">
+            <a:schemeClr val="dk1"/>
+          </a:fontRef>
+        </p:style>
+        <p:txBody>
+          <a:bodyPr wrap="square" rtlCol="0">
+            <a:spAutoFit/>
+          </a:bodyPr>
+          <a:lstStyle/>
+          <a:p>
+            <a:r>
+              <a:rPr lang="en-GB" sz="1200" dirty="0">
+                <a:latin typeface="+mj-lt"/>
+              </a:rPr>
+              <a:t>Still don’t have a complete set of logs compared to dedicated resource capabilities.</a:t>
+            </a:r>
+            <a:endParaRPr lang="en-US" sz="1200" dirty="0">
+              <a:latin typeface="+mj-lt"/>
+            </a:endParaRPr>
+          </a:p>
+        </p:txBody>
+      </p:sp>
+      <p:sp>
+        <p:nvSpPr>
+          <p:cNvPr id="172" name="TextBox 171">
+            <a:extLst>
+              <a:ext uri="{FF2B5EF4-FFF2-40B4-BE49-F238E27FC236}">
+                <a16:creationId xmlns:a16="http://schemas.microsoft.com/office/drawing/2014/main" id="{4060ABEC-F30E-4921-B036-CD02C6593950}"/>
+              </a:ext>
+            </a:extLst>
+          </p:cNvPr>
+          <p:cNvSpPr txBox="1"/>
+          <p:nvPr/>
+        </p:nvSpPr>
+        <p:spPr>
+          <a:xfrm>
+            <a:off x="6188029" y="5484951"/>
+            <a:ext cx="5113016" cy="461665"/>
+          </a:xfrm>
+          <a:prstGeom prst="rect">
+            <a:avLst/>
+          </a:prstGeom>
+          <a:noFill/>
+          <a:ln>
+            <a:noFill/>
+          </a:ln>
+        </p:spPr>
+        <p:style>
+          <a:lnRef idx="2">
+            <a:schemeClr val="accent3"/>
+          </a:lnRef>
+          <a:fillRef idx="1">
+            <a:schemeClr val="lt1"/>
+          </a:fillRef>
+          <a:effectRef idx="0">
+            <a:schemeClr val="accent3"/>
+          </a:effectRef>
+          <a:fontRef idx="minor">
+            <a:schemeClr val="dk1"/>
+          </a:fontRef>
+        </p:style>
+        <p:txBody>
+          <a:bodyPr wrap="square" rtlCol="0">
+            <a:spAutoFit/>
+          </a:bodyPr>
+          <a:lstStyle/>
+          <a:p>
+            <a:r>
+              <a:rPr lang="en-GB" sz="1200" dirty="0">
+                <a:latin typeface="+mj-lt"/>
+              </a:rPr>
+              <a:t>Need to test full connectivity for all underlying parts of Synapse and check </a:t>
+            </a:r>
+          </a:p>
+          <a:p>
+            <a:r>
+              <a:rPr lang="en-GB" sz="1200" dirty="0">
+                <a:latin typeface="+mj-lt"/>
+              </a:rPr>
+              <a:t>Firewall context.</a:t>
+            </a:r>
+            <a:endParaRPr lang="en-US" sz="1200" dirty="0">
+              <a:latin typeface="+mj-lt"/>
+            </a:endParaRPr>
+          </a:p>
+        </p:txBody>
+      </p:sp>
+      <p:sp>
+        <p:nvSpPr>
+          <p:cNvPr id="173" name="TextBox 172">
+            <a:extLst>
+              <a:ext uri="{FF2B5EF4-FFF2-40B4-BE49-F238E27FC236}">
+                <a16:creationId xmlns:a16="http://schemas.microsoft.com/office/drawing/2014/main" id="{BBC899F3-9C1D-4947-8652-82DEA3586D53}"/>
+              </a:ext>
+            </a:extLst>
+          </p:cNvPr>
+          <p:cNvSpPr txBox="1"/>
+          <p:nvPr/>
+        </p:nvSpPr>
+        <p:spPr>
+          <a:xfrm>
+            <a:off x="6188030" y="6488462"/>
+            <a:ext cx="4695979" cy="276999"/>
+          </a:xfrm>
+          <a:prstGeom prst="rect">
+            <a:avLst/>
+          </a:prstGeom>
+          <a:noFill/>
+          <a:ln>
+            <a:noFill/>
+          </a:ln>
+        </p:spPr>
+        <p:style>
+          <a:lnRef idx="2">
+            <a:schemeClr val="accent3"/>
+          </a:lnRef>
+          <a:fillRef idx="1">
+            <a:schemeClr val="lt1"/>
+          </a:fillRef>
+          <a:effectRef idx="0">
+            <a:schemeClr val="accent3"/>
+          </a:effectRef>
+          <a:fontRef idx="minor">
+            <a:schemeClr val="dk1"/>
+          </a:fontRef>
+        </p:style>
+        <p:txBody>
+          <a:bodyPr wrap="square" rtlCol="0">
+            <a:spAutoFit/>
+          </a:bodyPr>
+          <a:lstStyle/>
+          <a:p>
+            <a:r>
+              <a:rPr lang="en-GB" sz="1200" dirty="0">
+                <a:latin typeface="+mj-lt"/>
+              </a:rPr>
+              <a:t>Still in preview. Roadmap unclear.</a:t>
+            </a:r>
+            <a:endParaRPr lang="en-US" sz="1200" dirty="0">
+              <a:latin typeface="+mj-lt"/>
+            </a:endParaRPr>
+          </a:p>
+        </p:txBody>
+      </p:sp>
+      <p:sp>
+        <p:nvSpPr>
+          <p:cNvPr id="174" name="TextBox 173">
+            <a:extLst>
+              <a:ext uri="{FF2B5EF4-FFF2-40B4-BE49-F238E27FC236}">
+                <a16:creationId xmlns:a16="http://schemas.microsoft.com/office/drawing/2014/main" id="{91EB42A0-1026-48CE-8E93-79C40101C4D4}"/>
+              </a:ext>
+            </a:extLst>
+          </p:cNvPr>
+          <p:cNvSpPr txBox="1"/>
+          <p:nvPr/>
+        </p:nvSpPr>
+        <p:spPr>
+          <a:xfrm>
+            <a:off x="6188030" y="2840327"/>
+            <a:ext cx="6003970" cy="276999"/>
+          </a:xfrm>
+          <a:prstGeom prst="rect">
+            <a:avLst/>
+          </a:prstGeom>
+          <a:noFill/>
+          <a:ln>
+            <a:noFill/>
+          </a:ln>
+        </p:spPr>
+        <p:style>
+          <a:lnRef idx="2">
+            <a:schemeClr val="accent3"/>
+          </a:lnRef>
+          <a:fillRef idx="1">
+            <a:schemeClr val="lt1"/>
+          </a:fillRef>
+          <a:effectRef idx="0">
+            <a:schemeClr val="accent3"/>
+          </a:effectRef>
+          <a:fontRef idx="minor">
+            <a:schemeClr val="dk1"/>
+          </a:fontRef>
+        </p:style>
+        <p:txBody>
+          <a:bodyPr wrap="square" rtlCol="0">
+            <a:spAutoFit/>
+          </a:bodyPr>
+          <a:lstStyle/>
+          <a:p>
+            <a:r>
+              <a:rPr lang="en-GB" sz="1200" dirty="0">
+                <a:latin typeface="+mj-lt"/>
+              </a:rPr>
+              <a:t>Concurrency limits for resource classes still apply. </a:t>
+            </a:r>
+            <a:r>
+              <a:rPr lang="en-GB" sz="1200" dirty="0">
+                <a:latin typeface="+mj-lt"/>
+                <a:hlinkClick r:id="rId19"/>
+              </a:rPr>
+              <a:t>docs.microsoft</a:t>
+            </a:r>
+            <a:endParaRPr lang="en-US" sz="1200" dirty="0">
+              <a:latin typeface="+mj-lt"/>
+            </a:endParaRPr>
+          </a:p>
+        </p:txBody>
+      </p:sp>
+      <p:sp>
+        <p:nvSpPr>
+          <p:cNvPr id="175" name="TextBox 174">
+            <a:extLst>
+              <a:ext uri="{FF2B5EF4-FFF2-40B4-BE49-F238E27FC236}">
+                <a16:creationId xmlns:a16="http://schemas.microsoft.com/office/drawing/2014/main" id="{FF9F99BF-F27C-4008-BB0D-FA981EBF9C0E}"/>
+              </a:ext>
+            </a:extLst>
+          </p:cNvPr>
+          <p:cNvSpPr txBox="1"/>
+          <p:nvPr/>
+        </p:nvSpPr>
+        <p:spPr>
+          <a:xfrm>
+            <a:off x="6188030" y="3293981"/>
+            <a:ext cx="6003970" cy="276999"/>
+          </a:xfrm>
+          <a:prstGeom prst="rect">
+            <a:avLst/>
+          </a:prstGeom>
+          <a:noFill/>
+          <a:ln>
+            <a:noFill/>
+          </a:ln>
+        </p:spPr>
+        <p:style>
+          <a:lnRef idx="2">
+            <a:schemeClr val="accent3"/>
+          </a:lnRef>
+          <a:fillRef idx="1">
+            <a:schemeClr val="lt1"/>
+          </a:fillRef>
+          <a:effectRef idx="0">
+            <a:schemeClr val="accent3"/>
+          </a:effectRef>
+          <a:fontRef idx="minor">
+            <a:schemeClr val="dk1"/>
+          </a:fontRef>
+        </p:style>
+        <p:txBody>
+          <a:bodyPr wrap="square" rtlCol="0">
+            <a:spAutoFit/>
+          </a:bodyPr>
+          <a:lstStyle/>
+          <a:p>
+            <a:r>
+              <a:rPr lang="en-GB" sz="1200" dirty="0">
+                <a:latin typeface="+mj-lt"/>
+              </a:rPr>
+              <a:t>Uses Spark compute pools. New transforms added. Feature parity with ADF.</a:t>
+            </a:r>
+            <a:endParaRPr lang="en-US" sz="1200" dirty="0">
+              <a:latin typeface="+mj-lt"/>
+            </a:endParaRPr>
+          </a:p>
+        </p:txBody>
+      </p:sp>
+      <p:sp>
+        <p:nvSpPr>
+          <p:cNvPr id="176" name="TextBox 175">
+            <a:extLst>
+              <a:ext uri="{FF2B5EF4-FFF2-40B4-BE49-F238E27FC236}">
+                <a16:creationId xmlns:a16="http://schemas.microsoft.com/office/drawing/2014/main" id="{D203A64A-7FF8-4E40-82D0-BF377B543A51}"/>
+              </a:ext>
+            </a:extLst>
+          </p:cNvPr>
+          <p:cNvSpPr txBox="1"/>
+          <p:nvPr/>
+        </p:nvSpPr>
+        <p:spPr>
+          <a:xfrm>
+            <a:off x="6188030" y="880992"/>
+            <a:ext cx="5113032" cy="461665"/>
+          </a:xfrm>
+          <a:prstGeom prst="rect">
+            <a:avLst/>
+          </a:prstGeom>
+          <a:noFill/>
+          <a:ln>
+            <a:noFill/>
+          </a:ln>
+        </p:spPr>
+        <p:style>
+          <a:lnRef idx="2">
+            <a:schemeClr val="accent3"/>
+          </a:lnRef>
+          <a:fillRef idx="1">
+            <a:schemeClr val="lt1"/>
+          </a:fillRef>
+          <a:effectRef idx="0">
+            <a:schemeClr val="accent3"/>
+          </a:effectRef>
+          <a:fontRef idx="minor">
+            <a:schemeClr val="dk1"/>
+          </a:fontRef>
+        </p:style>
+        <p:txBody>
+          <a:bodyPr wrap="square" rtlCol="0">
+            <a:spAutoFit/>
+          </a:bodyPr>
+          <a:lstStyle/>
+          <a:p>
+            <a:r>
+              <a:rPr lang="en-GB" sz="1200" dirty="0">
+                <a:latin typeface="+mj-lt"/>
+              </a:rPr>
+              <a:t>Consider permissions and integration if used as the metadata store and </a:t>
+            </a:r>
+          </a:p>
+          <a:p>
+            <a:r>
+              <a:rPr lang="en-GB" sz="1200" dirty="0">
+                <a:latin typeface="+mj-lt"/>
+              </a:rPr>
+              <a:t>main data store.</a:t>
+            </a:r>
+            <a:endParaRPr lang="en-US" sz="1200" dirty="0">
+              <a:latin typeface="+mj-lt"/>
+            </a:endParaRPr>
+          </a:p>
+        </p:txBody>
+      </p:sp>
+      <p:pic>
+        <p:nvPicPr>
+          <p:cNvPr id="177" name="Picture 176">
+            <a:extLst>
+              <a:ext uri="{FF2B5EF4-FFF2-40B4-BE49-F238E27FC236}">
+                <a16:creationId xmlns:a16="http://schemas.microsoft.com/office/drawing/2014/main" id="{726F7E56-2EB5-406C-A57A-E190D36453C1}"/>
+              </a:ext>
+            </a:extLst>
+          </p:cNvPr>
+          <p:cNvPicPr>
+            <a:picLocks noChangeAspect="1"/>
+          </p:cNvPicPr>
+          <p:nvPr/>
+        </p:nvPicPr>
+        <p:blipFill rotWithShape="1">
+          <a:blip r:embed="rId17"/>
+          <a:srcRect l="37217" r="35553" b="29227"/>
+          <a:stretch/>
+        </p:blipFill>
+        <p:spPr>
+          <a:xfrm rot="16200000">
+            <a:off x="256536" y="5973532"/>
+            <a:ext cx="177651" cy="488130"/>
+          </a:xfrm>
+          <a:prstGeom prst="rect">
+            <a:avLst/>
+          </a:prstGeom>
+        </p:spPr>
+      </p:pic>
+      <p:pic>
+        <p:nvPicPr>
+          <p:cNvPr id="178" name="Picture 177">
+            <a:extLst>
+              <a:ext uri="{FF2B5EF4-FFF2-40B4-BE49-F238E27FC236}">
+                <a16:creationId xmlns:a16="http://schemas.microsoft.com/office/drawing/2014/main" id="{6B0856EA-671D-4B57-9A99-6E137A678354}"/>
+              </a:ext>
+            </a:extLst>
+          </p:cNvPr>
+          <p:cNvPicPr>
+            <a:picLocks noChangeAspect="1"/>
+          </p:cNvPicPr>
+          <p:nvPr/>
+        </p:nvPicPr>
+        <p:blipFill rotWithShape="1">
+          <a:blip r:embed="rId17"/>
+          <a:srcRect l="73639" b="29227"/>
+          <a:stretch/>
+        </p:blipFill>
+        <p:spPr>
+          <a:xfrm rot="16200000">
+            <a:off x="259370" y="6199456"/>
+            <a:ext cx="171984" cy="488129"/>
+          </a:xfrm>
+          <a:prstGeom prst="rect">
+            <a:avLst/>
+          </a:prstGeom>
+        </p:spPr>
+      </p:pic>
+      <p:pic>
+        <p:nvPicPr>
+          <p:cNvPr id="179" name="Picture 178">
+            <a:extLst>
+              <a:ext uri="{FF2B5EF4-FFF2-40B4-BE49-F238E27FC236}">
+                <a16:creationId xmlns:a16="http://schemas.microsoft.com/office/drawing/2014/main" id="{34FC8655-CAE5-4357-9916-15EF5038BD2E}"/>
+              </a:ext>
+            </a:extLst>
+          </p:cNvPr>
+          <p:cNvPicPr>
+            <a:picLocks noChangeAspect="1"/>
+          </p:cNvPicPr>
+          <p:nvPr/>
+        </p:nvPicPr>
+        <p:blipFill rotWithShape="1">
+          <a:blip r:embed="rId17"/>
+          <a:srcRect l="873" r="71897" b="29227"/>
+          <a:stretch/>
+        </p:blipFill>
+        <p:spPr>
+          <a:xfrm rot="16200000">
+            <a:off x="250743" y="6423856"/>
+            <a:ext cx="177651" cy="488131"/>
+          </a:xfrm>
+          <a:prstGeom prst="rect">
+            <a:avLst/>
+          </a:prstGeom>
+        </p:spPr>
+      </p:pic>
+      <p:sp>
+        <p:nvSpPr>
+          <p:cNvPr id="180" name="TextBox 179">
+            <a:extLst>
+              <a:ext uri="{FF2B5EF4-FFF2-40B4-BE49-F238E27FC236}">
+                <a16:creationId xmlns:a16="http://schemas.microsoft.com/office/drawing/2014/main" id="{3E8D2816-5335-44BB-BB6E-E999514EC607}"/>
+              </a:ext>
+            </a:extLst>
+          </p:cNvPr>
+          <p:cNvSpPr txBox="1"/>
+          <p:nvPr/>
+        </p:nvSpPr>
+        <p:spPr>
+          <a:xfrm>
+            <a:off x="587744" y="6063131"/>
+            <a:ext cx="683238" cy="307777"/>
+          </a:xfrm>
+          <a:prstGeom prst="rect">
+            <a:avLst/>
+          </a:prstGeom>
+          <a:noFill/>
+        </p:spPr>
+        <p:txBody>
+          <a:bodyPr wrap="square" rtlCol="0">
+            <a:spAutoFit/>
+          </a:bodyPr>
+          <a:lstStyle/>
+          <a:p>
+            <a:r>
+              <a:rPr lang="en-GB" sz="1400" dirty="0">
+                <a:latin typeface="+mj-lt"/>
+              </a:rPr>
+              <a:t>= 4</a:t>
+            </a:r>
+            <a:endParaRPr lang="en-US" sz="1400" dirty="0">
+              <a:latin typeface="+mj-lt"/>
+            </a:endParaRPr>
+          </a:p>
+        </p:txBody>
+      </p:sp>
+      <p:sp>
+        <p:nvSpPr>
+          <p:cNvPr id="181" name="TextBox 180">
+            <a:extLst>
+              <a:ext uri="{FF2B5EF4-FFF2-40B4-BE49-F238E27FC236}">
+                <a16:creationId xmlns:a16="http://schemas.microsoft.com/office/drawing/2014/main" id="{F90AC287-19AD-4F10-BBAB-7FE34A7D0006}"/>
+              </a:ext>
+            </a:extLst>
+          </p:cNvPr>
+          <p:cNvSpPr txBox="1"/>
+          <p:nvPr/>
+        </p:nvSpPr>
+        <p:spPr>
+          <a:xfrm>
+            <a:off x="587745" y="6297100"/>
+            <a:ext cx="683236" cy="307777"/>
+          </a:xfrm>
+          <a:prstGeom prst="rect">
+            <a:avLst/>
+          </a:prstGeom>
+          <a:noFill/>
+        </p:spPr>
+        <p:txBody>
+          <a:bodyPr wrap="square" rtlCol="0">
+            <a:spAutoFit/>
+          </a:bodyPr>
+          <a:lstStyle/>
+          <a:p>
+            <a:r>
+              <a:rPr lang="en-GB" sz="1400" dirty="0">
+                <a:latin typeface="+mj-lt"/>
+              </a:rPr>
+              <a:t>= 7</a:t>
+            </a:r>
+            <a:endParaRPr lang="en-US" sz="1400" dirty="0">
+              <a:latin typeface="+mj-lt"/>
+            </a:endParaRPr>
+          </a:p>
+        </p:txBody>
+      </p:sp>
+      <p:sp>
+        <p:nvSpPr>
+          <p:cNvPr id="182" name="TextBox 181">
+            <a:extLst>
+              <a:ext uri="{FF2B5EF4-FFF2-40B4-BE49-F238E27FC236}">
+                <a16:creationId xmlns:a16="http://schemas.microsoft.com/office/drawing/2014/main" id="{C1F6F4C7-277D-4EE4-BE4B-667D0B70876A}"/>
+              </a:ext>
+            </a:extLst>
+          </p:cNvPr>
+          <p:cNvSpPr txBox="1"/>
+          <p:nvPr/>
+        </p:nvSpPr>
+        <p:spPr>
+          <a:xfrm>
+            <a:off x="587745" y="6518262"/>
+            <a:ext cx="674922" cy="307777"/>
+          </a:xfrm>
+          <a:prstGeom prst="rect">
+            <a:avLst/>
+          </a:prstGeom>
+          <a:noFill/>
+        </p:spPr>
+        <p:txBody>
+          <a:bodyPr wrap="square" rtlCol="0">
+            <a:spAutoFit/>
+          </a:bodyPr>
+          <a:lstStyle/>
+          <a:p>
+            <a:r>
+              <a:rPr lang="en-GB" sz="1400" dirty="0">
+                <a:latin typeface="+mj-lt"/>
+              </a:rPr>
+              <a:t>= 3</a:t>
+            </a:r>
+            <a:endParaRPr lang="en-US" sz="1400" dirty="0">
+              <a:latin typeface="+mj-lt"/>
+            </a:endParaRPr>
+          </a:p>
+        </p:txBody>
+      </p:sp>
+      <p:sp>
+        <p:nvSpPr>
+          <p:cNvPr id="183" name="TextBox 182">
+            <a:extLst>
+              <a:ext uri="{FF2B5EF4-FFF2-40B4-BE49-F238E27FC236}">
+                <a16:creationId xmlns:a16="http://schemas.microsoft.com/office/drawing/2014/main" id="{751DB4A8-271F-482C-8D30-AFC20FF4D1B4}"/>
+              </a:ext>
+            </a:extLst>
+          </p:cNvPr>
+          <p:cNvSpPr txBox="1"/>
+          <p:nvPr/>
+        </p:nvSpPr>
+        <p:spPr>
+          <a:xfrm>
+            <a:off x="0" y="5790349"/>
+            <a:ext cx="970283" cy="307777"/>
+          </a:xfrm>
+          <a:prstGeom prst="rect">
+            <a:avLst/>
+          </a:prstGeom>
+          <a:noFill/>
+        </p:spPr>
+        <p:txBody>
+          <a:bodyPr wrap="square" rtlCol="0">
+            <a:spAutoFit/>
+          </a:bodyPr>
+          <a:lstStyle/>
+          <a:p>
+            <a:r>
+              <a:rPr lang="en-GB" sz="1400" b="1" dirty="0">
+                <a:latin typeface="+mj-lt"/>
+              </a:rPr>
+              <a:t>Summary</a:t>
+            </a:r>
+            <a:endParaRPr lang="en-US" sz="1400" b="1" dirty="0">
+              <a:latin typeface="+mj-lt"/>
+            </a:endParaRPr>
+          </a:p>
+        </p:txBody>
+      </p:sp>
+      <p:sp>
+        <p:nvSpPr>
+          <p:cNvPr id="184" name="TextBox 183">
+            <a:extLst>
+              <a:ext uri="{FF2B5EF4-FFF2-40B4-BE49-F238E27FC236}">
+                <a16:creationId xmlns:a16="http://schemas.microsoft.com/office/drawing/2014/main" id="{E7B5367F-C8B9-4407-B72E-B1905F31A196}"/>
+              </a:ext>
+            </a:extLst>
+          </p:cNvPr>
+          <p:cNvSpPr txBox="1"/>
+          <p:nvPr/>
+        </p:nvSpPr>
+        <p:spPr>
+          <a:xfrm>
+            <a:off x="13964" y="3156608"/>
+            <a:ext cx="1822484" cy="1077218"/>
+          </a:xfrm>
+          <a:prstGeom prst="rect">
+            <a:avLst/>
+          </a:prstGeom>
+          <a:noFill/>
+        </p:spPr>
+        <p:txBody>
+          <a:bodyPr wrap="square" rtlCol="0">
+            <a:spAutoFit/>
+          </a:bodyPr>
+          <a:lstStyle/>
+          <a:p>
+            <a:pPr algn="ctr"/>
+            <a:r>
+              <a:rPr lang="en-GB" sz="1600" i="1" dirty="0">
+                <a:latin typeface="+mj-lt"/>
+              </a:rPr>
+              <a:t>Paul’s view on features.</a:t>
+            </a:r>
+          </a:p>
+          <a:p>
+            <a:pPr algn="ctr"/>
+            <a:endParaRPr lang="en-GB" sz="1600" i="1" dirty="0">
+              <a:latin typeface="+mj-lt"/>
+            </a:endParaRPr>
+          </a:p>
+          <a:p>
+            <a:pPr algn="ctr"/>
+            <a:r>
+              <a:rPr lang="en-GB" sz="1600" i="1" u="sng" dirty="0">
+                <a:latin typeface="+mj-lt"/>
+              </a:rPr>
+              <a:t>As of 28</a:t>
+            </a:r>
+            <a:r>
+              <a:rPr lang="en-GB" sz="1600" i="1" u="sng" baseline="30000" dirty="0">
+                <a:latin typeface="+mj-lt"/>
+              </a:rPr>
+              <a:t>th</a:t>
+            </a:r>
+            <a:r>
+              <a:rPr lang="en-GB" sz="1600" i="1" u="sng" dirty="0">
+                <a:latin typeface="+mj-lt"/>
+              </a:rPr>
+              <a:t> May 2021</a:t>
+            </a:r>
+          </a:p>
+        </p:txBody>
+      </p:sp>
+      <p:pic>
+        <p:nvPicPr>
+          <p:cNvPr id="185" name="Picture 184">
+            <a:extLst>
+              <a:ext uri="{FF2B5EF4-FFF2-40B4-BE49-F238E27FC236}">
+                <a16:creationId xmlns:a16="http://schemas.microsoft.com/office/drawing/2014/main" id="{9DE9C2E6-4292-4A6C-B069-A810C2EF5E1E}"/>
+              </a:ext>
+            </a:extLst>
+          </p:cNvPr>
+          <p:cNvPicPr>
+            <a:picLocks noChangeAspect="1"/>
+          </p:cNvPicPr>
+          <p:nvPr/>
+        </p:nvPicPr>
+        <p:blipFill rotWithShape="1">
+          <a:blip r:embed="rId17"/>
+          <a:srcRect l="73639" b="29227"/>
+          <a:stretch/>
+        </p:blipFill>
+        <p:spPr>
+          <a:xfrm rot="16200000">
+            <a:off x="5639731" y="5462741"/>
+            <a:ext cx="171984" cy="488129"/>
+          </a:xfrm>
+          <a:prstGeom prst="rect">
+            <a:avLst/>
+          </a:prstGeom>
+        </p:spPr>
+      </p:pic>
+      <p:pic>
+        <p:nvPicPr>
+          <p:cNvPr id="186" name="Picture 185">
+            <a:extLst>
+              <a:ext uri="{FF2B5EF4-FFF2-40B4-BE49-F238E27FC236}">
+                <a16:creationId xmlns:a16="http://schemas.microsoft.com/office/drawing/2014/main" id="{7F5C12B7-4D96-4B25-AAD0-C793FC6BE6E5}"/>
+              </a:ext>
+            </a:extLst>
+          </p:cNvPr>
+          <p:cNvPicPr>
+            <a:picLocks noChangeAspect="1"/>
+          </p:cNvPicPr>
+          <p:nvPr/>
+        </p:nvPicPr>
+        <p:blipFill rotWithShape="1">
+          <a:blip r:embed="rId17"/>
+          <a:srcRect l="37217" r="35553" b="29227"/>
+          <a:stretch/>
+        </p:blipFill>
+        <p:spPr>
+          <a:xfrm rot="16200000">
+            <a:off x="5641603" y="2215884"/>
+            <a:ext cx="177651" cy="488130"/>
+          </a:xfrm>
+          <a:prstGeom prst="rect">
+            <a:avLst/>
+          </a:prstGeom>
+        </p:spPr>
+      </p:pic>
+      <p:sp>
+        <p:nvSpPr>
+          <p:cNvPr id="187" name="TextBox 186">
+            <a:extLst>
+              <a:ext uri="{FF2B5EF4-FFF2-40B4-BE49-F238E27FC236}">
+                <a16:creationId xmlns:a16="http://schemas.microsoft.com/office/drawing/2014/main" id="{EB38EBA4-CF49-45E1-BD59-1CE02F47C809}"/>
+              </a:ext>
+            </a:extLst>
+          </p:cNvPr>
+          <p:cNvSpPr txBox="1"/>
+          <p:nvPr/>
+        </p:nvSpPr>
+        <p:spPr>
+          <a:xfrm>
+            <a:off x="11250893" y="24188"/>
+            <a:ext cx="996168" cy="369332"/>
+          </a:xfrm>
+          <a:prstGeom prst="rect">
+            <a:avLst/>
+          </a:prstGeom>
+          <a:noFill/>
+        </p:spPr>
+        <p:txBody>
+          <a:bodyPr wrap="square" rtlCol="0">
+            <a:spAutoFit/>
+          </a:bodyPr>
+          <a:lstStyle/>
+          <a:p>
+            <a:r>
+              <a:rPr lang="en-GB" b="1" dirty="0">
+                <a:latin typeface="+mj-lt"/>
+              </a:rPr>
+              <a:t>Updates</a:t>
+            </a:r>
+            <a:endParaRPr lang="en-US" b="1" dirty="0">
+              <a:latin typeface="+mj-lt"/>
+            </a:endParaRPr>
+          </a:p>
+        </p:txBody>
+      </p:sp>
+      <p:cxnSp>
+        <p:nvCxnSpPr>
+          <p:cNvPr id="188" name="Straight Connector 187">
+            <a:extLst>
+              <a:ext uri="{FF2B5EF4-FFF2-40B4-BE49-F238E27FC236}">
+                <a16:creationId xmlns:a16="http://schemas.microsoft.com/office/drawing/2014/main" id="{58EC62CB-9C1C-4B99-A187-14A876926977}"/>
+              </a:ext>
+            </a:extLst>
+          </p:cNvPr>
+          <p:cNvCxnSpPr>
+            <a:cxnSpLocks/>
+          </p:cNvCxnSpPr>
+          <p:nvPr/>
+        </p:nvCxnSpPr>
+        <p:spPr>
+          <a:xfrm>
+            <a:off x="11301068" y="-10"/>
+            <a:ext cx="0" cy="6858000"/>
+          </a:xfrm>
+          <a:prstGeom prst="line">
+            <a:avLst/>
+          </a:prstGeom>
+        </p:spPr>
+        <p:style>
+          <a:lnRef idx="1">
+            <a:schemeClr val="accent3"/>
+          </a:lnRef>
+          <a:fillRef idx="0">
+            <a:schemeClr val="accent3"/>
+          </a:fillRef>
+          <a:effectRef idx="0">
+            <a:schemeClr val="accent3"/>
+          </a:effectRef>
+          <a:fontRef idx="minor">
+            <a:schemeClr val="tx1"/>
+          </a:fontRef>
+        </p:style>
+      </p:cxnSp>
+      <p:sp>
+        <p:nvSpPr>
+          <p:cNvPr id="189" name="Arrow: Left 188">
+            <a:extLst>
+              <a:ext uri="{FF2B5EF4-FFF2-40B4-BE49-F238E27FC236}">
+                <a16:creationId xmlns:a16="http://schemas.microsoft.com/office/drawing/2014/main" id="{8320FFDB-A95D-4A53-AAD4-2B18C995CE79}"/>
+              </a:ext>
+            </a:extLst>
+          </p:cNvPr>
+          <p:cNvSpPr/>
+          <p:nvPr/>
+        </p:nvSpPr>
+        <p:spPr>
+          <a:xfrm>
+            <a:off x="11568849" y="558540"/>
+            <a:ext cx="345728" cy="177641"/>
+          </a:xfrm>
+          <a:prstGeom prst="leftArrow">
+            <a:avLst/>
+          </a:prstGeom>
+        </p:spPr>
+        <p:style>
+          <a:lnRef idx="2">
+            <a:schemeClr val="accent3">
+              <a:shade val="50000"/>
+            </a:schemeClr>
+          </a:lnRef>
+          <a:fillRef idx="1">
+            <a:schemeClr val="accent3"/>
+          </a:fillRef>
+          <a:effectRef idx="0">
+            <a:schemeClr val="accent3"/>
+          </a:effectRef>
+          <a:fontRef idx="minor">
+            <a:schemeClr val="lt1"/>
+          </a:fontRef>
+        </p:style>
+        <p:txBody>
+          <a:bodyPr rtlCol="0" anchor="ctr"/>
+          <a:lstStyle/>
+          <a:p>
+            <a:pPr algn="ctr"/>
+            <a:endParaRPr lang="en-US" dirty="0"/>
+          </a:p>
+        </p:txBody>
+      </p:sp>
+      <p:sp>
+        <p:nvSpPr>
+          <p:cNvPr id="190" name="Arrow: Left 189">
+            <a:extLst>
+              <a:ext uri="{FF2B5EF4-FFF2-40B4-BE49-F238E27FC236}">
+                <a16:creationId xmlns:a16="http://schemas.microsoft.com/office/drawing/2014/main" id="{CEC691DA-CDD1-4A5F-AE4D-F2E874E16386}"/>
+              </a:ext>
+            </a:extLst>
+          </p:cNvPr>
+          <p:cNvSpPr/>
+          <p:nvPr/>
+        </p:nvSpPr>
+        <p:spPr>
+          <a:xfrm>
+            <a:off x="11568849" y="2394422"/>
+            <a:ext cx="345728" cy="177641"/>
+          </a:xfrm>
+          <a:prstGeom prst="leftArrow">
+            <a:avLst/>
+          </a:prstGeom>
+        </p:spPr>
+        <p:style>
+          <a:lnRef idx="2">
+            <a:schemeClr val="accent3">
+              <a:shade val="50000"/>
+            </a:schemeClr>
+          </a:lnRef>
+          <a:fillRef idx="1">
+            <a:schemeClr val="accent3"/>
+          </a:fillRef>
+          <a:effectRef idx="0">
+            <a:schemeClr val="accent3"/>
+          </a:effectRef>
+          <a:fontRef idx="minor">
+            <a:schemeClr val="lt1"/>
+          </a:fontRef>
+        </p:style>
+        <p:txBody>
+          <a:bodyPr rtlCol="0" anchor="ctr"/>
+          <a:lstStyle/>
+          <a:p>
+            <a:pPr algn="ctr"/>
+            <a:endParaRPr lang="en-US" dirty="0"/>
+          </a:p>
+        </p:txBody>
+      </p:sp>
+      <p:sp>
+        <p:nvSpPr>
+          <p:cNvPr id="191" name="Arrow: Left 190">
+            <a:extLst>
+              <a:ext uri="{FF2B5EF4-FFF2-40B4-BE49-F238E27FC236}">
+                <a16:creationId xmlns:a16="http://schemas.microsoft.com/office/drawing/2014/main" id="{63BFF6EC-72EE-4E23-A91E-9F084F58F547}"/>
+              </a:ext>
+            </a:extLst>
+          </p:cNvPr>
+          <p:cNvSpPr/>
+          <p:nvPr/>
+        </p:nvSpPr>
+        <p:spPr>
+          <a:xfrm>
+            <a:off x="11564765" y="1943783"/>
+            <a:ext cx="345728" cy="177641"/>
+          </a:xfrm>
+          <a:prstGeom prst="leftArrow">
+            <a:avLst/>
+          </a:prstGeom>
+        </p:spPr>
+        <p:style>
+          <a:lnRef idx="2">
+            <a:schemeClr val="accent3">
+              <a:shade val="50000"/>
+            </a:schemeClr>
+          </a:lnRef>
+          <a:fillRef idx="1">
+            <a:schemeClr val="accent3"/>
+          </a:fillRef>
+          <a:effectRef idx="0">
+            <a:schemeClr val="accent3"/>
+          </a:effectRef>
+          <a:fontRef idx="minor">
+            <a:schemeClr val="lt1"/>
+          </a:fontRef>
+        </p:style>
+        <p:txBody>
+          <a:bodyPr rtlCol="0" anchor="ctr"/>
+          <a:lstStyle/>
+          <a:p>
+            <a:pPr algn="ctr"/>
+            <a:endParaRPr lang="en-US" dirty="0"/>
+          </a:p>
+        </p:txBody>
+      </p:sp>
+      <p:sp>
+        <p:nvSpPr>
+          <p:cNvPr id="192" name="Arrow: Left 191">
+            <a:extLst>
+              <a:ext uri="{FF2B5EF4-FFF2-40B4-BE49-F238E27FC236}">
+                <a16:creationId xmlns:a16="http://schemas.microsoft.com/office/drawing/2014/main" id="{E74887D7-E20F-4456-8D3D-06D8D5D20A86}"/>
+              </a:ext>
+            </a:extLst>
+          </p:cNvPr>
+          <p:cNvSpPr/>
+          <p:nvPr/>
+        </p:nvSpPr>
+        <p:spPr>
+          <a:xfrm>
+            <a:off x="11563267" y="4720342"/>
+            <a:ext cx="345728" cy="177641"/>
+          </a:xfrm>
+          <a:prstGeom prst="leftArrow">
+            <a:avLst/>
+          </a:prstGeom>
+        </p:spPr>
+        <p:style>
+          <a:lnRef idx="2">
+            <a:schemeClr val="accent3">
+              <a:shade val="50000"/>
+            </a:schemeClr>
+          </a:lnRef>
+          <a:fillRef idx="1">
+            <a:schemeClr val="accent3"/>
+          </a:fillRef>
+          <a:effectRef idx="0">
+            <a:schemeClr val="accent3"/>
+          </a:effectRef>
+          <a:fontRef idx="minor">
+            <a:schemeClr val="lt1"/>
+          </a:fontRef>
+        </p:style>
+        <p:txBody>
+          <a:bodyPr rtlCol="0" anchor="ctr"/>
+          <a:lstStyle/>
+          <a:p>
+            <a:pPr algn="ctr"/>
+            <a:endParaRPr lang="en-US" dirty="0"/>
+          </a:p>
+        </p:txBody>
+      </p:sp>
+      <p:sp>
+        <p:nvSpPr>
+          <p:cNvPr id="193" name="Arrow: Left 192">
+            <a:extLst>
+              <a:ext uri="{FF2B5EF4-FFF2-40B4-BE49-F238E27FC236}">
+                <a16:creationId xmlns:a16="http://schemas.microsoft.com/office/drawing/2014/main" id="{BE9358CE-F86C-48AA-8C11-E614EDFBC823}"/>
+              </a:ext>
+            </a:extLst>
+          </p:cNvPr>
+          <p:cNvSpPr/>
+          <p:nvPr/>
+        </p:nvSpPr>
+        <p:spPr>
+          <a:xfrm>
+            <a:off x="11563267" y="3342321"/>
+            <a:ext cx="345728" cy="177641"/>
+          </a:xfrm>
+          <a:prstGeom prst="leftArrow">
+            <a:avLst/>
+          </a:prstGeom>
+        </p:spPr>
+        <p:style>
+          <a:lnRef idx="2">
+            <a:schemeClr val="accent3">
+              <a:shade val="50000"/>
+            </a:schemeClr>
+          </a:lnRef>
+          <a:fillRef idx="1">
+            <a:schemeClr val="accent3"/>
+          </a:fillRef>
+          <a:effectRef idx="0">
+            <a:schemeClr val="accent3"/>
+          </a:effectRef>
+          <a:fontRef idx="minor">
+            <a:schemeClr val="lt1"/>
+          </a:fontRef>
+        </p:style>
+        <p:txBody>
+          <a:bodyPr rtlCol="0" anchor="ctr"/>
+          <a:lstStyle/>
+          <a:p>
+            <a:pPr algn="ctr"/>
+            <a:endParaRPr lang="en-US" dirty="0"/>
+          </a:p>
+        </p:txBody>
+      </p:sp>
+      <p:sp>
+        <p:nvSpPr>
+          <p:cNvPr id="194" name="Arrow: Left 193">
+            <a:extLst>
+              <a:ext uri="{FF2B5EF4-FFF2-40B4-BE49-F238E27FC236}">
+                <a16:creationId xmlns:a16="http://schemas.microsoft.com/office/drawing/2014/main" id="{629B0974-AD8E-441D-8A88-46ABA50086ED}"/>
+              </a:ext>
+            </a:extLst>
+          </p:cNvPr>
+          <p:cNvSpPr/>
+          <p:nvPr/>
+        </p:nvSpPr>
+        <p:spPr>
+          <a:xfrm>
+            <a:off x="11563267" y="5196284"/>
+            <a:ext cx="345728" cy="177641"/>
+          </a:xfrm>
+          <a:prstGeom prst="leftArrow">
+            <a:avLst/>
+          </a:prstGeom>
+        </p:spPr>
+        <p:style>
+          <a:lnRef idx="2">
+            <a:schemeClr val="accent3">
+              <a:shade val="50000"/>
+            </a:schemeClr>
+          </a:lnRef>
+          <a:fillRef idx="1">
+            <a:schemeClr val="accent3"/>
+          </a:fillRef>
+          <a:effectRef idx="0">
+            <a:schemeClr val="accent3"/>
+          </a:effectRef>
+          <a:fontRef idx="minor">
+            <a:schemeClr val="lt1"/>
+          </a:fontRef>
+        </p:style>
+        <p:txBody>
+          <a:bodyPr rtlCol="0" anchor="ctr"/>
+          <a:lstStyle/>
+          <a:p>
+            <a:pPr algn="ctr"/>
+            <a:endParaRPr lang="en-US" dirty="0"/>
+          </a:p>
+        </p:txBody>
+      </p:sp>
+    </p:spTree>
+    <p:extLst>
+      <p:ext uri="{BB962C8B-B14F-4D97-AF65-F5344CB8AC3E}">
+        <p14:creationId xmlns:p14="http://schemas.microsoft.com/office/powerpoint/2010/main" val="1751511125"/>
       </p:ext>
     </p:extLst>
   </p:cSld>
